--- a/doc/frontend/wireframe/TRN-MiniBlog_WireframeDesign_LAMVY.pptx
+++ b/doc/frontend/wireframe/TRN-MiniBlog_WireframeDesign_LAMVY.pptx
@@ -212,7 +212,7 @@
           </a:lstStyle>
           <a:p>
             <a:fld id="{0B14D75D-3A88-044C-B530-B9A2A8B351DB}" type="datetimeFigureOut">
-              <a:t>1/7/2015</a:t>
+              <a:t>1/8/2015</a:t>
             </a:fld>
             <a:endParaRPr kumimoji="1" lang="ja-JP" altLang="en-US"/>
           </a:p>
@@ -669,7 +669,7 @@
                 <a:ea typeface="ＭＳ Ｐゴシック"/>
               </a:rPr>
               <a:pPr/>
-              <a:t>2015/1/7</a:t>
+              <a:t>2015/1/8</a:t>
             </a:fld>
             <a:endParaRPr lang="ja-JP" altLang="en-US">
               <a:solidFill>
@@ -913,7 +913,7 @@
                 <a:ea typeface="ＭＳ Ｐゴシック"/>
               </a:rPr>
               <a:pPr/>
-              <a:t>2015/1/7</a:t>
+              <a:t>2015/1/8</a:t>
             </a:fld>
             <a:endParaRPr lang="ja-JP" altLang="en-US">
               <a:solidFill>
@@ -1167,7 +1167,7 @@
                 <a:ea typeface="ＭＳ Ｐゴシック"/>
               </a:rPr>
               <a:pPr/>
-              <a:t>2015/1/7</a:t>
+              <a:t>2015/1/8</a:t>
             </a:fld>
             <a:endParaRPr lang="ja-JP" altLang="en-US">
               <a:solidFill>
@@ -1304,7 +1304,7 @@
                 <a:ea typeface="ＭＳ Ｐゴシック"/>
               </a:rPr>
               <a:pPr/>
-              <a:t>2015/1/7</a:t>
+              <a:t>2015/1/8</a:t>
             </a:fld>
             <a:endParaRPr lang="ja-JP" altLang="en-US">
               <a:solidFill>
@@ -1413,12 +1413,12 @@
           <a:effectLst/>
           <a:extLst>
             <a:ext uri="{909E8E84-426E-40dd-AFC4-6F175D3DCCD1}">
-              <a14:hiddenFill xmlns:a14="http://schemas.microsoft.com/office/drawing/2010/main" xmlns="">
+              <a14:hiddenFill xmlns="" xmlns:a14="http://schemas.microsoft.com/office/drawing/2010/main">
                 <a:noFill/>
               </a14:hiddenFill>
             </a:ext>
             <a:ext uri="{AF507438-7753-43e0-B8FC-AC1667EBCBE1}">
-              <a14:hiddenEffects xmlns:a14="http://schemas.microsoft.com/office/drawing/2010/main" xmlns="">
+              <a14:hiddenEffects xmlns="" xmlns:a14="http://schemas.microsoft.com/office/drawing/2010/main">
                 <a:effectLst>
                   <a:outerShdw blurRad="63500" dist="38099" dir="2700000" algn="ctr" rotWithShape="0">
                     <a:schemeClr val="bg2">
@@ -1472,12 +1472,12 @@
           <a:effectLst/>
           <a:extLst>
             <a:ext uri="{909E8E84-426E-40dd-AFC4-6F175D3DCCD1}">
-              <a14:hiddenFill xmlns:a14="http://schemas.microsoft.com/office/drawing/2010/main" xmlns="">
+              <a14:hiddenFill xmlns="" xmlns:a14="http://schemas.microsoft.com/office/drawing/2010/main">
                 <a:noFill/>
               </a14:hiddenFill>
             </a:ext>
             <a:ext uri="{AF507438-7753-43e0-B8FC-AC1667EBCBE1}">
-              <a14:hiddenEffects xmlns:a14="http://schemas.microsoft.com/office/drawing/2010/main" xmlns="">
+              <a14:hiddenEffects xmlns="" xmlns:a14="http://schemas.microsoft.com/office/drawing/2010/main">
                 <a:effectLst>
                   <a:outerShdw blurRad="63500" dist="38099" dir="2700000" algn="ctr" rotWithShape="0">
                     <a:schemeClr val="bg2">
@@ -1535,7 +1535,7 @@
           <a:effectLst/>
           <a:extLst>
             <a:ext uri="{AF507438-7753-43e0-B8FC-AC1667EBCBE1}">
-              <a14:hiddenEffects xmlns:a14="http://schemas.microsoft.com/office/drawing/2010/main" xmlns="">
+              <a14:hiddenEffects xmlns="" xmlns:a14="http://schemas.microsoft.com/office/drawing/2010/main">
                 <a:effectLst>
                   <a:outerShdw blurRad="63500" dist="38099" dir="2700000" algn="ctr" rotWithShape="0">
                     <a:schemeClr val="bg2">
@@ -1591,7 +1591,7 @@
           <a:effectLst/>
           <a:extLst>
             <a:ext uri="{AF507438-7753-43e0-B8FC-AC1667EBCBE1}">
-              <a14:hiddenEffects xmlns:a14="http://schemas.microsoft.com/office/drawing/2010/main" xmlns="">
+              <a14:hiddenEffects xmlns="" xmlns:a14="http://schemas.microsoft.com/office/drawing/2010/main">
                 <a:effectLst>
                   <a:outerShdw blurRad="63500" dist="38099" dir="2700000" algn="ctr" rotWithShape="0">
                     <a:schemeClr val="bg2">
@@ -1644,14 +1644,14 @@
           <a:effectLst/>
           <a:extLst>
             <a:ext uri="{909E8E84-426E-40dd-AFC4-6F175D3DCCD1}">
-              <a14:hiddenFill xmlns:a14="http://schemas.microsoft.com/office/drawing/2010/main" xmlns="">
+              <a14:hiddenFill xmlns="" xmlns:a14="http://schemas.microsoft.com/office/drawing/2010/main">
                 <a:solidFill>
                   <a:schemeClr val="accent1"/>
                 </a:solidFill>
               </a14:hiddenFill>
             </a:ext>
             <a:ext uri="{91240B29-F687-4f45-9708-019B960494DF}">
-              <a14:hiddenLine xmlns:a14="http://schemas.microsoft.com/office/drawing/2010/main" xmlns="" w="9525">
+              <a14:hiddenLine xmlns="" xmlns:a14="http://schemas.microsoft.com/office/drawing/2010/main" w="9525">
                 <a:solidFill>
                   <a:schemeClr val="tx1"/>
                 </a:solidFill>
@@ -1661,7 +1661,7 @@
               </a14:hiddenLine>
             </a:ext>
             <a:ext uri="{AF507438-7753-43e0-B8FC-AC1667EBCBE1}">
-              <a14:hiddenEffects xmlns:a14="http://schemas.microsoft.com/office/drawing/2010/main" xmlns="">
+              <a14:hiddenEffects xmlns="" xmlns:a14="http://schemas.microsoft.com/office/drawing/2010/main">
                 <a:effectLst>
                   <a:outerShdw blurRad="63500" dist="38099" dir="2700000" algn="ctr" rotWithShape="0">
                     <a:schemeClr val="bg2">
@@ -1672,7 +1672,7 @@
               </a14:hiddenEffects>
             </a:ext>
             <a:ext uri="{FAA26D3D-D897-4be2-8F04-BA451C77F1D7}">
-              <ma14:placeholderFlag xmlns:ma14="http://schemas.microsoft.com/office/mac/drawingml/2011/main" xmlns="" val="1"/>
+              <ma14:placeholderFlag xmlns="" xmlns:ma14="http://schemas.microsoft.com/office/mac/drawingml/2011/main" val="1"/>
             </a:ext>
           </a:extLst>
         </p:spPr>
@@ -1824,7 +1824,7 @@
           <a:noFill/>
           <a:extLst>
             <a:ext uri="{909E8E84-426E-40dd-AFC4-6F175D3DCCD1}">
-              <a14:hiddenFill xmlns:a14="http://schemas.microsoft.com/office/drawing/2010/main" xmlns="">
+              <a14:hiddenFill xmlns="" xmlns:a14="http://schemas.microsoft.com/office/drawing/2010/main">
                 <a:solidFill>
                   <a:srgbClr val="FFFFFF"/>
                 </a:solidFill>
@@ -1856,14 +1856,14 @@
           <a:effectLst/>
           <a:extLst>
             <a:ext uri="{909E8E84-426E-40dd-AFC4-6F175D3DCCD1}">
-              <a14:hiddenFill xmlns:a14="http://schemas.microsoft.com/office/drawing/2010/main" xmlns="">
+              <a14:hiddenFill xmlns="" xmlns:a14="http://schemas.microsoft.com/office/drawing/2010/main">
                 <a:solidFill>
                   <a:schemeClr val="accent1"/>
                 </a:solidFill>
               </a14:hiddenFill>
             </a:ext>
             <a:ext uri="{91240B29-F687-4f45-9708-019B960494DF}">
-              <a14:hiddenLine xmlns:a14="http://schemas.microsoft.com/office/drawing/2010/main" xmlns="" w="9525">
+              <a14:hiddenLine xmlns="" xmlns:a14="http://schemas.microsoft.com/office/drawing/2010/main" w="9525">
                 <a:solidFill>
                   <a:schemeClr val="tx1"/>
                 </a:solidFill>
@@ -1873,7 +1873,7 @@
               </a14:hiddenLine>
             </a:ext>
             <a:ext uri="{AF507438-7753-43e0-B8FC-AC1667EBCBE1}">
-              <a14:hiddenEffects xmlns:a14="http://schemas.microsoft.com/office/drawing/2010/main" xmlns="">
+              <a14:hiddenEffects xmlns="" xmlns:a14="http://schemas.microsoft.com/office/drawing/2010/main">
                 <a:effectLst>
                   <a:outerShdw blurRad="63500" dist="38099" dir="2700000" algn="ctr" rotWithShape="0">
                     <a:schemeClr val="bg2">
@@ -1975,7 +1975,7 @@
                 <a:ea typeface="ＭＳ Ｐゴシック"/>
               </a:rPr>
               <a:pPr/>
-              <a:t>2015/1/7</a:t>
+              <a:t>2015/1/8</a:t>
             </a:fld>
             <a:endParaRPr lang="ja-JP" altLang="en-US">
               <a:solidFill>
@@ -2084,12 +2084,12 @@
           <a:effectLst/>
           <a:extLst>
             <a:ext uri="{909E8E84-426E-40dd-AFC4-6F175D3DCCD1}">
-              <a14:hiddenFill xmlns:a14="http://schemas.microsoft.com/office/drawing/2010/main" xmlns="">
+              <a14:hiddenFill xmlns="" xmlns:a14="http://schemas.microsoft.com/office/drawing/2010/main">
                 <a:noFill/>
               </a14:hiddenFill>
             </a:ext>
             <a:ext uri="{AF507438-7753-43e0-B8FC-AC1667EBCBE1}">
-              <a14:hiddenEffects xmlns:a14="http://schemas.microsoft.com/office/drawing/2010/main" xmlns="">
+              <a14:hiddenEffects xmlns="" xmlns:a14="http://schemas.microsoft.com/office/drawing/2010/main">
                 <a:effectLst>
                   <a:outerShdw blurRad="63500" dist="38099" dir="2700000" algn="ctr" rotWithShape="0">
                     <a:schemeClr val="bg2">
@@ -2143,12 +2143,12 @@
           <a:effectLst/>
           <a:extLst>
             <a:ext uri="{909E8E84-426E-40dd-AFC4-6F175D3DCCD1}">
-              <a14:hiddenFill xmlns:a14="http://schemas.microsoft.com/office/drawing/2010/main" xmlns="">
+              <a14:hiddenFill xmlns="" xmlns:a14="http://schemas.microsoft.com/office/drawing/2010/main">
                 <a:noFill/>
               </a14:hiddenFill>
             </a:ext>
             <a:ext uri="{AF507438-7753-43e0-B8FC-AC1667EBCBE1}">
-              <a14:hiddenEffects xmlns:a14="http://schemas.microsoft.com/office/drawing/2010/main" xmlns="">
+              <a14:hiddenEffects xmlns="" xmlns:a14="http://schemas.microsoft.com/office/drawing/2010/main">
                 <a:effectLst>
                   <a:outerShdw blurRad="63500" dist="38099" dir="2700000" algn="ctr" rotWithShape="0">
                     <a:schemeClr val="bg2">
@@ -2206,7 +2206,7 @@
           <a:effectLst/>
           <a:extLst>
             <a:ext uri="{AF507438-7753-43e0-B8FC-AC1667EBCBE1}">
-              <a14:hiddenEffects xmlns:a14="http://schemas.microsoft.com/office/drawing/2010/main" xmlns="">
+              <a14:hiddenEffects xmlns="" xmlns:a14="http://schemas.microsoft.com/office/drawing/2010/main">
                 <a:effectLst>
                   <a:outerShdw blurRad="63500" dist="38099" dir="2700000" algn="ctr" rotWithShape="0">
                     <a:schemeClr val="bg2">
@@ -2262,7 +2262,7 @@
           <a:effectLst/>
           <a:extLst>
             <a:ext uri="{AF507438-7753-43e0-B8FC-AC1667EBCBE1}">
-              <a14:hiddenEffects xmlns:a14="http://schemas.microsoft.com/office/drawing/2010/main" xmlns="">
+              <a14:hiddenEffects xmlns="" xmlns:a14="http://schemas.microsoft.com/office/drawing/2010/main">
                 <a:effectLst>
                   <a:outerShdw blurRad="63500" dist="38099" dir="2700000" algn="ctr" rotWithShape="0">
                     <a:schemeClr val="bg2">
@@ -2315,14 +2315,14 @@
           <a:effectLst/>
           <a:extLst>
             <a:ext uri="{909E8E84-426E-40dd-AFC4-6F175D3DCCD1}">
-              <a14:hiddenFill xmlns:a14="http://schemas.microsoft.com/office/drawing/2010/main" xmlns="">
+              <a14:hiddenFill xmlns="" xmlns:a14="http://schemas.microsoft.com/office/drawing/2010/main">
                 <a:solidFill>
                   <a:schemeClr val="accent1"/>
                 </a:solidFill>
               </a14:hiddenFill>
             </a:ext>
             <a:ext uri="{91240B29-F687-4f45-9708-019B960494DF}">
-              <a14:hiddenLine xmlns:a14="http://schemas.microsoft.com/office/drawing/2010/main" xmlns="" w="9525">
+              <a14:hiddenLine xmlns="" xmlns:a14="http://schemas.microsoft.com/office/drawing/2010/main" w="9525">
                 <a:solidFill>
                   <a:schemeClr val="tx1"/>
                 </a:solidFill>
@@ -2332,7 +2332,7 @@
               </a14:hiddenLine>
             </a:ext>
             <a:ext uri="{AF507438-7753-43e0-B8FC-AC1667EBCBE1}">
-              <a14:hiddenEffects xmlns:a14="http://schemas.microsoft.com/office/drawing/2010/main" xmlns="">
+              <a14:hiddenEffects xmlns="" xmlns:a14="http://schemas.microsoft.com/office/drawing/2010/main">
                 <a:effectLst>
                   <a:outerShdw blurRad="63500" dist="38099" dir="2700000" algn="ctr" rotWithShape="0">
                     <a:schemeClr val="bg2">
@@ -2343,7 +2343,7 @@
               </a14:hiddenEffects>
             </a:ext>
             <a:ext uri="{FAA26D3D-D897-4be2-8F04-BA451C77F1D7}">
-              <ma14:placeholderFlag xmlns:ma14="http://schemas.microsoft.com/office/mac/drawingml/2011/main" xmlns="" val="1"/>
+              <ma14:placeholderFlag xmlns="" xmlns:ma14="http://schemas.microsoft.com/office/mac/drawingml/2011/main" val="1"/>
             </a:ext>
           </a:extLst>
         </p:spPr>
@@ -2495,7 +2495,7 @@
           <a:noFill/>
           <a:extLst>
             <a:ext uri="{909E8E84-426E-40dd-AFC4-6F175D3DCCD1}">
-              <a14:hiddenFill xmlns:a14="http://schemas.microsoft.com/office/drawing/2010/main" xmlns="">
+              <a14:hiddenFill xmlns="" xmlns:a14="http://schemas.microsoft.com/office/drawing/2010/main">
                 <a:solidFill>
                   <a:srgbClr val="FFFFFF"/>
                 </a:solidFill>
@@ -2527,14 +2527,14 @@
           <a:effectLst/>
           <a:extLst>
             <a:ext uri="{909E8E84-426E-40dd-AFC4-6F175D3DCCD1}">
-              <a14:hiddenFill xmlns:a14="http://schemas.microsoft.com/office/drawing/2010/main" xmlns="">
+              <a14:hiddenFill xmlns="" xmlns:a14="http://schemas.microsoft.com/office/drawing/2010/main">
                 <a:solidFill>
                   <a:schemeClr val="accent1"/>
                 </a:solidFill>
               </a14:hiddenFill>
             </a:ext>
             <a:ext uri="{91240B29-F687-4f45-9708-019B960494DF}">
-              <a14:hiddenLine xmlns:a14="http://schemas.microsoft.com/office/drawing/2010/main" xmlns="" w="9525">
+              <a14:hiddenLine xmlns="" xmlns:a14="http://schemas.microsoft.com/office/drawing/2010/main" w="9525">
                 <a:solidFill>
                   <a:schemeClr val="tx1"/>
                 </a:solidFill>
@@ -2544,7 +2544,7 @@
               </a14:hiddenLine>
             </a:ext>
             <a:ext uri="{AF507438-7753-43e0-B8FC-AC1667EBCBE1}">
-              <a14:hiddenEffects xmlns:a14="http://schemas.microsoft.com/office/drawing/2010/main" xmlns="">
+              <a14:hiddenEffects xmlns="" xmlns:a14="http://schemas.microsoft.com/office/drawing/2010/main">
                 <a:effectLst>
                   <a:outerShdw blurRad="63500" dist="38099" dir="2700000" algn="ctr" rotWithShape="0">
                     <a:schemeClr val="bg2">
@@ -2646,7 +2646,7 @@
                 <a:ea typeface="ＭＳ Ｐゴシック"/>
               </a:rPr>
               <a:pPr/>
-              <a:t>2015/1/7</a:t>
+              <a:t>2015/1/8</a:t>
             </a:fld>
             <a:endParaRPr lang="ja-JP" altLang="en-US">
               <a:solidFill>
@@ -2755,12 +2755,12 @@
           <a:effectLst/>
           <a:extLst>
             <a:ext uri="{909E8E84-426E-40dd-AFC4-6F175D3DCCD1}">
-              <a14:hiddenFill xmlns:a14="http://schemas.microsoft.com/office/drawing/2010/main" xmlns="">
+              <a14:hiddenFill xmlns="" xmlns:a14="http://schemas.microsoft.com/office/drawing/2010/main">
                 <a:noFill/>
               </a14:hiddenFill>
             </a:ext>
             <a:ext uri="{AF507438-7753-43e0-B8FC-AC1667EBCBE1}">
-              <a14:hiddenEffects xmlns:a14="http://schemas.microsoft.com/office/drawing/2010/main" xmlns="">
+              <a14:hiddenEffects xmlns="" xmlns:a14="http://schemas.microsoft.com/office/drawing/2010/main">
                 <a:effectLst>
                   <a:outerShdw blurRad="63500" dist="38099" dir="2700000" algn="ctr" rotWithShape="0">
                     <a:schemeClr val="bg2">
@@ -2814,12 +2814,12 @@
           <a:effectLst/>
           <a:extLst>
             <a:ext uri="{909E8E84-426E-40dd-AFC4-6F175D3DCCD1}">
-              <a14:hiddenFill xmlns:a14="http://schemas.microsoft.com/office/drawing/2010/main" xmlns="">
+              <a14:hiddenFill xmlns="" xmlns:a14="http://schemas.microsoft.com/office/drawing/2010/main">
                 <a:noFill/>
               </a14:hiddenFill>
             </a:ext>
             <a:ext uri="{AF507438-7753-43e0-B8FC-AC1667EBCBE1}">
-              <a14:hiddenEffects xmlns:a14="http://schemas.microsoft.com/office/drawing/2010/main" xmlns="">
+              <a14:hiddenEffects xmlns="" xmlns:a14="http://schemas.microsoft.com/office/drawing/2010/main">
                 <a:effectLst>
                   <a:outerShdw blurRad="63500" dist="38099" dir="2700000" algn="ctr" rotWithShape="0">
                     <a:schemeClr val="bg2">
@@ -2877,7 +2877,7 @@
           <a:effectLst/>
           <a:extLst>
             <a:ext uri="{AF507438-7753-43e0-B8FC-AC1667EBCBE1}">
-              <a14:hiddenEffects xmlns:a14="http://schemas.microsoft.com/office/drawing/2010/main" xmlns="">
+              <a14:hiddenEffects xmlns="" xmlns:a14="http://schemas.microsoft.com/office/drawing/2010/main">
                 <a:effectLst>
                   <a:outerShdw blurRad="63500" dist="38099" dir="2700000" algn="ctr" rotWithShape="0">
                     <a:schemeClr val="bg2">
@@ -2933,7 +2933,7 @@
           <a:effectLst/>
           <a:extLst>
             <a:ext uri="{AF507438-7753-43e0-B8FC-AC1667EBCBE1}">
-              <a14:hiddenEffects xmlns:a14="http://schemas.microsoft.com/office/drawing/2010/main" xmlns="">
+              <a14:hiddenEffects xmlns="" xmlns:a14="http://schemas.microsoft.com/office/drawing/2010/main">
                 <a:effectLst>
                   <a:outerShdw blurRad="63500" dist="38099" dir="2700000" algn="ctr" rotWithShape="0">
                     <a:schemeClr val="bg2">
@@ -2986,14 +2986,14 @@
           <a:effectLst/>
           <a:extLst>
             <a:ext uri="{909E8E84-426E-40dd-AFC4-6F175D3DCCD1}">
-              <a14:hiddenFill xmlns:a14="http://schemas.microsoft.com/office/drawing/2010/main" xmlns="">
+              <a14:hiddenFill xmlns="" xmlns:a14="http://schemas.microsoft.com/office/drawing/2010/main">
                 <a:solidFill>
                   <a:schemeClr val="accent1"/>
                 </a:solidFill>
               </a14:hiddenFill>
             </a:ext>
             <a:ext uri="{91240B29-F687-4f45-9708-019B960494DF}">
-              <a14:hiddenLine xmlns:a14="http://schemas.microsoft.com/office/drawing/2010/main" xmlns="" w="9525">
+              <a14:hiddenLine xmlns="" xmlns:a14="http://schemas.microsoft.com/office/drawing/2010/main" w="9525">
                 <a:solidFill>
                   <a:schemeClr val="tx1"/>
                 </a:solidFill>
@@ -3003,7 +3003,7 @@
               </a14:hiddenLine>
             </a:ext>
             <a:ext uri="{AF507438-7753-43e0-B8FC-AC1667EBCBE1}">
-              <a14:hiddenEffects xmlns:a14="http://schemas.microsoft.com/office/drawing/2010/main" xmlns="">
+              <a14:hiddenEffects xmlns="" xmlns:a14="http://schemas.microsoft.com/office/drawing/2010/main">
                 <a:effectLst>
                   <a:outerShdw blurRad="63500" dist="38099" dir="2700000" algn="ctr" rotWithShape="0">
                     <a:schemeClr val="bg2">
@@ -3014,7 +3014,7 @@
               </a14:hiddenEffects>
             </a:ext>
             <a:ext uri="{FAA26D3D-D897-4be2-8F04-BA451C77F1D7}">
-              <ma14:placeholderFlag xmlns:ma14="http://schemas.microsoft.com/office/mac/drawingml/2011/main" xmlns="" val="1"/>
+              <ma14:placeholderFlag xmlns="" xmlns:ma14="http://schemas.microsoft.com/office/mac/drawingml/2011/main" val="1"/>
             </a:ext>
           </a:extLst>
         </p:spPr>
@@ -3166,7 +3166,7 @@
           <a:noFill/>
           <a:extLst>
             <a:ext uri="{909E8E84-426E-40dd-AFC4-6F175D3DCCD1}">
-              <a14:hiddenFill xmlns:a14="http://schemas.microsoft.com/office/drawing/2010/main" xmlns="">
+              <a14:hiddenFill xmlns="" xmlns:a14="http://schemas.microsoft.com/office/drawing/2010/main">
                 <a:solidFill>
                   <a:srgbClr val="FFFFFF"/>
                 </a:solidFill>
@@ -3198,14 +3198,14 @@
           <a:effectLst/>
           <a:extLst>
             <a:ext uri="{909E8E84-426E-40dd-AFC4-6F175D3DCCD1}">
-              <a14:hiddenFill xmlns:a14="http://schemas.microsoft.com/office/drawing/2010/main" xmlns="">
+              <a14:hiddenFill xmlns="" xmlns:a14="http://schemas.microsoft.com/office/drawing/2010/main">
                 <a:solidFill>
                   <a:schemeClr val="accent1"/>
                 </a:solidFill>
               </a14:hiddenFill>
             </a:ext>
             <a:ext uri="{91240B29-F687-4f45-9708-019B960494DF}">
-              <a14:hiddenLine xmlns:a14="http://schemas.microsoft.com/office/drawing/2010/main" xmlns="" w="9525">
+              <a14:hiddenLine xmlns="" xmlns:a14="http://schemas.microsoft.com/office/drawing/2010/main" w="9525">
                 <a:solidFill>
                   <a:schemeClr val="tx1"/>
                 </a:solidFill>
@@ -3215,7 +3215,7 @@
               </a14:hiddenLine>
             </a:ext>
             <a:ext uri="{AF507438-7753-43e0-B8FC-AC1667EBCBE1}">
-              <a14:hiddenEffects xmlns:a14="http://schemas.microsoft.com/office/drawing/2010/main" xmlns="">
+              <a14:hiddenEffects xmlns="" xmlns:a14="http://schemas.microsoft.com/office/drawing/2010/main">
                 <a:effectLst>
                   <a:outerShdw blurRad="63500" dist="38099" dir="2700000" algn="ctr" rotWithShape="0">
                     <a:schemeClr val="bg2">
@@ -3424,7 +3424,7 @@
                 <a:ea typeface="ＭＳ Ｐゴシック"/>
               </a:rPr>
               <a:pPr/>
-              <a:t>2015/1/7</a:t>
+              <a:t>2015/1/8</a:t>
             </a:fld>
             <a:endParaRPr lang="ja-JP" altLang="en-US">
               <a:solidFill>
@@ -3532,7 +3532,7 @@
           <a:effectLst/>
           <a:extLst>
             <a:ext uri="{91240B29-F687-4f45-9708-019B960494DF}">
-              <a14:hiddenLine xmlns:a14="http://schemas.microsoft.com/office/drawing/2010/main" xmlns="" w="9525">
+              <a14:hiddenLine xmlns="" xmlns:a14="http://schemas.microsoft.com/office/drawing/2010/main" w="9525">
                 <a:solidFill>
                   <a:schemeClr val="tx1"/>
                 </a:solidFill>
@@ -3542,7 +3542,7 @@
               </a14:hiddenLine>
             </a:ext>
             <a:ext uri="{AF507438-7753-43e0-B8FC-AC1667EBCBE1}">
-              <a14:hiddenEffects xmlns:a14="http://schemas.microsoft.com/office/drawing/2010/main" xmlns="">
+              <a14:hiddenEffects xmlns="" xmlns:a14="http://schemas.microsoft.com/office/drawing/2010/main">
                 <a:effectLst>
                   <a:outerShdw blurRad="63500" dist="38099" dir="2700000" algn="ctr" rotWithShape="0">
                     <a:schemeClr val="bg2">
@@ -3598,7 +3598,7 @@
           <a:effectLst/>
           <a:extLst>
             <a:ext uri="{AF507438-7753-43e0-B8FC-AC1667EBCBE1}">
-              <a14:hiddenEffects xmlns:a14="http://schemas.microsoft.com/office/drawing/2010/main" xmlns="">
+              <a14:hiddenEffects xmlns="" xmlns:a14="http://schemas.microsoft.com/office/drawing/2010/main">
                 <a:effectLst>
                   <a:outerShdw blurRad="63500" dist="38099" dir="2700000" algn="ctr" rotWithShape="0">
                     <a:schemeClr val="bg2">
@@ -3651,14 +3651,14 @@
           <a:effectLst/>
           <a:extLst>
             <a:ext uri="{909E8E84-426E-40dd-AFC4-6F175D3DCCD1}">
-              <a14:hiddenFill xmlns:a14="http://schemas.microsoft.com/office/drawing/2010/main" xmlns="">
+              <a14:hiddenFill xmlns="" xmlns:a14="http://schemas.microsoft.com/office/drawing/2010/main">
                 <a:solidFill>
                   <a:schemeClr val="accent1"/>
                 </a:solidFill>
               </a14:hiddenFill>
             </a:ext>
             <a:ext uri="{91240B29-F687-4f45-9708-019B960494DF}">
-              <a14:hiddenLine xmlns:a14="http://schemas.microsoft.com/office/drawing/2010/main" xmlns="" w="9525">
+              <a14:hiddenLine xmlns="" xmlns:a14="http://schemas.microsoft.com/office/drawing/2010/main" w="9525">
                 <a:solidFill>
                   <a:schemeClr val="tx1"/>
                 </a:solidFill>
@@ -3668,7 +3668,7 @@
               </a14:hiddenLine>
             </a:ext>
             <a:ext uri="{AF507438-7753-43e0-B8FC-AC1667EBCBE1}">
-              <a14:hiddenEffects xmlns:a14="http://schemas.microsoft.com/office/drawing/2010/main" xmlns="">
+              <a14:hiddenEffects xmlns="" xmlns:a14="http://schemas.microsoft.com/office/drawing/2010/main">
                 <a:effectLst>
                   <a:outerShdw blurRad="63500" dist="38099" dir="2700000" algn="ctr" rotWithShape="0">
                     <a:schemeClr val="bg2">
@@ -3746,7 +3746,7 @@
           <a:noFill/>
           <a:extLst>
             <a:ext uri="{909E8E84-426E-40dd-AFC4-6F175D3DCCD1}">
-              <a14:hiddenFill xmlns:a14="http://schemas.microsoft.com/office/drawing/2010/main" xmlns="">
+              <a14:hiddenFill xmlns="" xmlns:a14="http://schemas.microsoft.com/office/drawing/2010/main">
                 <a:solidFill>
                   <a:srgbClr val="FFFFFF"/>
                 </a:solidFill>
@@ -3962,7 +3962,7 @@
                 <a:ea typeface="ＭＳ Ｐゴシック"/>
               </a:rPr>
               <a:pPr/>
-              <a:t>2015/1/7</a:t>
+              <a:t>2015/1/8</a:t>
             </a:fld>
             <a:endParaRPr lang="ja-JP" altLang="en-US">
               <a:solidFill>
@@ -4356,7 +4356,7 @@
                 <a:ea typeface="ＭＳ Ｐゴシック"/>
               </a:rPr>
               <a:pPr/>
-              <a:t>2015/1/7</a:t>
+              <a:t>2015/1/8</a:t>
             </a:fld>
             <a:endParaRPr lang="ja-JP" altLang="en-US">
               <a:solidFill>
@@ -4465,12 +4465,12 @@
           <a:effectLst/>
           <a:extLst>
             <a:ext uri="{909E8E84-426E-40dd-AFC4-6F175D3DCCD1}">
-              <a14:hiddenFill xmlns:a14="http://schemas.microsoft.com/office/drawing/2010/main" xmlns="">
+              <a14:hiddenFill xmlns="" xmlns:a14="http://schemas.microsoft.com/office/drawing/2010/main">
                 <a:noFill/>
               </a14:hiddenFill>
             </a:ext>
             <a:ext uri="{AF507438-7753-43e0-B8FC-AC1667EBCBE1}">
-              <a14:hiddenEffects xmlns:a14="http://schemas.microsoft.com/office/drawing/2010/main" xmlns="">
+              <a14:hiddenEffects xmlns="" xmlns:a14="http://schemas.microsoft.com/office/drawing/2010/main">
                 <a:effectLst>
                   <a:outerShdw blurRad="63500" dist="38099" dir="2700000" algn="ctr" rotWithShape="0">
                     <a:schemeClr val="bg2">
@@ -4524,12 +4524,12 @@
           <a:effectLst/>
           <a:extLst>
             <a:ext uri="{909E8E84-426E-40dd-AFC4-6F175D3DCCD1}">
-              <a14:hiddenFill xmlns:a14="http://schemas.microsoft.com/office/drawing/2010/main" xmlns="">
+              <a14:hiddenFill xmlns="" xmlns:a14="http://schemas.microsoft.com/office/drawing/2010/main">
                 <a:noFill/>
               </a14:hiddenFill>
             </a:ext>
             <a:ext uri="{AF507438-7753-43e0-B8FC-AC1667EBCBE1}">
-              <a14:hiddenEffects xmlns:a14="http://schemas.microsoft.com/office/drawing/2010/main" xmlns="">
+              <a14:hiddenEffects xmlns="" xmlns:a14="http://schemas.microsoft.com/office/drawing/2010/main">
                 <a:effectLst>
                   <a:outerShdw blurRad="63500" dist="38099" dir="2700000" algn="ctr" rotWithShape="0">
                     <a:schemeClr val="bg2">
@@ -4587,7 +4587,7 @@
           <a:effectLst/>
           <a:extLst>
             <a:ext uri="{AF507438-7753-43e0-B8FC-AC1667EBCBE1}">
-              <a14:hiddenEffects xmlns:a14="http://schemas.microsoft.com/office/drawing/2010/main" xmlns="">
+              <a14:hiddenEffects xmlns="" xmlns:a14="http://schemas.microsoft.com/office/drawing/2010/main">
                 <a:effectLst>
                   <a:outerShdw blurRad="63500" dist="38099" dir="2700000" algn="ctr" rotWithShape="0">
                     <a:schemeClr val="bg2">
@@ -4643,7 +4643,7 @@
           <a:effectLst/>
           <a:extLst>
             <a:ext uri="{AF507438-7753-43e0-B8FC-AC1667EBCBE1}">
-              <a14:hiddenEffects xmlns:a14="http://schemas.microsoft.com/office/drawing/2010/main" xmlns="">
+              <a14:hiddenEffects xmlns="" xmlns:a14="http://schemas.microsoft.com/office/drawing/2010/main">
                 <a:effectLst>
                   <a:outerShdw blurRad="63500" dist="38099" dir="2700000" algn="ctr" rotWithShape="0">
                     <a:schemeClr val="bg2">
@@ -4705,7 +4705,7 @@
           <a:noFill/>
           <a:extLst>
             <a:ext uri="{909E8E84-426E-40dd-AFC4-6F175D3DCCD1}">
-              <a14:hiddenFill xmlns:a14="http://schemas.microsoft.com/office/drawing/2010/main" xmlns="">
+              <a14:hiddenFill xmlns="" xmlns:a14="http://schemas.microsoft.com/office/drawing/2010/main">
                 <a:solidFill>
                   <a:srgbClr val="FFFFFF"/>
                 </a:solidFill>
@@ -4737,14 +4737,14 @@
           <a:effectLst/>
           <a:extLst>
             <a:ext uri="{909E8E84-426E-40dd-AFC4-6F175D3DCCD1}">
-              <a14:hiddenFill xmlns:a14="http://schemas.microsoft.com/office/drawing/2010/main" xmlns="">
+              <a14:hiddenFill xmlns="" xmlns:a14="http://schemas.microsoft.com/office/drawing/2010/main">
                 <a:solidFill>
                   <a:schemeClr val="accent1"/>
                 </a:solidFill>
               </a14:hiddenFill>
             </a:ext>
             <a:ext uri="{91240B29-F687-4f45-9708-019B960494DF}">
-              <a14:hiddenLine xmlns:a14="http://schemas.microsoft.com/office/drawing/2010/main" xmlns="" w="9525">
+              <a14:hiddenLine xmlns="" xmlns:a14="http://schemas.microsoft.com/office/drawing/2010/main" w="9525">
                 <a:solidFill>
                   <a:schemeClr val="tx1"/>
                 </a:solidFill>
@@ -4754,7 +4754,7 @@
               </a14:hiddenLine>
             </a:ext>
             <a:ext uri="{AF507438-7753-43e0-B8FC-AC1667EBCBE1}">
-              <a14:hiddenEffects xmlns:a14="http://schemas.microsoft.com/office/drawing/2010/main" xmlns="">
+              <a14:hiddenEffects xmlns="" xmlns:a14="http://schemas.microsoft.com/office/drawing/2010/main">
                 <a:effectLst>
                   <a:outerShdw blurRad="63500" dist="38099" dir="2700000" algn="ctr" rotWithShape="0">
                     <a:schemeClr val="bg2">
@@ -5247,7 +5247,7 @@
                 <a:ea typeface="ＭＳ Ｐゴシック"/>
               </a:rPr>
               <a:pPr/>
-              <a:t>2015/1/7</a:t>
+              <a:t>2015/1/8</a:t>
             </a:fld>
             <a:endParaRPr lang="ja-JP" altLang="en-US">
               <a:solidFill>
@@ -5407,7 +5407,7 @@
                 <a:ea typeface="ＭＳ Ｐゴシック"/>
               </a:rPr>
               <a:pPr/>
-              <a:t>2015/1/7</a:t>
+              <a:t>2015/1/8</a:t>
             </a:fld>
             <a:endParaRPr lang="ja-JP" altLang="en-US">
               <a:solidFill>
@@ -5544,7 +5544,7 @@
                 <a:ea typeface="ＭＳ Ｐゴシック"/>
               </a:rPr>
               <a:pPr/>
-              <a:t>2015/1/7</a:t>
+              <a:t>2015/1/8</a:t>
             </a:fld>
             <a:endParaRPr lang="ja-JP" altLang="en-US">
               <a:solidFill>
@@ -5895,7 +5895,7 @@
                 <a:ea typeface="ＭＳ Ｐゴシック"/>
               </a:rPr>
               <a:pPr/>
-              <a:t>2015/1/7</a:t>
+              <a:t>2015/1/8</a:t>
             </a:fld>
             <a:endParaRPr lang="ja-JP" altLang="en-US">
               <a:solidFill>
@@ -6190,7 +6190,7 @@
                 <a:ea typeface="ＭＳ Ｐゴシック"/>
               </a:rPr>
               <a:pPr/>
-              <a:t>2015/1/7</a:t>
+              <a:t>2015/1/8</a:t>
             </a:fld>
             <a:endParaRPr lang="ja-JP" altLang="en-US">
               <a:solidFill>
@@ -6477,7 +6477,7 @@
                 <a:ea typeface="ＭＳ Ｐゴシック"/>
               </a:rPr>
               <a:pPr/>
-              <a:t>2015/1/7</a:t>
+              <a:t>2015/1/8</a:t>
             </a:fld>
             <a:endParaRPr kumimoji="1" lang="ja-JP" altLang="en-US">
               <a:solidFill>
@@ -11065,7 +11065,7 @@
         <p:spPr>
           <a:xfrm>
             <a:off x="67312" y="1398879"/>
-            <a:ext cx="2380606" cy="400110"/>
+            <a:ext cx="2380606" cy="246221"/>
           </a:xfrm>
           <a:prstGeom prst="rect">
             <a:avLst/>
@@ -11175,11 +11175,7 @@
             <a:pPr algn="just"/>
             <a:r>
               <a:rPr kumimoji="1" lang="en-US" altLang="ja-JP" sz="1000" b="1" dirty="0" smtClean="0"/>
-              <a:t>Title 1. Lorem </a:t>
-            </a:r>
-            <a:r>
-              <a:rPr kumimoji="1" lang="en-US" altLang="ja-JP" sz="1000" b="1" dirty="0"/>
-              <a:t>Ipsum is simply dummy text of the print … </a:t>
+              <a:t>Title 1. </a:t>
             </a:r>
             <a:endParaRPr kumimoji="1" lang="ja-JP" altLang="en-US" sz="1000" b="1" dirty="0"/>
           </a:p>
@@ -11397,7 +11393,7 @@
         <p:spPr>
           <a:xfrm>
             <a:off x="2780662" y="1419482"/>
-            <a:ext cx="2380606" cy="400110"/>
+            <a:ext cx="2380606" cy="246221"/>
           </a:xfrm>
           <a:prstGeom prst="rect">
             <a:avLst/>
@@ -11507,11 +11503,7 @@
             <a:pPr algn="just"/>
             <a:r>
               <a:rPr kumimoji="1" lang="en-US" altLang="ja-JP" sz="1000" b="1" dirty="0" smtClean="0"/>
-              <a:t>Title 2. Lorem </a:t>
-            </a:r>
-            <a:r>
-              <a:rPr kumimoji="1" lang="en-US" altLang="ja-JP" sz="1000" b="1" dirty="0"/>
-              <a:t>Ipsum is simply dummy text of the print … </a:t>
+              <a:t>Title 2. </a:t>
             </a:r>
             <a:endParaRPr kumimoji="1" lang="ja-JP" altLang="en-US" sz="1000" b="1" dirty="0"/>
           </a:p>
@@ -11729,7 +11721,7 @@
         <p:spPr>
           <a:xfrm>
             <a:off x="67311" y="2428324"/>
-            <a:ext cx="2380606" cy="400110"/>
+            <a:ext cx="2380606" cy="246221"/>
           </a:xfrm>
           <a:prstGeom prst="rect">
             <a:avLst/>
@@ -11839,11 +11831,7 @@
             <a:pPr algn="just"/>
             <a:r>
               <a:rPr kumimoji="1" lang="en-US" altLang="ja-JP" sz="1000" b="1" dirty="0" smtClean="0"/>
-              <a:t>Title 3. Lorem </a:t>
-            </a:r>
-            <a:r>
-              <a:rPr kumimoji="1" lang="en-US" altLang="ja-JP" sz="1000" b="1" dirty="0"/>
-              <a:t>Ipsum is simply dummy text of the print … </a:t>
+              <a:t>Title 3. </a:t>
             </a:r>
             <a:endParaRPr kumimoji="1" lang="ja-JP" altLang="en-US" sz="1000" b="1" dirty="0"/>
           </a:p>
@@ -12061,7 +12049,7 @@
         <p:spPr>
           <a:xfrm>
             <a:off x="67310" y="3457769"/>
-            <a:ext cx="2380606" cy="400110"/>
+            <a:ext cx="2380606" cy="246221"/>
           </a:xfrm>
           <a:prstGeom prst="rect">
             <a:avLst/>
@@ -12171,11 +12159,7 @@
             <a:pPr algn="just"/>
             <a:r>
               <a:rPr kumimoji="1" lang="en-US" altLang="ja-JP" sz="1000" b="1" dirty="0" smtClean="0"/>
-              <a:t>Title 5. Lorem </a:t>
-            </a:r>
-            <a:r>
-              <a:rPr kumimoji="1" lang="en-US" altLang="ja-JP" sz="1000" b="1" dirty="0"/>
-              <a:t>Ipsum is simply dummy text of the print … </a:t>
+              <a:t>Title 5. </a:t>
             </a:r>
             <a:endParaRPr kumimoji="1" lang="ja-JP" altLang="en-US" sz="1000" b="1" dirty="0"/>
           </a:p>
@@ -12393,7 +12377,7 @@
         <p:spPr>
           <a:xfrm>
             <a:off x="67309" y="4487214"/>
-            <a:ext cx="2380606" cy="400110"/>
+            <a:ext cx="2380606" cy="246221"/>
           </a:xfrm>
           <a:prstGeom prst="rect">
             <a:avLst/>
@@ -12503,11 +12487,7 @@
             <a:pPr algn="just"/>
             <a:r>
               <a:rPr kumimoji="1" lang="en-US" altLang="ja-JP" sz="1000" b="1" dirty="0" smtClean="0"/>
-              <a:t>Title 7. Lorem </a:t>
-            </a:r>
-            <a:r>
-              <a:rPr kumimoji="1" lang="en-US" altLang="ja-JP" sz="1000" b="1" dirty="0"/>
-              <a:t>Ipsum is simply dummy text of the print … </a:t>
+              <a:t>Title 7. </a:t>
             </a:r>
             <a:endParaRPr kumimoji="1" lang="ja-JP" altLang="en-US" sz="1000" b="1" dirty="0"/>
           </a:p>
@@ -12725,7 +12705,7 @@
         <p:spPr>
           <a:xfrm>
             <a:off x="67308" y="5516659"/>
-            <a:ext cx="2380606" cy="400110"/>
+            <a:ext cx="2380606" cy="246221"/>
           </a:xfrm>
           <a:prstGeom prst="rect">
             <a:avLst/>
@@ -12835,11 +12815,7 @@
             <a:pPr algn="just"/>
             <a:r>
               <a:rPr kumimoji="1" lang="en-US" altLang="ja-JP" sz="1000" b="1" dirty="0" smtClean="0"/>
-              <a:t>Title 9. Lorem </a:t>
-            </a:r>
-            <a:r>
-              <a:rPr kumimoji="1" lang="en-US" altLang="ja-JP" sz="1000" b="1" dirty="0"/>
-              <a:t>Ipsum is simply dummy text of the print … </a:t>
+              <a:t>Title 9. </a:t>
             </a:r>
             <a:endParaRPr kumimoji="1" lang="ja-JP" altLang="en-US" sz="1000" b="1" dirty="0"/>
           </a:p>
@@ -13057,7 +13033,7 @@
         <p:spPr>
           <a:xfrm>
             <a:off x="2780662" y="2433171"/>
-            <a:ext cx="2380606" cy="400110"/>
+            <a:ext cx="2380606" cy="246221"/>
           </a:xfrm>
           <a:prstGeom prst="rect">
             <a:avLst/>
@@ -13167,11 +13143,7 @@
             <a:pPr algn="just"/>
             <a:r>
               <a:rPr kumimoji="1" lang="en-US" altLang="ja-JP" sz="1000" b="1" dirty="0" smtClean="0"/>
-              <a:t>Title 4. Lorem </a:t>
-            </a:r>
-            <a:r>
-              <a:rPr kumimoji="1" lang="en-US" altLang="ja-JP" sz="1000" b="1" dirty="0"/>
-              <a:t>Ipsum is simply dummy text of the print … </a:t>
+              <a:t>Title 4. </a:t>
             </a:r>
             <a:endParaRPr kumimoji="1" lang="ja-JP" altLang="en-US" sz="1000" b="1" dirty="0"/>
           </a:p>
@@ -13389,7 +13361,7 @@
         <p:spPr>
           <a:xfrm>
             <a:off x="2792526" y="3459306"/>
-            <a:ext cx="2380606" cy="400110"/>
+            <a:ext cx="2380606" cy="246221"/>
           </a:xfrm>
           <a:prstGeom prst="rect">
             <a:avLst/>
@@ -13499,11 +13471,7 @@
             <a:pPr algn="just"/>
             <a:r>
               <a:rPr kumimoji="1" lang="en-US" altLang="ja-JP" sz="1000" b="1" dirty="0" smtClean="0"/>
-              <a:t>Title 6. Lorem </a:t>
-            </a:r>
-            <a:r>
-              <a:rPr kumimoji="1" lang="en-US" altLang="ja-JP" sz="1000" b="1" dirty="0"/>
-              <a:t>Ipsum is simply dummy text of the print … </a:t>
+              <a:t>Title 6. </a:t>
             </a:r>
             <a:endParaRPr kumimoji="1" lang="ja-JP" altLang="en-US" sz="1000" b="1" dirty="0"/>
           </a:p>
@@ -13721,7 +13689,7 @@
         <p:spPr>
           <a:xfrm>
             <a:off x="2780661" y="4487214"/>
-            <a:ext cx="2380606" cy="400110"/>
+            <a:ext cx="2380606" cy="246221"/>
           </a:xfrm>
           <a:prstGeom prst="rect">
             <a:avLst/>
@@ -13831,11 +13799,7 @@
             <a:pPr algn="just"/>
             <a:r>
               <a:rPr kumimoji="1" lang="en-US" altLang="ja-JP" sz="1000" b="1" dirty="0" smtClean="0"/>
-              <a:t>Title 8. Lorem </a:t>
-            </a:r>
-            <a:r>
-              <a:rPr kumimoji="1" lang="en-US" altLang="ja-JP" sz="1000" b="1" dirty="0"/>
-              <a:t>Ipsum is simply dummy text of the print … </a:t>
+              <a:t>Title 8. </a:t>
             </a:r>
             <a:endParaRPr kumimoji="1" lang="ja-JP" altLang="en-US" sz="1000" b="1" dirty="0"/>
           </a:p>
@@ -14053,7 +14017,7 @@
         <p:spPr>
           <a:xfrm>
             <a:off x="2768796" y="5515122"/>
-            <a:ext cx="2380606" cy="400110"/>
+            <a:ext cx="2380606" cy="246221"/>
           </a:xfrm>
           <a:prstGeom prst="rect">
             <a:avLst/>
@@ -14163,11 +14127,7 @@
             <a:pPr algn="just"/>
             <a:r>
               <a:rPr kumimoji="1" lang="en-US" altLang="ja-JP" sz="1000" b="1" dirty="0" smtClean="0"/>
-              <a:t>Title 10. Lorem </a:t>
-            </a:r>
-            <a:r>
-              <a:rPr kumimoji="1" lang="en-US" altLang="ja-JP" sz="1000" b="1" dirty="0"/>
-              <a:t>Ipsum is simply dummy text of the print … </a:t>
+              <a:t>Title 10. </a:t>
             </a:r>
             <a:endParaRPr kumimoji="1" lang="ja-JP" altLang="en-US" sz="1000" b="1" dirty="0"/>
           </a:p>
@@ -17514,11 +17474,7 @@
             </a:r>
             <a:r>
               <a:rPr kumimoji="1" lang="en-US" altLang="ja-JP" sz="1050" dirty="0" smtClean="0"/>
-              <a:t>/users/ </a:t>
-            </a:r>
-            <a:r>
-              <a:rPr kumimoji="1" lang="en-US" altLang="ja-JP" sz="1050" dirty="0" smtClean="0"/>
-              <a:t>register</a:t>
+              <a:t>/users/ register</a:t>
             </a:r>
             <a:endParaRPr kumimoji="1" lang="ja-JP" altLang="en-US" sz="1050" dirty="0"/>
           </a:p>
@@ -20078,14 +20034,14 @@
           <p:nvPr>
             <p:extLst>
               <p:ext uri="{D42A27DB-BD31-4B8C-83A1-F6EECF244321}">
-                <p14:modId xmlns:p14="http://schemas.microsoft.com/office/powerpoint/2010/main" val="3811259254"/>
+                <p14:modId xmlns:p14="http://schemas.microsoft.com/office/powerpoint/2010/main" val="773492183"/>
               </p:ext>
             </p:extLst>
           </p:nvPr>
         </p:nvGraphicFramePr>
         <p:xfrm>
           <a:off x="4651196" y="876073"/>
-          <a:ext cx="4289605" cy="3451228"/>
+          <a:ext cx="4289605" cy="3746728"/>
         </p:xfrm>
         <a:graphic>
           <a:graphicData uri="http://schemas.openxmlformats.org/drawingml/2006/table">
@@ -20349,11 +20305,7 @@
                       </a:r>
                       <a:r>
                         <a:rPr kumimoji="1" lang="en-US" altLang="ja-JP" sz="1000" baseline="0" dirty="0" smtClean="0"/>
-                        <a:t> to </a:t>
-                      </a:r>
-                      <a:r>
-                        <a:rPr kumimoji="1" lang="en-US" altLang="ja-JP" sz="1000" baseline="0" dirty="0" smtClean="0"/>
-                        <a:t>home page</a:t>
+                        <a:t> to home page</a:t>
                       </a:r>
                       <a:endParaRPr kumimoji="1" lang="ja-JP" altLang="en-US" sz="1000" dirty="0"/>
                     </a:p>
@@ -20519,15 +20471,7 @@
                     <a:p>
                       <a:r>
                         <a:rPr kumimoji="1" lang="en-US" altLang="ja-JP" sz="1000" dirty="0" smtClean="0"/>
-                        <a:t>Click =&gt; go to </a:t>
-                      </a:r>
-                      <a:r>
-                        <a:rPr kumimoji="1" lang="en-US" altLang="ja-JP" sz="1000" dirty="0" smtClean="0"/>
-                        <a:t>edit user’s information </a:t>
-                      </a:r>
-                      <a:r>
-                        <a:rPr kumimoji="1" lang="en-US" altLang="ja-JP" sz="1000" dirty="0" smtClean="0"/>
-                        <a:t>page</a:t>
+                        <a:t>Click =&gt; go to edit user’s information page</a:t>
                       </a:r>
                       <a:endParaRPr kumimoji="1" lang="ja-JP" altLang="en-US" sz="1000" dirty="0"/>
                     </a:p>
@@ -20757,7 +20701,11 @@
                     <a:p>
                       <a:r>
                         <a:rPr kumimoji="1" lang="en-US" altLang="ja-JP" sz="1000" dirty="0" smtClean="0"/>
-                        <a:t>Current page</a:t>
+                        <a:t>Current </a:t>
+                      </a:r>
+                      <a:r>
+                        <a:rPr kumimoji="1" lang="en-US" altLang="ja-JP" sz="1000" dirty="0" smtClean="0"/>
+                        <a:t>page. Click =&gt; logout. Return home page</a:t>
                       </a:r>
                       <a:endParaRPr kumimoji="1" lang="ja-JP" altLang="en-US" sz="1000" dirty="0"/>
                     </a:p>
@@ -20769,6 +20717,13 @@
                     <a:bodyPr/>
                     <a:lstStyle/>
                     <a:p>
+                      <a:r>
+                        <a:rPr kumimoji="1" lang="en-US" altLang="ja-JP" sz="1000" smtClean="0">
+                          <a:latin typeface="Calibri"/>
+                          <a:cs typeface="Calibri"/>
+                        </a:rPr>
+                        <a:t>S-1-1</a:t>
+                      </a:r>
                       <a:endParaRPr kumimoji="1" lang="ja-JP" altLang="en-US" sz="1000" dirty="0">
                         <a:latin typeface="Calibri"/>
                         <a:cs typeface="Calibri"/>

--- a/doc/frontend/wireframe/TRN-MiniBlog_WireframeDesign_LAMVY.pptx
+++ b/doc/frontend/wireframe/TRN-MiniBlog_WireframeDesign_LAMVY.pptx
@@ -10980,9 +10980,51 @@
           <a:lstStyle/>
           <a:p>
             <a:pPr algn="r"/>
+            <a:r>
+              <a:rPr kumimoji="1" lang="en-US" altLang="ja-JP" sz="1000" dirty="0" smtClean="0">
+                <a:solidFill>
+                  <a:schemeClr val="bg1">
+                    <a:lumMod val="85000"/>
+                  </a:schemeClr>
+                </a:solidFill>
+              </a:rPr>
+              <a:t>Username, </a:t>
+            </a:r>
+            <a:r>
+              <a:rPr kumimoji="1" lang="en-US" altLang="ja-JP" sz="1000" dirty="0" err="1" smtClean="0">
+                <a:solidFill>
+                  <a:schemeClr val="bg1">
+                    <a:lumMod val="85000"/>
+                  </a:schemeClr>
+                </a:solidFill>
+              </a:rPr>
+              <a:t>lastname</a:t>
+            </a:r>
+            <a:r>
+              <a:rPr kumimoji="1" lang="en-US" altLang="ja-JP" sz="1000" dirty="0" smtClean="0">
+                <a:solidFill>
+                  <a:schemeClr val="bg1">
+                    <a:lumMod val="85000"/>
+                  </a:schemeClr>
+                </a:solidFill>
+              </a:rPr>
+              <a:t>, </a:t>
+            </a:r>
+            <a:r>
+              <a:rPr kumimoji="1" lang="en-US" altLang="ja-JP" sz="1000" dirty="0" err="1" smtClean="0">
+                <a:solidFill>
+                  <a:schemeClr val="bg1">
+                    <a:lumMod val="85000"/>
+                  </a:schemeClr>
+                </a:solidFill>
+              </a:rPr>
+              <a:t>firstname</a:t>
+            </a:r>
             <a:endParaRPr kumimoji="1" lang="ja-JP" altLang="en-US" sz="1000" dirty="0">
               <a:solidFill>
-                <a:srgbClr val="FF0000"/>
+                <a:schemeClr val="bg1">
+                  <a:lumMod val="85000"/>
+                </a:schemeClr>
               </a:solidFill>
             </a:endParaRPr>
           </a:p>
@@ -11065,7 +11107,7 @@
         <p:spPr>
           <a:xfrm>
             <a:off x="67312" y="1398879"/>
-            <a:ext cx="2380606" cy="246221"/>
+            <a:ext cx="2380606" cy="400110"/>
           </a:xfrm>
           <a:prstGeom prst="rect">
             <a:avLst/>
@@ -11174,10 +11216,14 @@
           <a:p>
             <a:pPr algn="just"/>
             <a:r>
-              <a:rPr kumimoji="1" lang="en-US" altLang="ja-JP" sz="1000" b="1" dirty="0" smtClean="0"/>
-              <a:t>Title 1. </a:t>
-            </a:r>
-            <a:endParaRPr kumimoji="1" lang="ja-JP" altLang="en-US" sz="1000" b="1" dirty="0"/>
+              <a:rPr kumimoji="1" lang="en-US" altLang="ja-JP" sz="1000" b="1" dirty="0"/>
+              <a:t>Lorem Ipsum is simply dummy text of the print </a:t>
+            </a:r>
+            <a:r>
+              <a:rPr kumimoji="1" lang="en-US" altLang="ja-JP" sz="1000" dirty="0"/>
+              <a:t>… </a:t>
+            </a:r>
+            <a:endParaRPr kumimoji="1" lang="ja-JP" altLang="en-US" sz="1000" dirty="0"/>
           </a:p>
         </p:txBody>
       </p:sp>
@@ -11300,15 +11346,17 @@
             <a:pPr algn="just"/>
             <a:r>
               <a:rPr kumimoji="1" lang="en-US" altLang="ja-JP" sz="1000" dirty="0" smtClean="0"/>
-              <a:t>Date time created</a:t>
-            </a:r>
+              <a:t>Post by : Lam Vy</a:t>
+            </a:r>
+            <a:endParaRPr kumimoji="1" lang="en-US" altLang="ja-JP" sz="1000" dirty="0" smtClean="0"/>
           </a:p>
           <a:p>
             <a:pPr algn="just"/>
             <a:r>
               <a:rPr kumimoji="1" lang="en-US" altLang="ja-JP" sz="1000" dirty="0" smtClean="0"/>
-              <a:t>Date time modified</a:t>
-            </a:r>
+              <a:t>Post date : 2014-01-08</a:t>
+            </a:r>
+            <a:endParaRPr kumimoji="1" lang="en-US" altLang="ja-JP" sz="1000" dirty="0" smtClean="0"/>
           </a:p>
           <a:p>
             <a:pPr algn="just"/>
@@ -11386,266 +11434,6 @@
       </p:sp>
       <p:sp>
         <p:nvSpPr>
-          <p:cNvPr id="83" name="TextBox 55"/>
-          <p:cNvSpPr txBox="1"/>
-          <p:nvPr/>
-        </p:nvSpPr>
-        <p:spPr>
-          <a:xfrm>
-            <a:off x="2780662" y="1419482"/>
-            <a:ext cx="2380606" cy="246221"/>
-          </a:xfrm>
-          <a:prstGeom prst="rect">
-            <a:avLst/>
-          </a:prstGeom>
-          <a:noFill/>
-        </p:spPr>
-        <p:txBody>
-          <a:bodyPr wrap="square" rtlCol="0">
-            <a:spAutoFit/>
-          </a:bodyPr>
-          <a:lstStyle>
-            <a:defPPr>
-              <a:defRPr lang="en-US"/>
-            </a:defPPr>
-            <a:lvl1pPr marL="0" algn="l" defTabSz="457200" rtl="0" eaLnBrk="1" latinLnBrk="0" hangingPunct="1">
-              <a:defRPr sz="1800" kern="1200">
-                <a:solidFill>
-                  <a:schemeClr val="tx1"/>
-                </a:solidFill>
-                <a:latin typeface="+mn-lt"/>
-                <a:ea typeface="+mn-ea"/>
-                <a:cs typeface="+mn-cs"/>
-              </a:defRPr>
-            </a:lvl1pPr>
-            <a:lvl2pPr marL="457200" algn="l" defTabSz="457200" rtl="0" eaLnBrk="1" latinLnBrk="0" hangingPunct="1">
-              <a:defRPr sz="1800" kern="1200">
-                <a:solidFill>
-                  <a:schemeClr val="tx1"/>
-                </a:solidFill>
-                <a:latin typeface="+mn-lt"/>
-                <a:ea typeface="+mn-ea"/>
-                <a:cs typeface="+mn-cs"/>
-              </a:defRPr>
-            </a:lvl2pPr>
-            <a:lvl3pPr marL="914400" algn="l" defTabSz="457200" rtl="0" eaLnBrk="1" latinLnBrk="0" hangingPunct="1">
-              <a:defRPr sz="1800" kern="1200">
-                <a:solidFill>
-                  <a:schemeClr val="tx1"/>
-                </a:solidFill>
-                <a:latin typeface="+mn-lt"/>
-                <a:ea typeface="+mn-ea"/>
-                <a:cs typeface="+mn-cs"/>
-              </a:defRPr>
-            </a:lvl3pPr>
-            <a:lvl4pPr marL="1371600" algn="l" defTabSz="457200" rtl="0" eaLnBrk="1" latinLnBrk="0" hangingPunct="1">
-              <a:defRPr sz="1800" kern="1200">
-                <a:solidFill>
-                  <a:schemeClr val="tx1"/>
-                </a:solidFill>
-                <a:latin typeface="+mn-lt"/>
-                <a:ea typeface="+mn-ea"/>
-                <a:cs typeface="+mn-cs"/>
-              </a:defRPr>
-            </a:lvl4pPr>
-            <a:lvl5pPr marL="1828800" algn="l" defTabSz="457200" rtl="0" eaLnBrk="1" latinLnBrk="0" hangingPunct="1">
-              <a:defRPr sz="1800" kern="1200">
-                <a:solidFill>
-                  <a:schemeClr val="tx1"/>
-                </a:solidFill>
-                <a:latin typeface="+mn-lt"/>
-                <a:ea typeface="+mn-ea"/>
-                <a:cs typeface="+mn-cs"/>
-              </a:defRPr>
-            </a:lvl5pPr>
-            <a:lvl6pPr marL="2286000" algn="l" defTabSz="457200" rtl="0" eaLnBrk="1" latinLnBrk="0" hangingPunct="1">
-              <a:defRPr sz="1800" kern="1200">
-                <a:solidFill>
-                  <a:schemeClr val="tx1"/>
-                </a:solidFill>
-                <a:latin typeface="+mn-lt"/>
-                <a:ea typeface="+mn-ea"/>
-                <a:cs typeface="+mn-cs"/>
-              </a:defRPr>
-            </a:lvl6pPr>
-            <a:lvl7pPr marL="2743200" algn="l" defTabSz="457200" rtl="0" eaLnBrk="1" latinLnBrk="0" hangingPunct="1">
-              <a:defRPr sz="1800" kern="1200">
-                <a:solidFill>
-                  <a:schemeClr val="tx1"/>
-                </a:solidFill>
-                <a:latin typeface="+mn-lt"/>
-                <a:ea typeface="+mn-ea"/>
-                <a:cs typeface="+mn-cs"/>
-              </a:defRPr>
-            </a:lvl7pPr>
-            <a:lvl8pPr marL="3200400" algn="l" defTabSz="457200" rtl="0" eaLnBrk="1" latinLnBrk="0" hangingPunct="1">
-              <a:defRPr sz="1800" kern="1200">
-                <a:solidFill>
-                  <a:schemeClr val="tx1"/>
-                </a:solidFill>
-                <a:latin typeface="+mn-lt"/>
-                <a:ea typeface="+mn-ea"/>
-                <a:cs typeface="+mn-cs"/>
-              </a:defRPr>
-            </a:lvl8pPr>
-            <a:lvl9pPr marL="3657600" algn="l" defTabSz="457200" rtl="0" eaLnBrk="1" latinLnBrk="0" hangingPunct="1">
-              <a:defRPr sz="1800" kern="1200">
-                <a:solidFill>
-                  <a:schemeClr val="tx1"/>
-                </a:solidFill>
-                <a:latin typeface="+mn-lt"/>
-                <a:ea typeface="+mn-ea"/>
-                <a:cs typeface="+mn-cs"/>
-              </a:defRPr>
-            </a:lvl9pPr>
-          </a:lstStyle>
-          <a:p>
-            <a:pPr algn="just"/>
-            <a:r>
-              <a:rPr kumimoji="1" lang="en-US" altLang="ja-JP" sz="1000" b="1" dirty="0" smtClean="0"/>
-              <a:t>Title 2. </a:t>
-            </a:r>
-            <a:endParaRPr kumimoji="1" lang="ja-JP" altLang="en-US" sz="1000" b="1" dirty="0"/>
-          </a:p>
-        </p:txBody>
-      </p:sp>
-      <p:sp>
-        <p:nvSpPr>
-          <p:cNvPr id="84" name="TextBox 55"/>
-          <p:cNvSpPr txBox="1"/>
-          <p:nvPr/>
-        </p:nvSpPr>
-        <p:spPr>
-          <a:xfrm>
-            <a:off x="2780663" y="1754127"/>
-            <a:ext cx="1436924" cy="553998"/>
-          </a:xfrm>
-          <a:prstGeom prst="rect">
-            <a:avLst/>
-          </a:prstGeom>
-          <a:noFill/>
-        </p:spPr>
-        <p:txBody>
-          <a:bodyPr wrap="square" rtlCol="0">
-            <a:spAutoFit/>
-          </a:bodyPr>
-          <a:lstStyle>
-            <a:defPPr>
-              <a:defRPr lang="en-US"/>
-            </a:defPPr>
-            <a:lvl1pPr marL="0" algn="l" defTabSz="457200" rtl="0" eaLnBrk="1" latinLnBrk="0" hangingPunct="1">
-              <a:defRPr sz="1800" kern="1200">
-                <a:solidFill>
-                  <a:schemeClr val="tx1"/>
-                </a:solidFill>
-                <a:latin typeface="+mn-lt"/>
-                <a:ea typeface="+mn-ea"/>
-                <a:cs typeface="+mn-cs"/>
-              </a:defRPr>
-            </a:lvl1pPr>
-            <a:lvl2pPr marL="457200" algn="l" defTabSz="457200" rtl="0" eaLnBrk="1" latinLnBrk="0" hangingPunct="1">
-              <a:defRPr sz="1800" kern="1200">
-                <a:solidFill>
-                  <a:schemeClr val="tx1"/>
-                </a:solidFill>
-                <a:latin typeface="+mn-lt"/>
-                <a:ea typeface="+mn-ea"/>
-                <a:cs typeface="+mn-cs"/>
-              </a:defRPr>
-            </a:lvl2pPr>
-            <a:lvl3pPr marL="914400" algn="l" defTabSz="457200" rtl="0" eaLnBrk="1" latinLnBrk="0" hangingPunct="1">
-              <a:defRPr sz="1800" kern="1200">
-                <a:solidFill>
-                  <a:schemeClr val="tx1"/>
-                </a:solidFill>
-                <a:latin typeface="+mn-lt"/>
-                <a:ea typeface="+mn-ea"/>
-                <a:cs typeface="+mn-cs"/>
-              </a:defRPr>
-            </a:lvl3pPr>
-            <a:lvl4pPr marL="1371600" algn="l" defTabSz="457200" rtl="0" eaLnBrk="1" latinLnBrk="0" hangingPunct="1">
-              <a:defRPr sz="1800" kern="1200">
-                <a:solidFill>
-                  <a:schemeClr val="tx1"/>
-                </a:solidFill>
-                <a:latin typeface="+mn-lt"/>
-                <a:ea typeface="+mn-ea"/>
-                <a:cs typeface="+mn-cs"/>
-              </a:defRPr>
-            </a:lvl4pPr>
-            <a:lvl5pPr marL="1828800" algn="l" defTabSz="457200" rtl="0" eaLnBrk="1" latinLnBrk="0" hangingPunct="1">
-              <a:defRPr sz="1800" kern="1200">
-                <a:solidFill>
-                  <a:schemeClr val="tx1"/>
-                </a:solidFill>
-                <a:latin typeface="+mn-lt"/>
-                <a:ea typeface="+mn-ea"/>
-                <a:cs typeface="+mn-cs"/>
-              </a:defRPr>
-            </a:lvl5pPr>
-            <a:lvl6pPr marL="2286000" algn="l" defTabSz="457200" rtl="0" eaLnBrk="1" latinLnBrk="0" hangingPunct="1">
-              <a:defRPr sz="1800" kern="1200">
-                <a:solidFill>
-                  <a:schemeClr val="tx1"/>
-                </a:solidFill>
-                <a:latin typeface="+mn-lt"/>
-                <a:ea typeface="+mn-ea"/>
-                <a:cs typeface="+mn-cs"/>
-              </a:defRPr>
-            </a:lvl6pPr>
-            <a:lvl7pPr marL="2743200" algn="l" defTabSz="457200" rtl="0" eaLnBrk="1" latinLnBrk="0" hangingPunct="1">
-              <a:defRPr sz="1800" kern="1200">
-                <a:solidFill>
-                  <a:schemeClr val="tx1"/>
-                </a:solidFill>
-                <a:latin typeface="+mn-lt"/>
-                <a:ea typeface="+mn-ea"/>
-                <a:cs typeface="+mn-cs"/>
-              </a:defRPr>
-            </a:lvl7pPr>
-            <a:lvl8pPr marL="3200400" algn="l" defTabSz="457200" rtl="0" eaLnBrk="1" latinLnBrk="0" hangingPunct="1">
-              <a:defRPr sz="1800" kern="1200">
-                <a:solidFill>
-                  <a:schemeClr val="tx1"/>
-                </a:solidFill>
-                <a:latin typeface="+mn-lt"/>
-                <a:ea typeface="+mn-ea"/>
-                <a:cs typeface="+mn-cs"/>
-              </a:defRPr>
-            </a:lvl8pPr>
-            <a:lvl9pPr marL="3657600" algn="l" defTabSz="457200" rtl="0" eaLnBrk="1" latinLnBrk="0" hangingPunct="1">
-              <a:defRPr sz="1800" kern="1200">
-                <a:solidFill>
-                  <a:schemeClr val="tx1"/>
-                </a:solidFill>
-                <a:latin typeface="+mn-lt"/>
-                <a:ea typeface="+mn-ea"/>
-                <a:cs typeface="+mn-cs"/>
-              </a:defRPr>
-            </a:lvl9pPr>
-          </a:lstStyle>
-          <a:p>
-            <a:pPr algn="just"/>
-            <a:r>
-              <a:rPr kumimoji="1" lang="en-US" altLang="ja-JP" sz="1000" dirty="0" smtClean="0"/>
-              <a:t>Author</a:t>
-            </a:r>
-          </a:p>
-          <a:p>
-            <a:pPr algn="just"/>
-            <a:r>
-              <a:rPr kumimoji="1" lang="en-US" altLang="ja-JP" sz="1000" dirty="0" smtClean="0"/>
-              <a:t>Date time created</a:t>
-            </a:r>
-          </a:p>
-          <a:p>
-            <a:pPr algn="just"/>
-            <a:endParaRPr kumimoji="1" lang="ja-JP" altLang="en-US" sz="1000" dirty="0"/>
-          </a:p>
-        </p:txBody>
-      </p:sp>
-      <p:sp>
-        <p:nvSpPr>
           <p:cNvPr id="86" name="Rectangle 85"/>
           <p:cNvSpPr/>
           <p:nvPr/>
@@ -11714,266 +11502,6 @@
       </p:sp>
       <p:sp>
         <p:nvSpPr>
-          <p:cNvPr id="87" name="TextBox 55"/>
-          <p:cNvSpPr txBox="1"/>
-          <p:nvPr/>
-        </p:nvSpPr>
-        <p:spPr>
-          <a:xfrm>
-            <a:off x="67311" y="2428324"/>
-            <a:ext cx="2380606" cy="246221"/>
-          </a:xfrm>
-          <a:prstGeom prst="rect">
-            <a:avLst/>
-          </a:prstGeom>
-          <a:noFill/>
-        </p:spPr>
-        <p:txBody>
-          <a:bodyPr wrap="square" rtlCol="0">
-            <a:spAutoFit/>
-          </a:bodyPr>
-          <a:lstStyle>
-            <a:defPPr>
-              <a:defRPr lang="en-US"/>
-            </a:defPPr>
-            <a:lvl1pPr marL="0" algn="l" defTabSz="457200" rtl="0" eaLnBrk="1" latinLnBrk="0" hangingPunct="1">
-              <a:defRPr sz="1800" kern="1200">
-                <a:solidFill>
-                  <a:schemeClr val="tx1"/>
-                </a:solidFill>
-                <a:latin typeface="+mn-lt"/>
-                <a:ea typeface="+mn-ea"/>
-                <a:cs typeface="+mn-cs"/>
-              </a:defRPr>
-            </a:lvl1pPr>
-            <a:lvl2pPr marL="457200" algn="l" defTabSz="457200" rtl="0" eaLnBrk="1" latinLnBrk="0" hangingPunct="1">
-              <a:defRPr sz="1800" kern="1200">
-                <a:solidFill>
-                  <a:schemeClr val="tx1"/>
-                </a:solidFill>
-                <a:latin typeface="+mn-lt"/>
-                <a:ea typeface="+mn-ea"/>
-                <a:cs typeface="+mn-cs"/>
-              </a:defRPr>
-            </a:lvl2pPr>
-            <a:lvl3pPr marL="914400" algn="l" defTabSz="457200" rtl="0" eaLnBrk="1" latinLnBrk="0" hangingPunct="1">
-              <a:defRPr sz="1800" kern="1200">
-                <a:solidFill>
-                  <a:schemeClr val="tx1"/>
-                </a:solidFill>
-                <a:latin typeface="+mn-lt"/>
-                <a:ea typeface="+mn-ea"/>
-                <a:cs typeface="+mn-cs"/>
-              </a:defRPr>
-            </a:lvl3pPr>
-            <a:lvl4pPr marL="1371600" algn="l" defTabSz="457200" rtl="0" eaLnBrk="1" latinLnBrk="0" hangingPunct="1">
-              <a:defRPr sz="1800" kern="1200">
-                <a:solidFill>
-                  <a:schemeClr val="tx1"/>
-                </a:solidFill>
-                <a:latin typeface="+mn-lt"/>
-                <a:ea typeface="+mn-ea"/>
-                <a:cs typeface="+mn-cs"/>
-              </a:defRPr>
-            </a:lvl4pPr>
-            <a:lvl5pPr marL="1828800" algn="l" defTabSz="457200" rtl="0" eaLnBrk="1" latinLnBrk="0" hangingPunct="1">
-              <a:defRPr sz="1800" kern="1200">
-                <a:solidFill>
-                  <a:schemeClr val="tx1"/>
-                </a:solidFill>
-                <a:latin typeface="+mn-lt"/>
-                <a:ea typeface="+mn-ea"/>
-                <a:cs typeface="+mn-cs"/>
-              </a:defRPr>
-            </a:lvl5pPr>
-            <a:lvl6pPr marL="2286000" algn="l" defTabSz="457200" rtl="0" eaLnBrk="1" latinLnBrk="0" hangingPunct="1">
-              <a:defRPr sz="1800" kern="1200">
-                <a:solidFill>
-                  <a:schemeClr val="tx1"/>
-                </a:solidFill>
-                <a:latin typeface="+mn-lt"/>
-                <a:ea typeface="+mn-ea"/>
-                <a:cs typeface="+mn-cs"/>
-              </a:defRPr>
-            </a:lvl6pPr>
-            <a:lvl7pPr marL="2743200" algn="l" defTabSz="457200" rtl="0" eaLnBrk="1" latinLnBrk="0" hangingPunct="1">
-              <a:defRPr sz="1800" kern="1200">
-                <a:solidFill>
-                  <a:schemeClr val="tx1"/>
-                </a:solidFill>
-                <a:latin typeface="+mn-lt"/>
-                <a:ea typeface="+mn-ea"/>
-                <a:cs typeface="+mn-cs"/>
-              </a:defRPr>
-            </a:lvl7pPr>
-            <a:lvl8pPr marL="3200400" algn="l" defTabSz="457200" rtl="0" eaLnBrk="1" latinLnBrk="0" hangingPunct="1">
-              <a:defRPr sz="1800" kern="1200">
-                <a:solidFill>
-                  <a:schemeClr val="tx1"/>
-                </a:solidFill>
-                <a:latin typeface="+mn-lt"/>
-                <a:ea typeface="+mn-ea"/>
-                <a:cs typeface="+mn-cs"/>
-              </a:defRPr>
-            </a:lvl8pPr>
-            <a:lvl9pPr marL="3657600" algn="l" defTabSz="457200" rtl="0" eaLnBrk="1" latinLnBrk="0" hangingPunct="1">
-              <a:defRPr sz="1800" kern="1200">
-                <a:solidFill>
-                  <a:schemeClr val="tx1"/>
-                </a:solidFill>
-                <a:latin typeface="+mn-lt"/>
-                <a:ea typeface="+mn-ea"/>
-                <a:cs typeface="+mn-cs"/>
-              </a:defRPr>
-            </a:lvl9pPr>
-          </a:lstStyle>
-          <a:p>
-            <a:pPr algn="just"/>
-            <a:r>
-              <a:rPr kumimoji="1" lang="en-US" altLang="ja-JP" sz="1000" b="1" dirty="0" smtClean="0"/>
-              <a:t>Title 3. </a:t>
-            </a:r>
-            <a:endParaRPr kumimoji="1" lang="ja-JP" altLang="en-US" sz="1000" b="1" dirty="0"/>
-          </a:p>
-        </p:txBody>
-      </p:sp>
-      <p:sp>
-        <p:nvSpPr>
-          <p:cNvPr id="88" name="TextBox 55"/>
-          <p:cNvSpPr txBox="1"/>
-          <p:nvPr/>
-        </p:nvSpPr>
-        <p:spPr>
-          <a:xfrm>
-            <a:off x="67312" y="2762969"/>
-            <a:ext cx="1436924" cy="553998"/>
-          </a:xfrm>
-          <a:prstGeom prst="rect">
-            <a:avLst/>
-          </a:prstGeom>
-          <a:noFill/>
-        </p:spPr>
-        <p:txBody>
-          <a:bodyPr wrap="square" rtlCol="0">
-            <a:spAutoFit/>
-          </a:bodyPr>
-          <a:lstStyle>
-            <a:defPPr>
-              <a:defRPr lang="en-US"/>
-            </a:defPPr>
-            <a:lvl1pPr marL="0" algn="l" defTabSz="457200" rtl="0" eaLnBrk="1" latinLnBrk="0" hangingPunct="1">
-              <a:defRPr sz="1800" kern="1200">
-                <a:solidFill>
-                  <a:schemeClr val="tx1"/>
-                </a:solidFill>
-                <a:latin typeface="+mn-lt"/>
-                <a:ea typeface="+mn-ea"/>
-                <a:cs typeface="+mn-cs"/>
-              </a:defRPr>
-            </a:lvl1pPr>
-            <a:lvl2pPr marL="457200" algn="l" defTabSz="457200" rtl="0" eaLnBrk="1" latinLnBrk="0" hangingPunct="1">
-              <a:defRPr sz="1800" kern="1200">
-                <a:solidFill>
-                  <a:schemeClr val="tx1"/>
-                </a:solidFill>
-                <a:latin typeface="+mn-lt"/>
-                <a:ea typeface="+mn-ea"/>
-                <a:cs typeface="+mn-cs"/>
-              </a:defRPr>
-            </a:lvl2pPr>
-            <a:lvl3pPr marL="914400" algn="l" defTabSz="457200" rtl="0" eaLnBrk="1" latinLnBrk="0" hangingPunct="1">
-              <a:defRPr sz="1800" kern="1200">
-                <a:solidFill>
-                  <a:schemeClr val="tx1"/>
-                </a:solidFill>
-                <a:latin typeface="+mn-lt"/>
-                <a:ea typeface="+mn-ea"/>
-                <a:cs typeface="+mn-cs"/>
-              </a:defRPr>
-            </a:lvl3pPr>
-            <a:lvl4pPr marL="1371600" algn="l" defTabSz="457200" rtl="0" eaLnBrk="1" latinLnBrk="0" hangingPunct="1">
-              <a:defRPr sz="1800" kern="1200">
-                <a:solidFill>
-                  <a:schemeClr val="tx1"/>
-                </a:solidFill>
-                <a:latin typeface="+mn-lt"/>
-                <a:ea typeface="+mn-ea"/>
-                <a:cs typeface="+mn-cs"/>
-              </a:defRPr>
-            </a:lvl4pPr>
-            <a:lvl5pPr marL="1828800" algn="l" defTabSz="457200" rtl="0" eaLnBrk="1" latinLnBrk="0" hangingPunct="1">
-              <a:defRPr sz="1800" kern="1200">
-                <a:solidFill>
-                  <a:schemeClr val="tx1"/>
-                </a:solidFill>
-                <a:latin typeface="+mn-lt"/>
-                <a:ea typeface="+mn-ea"/>
-                <a:cs typeface="+mn-cs"/>
-              </a:defRPr>
-            </a:lvl5pPr>
-            <a:lvl6pPr marL="2286000" algn="l" defTabSz="457200" rtl="0" eaLnBrk="1" latinLnBrk="0" hangingPunct="1">
-              <a:defRPr sz="1800" kern="1200">
-                <a:solidFill>
-                  <a:schemeClr val="tx1"/>
-                </a:solidFill>
-                <a:latin typeface="+mn-lt"/>
-                <a:ea typeface="+mn-ea"/>
-                <a:cs typeface="+mn-cs"/>
-              </a:defRPr>
-            </a:lvl6pPr>
-            <a:lvl7pPr marL="2743200" algn="l" defTabSz="457200" rtl="0" eaLnBrk="1" latinLnBrk="0" hangingPunct="1">
-              <a:defRPr sz="1800" kern="1200">
-                <a:solidFill>
-                  <a:schemeClr val="tx1"/>
-                </a:solidFill>
-                <a:latin typeface="+mn-lt"/>
-                <a:ea typeface="+mn-ea"/>
-                <a:cs typeface="+mn-cs"/>
-              </a:defRPr>
-            </a:lvl7pPr>
-            <a:lvl8pPr marL="3200400" algn="l" defTabSz="457200" rtl="0" eaLnBrk="1" latinLnBrk="0" hangingPunct="1">
-              <a:defRPr sz="1800" kern="1200">
-                <a:solidFill>
-                  <a:schemeClr val="tx1"/>
-                </a:solidFill>
-                <a:latin typeface="+mn-lt"/>
-                <a:ea typeface="+mn-ea"/>
-                <a:cs typeface="+mn-cs"/>
-              </a:defRPr>
-            </a:lvl8pPr>
-            <a:lvl9pPr marL="3657600" algn="l" defTabSz="457200" rtl="0" eaLnBrk="1" latinLnBrk="0" hangingPunct="1">
-              <a:defRPr sz="1800" kern="1200">
-                <a:solidFill>
-                  <a:schemeClr val="tx1"/>
-                </a:solidFill>
-                <a:latin typeface="+mn-lt"/>
-                <a:ea typeface="+mn-ea"/>
-                <a:cs typeface="+mn-cs"/>
-              </a:defRPr>
-            </a:lvl9pPr>
-          </a:lstStyle>
-          <a:p>
-            <a:pPr algn="just"/>
-            <a:r>
-              <a:rPr kumimoji="1" lang="en-US" altLang="ja-JP" sz="1000" dirty="0" smtClean="0"/>
-              <a:t>Author</a:t>
-            </a:r>
-          </a:p>
-          <a:p>
-            <a:pPr algn="just"/>
-            <a:r>
-              <a:rPr kumimoji="1" lang="en-US" altLang="ja-JP" sz="1000" dirty="0" smtClean="0"/>
-              <a:t>Date time created</a:t>
-            </a:r>
-          </a:p>
-          <a:p>
-            <a:pPr algn="just"/>
-            <a:endParaRPr kumimoji="1" lang="ja-JP" altLang="en-US" sz="1000" dirty="0"/>
-          </a:p>
-        </p:txBody>
-      </p:sp>
-      <p:sp>
-        <p:nvSpPr>
           <p:cNvPr id="89" name="Rectangle 88"/>
           <p:cNvSpPr/>
           <p:nvPr/>
@@ -12042,266 +11570,6 @@
       </p:sp>
       <p:sp>
         <p:nvSpPr>
-          <p:cNvPr id="90" name="TextBox 55"/>
-          <p:cNvSpPr txBox="1"/>
-          <p:nvPr/>
-        </p:nvSpPr>
-        <p:spPr>
-          <a:xfrm>
-            <a:off x="67310" y="3457769"/>
-            <a:ext cx="2380606" cy="246221"/>
-          </a:xfrm>
-          <a:prstGeom prst="rect">
-            <a:avLst/>
-          </a:prstGeom>
-          <a:noFill/>
-        </p:spPr>
-        <p:txBody>
-          <a:bodyPr wrap="square" rtlCol="0">
-            <a:spAutoFit/>
-          </a:bodyPr>
-          <a:lstStyle>
-            <a:defPPr>
-              <a:defRPr lang="en-US"/>
-            </a:defPPr>
-            <a:lvl1pPr marL="0" algn="l" defTabSz="457200" rtl="0" eaLnBrk="1" latinLnBrk="0" hangingPunct="1">
-              <a:defRPr sz="1800" kern="1200">
-                <a:solidFill>
-                  <a:schemeClr val="tx1"/>
-                </a:solidFill>
-                <a:latin typeface="+mn-lt"/>
-                <a:ea typeface="+mn-ea"/>
-                <a:cs typeface="+mn-cs"/>
-              </a:defRPr>
-            </a:lvl1pPr>
-            <a:lvl2pPr marL="457200" algn="l" defTabSz="457200" rtl="0" eaLnBrk="1" latinLnBrk="0" hangingPunct="1">
-              <a:defRPr sz="1800" kern="1200">
-                <a:solidFill>
-                  <a:schemeClr val="tx1"/>
-                </a:solidFill>
-                <a:latin typeface="+mn-lt"/>
-                <a:ea typeface="+mn-ea"/>
-                <a:cs typeface="+mn-cs"/>
-              </a:defRPr>
-            </a:lvl2pPr>
-            <a:lvl3pPr marL="914400" algn="l" defTabSz="457200" rtl="0" eaLnBrk="1" latinLnBrk="0" hangingPunct="1">
-              <a:defRPr sz="1800" kern="1200">
-                <a:solidFill>
-                  <a:schemeClr val="tx1"/>
-                </a:solidFill>
-                <a:latin typeface="+mn-lt"/>
-                <a:ea typeface="+mn-ea"/>
-                <a:cs typeface="+mn-cs"/>
-              </a:defRPr>
-            </a:lvl3pPr>
-            <a:lvl4pPr marL="1371600" algn="l" defTabSz="457200" rtl="0" eaLnBrk="1" latinLnBrk="0" hangingPunct="1">
-              <a:defRPr sz="1800" kern="1200">
-                <a:solidFill>
-                  <a:schemeClr val="tx1"/>
-                </a:solidFill>
-                <a:latin typeface="+mn-lt"/>
-                <a:ea typeface="+mn-ea"/>
-                <a:cs typeface="+mn-cs"/>
-              </a:defRPr>
-            </a:lvl4pPr>
-            <a:lvl5pPr marL="1828800" algn="l" defTabSz="457200" rtl="0" eaLnBrk="1" latinLnBrk="0" hangingPunct="1">
-              <a:defRPr sz="1800" kern="1200">
-                <a:solidFill>
-                  <a:schemeClr val="tx1"/>
-                </a:solidFill>
-                <a:latin typeface="+mn-lt"/>
-                <a:ea typeface="+mn-ea"/>
-                <a:cs typeface="+mn-cs"/>
-              </a:defRPr>
-            </a:lvl5pPr>
-            <a:lvl6pPr marL="2286000" algn="l" defTabSz="457200" rtl="0" eaLnBrk="1" latinLnBrk="0" hangingPunct="1">
-              <a:defRPr sz="1800" kern="1200">
-                <a:solidFill>
-                  <a:schemeClr val="tx1"/>
-                </a:solidFill>
-                <a:latin typeface="+mn-lt"/>
-                <a:ea typeface="+mn-ea"/>
-                <a:cs typeface="+mn-cs"/>
-              </a:defRPr>
-            </a:lvl6pPr>
-            <a:lvl7pPr marL="2743200" algn="l" defTabSz="457200" rtl="0" eaLnBrk="1" latinLnBrk="0" hangingPunct="1">
-              <a:defRPr sz="1800" kern="1200">
-                <a:solidFill>
-                  <a:schemeClr val="tx1"/>
-                </a:solidFill>
-                <a:latin typeface="+mn-lt"/>
-                <a:ea typeface="+mn-ea"/>
-                <a:cs typeface="+mn-cs"/>
-              </a:defRPr>
-            </a:lvl7pPr>
-            <a:lvl8pPr marL="3200400" algn="l" defTabSz="457200" rtl="0" eaLnBrk="1" latinLnBrk="0" hangingPunct="1">
-              <a:defRPr sz="1800" kern="1200">
-                <a:solidFill>
-                  <a:schemeClr val="tx1"/>
-                </a:solidFill>
-                <a:latin typeface="+mn-lt"/>
-                <a:ea typeface="+mn-ea"/>
-                <a:cs typeface="+mn-cs"/>
-              </a:defRPr>
-            </a:lvl8pPr>
-            <a:lvl9pPr marL="3657600" algn="l" defTabSz="457200" rtl="0" eaLnBrk="1" latinLnBrk="0" hangingPunct="1">
-              <a:defRPr sz="1800" kern="1200">
-                <a:solidFill>
-                  <a:schemeClr val="tx1"/>
-                </a:solidFill>
-                <a:latin typeface="+mn-lt"/>
-                <a:ea typeface="+mn-ea"/>
-                <a:cs typeface="+mn-cs"/>
-              </a:defRPr>
-            </a:lvl9pPr>
-          </a:lstStyle>
-          <a:p>
-            <a:pPr algn="just"/>
-            <a:r>
-              <a:rPr kumimoji="1" lang="en-US" altLang="ja-JP" sz="1000" b="1" dirty="0" smtClean="0"/>
-              <a:t>Title 5. </a:t>
-            </a:r>
-            <a:endParaRPr kumimoji="1" lang="ja-JP" altLang="en-US" sz="1000" b="1" dirty="0"/>
-          </a:p>
-        </p:txBody>
-      </p:sp>
-      <p:sp>
-        <p:nvSpPr>
-          <p:cNvPr id="91" name="TextBox 55"/>
-          <p:cNvSpPr txBox="1"/>
-          <p:nvPr/>
-        </p:nvSpPr>
-        <p:spPr>
-          <a:xfrm>
-            <a:off x="67311" y="3792414"/>
-            <a:ext cx="1436924" cy="553998"/>
-          </a:xfrm>
-          <a:prstGeom prst="rect">
-            <a:avLst/>
-          </a:prstGeom>
-          <a:noFill/>
-        </p:spPr>
-        <p:txBody>
-          <a:bodyPr wrap="square" rtlCol="0">
-            <a:spAutoFit/>
-          </a:bodyPr>
-          <a:lstStyle>
-            <a:defPPr>
-              <a:defRPr lang="en-US"/>
-            </a:defPPr>
-            <a:lvl1pPr marL="0" algn="l" defTabSz="457200" rtl="0" eaLnBrk="1" latinLnBrk="0" hangingPunct="1">
-              <a:defRPr sz="1800" kern="1200">
-                <a:solidFill>
-                  <a:schemeClr val="tx1"/>
-                </a:solidFill>
-                <a:latin typeface="+mn-lt"/>
-                <a:ea typeface="+mn-ea"/>
-                <a:cs typeface="+mn-cs"/>
-              </a:defRPr>
-            </a:lvl1pPr>
-            <a:lvl2pPr marL="457200" algn="l" defTabSz="457200" rtl="0" eaLnBrk="1" latinLnBrk="0" hangingPunct="1">
-              <a:defRPr sz="1800" kern="1200">
-                <a:solidFill>
-                  <a:schemeClr val="tx1"/>
-                </a:solidFill>
-                <a:latin typeface="+mn-lt"/>
-                <a:ea typeface="+mn-ea"/>
-                <a:cs typeface="+mn-cs"/>
-              </a:defRPr>
-            </a:lvl2pPr>
-            <a:lvl3pPr marL="914400" algn="l" defTabSz="457200" rtl="0" eaLnBrk="1" latinLnBrk="0" hangingPunct="1">
-              <a:defRPr sz="1800" kern="1200">
-                <a:solidFill>
-                  <a:schemeClr val="tx1"/>
-                </a:solidFill>
-                <a:latin typeface="+mn-lt"/>
-                <a:ea typeface="+mn-ea"/>
-                <a:cs typeface="+mn-cs"/>
-              </a:defRPr>
-            </a:lvl3pPr>
-            <a:lvl4pPr marL="1371600" algn="l" defTabSz="457200" rtl="0" eaLnBrk="1" latinLnBrk="0" hangingPunct="1">
-              <a:defRPr sz="1800" kern="1200">
-                <a:solidFill>
-                  <a:schemeClr val="tx1"/>
-                </a:solidFill>
-                <a:latin typeface="+mn-lt"/>
-                <a:ea typeface="+mn-ea"/>
-                <a:cs typeface="+mn-cs"/>
-              </a:defRPr>
-            </a:lvl4pPr>
-            <a:lvl5pPr marL="1828800" algn="l" defTabSz="457200" rtl="0" eaLnBrk="1" latinLnBrk="0" hangingPunct="1">
-              <a:defRPr sz="1800" kern="1200">
-                <a:solidFill>
-                  <a:schemeClr val="tx1"/>
-                </a:solidFill>
-                <a:latin typeface="+mn-lt"/>
-                <a:ea typeface="+mn-ea"/>
-                <a:cs typeface="+mn-cs"/>
-              </a:defRPr>
-            </a:lvl5pPr>
-            <a:lvl6pPr marL="2286000" algn="l" defTabSz="457200" rtl="0" eaLnBrk="1" latinLnBrk="0" hangingPunct="1">
-              <a:defRPr sz="1800" kern="1200">
-                <a:solidFill>
-                  <a:schemeClr val="tx1"/>
-                </a:solidFill>
-                <a:latin typeface="+mn-lt"/>
-                <a:ea typeface="+mn-ea"/>
-                <a:cs typeface="+mn-cs"/>
-              </a:defRPr>
-            </a:lvl6pPr>
-            <a:lvl7pPr marL="2743200" algn="l" defTabSz="457200" rtl="0" eaLnBrk="1" latinLnBrk="0" hangingPunct="1">
-              <a:defRPr sz="1800" kern="1200">
-                <a:solidFill>
-                  <a:schemeClr val="tx1"/>
-                </a:solidFill>
-                <a:latin typeface="+mn-lt"/>
-                <a:ea typeface="+mn-ea"/>
-                <a:cs typeface="+mn-cs"/>
-              </a:defRPr>
-            </a:lvl7pPr>
-            <a:lvl8pPr marL="3200400" algn="l" defTabSz="457200" rtl="0" eaLnBrk="1" latinLnBrk="0" hangingPunct="1">
-              <a:defRPr sz="1800" kern="1200">
-                <a:solidFill>
-                  <a:schemeClr val="tx1"/>
-                </a:solidFill>
-                <a:latin typeface="+mn-lt"/>
-                <a:ea typeface="+mn-ea"/>
-                <a:cs typeface="+mn-cs"/>
-              </a:defRPr>
-            </a:lvl8pPr>
-            <a:lvl9pPr marL="3657600" algn="l" defTabSz="457200" rtl="0" eaLnBrk="1" latinLnBrk="0" hangingPunct="1">
-              <a:defRPr sz="1800" kern="1200">
-                <a:solidFill>
-                  <a:schemeClr val="tx1"/>
-                </a:solidFill>
-                <a:latin typeface="+mn-lt"/>
-                <a:ea typeface="+mn-ea"/>
-                <a:cs typeface="+mn-cs"/>
-              </a:defRPr>
-            </a:lvl9pPr>
-          </a:lstStyle>
-          <a:p>
-            <a:pPr algn="just"/>
-            <a:r>
-              <a:rPr kumimoji="1" lang="en-US" altLang="ja-JP" sz="1000" dirty="0" smtClean="0"/>
-              <a:t>Author</a:t>
-            </a:r>
-          </a:p>
-          <a:p>
-            <a:pPr algn="just"/>
-            <a:r>
-              <a:rPr kumimoji="1" lang="en-US" altLang="ja-JP" sz="1000" dirty="0" smtClean="0"/>
-              <a:t>Date time created</a:t>
-            </a:r>
-          </a:p>
-          <a:p>
-            <a:pPr algn="just"/>
-            <a:endParaRPr kumimoji="1" lang="ja-JP" altLang="en-US" sz="1000" dirty="0"/>
-          </a:p>
-        </p:txBody>
-      </p:sp>
-      <p:sp>
-        <p:nvSpPr>
           <p:cNvPr id="92" name="Rectangle 91"/>
           <p:cNvSpPr/>
           <p:nvPr/>
@@ -12370,266 +11638,6 @@
       </p:sp>
       <p:sp>
         <p:nvSpPr>
-          <p:cNvPr id="93" name="TextBox 55"/>
-          <p:cNvSpPr txBox="1"/>
-          <p:nvPr/>
-        </p:nvSpPr>
-        <p:spPr>
-          <a:xfrm>
-            <a:off x="67309" y="4487214"/>
-            <a:ext cx="2380606" cy="246221"/>
-          </a:xfrm>
-          <a:prstGeom prst="rect">
-            <a:avLst/>
-          </a:prstGeom>
-          <a:noFill/>
-        </p:spPr>
-        <p:txBody>
-          <a:bodyPr wrap="square" rtlCol="0">
-            <a:spAutoFit/>
-          </a:bodyPr>
-          <a:lstStyle>
-            <a:defPPr>
-              <a:defRPr lang="en-US"/>
-            </a:defPPr>
-            <a:lvl1pPr marL="0" algn="l" defTabSz="457200" rtl="0" eaLnBrk="1" latinLnBrk="0" hangingPunct="1">
-              <a:defRPr sz="1800" kern="1200">
-                <a:solidFill>
-                  <a:schemeClr val="tx1"/>
-                </a:solidFill>
-                <a:latin typeface="+mn-lt"/>
-                <a:ea typeface="+mn-ea"/>
-                <a:cs typeface="+mn-cs"/>
-              </a:defRPr>
-            </a:lvl1pPr>
-            <a:lvl2pPr marL="457200" algn="l" defTabSz="457200" rtl="0" eaLnBrk="1" latinLnBrk="0" hangingPunct="1">
-              <a:defRPr sz="1800" kern="1200">
-                <a:solidFill>
-                  <a:schemeClr val="tx1"/>
-                </a:solidFill>
-                <a:latin typeface="+mn-lt"/>
-                <a:ea typeface="+mn-ea"/>
-                <a:cs typeface="+mn-cs"/>
-              </a:defRPr>
-            </a:lvl2pPr>
-            <a:lvl3pPr marL="914400" algn="l" defTabSz="457200" rtl="0" eaLnBrk="1" latinLnBrk="0" hangingPunct="1">
-              <a:defRPr sz="1800" kern="1200">
-                <a:solidFill>
-                  <a:schemeClr val="tx1"/>
-                </a:solidFill>
-                <a:latin typeface="+mn-lt"/>
-                <a:ea typeface="+mn-ea"/>
-                <a:cs typeface="+mn-cs"/>
-              </a:defRPr>
-            </a:lvl3pPr>
-            <a:lvl4pPr marL="1371600" algn="l" defTabSz="457200" rtl="0" eaLnBrk="1" latinLnBrk="0" hangingPunct="1">
-              <a:defRPr sz="1800" kern="1200">
-                <a:solidFill>
-                  <a:schemeClr val="tx1"/>
-                </a:solidFill>
-                <a:latin typeface="+mn-lt"/>
-                <a:ea typeface="+mn-ea"/>
-                <a:cs typeface="+mn-cs"/>
-              </a:defRPr>
-            </a:lvl4pPr>
-            <a:lvl5pPr marL="1828800" algn="l" defTabSz="457200" rtl="0" eaLnBrk="1" latinLnBrk="0" hangingPunct="1">
-              <a:defRPr sz="1800" kern="1200">
-                <a:solidFill>
-                  <a:schemeClr val="tx1"/>
-                </a:solidFill>
-                <a:latin typeface="+mn-lt"/>
-                <a:ea typeface="+mn-ea"/>
-                <a:cs typeface="+mn-cs"/>
-              </a:defRPr>
-            </a:lvl5pPr>
-            <a:lvl6pPr marL="2286000" algn="l" defTabSz="457200" rtl="0" eaLnBrk="1" latinLnBrk="0" hangingPunct="1">
-              <a:defRPr sz="1800" kern="1200">
-                <a:solidFill>
-                  <a:schemeClr val="tx1"/>
-                </a:solidFill>
-                <a:latin typeface="+mn-lt"/>
-                <a:ea typeface="+mn-ea"/>
-                <a:cs typeface="+mn-cs"/>
-              </a:defRPr>
-            </a:lvl6pPr>
-            <a:lvl7pPr marL="2743200" algn="l" defTabSz="457200" rtl="0" eaLnBrk="1" latinLnBrk="0" hangingPunct="1">
-              <a:defRPr sz="1800" kern="1200">
-                <a:solidFill>
-                  <a:schemeClr val="tx1"/>
-                </a:solidFill>
-                <a:latin typeface="+mn-lt"/>
-                <a:ea typeface="+mn-ea"/>
-                <a:cs typeface="+mn-cs"/>
-              </a:defRPr>
-            </a:lvl7pPr>
-            <a:lvl8pPr marL="3200400" algn="l" defTabSz="457200" rtl="0" eaLnBrk="1" latinLnBrk="0" hangingPunct="1">
-              <a:defRPr sz="1800" kern="1200">
-                <a:solidFill>
-                  <a:schemeClr val="tx1"/>
-                </a:solidFill>
-                <a:latin typeface="+mn-lt"/>
-                <a:ea typeface="+mn-ea"/>
-                <a:cs typeface="+mn-cs"/>
-              </a:defRPr>
-            </a:lvl8pPr>
-            <a:lvl9pPr marL="3657600" algn="l" defTabSz="457200" rtl="0" eaLnBrk="1" latinLnBrk="0" hangingPunct="1">
-              <a:defRPr sz="1800" kern="1200">
-                <a:solidFill>
-                  <a:schemeClr val="tx1"/>
-                </a:solidFill>
-                <a:latin typeface="+mn-lt"/>
-                <a:ea typeface="+mn-ea"/>
-                <a:cs typeface="+mn-cs"/>
-              </a:defRPr>
-            </a:lvl9pPr>
-          </a:lstStyle>
-          <a:p>
-            <a:pPr algn="just"/>
-            <a:r>
-              <a:rPr kumimoji="1" lang="en-US" altLang="ja-JP" sz="1000" b="1" dirty="0" smtClean="0"/>
-              <a:t>Title 7. </a:t>
-            </a:r>
-            <a:endParaRPr kumimoji="1" lang="ja-JP" altLang="en-US" sz="1000" b="1" dirty="0"/>
-          </a:p>
-        </p:txBody>
-      </p:sp>
-      <p:sp>
-        <p:nvSpPr>
-          <p:cNvPr id="94" name="TextBox 55"/>
-          <p:cNvSpPr txBox="1"/>
-          <p:nvPr/>
-        </p:nvSpPr>
-        <p:spPr>
-          <a:xfrm>
-            <a:off x="67310" y="4821859"/>
-            <a:ext cx="1436924" cy="553998"/>
-          </a:xfrm>
-          <a:prstGeom prst="rect">
-            <a:avLst/>
-          </a:prstGeom>
-          <a:noFill/>
-        </p:spPr>
-        <p:txBody>
-          <a:bodyPr wrap="square" rtlCol="0">
-            <a:spAutoFit/>
-          </a:bodyPr>
-          <a:lstStyle>
-            <a:defPPr>
-              <a:defRPr lang="en-US"/>
-            </a:defPPr>
-            <a:lvl1pPr marL="0" algn="l" defTabSz="457200" rtl="0" eaLnBrk="1" latinLnBrk="0" hangingPunct="1">
-              <a:defRPr sz="1800" kern="1200">
-                <a:solidFill>
-                  <a:schemeClr val="tx1"/>
-                </a:solidFill>
-                <a:latin typeface="+mn-lt"/>
-                <a:ea typeface="+mn-ea"/>
-                <a:cs typeface="+mn-cs"/>
-              </a:defRPr>
-            </a:lvl1pPr>
-            <a:lvl2pPr marL="457200" algn="l" defTabSz="457200" rtl="0" eaLnBrk="1" latinLnBrk="0" hangingPunct="1">
-              <a:defRPr sz="1800" kern="1200">
-                <a:solidFill>
-                  <a:schemeClr val="tx1"/>
-                </a:solidFill>
-                <a:latin typeface="+mn-lt"/>
-                <a:ea typeface="+mn-ea"/>
-                <a:cs typeface="+mn-cs"/>
-              </a:defRPr>
-            </a:lvl2pPr>
-            <a:lvl3pPr marL="914400" algn="l" defTabSz="457200" rtl="0" eaLnBrk="1" latinLnBrk="0" hangingPunct="1">
-              <a:defRPr sz="1800" kern="1200">
-                <a:solidFill>
-                  <a:schemeClr val="tx1"/>
-                </a:solidFill>
-                <a:latin typeface="+mn-lt"/>
-                <a:ea typeface="+mn-ea"/>
-                <a:cs typeface="+mn-cs"/>
-              </a:defRPr>
-            </a:lvl3pPr>
-            <a:lvl4pPr marL="1371600" algn="l" defTabSz="457200" rtl="0" eaLnBrk="1" latinLnBrk="0" hangingPunct="1">
-              <a:defRPr sz="1800" kern="1200">
-                <a:solidFill>
-                  <a:schemeClr val="tx1"/>
-                </a:solidFill>
-                <a:latin typeface="+mn-lt"/>
-                <a:ea typeface="+mn-ea"/>
-                <a:cs typeface="+mn-cs"/>
-              </a:defRPr>
-            </a:lvl4pPr>
-            <a:lvl5pPr marL="1828800" algn="l" defTabSz="457200" rtl="0" eaLnBrk="1" latinLnBrk="0" hangingPunct="1">
-              <a:defRPr sz="1800" kern="1200">
-                <a:solidFill>
-                  <a:schemeClr val="tx1"/>
-                </a:solidFill>
-                <a:latin typeface="+mn-lt"/>
-                <a:ea typeface="+mn-ea"/>
-                <a:cs typeface="+mn-cs"/>
-              </a:defRPr>
-            </a:lvl5pPr>
-            <a:lvl6pPr marL="2286000" algn="l" defTabSz="457200" rtl="0" eaLnBrk="1" latinLnBrk="0" hangingPunct="1">
-              <a:defRPr sz="1800" kern="1200">
-                <a:solidFill>
-                  <a:schemeClr val="tx1"/>
-                </a:solidFill>
-                <a:latin typeface="+mn-lt"/>
-                <a:ea typeface="+mn-ea"/>
-                <a:cs typeface="+mn-cs"/>
-              </a:defRPr>
-            </a:lvl6pPr>
-            <a:lvl7pPr marL="2743200" algn="l" defTabSz="457200" rtl="0" eaLnBrk="1" latinLnBrk="0" hangingPunct="1">
-              <a:defRPr sz="1800" kern="1200">
-                <a:solidFill>
-                  <a:schemeClr val="tx1"/>
-                </a:solidFill>
-                <a:latin typeface="+mn-lt"/>
-                <a:ea typeface="+mn-ea"/>
-                <a:cs typeface="+mn-cs"/>
-              </a:defRPr>
-            </a:lvl7pPr>
-            <a:lvl8pPr marL="3200400" algn="l" defTabSz="457200" rtl="0" eaLnBrk="1" latinLnBrk="0" hangingPunct="1">
-              <a:defRPr sz="1800" kern="1200">
-                <a:solidFill>
-                  <a:schemeClr val="tx1"/>
-                </a:solidFill>
-                <a:latin typeface="+mn-lt"/>
-                <a:ea typeface="+mn-ea"/>
-                <a:cs typeface="+mn-cs"/>
-              </a:defRPr>
-            </a:lvl8pPr>
-            <a:lvl9pPr marL="3657600" algn="l" defTabSz="457200" rtl="0" eaLnBrk="1" latinLnBrk="0" hangingPunct="1">
-              <a:defRPr sz="1800" kern="1200">
-                <a:solidFill>
-                  <a:schemeClr val="tx1"/>
-                </a:solidFill>
-                <a:latin typeface="+mn-lt"/>
-                <a:ea typeface="+mn-ea"/>
-                <a:cs typeface="+mn-cs"/>
-              </a:defRPr>
-            </a:lvl9pPr>
-          </a:lstStyle>
-          <a:p>
-            <a:pPr algn="just"/>
-            <a:r>
-              <a:rPr kumimoji="1" lang="en-US" altLang="ja-JP" sz="1000" dirty="0" smtClean="0"/>
-              <a:t>Author</a:t>
-            </a:r>
-          </a:p>
-          <a:p>
-            <a:pPr algn="just"/>
-            <a:r>
-              <a:rPr kumimoji="1" lang="en-US" altLang="ja-JP" sz="1000" dirty="0" smtClean="0"/>
-              <a:t>Date time created</a:t>
-            </a:r>
-          </a:p>
-          <a:p>
-            <a:pPr algn="just"/>
-            <a:endParaRPr kumimoji="1" lang="ja-JP" altLang="en-US" sz="1000" dirty="0"/>
-          </a:p>
-        </p:txBody>
-      </p:sp>
-      <p:sp>
-        <p:nvSpPr>
           <p:cNvPr id="95" name="Rectangle 94"/>
           <p:cNvSpPr/>
           <p:nvPr/>
@@ -12698,266 +11706,6 @@
       </p:sp>
       <p:sp>
         <p:nvSpPr>
-          <p:cNvPr id="96" name="TextBox 55"/>
-          <p:cNvSpPr txBox="1"/>
-          <p:nvPr/>
-        </p:nvSpPr>
-        <p:spPr>
-          <a:xfrm>
-            <a:off x="67308" y="5516659"/>
-            <a:ext cx="2380606" cy="246221"/>
-          </a:xfrm>
-          <a:prstGeom prst="rect">
-            <a:avLst/>
-          </a:prstGeom>
-          <a:noFill/>
-        </p:spPr>
-        <p:txBody>
-          <a:bodyPr wrap="square" rtlCol="0">
-            <a:spAutoFit/>
-          </a:bodyPr>
-          <a:lstStyle>
-            <a:defPPr>
-              <a:defRPr lang="en-US"/>
-            </a:defPPr>
-            <a:lvl1pPr marL="0" algn="l" defTabSz="457200" rtl="0" eaLnBrk="1" latinLnBrk="0" hangingPunct="1">
-              <a:defRPr sz="1800" kern="1200">
-                <a:solidFill>
-                  <a:schemeClr val="tx1"/>
-                </a:solidFill>
-                <a:latin typeface="+mn-lt"/>
-                <a:ea typeface="+mn-ea"/>
-                <a:cs typeface="+mn-cs"/>
-              </a:defRPr>
-            </a:lvl1pPr>
-            <a:lvl2pPr marL="457200" algn="l" defTabSz="457200" rtl="0" eaLnBrk="1" latinLnBrk="0" hangingPunct="1">
-              <a:defRPr sz="1800" kern="1200">
-                <a:solidFill>
-                  <a:schemeClr val="tx1"/>
-                </a:solidFill>
-                <a:latin typeface="+mn-lt"/>
-                <a:ea typeface="+mn-ea"/>
-                <a:cs typeface="+mn-cs"/>
-              </a:defRPr>
-            </a:lvl2pPr>
-            <a:lvl3pPr marL="914400" algn="l" defTabSz="457200" rtl="0" eaLnBrk="1" latinLnBrk="0" hangingPunct="1">
-              <a:defRPr sz="1800" kern="1200">
-                <a:solidFill>
-                  <a:schemeClr val="tx1"/>
-                </a:solidFill>
-                <a:latin typeface="+mn-lt"/>
-                <a:ea typeface="+mn-ea"/>
-                <a:cs typeface="+mn-cs"/>
-              </a:defRPr>
-            </a:lvl3pPr>
-            <a:lvl4pPr marL="1371600" algn="l" defTabSz="457200" rtl="0" eaLnBrk="1" latinLnBrk="0" hangingPunct="1">
-              <a:defRPr sz="1800" kern="1200">
-                <a:solidFill>
-                  <a:schemeClr val="tx1"/>
-                </a:solidFill>
-                <a:latin typeface="+mn-lt"/>
-                <a:ea typeface="+mn-ea"/>
-                <a:cs typeface="+mn-cs"/>
-              </a:defRPr>
-            </a:lvl4pPr>
-            <a:lvl5pPr marL="1828800" algn="l" defTabSz="457200" rtl="0" eaLnBrk="1" latinLnBrk="0" hangingPunct="1">
-              <a:defRPr sz="1800" kern="1200">
-                <a:solidFill>
-                  <a:schemeClr val="tx1"/>
-                </a:solidFill>
-                <a:latin typeface="+mn-lt"/>
-                <a:ea typeface="+mn-ea"/>
-                <a:cs typeface="+mn-cs"/>
-              </a:defRPr>
-            </a:lvl5pPr>
-            <a:lvl6pPr marL="2286000" algn="l" defTabSz="457200" rtl="0" eaLnBrk="1" latinLnBrk="0" hangingPunct="1">
-              <a:defRPr sz="1800" kern="1200">
-                <a:solidFill>
-                  <a:schemeClr val="tx1"/>
-                </a:solidFill>
-                <a:latin typeface="+mn-lt"/>
-                <a:ea typeface="+mn-ea"/>
-                <a:cs typeface="+mn-cs"/>
-              </a:defRPr>
-            </a:lvl6pPr>
-            <a:lvl7pPr marL="2743200" algn="l" defTabSz="457200" rtl="0" eaLnBrk="1" latinLnBrk="0" hangingPunct="1">
-              <a:defRPr sz="1800" kern="1200">
-                <a:solidFill>
-                  <a:schemeClr val="tx1"/>
-                </a:solidFill>
-                <a:latin typeface="+mn-lt"/>
-                <a:ea typeface="+mn-ea"/>
-                <a:cs typeface="+mn-cs"/>
-              </a:defRPr>
-            </a:lvl7pPr>
-            <a:lvl8pPr marL="3200400" algn="l" defTabSz="457200" rtl="0" eaLnBrk="1" latinLnBrk="0" hangingPunct="1">
-              <a:defRPr sz="1800" kern="1200">
-                <a:solidFill>
-                  <a:schemeClr val="tx1"/>
-                </a:solidFill>
-                <a:latin typeface="+mn-lt"/>
-                <a:ea typeface="+mn-ea"/>
-                <a:cs typeface="+mn-cs"/>
-              </a:defRPr>
-            </a:lvl8pPr>
-            <a:lvl9pPr marL="3657600" algn="l" defTabSz="457200" rtl="0" eaLnBrk="1" latinLnBrk="0" hangingPunct="1">
-              <a:defRPr sz="1800" kern="1200">
-                <a:solidFill>
-                  <a:schemeClr val="tx1"/>
-                </a:solidFill>
-                <a:latin typeface="+mn-lt"/>
-                <a:ea typeface="+mn-ea"/>
-                <a:cs typeface="+mn-cs"/>
-              </a:defRPr>
-            </a:lvl9pPr>
-          </a:lstStyle>
-          <a:p>
-            <a:pPr algn="just"/>
-            <a:r>
-              <a:rPr kumimoji="1" lang="en-US" altLang="ja-JP" sz="1000" b="1" dirty="0" smtClean="0"/>
-              <a:t>Title 9. </a:t>
-            </a:r>
-            <a:endParaRPr kumimoji="1" lang="ja-JP" altLang="en-US" sz="1000" b="1" dirty="0"/>
-          </a:p>
-        </p:txBody>
-      </p:sp>
-      <p:sp>
-        <p:nvSpPr>
-          <p:cNvPr id="97" name="TextBox 55"/>
-          <p:cNvSpPr txBox="1"/>
-          <p:nvPr/>
-        </p:nvSpPr>
-        <p:spPr>
-          <a:xfrm>
-            <a:off x="67309" y="5851304"/>
-            <a:ext cx="1436924" cy="553998"/>
-          </a:xfrm>
-          <a:prstGeom prst="rect">
-            <a:avLst/>
-          </a:prstGeom>
-          <a:noFill/>
-        </p:spPr>
-        <p:txBody>
-          <a:bodyPr wrap="square" rtlCol="0">
-            <a:spAutoFit/>
-          </a:bodyPr>
-          <a:lstStyle>
-            <a:defPPr>
-              <a:defRPr lang="en-US"/>
-            </a:defPPr>
-            <a:lvl1pPr marL="0" algn="l" defTabSz="457200" rtl="0" eaLnBrk="1" latinLnBrk="0" hangingPunct="1">
-              <a:defRPr sz="1800" kern="1200">
-                <a:solidFill>
-                  <a:schemeClr val="tx1"/>
-                </a:solidFill>
-                <a:latin typeface="+mn-lt"/>
-                <a:ea typeface="+mn-ea"/>
-                <a:cs typeface="+mn-cs"/>
-              </a:defRPr>
-            </a:lvl1pPr>
-            <a:lvl2pPr marL="457200" algn="l" defTabSz="457200" rtl="0" eaLnBrk="1" latinLnBrk="0" hangingPunct="1">
-              <a:defRPr sz="1800" kern="1200">
-                <a:solidFill>
-                  <a:schemeClr val="tx1"/>
-                </a:solidFill>
-                <a:latin typeface="+mn-lt"/>
-                <a:ea typeface="+mn-ea"/>
-                <a:cs typeface="+mn-cs"/>
-              </a:defRPr>
-            </a:lvl2pPr>
-            <a:lvl3pPr marL="914400" algn="l" defTabSz="457200" rtl="0" eaLnBrk="1" latinLnBrk="0" hangingPunct="1">
-              <a:defRPr sz="1800" kern="1200">
-                <a:solidFill>
-                  <a:schemeClr val="tx1"/>
-                </a:solidFill>
-                <a:latin typeface="+mn-lt"/>
-                <a:ea typeface="+mn-ea"/>
-                <a:cs typeface="+mn-cs"/>
-              </a:defRPr>
-            </a:lvl3pPr>
-            <a:lvl4pPr marL="1371600" algn="l" defTabSz="457200" rtl="0" eaLnBrk="1" latinLnBrk="0" hangingPunct="1">
-              <a:defRPr sz="1800" kern="1200">
-                <a:solidFill>
-                  <a:schemeClr val="tx1"/>
-                </a:solidFill>
-                <a:latin typeface="+mn-lt"/>
-                <a:ea typeface="+mn-ea"/>
-                <a:cs typeface="+mn-cs"/>
-              </a:defRPr>
-            </a:lvl4pPr>
-            <a:lvl5pPr marL="1828800" algn="l" defTabSz="457200" rtl="0" eaLnBrk="1" latinLnBrk="0" hangingPunct="1">
-              <a:defRPr sz="1800" kern="1200">
-                <a:solidFill>
-                  <a:schemeClr val="tx1"/>
-                </a:solidFill>
-                <a:latin typeface="+mn-lt"/>
-                <a:ea typeface="+mn-ea"/>
-                <a:cs typeface="+mn-cs"/>
-              </a:defRPr>
-            </a:lvl5pPr>
-            <a:lvl6pPr marL="2286000" algn="l" defTabSz="457200" rtl="0" eaLnBrk="1" latinLnBrk="0" hangingPunct="1">
-              <a:defRPr sz="1800" kern="1200">
-                <a:solidFill>
-                  <a:schemeClr val="tx1"/>
-                </a:solidFill>
-                <a:latin typeface="+mn-lt"/>
-                <a:ea typeface="+mn-ea"/>
-                <a:cs typeface="+mn-cs"/>
-              </a:defRPr>
-            </a:lvl6pPr>
-            <a:lvl7pPr marL="2743200" algn="l" defTabSz="457200" rtl="0" eaLnBrk="1" latinLnBrk="0" hangingPunct="1">
-              <a:defRPr sz="1800" kern="1200">
-                <a:solidFill>
-                  <a:schemeClr val="tx1"/>
-                </a:solidFill>
-                <a:latin typeface="+mn-lt"/>
-                <a:ea typeface="+mn-ea"/>
-                <a:cs typeface="+mn-cs"/>
-              </a:defRPr>
-            </a:lvl7pPr>
-            <a:lvl8pPr marL="3200400" algn="l" defTabSz="457200" rtl="0" eaLnBrk="1" latinLnBrk="0" hangingPunct="1">
-              <a:defRPr sz="1800" kern="1200">
-                <a:solidFill>
-                  <a:schemeClr val="tx1"/>
-                </a:solidFill>
-                <a:latin typeface="+mn-lt"/>
-                <a:ea typeface="+mn-ea"/>
-                <a:cs typeface="+mn-cs"/>
-              </a:defRPr>
-            </a:lvl8pPr>
-            <a:lvl9pPr marL="3657600" algn="l" defTabSz="457200" rtl="0" eaLnBrk="1" latinLnBrk="0" hangingPunct="1">
-              <a:defRPr sz="1800" kern="1200">
-                <a:solidFill>
-                  <a:schemeClr val="tx1"/>
-                </a:solidFill>
-                <a:latin typeface="+mn-lt"/>
-                <a:ea typeface="+mn-ea"/>
-                <a:cs typeface="+mn-cs"/>
-              </a:defRPr>
-            </a:lvl9pPr>
-          </a:lstStyle>
-          <a:p>
-            <a:pPr algn="just"/>
-            <a:r>
-              <a:rPr kumimoji="1" lang="en-US" altLang="ja-JP" sz="1000" dirty="0" smtClean="0"/>
-              <a:t>Author</a:t>
-            </a:r>
-          </a:p>
-          <a:p>
-            <a:pPr algn="just"/>
-            <a:r>
-              <a:rPr kumimoji="1" lang="en-US" altLang="ja-JP" sz="1000" dirty="0" smtClean="0"/>
-              <a:t>Date time created</a:t>
-            </a:r>
-          </a:p>
-          <a:p>
-            <a:pPr algn="just"/>
-            <a:endParaRPr kumimoji="1" lang="ja-JP" altLang="en-US" sz="1000" dirty="0"/>
-          </a:p>
-        </p:txBody>
-      </p:sp>
-      <p:sp>
-        <p:nvSpPr>
           <p:cNvPr id="98" name="Rectangle 97"/>
           <p:cNvSpPr/>
           <p:nvPr/>
@@ -13026,266 +11774,6 @@
       </p:sp>
       <p:sp>
         <p:nvSpPr>
-          <p:cNvPr id="99" name="TextBox 55"/>
-          <p:cNvSpPr txBox="1"/>
-          <p:nvPr/>
-        </p:nvSpPr>
-        <p:spPr>
-          <a:xfrm>
-            <a:off x="2780662" y="2433171"/>
-            <a:ext cx="2380606" cy="246221"/>
-          </a:xfrm>
-          <a:prstGeom prst="rect">
-            <a:avLst/>
-          </a:prstGeom>
-          <a:noFill/>
-        </p:spPr>
-        <p:txBody>
-          <a:bodyPr wrap="square" rtlCol="0">
-            <a:spAutoFit/>
-          </a:bodyPr>
-          <a:lstStyle>
-            <a:defPPr>
-              <a:defRPr lang="en-US"/>
-            </a:defPPr>
-            <a:lvl1pPr marL="0" algn="l" defTabSz="457200" rtl="0" eaLnBrk="1" latinLnBrk="0" hangingPunct="1">
-              <a:defRPr sz="1800" kern="1200">
-                <a:solidFill>
-                  <a:schemeClr val="tx1"/>
-                </a:solidFill>
-                <a:latin typeface="+mn-lt"/>
-                <a:ea typeface="+mn-ea"/>
-                <a:cs typeface="+mn-cs"/>
-              </a:defRPr>
-            </a:lvl1pPr>
-            <a:lvl2pPr marL="457200" algn="l" defTabSz="457200" rtl="0" eaLnBrk="1" latinLnBrk="0" hangingPunct="1">
-              <a:defRPr sz="1800" kern="1200">
-                <a:solidFill>
-                  <a:schemeClr val="tx1"/>
-                </a:solidFill>
-                <a:latin typeface="+mn-lt"/>
-                <a:ea typeface="+mn-ea"/>
-                <a:cs typeface="+mn-cs"/>
-              </a:defRPr>
-            </a:lvl2pPr>
-            <a:lvl3pPr marL="914400" algn="l" defTabSz="457200" rtl="0" eaLnBrk="1" latinLnBrk="0" hangingPunct="1">
-              <a:defRPr sz="1800" kern="1200">
-                <a:solidFill>
-                  <a:schemeClr val="tx1"/>
-                </a:solidFill>
-                <a:latin typeface="+mn-lt"/>
-                <a:ea typeface="+mn-ea"/>
-                <a:cs typeface="+mn-cs"/>
-              </a:defRPr>
-            </a:lvl3pPr>
-            <a:lvl4pPr marL="1371600" algn="l" defTabSz="457200" rtl="0" eaLnBrk="1" latinLnBrk="0" hangingPunct="1">
-              <a:defRPr sz="1800" kern="1200">
-                <a:solidFill>
-                  <a:schemeClr val="tx1"/>
-                </a:solidFill>
-                <a:latin typeface="+mn-lt"/>
-                <a:ea typeface="+mn-ea"/>
-                <a:cs typeface="+mn-cs"/>
-              </a:defRPr>
-            </a:lvl4pPr>
-            <a:lvl5pPr marL="1828800" algn="l" defTabSz="457200" rtl="0" eaLnBrk="1" latinLnBrk="0" hangingPunct="1">
-              <a:defRPr sz="1800" kern="1200">
-                <a:solidFill>
-                  <a:schemeClr val="tx1"/>
-                </a:solidFill>
-                <a:latin typeface="+mn-lt"/>
-                <a:ea typeface="+mn-ea"/>
-                <a:cs typeface="+mn-cs"/>
-              </a:defRPr>
-            </a:lvl5pPr>
-            <a:lvl6pPr marL="2286000" algn="l" defTabSz="457200" rtl="0" eaLnBrk="1" latinLnBrk="0" hangingPunct="1">
-              <a:defRPr sz="1800" kern="1200">
-                <a:solidFill>
-                  <a:schemeClr val="tx1"/>
-                </a:solidFill>
-                <a:latin typeface="+mn-lt"/>
-                <a:ea typeface="+mn-ea"/>
-                <a:cs typeface="+mn-cs"/>
-              </a:defRPr>
-            </a:lvl6pPr>
-            <a:lvl7pPr marL="2743200" algn="l" defTabSz="457200" rtl="0" eaLnBrk="1" latinLnBrk="0" hangingPunct="1">
-              <a:defRPr sz="1800" kern="1200">
-                <a:solidFill>
-                  <a:schemeClr val="tx1"/>
-                </a:solidFill>
-                <a:latin typeface="+mn-lt"/>
-                <a:ea typeface="+mn-ea"/>
-                <a:cs typeface="+mn-cs"/>
-              </a:defRPr>
-            </a:lvl7pPr>
-            <a:lvl8pPr marL="3200400" algn="l" defTabSz="457200" rtl="0" eaLnBrk="1" latinLnBrk="0" hangingPunct="1">
-              <a:defRPr sz="1800" kern="1200">
-                <a:solidFill>
-                  <a:schemeClr val="tx1"/>
-                </a:solidFill>
-                <a:latin typeface="+mn-lt"/>
-                <a:ea typeface="+mn-ea"/>
-                <a:cs typeface="+mn-cs"/>
-              </a:defRPr>
-            </a:lvl8pPr>
-            <a:lvl9pPr marL="3657600" algn="l" defTabSz="457200" rtl="0" eaLnBrk="1" latinLnBrk="0" hangingPunct="1">
-              <a:defRPr sz="1800" kern="1200">
-                <a:solidFill>
-                  <a:schemeClr val="tx1"/>
-                </a:solidFill>
-                <a:latin typeface="+mn-lt"/>
-                <a:ea typeface="+mn-ea"/>
-                <a:cs typeface="+mn-cs"/>
-              </a:defRPr>
-            </a:lvl9pPr>
-          </a:lstStyle>
-          <a:p>
-            <a:pPr algn="just"/>
-            <a:r>
-              <a:rPr kumimoji="1" lang="en-US" altLang="ja-JP" sz="1000" b="1" dirty="0" smtClean="0"/>
-              <a:t>Title 4. </a:t>
-            </a:r>
-            <a:endParaRPr kumimoji="1" lang="ja-JP" altLang="en-US" sz="1000" b="1" dirty="0"/>
-          </a:p>
-        </p:txBody>
-      </p:sp>
-      <p:sp>
-        <p:nvSpPr>
-          <p:cNvPr id="100" name="TextBox 55"/>
-          <p:cNvSpPr txBox="1"/>
-          <p:nvPr/>
-        </p:nvSpPr>
-        <p:spPr>
-          <a:xfrm>
-            <a:off x="2780663" y="2767816"/>
-            <a:ext cx="1436924" cy="553998"/>
-          </a:xfrm>
-          <a:prstGeom prst="rect">
-            <a:avLst/>
-          </a:prstGeom>
-          <a:noFill/>
-        </p:spPr>
-        <p:txBody>
-          <a:bodyPr wrap="square" rtlCol="0">
-            <a:spAutoFit/>
-          </a:bodyPr>
-          <a:lstStyle>
-            <a:defPPr>
-              <a:defRPr lang="en-US"/>
-            </a:defPPr>
-            <a:lvl1pPr marL="0" algn="l" defTabSz="457200" rtl="0" eaLnBrk="1" latinLnBrk="0" hangingPunct="1">
-              <a:defRPr sz="1800" kern="1200">
-                <a:solidFill>
-                  <a:schemeClr val="tx1"/>
-                </a:solidFill>
-                <a:latin typeface="+mn-lt"/>
-                <a:ea typeface="+mn-ea"/>
-                <a:cs typeface="+mn-cs"/>
-              </a:defRPr>
-            </a:lvl1pPr>
-            <a:lvl2pPr marL="457200" algn="l" defTabSz="457200" rtl="0" eaLnBrk="1" latinLnBrk="0" hangingPunct="1">
-              <a:defRPr sz="1800" kern="1200">
-                <a:solidFill>
-                  <a:schemeClr val="tx1"/>
-                </a:solidFill>
-                <a:latin typeface="+mn-lt"/>
-                <a:ea typeface="+mn-ea"/>
-                <a:cs typeface="+mn-cs"/>
-              </a:defRPr>
-            </a:lvl2pPr>
-            <a:lvl3pPr marL="914400" algn="l" defTabSz="457200" rtl="0" eaLnBrk="1" latinLnBrk="0" hangingPunct="1">
-              <a:defRPr sz="1800" kern="1200">
-                <a:solidFill>
-                  <a:schemeClr val="tx1"/>
-                </a:solidFill>
-                <a:latin typeface="+mn-lt"/>
-                <a:ea typeface="+mn-ea"/>
-                <a:cs typeface="+mn-cs"/>
-              </a:defRPr>
-            </a:lvl3pPr>
-            <a:lvl4pPr marL="1371600" algn="l" defTabSz="457200" rtl="0" eaLnBrk="1" latinLnBrk="0" hangingPunct="1">
-              <a:defRPr sz="1800" kern="1200">
-                <a:solidFill>
-                  <a:schemeClr val="tx1"/>
-                </a:solidFill>
-                <a:latin typeface="+mn-lt"/>
-                <a:ea typeface="+mn-ea"/>
-                <a:cs typeface="+mn-cs"/>
-              </a:defRPr>
-            </a:lvl4pPr>
-            <a:lvl5pPr marL="1828800" algn="l" defTabSz="457200" rtl="0" eaLnBrk="1" latinLnBrk="0" hangingPunct="1">
-              <a:defRPr sz="1800" kern="1200">
-                <a:solidFill>
-                  <a:schemeClr val="tx1"/>
-                </a:solidFill>
-                <a:latin typeface="+mn-lt"/>
-                <a:ea typeface="+mn-ea"/>
-                <a:cs typeface="+mn-cs"/>
-              </a:defRPr>
-            </a:lvl5pPr>
-            <a:lvl6pPr marL="2286000" algn="l" defTabSz="457200" rtl="0" eaLnBrk="1" latinLnBrk="0" hangingPunct="1">
-              <a:defRPr sz="1800" kern="1200">
-                <a:solidFill>
-                  <a:schemeClr val="tx1"/>
-                </a:solidFill>
-                <a:latin typeface="+mn-lt"/>
-                <a:ea typeface="+mn-ea"/>
-                <a:cs typeface="+mn-cs"/>
-              </a:defRPr>
-            </a:lvl6pPr>
-            <a:lvl7pPr marL="2743200" algn="l" defTabSz="457200" rtl="0" eaLnBrk="1" latinLnBrk="0" hangingPunct="1">
-              <a:defRPr sz="1800" kern="1200">
-                <a:solidFill>
-                  <a:schemeClr val="tx1"/>
-                </a:solidFill>
-                <a:latin typeface="+mn-lt"/>
-                <a:ea typeface="+mn-ea"/>
-                <a:cs typeface="+mn-cs"/>
-              </a:defRPr>
-            </a:lvl7pPr>
-            <a:lvl8pPr marL="3200400" algn="l" defTabSz="457200" rtl="0" eaLnBrk="1" latinLnBrk="0" hangingPunct="1">
-              <a:defRPr sz="1800" kern="1200">
-                <a:solidFill>
-                  <a:schemeClr val="tx1"/>
-                </a:solidFill>
-                <a:latin typeface="+mn-lt"/>
-                <a:ea typeface="+mn-ea"/>
-                <a:cs typeface="+mn-cs"/>
-              </a:defRPr>
-            </a:lvl8pPr>
-            <a:lvl9pPr marL="3657600" algn="l" defTabSz="457200" rtl="0" eaLnBrk="1" latinLnBrk="0" hangingPunct="1">
-              <a:defRPr sz="1800" kern="1200">
-                <a:solidFill>
-                  <a:schemeClr val="tx1"/>
-                </a:solidFill>
-                <a:latin typeface="+mn-lt"/>
-                <a:ea typeface="+mn-ea"/>
-                <a:cs typeface="+mn-cs"/>
-              </a:defRPr>
-            </a:lvl9pPr>
-          </a:lstStyle>
-          <a:p>
-            <a:pPr algn="just"/>
-            <a:r>
-              <a:rPr kumimoji="1" lang="en-US" altLang="ja-JP" sz="1000" dirty="0" smtClean="0"/>
-              <a:t>Author</a:t>
-            </a:r>
-          </a:p>
-          <a:p>
-            <a:pPr algn="just"/>
-            <a:r>
-              <a:rPr kumimoji="1" lang="en-US" altLang="ja-JP" sz="1000" dirty="0" smtClean="0"/>
-              <a:t>Date time created</a:t>
-            </a:r>
-          </a:p>
-          <a:p>
-            <a:pPr algn="just"/>
-            <a:endParaRPr kumimoji="1" lang="ja-JP" altLang="en-US" sz="1000" dirty="0"/>
-          </a:p>
-        </p:txBody>
-      </p:sp>
-      <p:sp>
-        <p:nvSpPr>
           <p:cNvPr id="102" name="Rectangle 101"/>
           <p:cNvSpPr/>
           <p:nvPr/>
@@ -13354,266 +11842,6 @@
       </p:sp>
       <p:sp>
         <p:nvSpPr>
-          <p:cNvPr id="103" name="TextBox 55"/>
-          <p:cNvSpPr txBox="1"/>
-          <p:nvPr/>
-        </p:nvSpPr>
-        <p:spPr>
-          <a:xfrm>
-            <a:off x="2792526" y="3459306"/>
-            <a:ext cx="2380606" cy="246221"/>
-          </a:xfrm>
-          <a:prstGeom prst="rect">
-            <a:avLst/>
-          </a:prstGeom>
-          <a:noFill/>
-        </p:spPr>
-        <p:txBody>
-          <a:bodyPr wrap="square" rtlCol="0">
-            <a:spAutoFit/>
-          </a:bodyPr>
-          <a:lstStyle>
-            <a:defPPr>
-              <a:defRPr lang="en-US"/>
-            </a:defPPr>
-            <a:lvl1pPr marL="0" algn="l" defTabSz="457200" rtl="0" eaLnBrk="1" latinLnBrk="0" hangingPunct="1">
-              <a:defRPr sz="1800" kern="1200">
-                <a:solidFill>
-                  <a:schemeClr val="tx1"/>
-                </a:solidFill>
-                <a:latin typeface="+mn-lt"/>
-                <a:ea typeface="+mn-ea"/>
-                <a:cs typeface="+mn-cs"/>
-              </a:defRPr>
-            </a:lvl1pPr>
-            <a:lvl2pPr marL="457200" algn="l" defTabSz="457200" rtl="0" eaLnBrk="1" latinLnBrk="0" hangingPunct="1">
-              <a:defRPr sz="1800" kern="1200">
-                <a:solidFill>
-                  <a:schemeClr val="tx1"/>
-                </a:solidFill>
-                <a:latin typeface="+mn-lt"/>
-                <a:ea typeface="+mn-ea"/>
-                <a:cs typeface="+mn-cs"/>
-              </a:defRPr>
-            </a:lvl2pPr>
-            <a:lvl3pPr marL="914400" algn="l" defTabSz="457200" rtl="0" eaLnBrk="1" latinLnBrk="0" hangingPunct="1">
-              <a:defRPr sz="1800" kern="1200">
-                <a:solidFill>
-                  <a:schemeClr val="tx1"/>
-                </a:solidFill>
-                <a:latin typeface="+mn-lt"/>
-                <a:ea typeface="+mn-ea"/>
-                <a:cs typeface="+mn-cs"/>
-              </a:defRPr>
-            </a:lvl3pPr>
-            <a:lvl4pPr marL="1371600" algn="l" defTabSz="457200" rtl="0" eaLnBrk="1" latinLnBrk="0" hangingPunct="1">
-              <a:defRPr sz="1800" kern="1200">
-                <a:solidFill>
-                  <a:schemeClr val="tx1"/>
-                </a:solidFill>
-                <a:latin typeface="+mn-lt"/>
-                <a:ea typeface="+mn-ea"/>
-                <a:cs typeface="+mn-cs"/>
-              </a:defRPr>
-            </a:lvl4pPr>
-            <a:lvl5pPr marL="1828800" algn="l" defTabSz="457200" rtl="0" eaLnBrk="1" latinLnBrk="0" hangingPunct="1">
-              <a:defRPr sz="1800" kern="1200">
-                <a:solidFill>
-                  <a:schemeClr val="tx1"/>
-                </a:solidFill>
-                <a:latin typeface="+mn-lt"/>
-                <a:ea typeface="+mn-ea"/>
-                <a:cs typeface="+mn-cs"/>
-              </a:defRPr>
-            </a:lvl5pPr>
-            <a:lvl6pPr marL="2286000" algn="l" defTabSz="457200" rtl="0" eaLnBrk="1" latinLnBrk="0" hangingPunct="1">
-              <a:defRPr sz="1800" kern="1200">
-                <a:solidFill>
-                  <a:schemeClr val="tx1"/>
-                </a:solidFill>
-                <a:latin typeface="+mn-lt"/>
-                <a:ea typeface="+mn-ea"/>
-                <a:cs typeface="+mn-cs"/>
-              </a:defRPr>
-            </a:lvl6pPr>
-            <a:lvl7pPr marL="2743200" algn="l" defTabSz="457200" rtl="0" eaLnBrk="1" latinLnBrk="0" hangingPunct="1">
-              <a:defRPr sz="1800" kern="1200">
-                <a:solidFill>
-                  <a:schemeClr val="tx1"/>
-                </a:solidFill>
-                <a:latin typeface="+mn-lt"/>
-                <a:ea typeface="+mn-ea"/>
-                <a:cs typeface="+mn-cs"/>
-              </a:defRPr>
-            </a:lvl7pPr>
-            <a:lvl8pPr marL="3200400" algn="l" defTabSz="457200" rtl="0" eaLnBrk="1" latinLnBrk="0" hangingPunct="1">
-              <a:defRPr sz="1800" kern="1200">
-                <a:solidFill>
-                  <a:schemeClr val="tx1"/>
-                </a:solidFill>
-                <a:latin typeface="+mn-lt"/>
-                <a:ea typeface="+mn-ea"/>
-                <a:cs typeface="+mn-cs"/>
-              </a:defRPr>
-            </a:lvl8pPr>
-            <a:lvl9pPr marL="3657600" algn="l" defTabSz="457200" rtl="0" eaLnBrk="1" latinLnBrk="0" hangingPunct="1">
-              <a:defRPr sz="1800" kern="1200">
-                <a:solidFill>
-                  <a:schemeClr val="tx1"/>
-                </a:solidFill>
-                <a:latin typeface="+mn-lt"/>
-                <a:ea typeface="+mn-ea"/>
-                <a:cs typeface="+mn-cs"/>
-              </a:defRPr>
-            </a:lvl9pPr>
-          </a:lstStyle>
-          <a:p>
-            <a:pPr algn="just"/>
-            <a:r>
-              <a:rPr kumimoji="1" lang="en-US" altLang="ja-JP" sz="1000" b="1" dirty="0" smtClean="0"/>
-              <a:t>Title 6. </a:t>
-            </a:r>
-            <a:endParaRPr kumimoji="1" lang="ja-JP" altLang="en-US" sz="1000" b="1" dirty="0"/>
-          </a:p>
-        </p:txBody>
-      </p:sp>
-      <p:sp>
-        <p:nvSpPr>
-          <p:cNvPr id="104" name="TextBox 55"/>
-          <p:cNvSpPr txBox="1"/>
-          <p:nvPr/>
-        </p:nvSpPr>
-        <p:spPr>
-          <a:xfrm>
-            <a:off x="2792527" y="3793951"/>
-            <a:ext cx="1436924" cy="553998"/>
-          </a:xfrm>
-          <a:prstGeom prst="rect">
-            <a:avLst/>
-          </a:prstGeom>
-          <a:noFill/>
-        </p:spPr>
-        <p:txBody>
-          <a:bodyPr wrap="square" rtlCol="0">
-            <a:spAutoFit/>
-          </a:bodyPr>
-          <a:lstStyle>
-            <a:defPPr>
-              <a:defRPr lang="en-US"/>
-            </a:defPPr>
-            <a:lvl1pPr marL="0" algn="l" defTabSz="457200" rtl="0" eaLnBrk="1" latinLnBrk="0" hangingPunct="1">
-              <a:defRPr sz="1800" kern="1200">
-                <a:solidFill>
-                  <a:schemeClr val="tx1"/>
-                </a:solidFill>
-                <a:latin typeface="+mn-lt"/>
-                <a:ea typeface="+mn-ea"/>
-                <a:cs typeface="+mn-cs"/>
-              </a:defRPr>
-            </a:lvl1pPr>
-            <a:lvl2pPr marL="457200" algn="l" defTabSz="457200" rtl="0" eaLnBrk="1" latinLnBrk="0" hangingPunct="1">
-              <a:defRPr sz="1800" kern="1200">
-                <a:solidFill>
-                  <a:schemeClr val="tx1"/>
-                </a:solidFill>
-                <a:latin typeface="+mn-lt"/>
-                <a:ea typeface="+mn-ea"/>
-                <a:cs typeface="+mn-cs"/>
-              </a:defRPr>
-            </a:lvl2pPr>
-            <a:lvl3pPr marL="914400" algn="l" defTabSz="457200" rtl="0" eaLnBrk="1" latinLnBrk="0" hangingPunct="1">
-              <a:defRPr sz="1800" kern="1200">
-                <a:solidFill>
-                  <a:schemeClr val="tx1"/>
-                </a:solidFill>
-                <a:latin typeface="+mn-lt"/>
-                <a:ea typeface="+mn-ea"/>
-                <a:cs typeface="+mn-cs"/>
-              </a:defRPr>
-            </a:lvl3pPr>
-            <a:lvl4pPr marL="1371600" algn="l" defTabSz="457200" rtl="0" eaLnBrk="1" latinLnBrk="0" hangingPunct="1">
-              <a:defRPr sz="1800" kern="1200">
-                <a:solidFill>
-                  <a:schemeClr val="tx1"/>
-                </a:solidFill>
-                <a:latin typeface="+mn-lt"/>
-                <a:ea typeface="+mn-ea"/>
-                <a:cs typeface="+mn-cs"/>
-              </a:defRPr>
-            </a:lvl4pPr>
-            <a:lvl5pPr marL="1828800" algn="l" defTabSz="457200" rtl="0" eaLnBrk="1" latinLnBrk="0" hangingPunct="1">
-              <a:defRPr sz="1800" kern="1200">
-                <a:solidFill>
-                  <a:schemeClr val="tx1"/>
-                </a:solidFill>
-                <a:latin typeface="+mn-lt"/>
-                <a:ea typeface="+mn-ea"/>
-                <a:cs typeface="+mn-cs"/>
-              </a:defRPr>
-            </a:lvl5pPr>
-            <a:lvl6pPr marL="2286000" algn="l" defTabSz="457200" rtl="0" eaLnBrk="1" latinLnBrk="0" hangingPunct="1">
-              <a:defRPr sz="1800" kern="1200">
-                <a:solidFill>
-                  <a:schemeClr val="tx1"/>
-                </a:solidFill>
-                <a:latin typeface="+mn-lt"/>
-                <a:ea typeface="+mn-ea"/>
-                <a:cs typeface="+mn-cs"/>
-              </a:defRPr>
-            </a:lvl6pPr>
-            <a:lvl7pPr marL="2743200" algn="l" defTabSz="457200" rtl="0" eaLnBrk="1" latinLnBrk="0" hangingPunct="1">
-              <a:defRPr sz="1800" kern="1200">
-                <a:solidFill>
-                  <a:schemeClr val="tx1"/>
-                </a:solidFill>
-                <a:latin typeface="+mn-lt"/>
-                <a:ea typeface="+mn-ea"/>
-                <a:cs typeface="+mn-cs"/>
-              </a:defRPr>
-            </a:lvl7pPr>
-            <a:lvl8pPr marL="3200400" algn="l" defTabSz="457200" rtl="0" eaLnBrk="1" latinLnBrk="0" hangingPunct="1">
-              <a:defRPr sz="1800" kern="1200">
-                <a:solidFill>
-                  <a:schemeClr val="tx1"/>
-                </a:solidFill>
-                <a:latin typeface="+mn-lt"/>
-                <a:ea typeface="+mn-ea"/>
-                <a:cs typeface="+mn-cs"/>
-              </a:defRPr>
-            </a:lvl8pPr>
-            <a:lvl9pPr marL="3657600" algn="l" defTabSz="457200" rtl="0" eaLnBrk="1" latinLnBrk="0" hangingPunct="1">
-              <a:defRPr sz="1800" kern="1200">
-                <a:solidFill>
-                  <a:schemeClr val="tx1"/>
-                </a:solidFill>
-                <a:latin typeface="+mn-lt"/>
-                <a:ea typeface="+mn-ea"/>
-                <a:cs typeface="+mn-cs"/>
-              </a:defRPr>
-            </a:lvl9pPr>
-          </a:lstStyle>
-          <a:p>
-            <a:pPr algn="just"/>
-            <a:r>
-              <a:rPr kumimoji="1" lang="en-US" altLang="ja-JP" sz="1000" dirty="0" smtClean="0"/>
-              <a:t>Author</a:t>
-            </a:r>
-          </a:p>
-          <a:p>
-            <a:pPr algn="just"/>
-            <a:r>
-              <a:rPr kumimoji="1" lang="en-US" altLang="ja-JP" sz="1000" dirty="0" smtClean="0"/>
-              <a:t>Date time created</a:t>
-            </a:r>
-          </a:p>
-          <a:p>
-            <a:pPr algn="just"/>
-            <a:endParaRPr kumimoji="1" lang="ja-JP" altLang="en-US" sz="1000" dirty="0"/>
-          </a:p>
-        </p:txBody>
-      </p:sp>
-      <p:sp>
-        <p:nvSpPr>
           <p:cNvPr id="108" name="Rectangle 107"/>
           <p:cNvSpPr/>
           <p:nvPr/>
@@ -13682,266 +11910,6 @@
       </p:sp>
       <p:sp>
         <p:nvSpPr>
-          <p:cNvPr id="109" name="TextBox 55"/>
-          <p:cNvSpPr txBox="1"/>
-          <p:nvPr/>
-        </p:nvSpPr>
-        <p:spPr>
-          <a:xfrm>
-            <a:off x="2780661" y="4487214"/>
-            <a:ext cx="2380606" cy="246221"/>
-          </a:xfrm>
-          <a:prstGeom prst="rect">
-            <a:avLst/>
-          </a:prstGeom>
-          <a:noFill/>
-        </p:spPr>
-        <p:txBody>
-          <a:bodyPr wrap="square" rtlCol="0">
-            <a:spAutoFit/>
-          </a:bodyPr>
-          <a:lstStyle>
-            <a:defPPr>
-              <a:defRPr lang="en-US"/>
-            </a:defPPr>
-            <a:lvl1pPr marL="0" algn="l" defTabSz="457200" rtl="0" eaLnBrk="1" latinLnBrk="0" hangingPunct="1">
-              <a:defRPr sz="1800" kern="1200">
-                <a:solidFill>
-                  <a:schemeClr val="tx1"/>
-                </a:solidFill>
-                <a:latin typeface="+mn-lt"/>
-                <a:ea typeface="+mn-ea"/>
-                <a:cs typeface="+mn-cs"/>
-              </a:defRPr>
-            </a:lvl1pPr>
-            <a:lvl2pPr marL="457200" algn="l" defTabSz="457200" rtl="0" eaLnBrk="1" latinLnBrk="0" hangingPunct="1">
-              <a:defRPr sz="1800" kern="1200">
-                <a:solidFill>
-                  <a:schemeClr val="tx1"/>
-                </a:solidFill>
-                <a:latin typeface="+mn-lt"/>
-                <a:ea typeface="+mn-ea"/>
-                <a:cs typeface="+mn-cs"/>
-              </a:defRPr>
-            </a:lvl2pPr>
-            <a:lvl3pPr marL="914400" algn="l" defTabSz="457200" rtl="0" eaLnBrk="1" latinLnBrk="0" hangingPunct="1">
-              <a:defRPr sz="1800" kern="1200">
-                <a:solidFill>
-                  <a:schemeClr val="tx1"/>
-                </a:solidFill>
-                <a:latin typeface="+mn-lt"/>
-                <a:ea typeface="+mn-ea"/>
-                <a:cs typeface="+mn-cs"/>
-              </a:defRPr>
-            </a:lvl3pPr>
-            <a:lvl4pPr marL="1371600" algn="l" defTabSz="457200" rtl="0" eaLnBrk="1" latinLnBrk="0" hangingPunct="1">
-              <a:defRPr sz="1800" kern="1200">
-                <a:solidFill>
-                  <a:schemeClr val="tx1"/>
-                </a:solidFill>
-                <a:latin typeface="+mn-lt"/>
-                <a:ea typeface="+mn-ea"/>
-                <a:cs typeface="+mn-cs"/>
-              </a:defRPr>
-            </a:lvl4pPr>
-            <a:lvl5pPr marL="1828800" algn="l" defTabSz="457200" rtl="0" eaLnBrk="1" latinLnBrk="0" hangingPunct="1">
-              <a:defRPr sz="1800" kern="1200">
-                <a:solidFill>
-                  <a:schemeClr val="tx1"/>
-                </a:solidFill>
-                <a:latin typeface="+mn-lt"/>
-                <a:ea typeface="+mn-ea"/>
-                <a:cs typeface="+mn-cs"/>
-              </a:defRPr>
-            </a:lvl5pPr>
-            <a:lvl6pPr marL="2286000" algn="l" defTabSz="457200" rtl="0" eaLnBrk="1" latinLnBrk="0" hangingPunct="1">
-              <a:defRPr sz="1800" kern="1200">
-                <a:solidFill>
-                  <a:schemeClr val="tx1"/>
-                </a:solidFill>
-                <a:latin typeface="+mn-lt"/>
-                <a:ea typeface="+mn-ea"/>
-                <a:cs typeface="+mn-cs"/>
-              </a:defRPr>
-            </a:lvl6pPr>
-            <a:lvl7pPr marL="2743200" algn="l" defTabSz="457200" rtl="0" eaLnBrk="1" latinLnBrk="0" hangingPunct="1">
-              <a:defRPr sz="1800" kern="1200">
-                <a:solidFill>
-                  <a:schemeClr val="tx1"/>
-                </a:solidFill>
-                <a:latin typeface="+mn-lt"/>
-                <a:ea typeface="+mn-ea"/>
-                <a:cs typeface="+mn-cs"/>
-              </a:defRPr>
-            </a:lvl7pPr>
-            <a:lvl8pPr marL="3200400" algn="l" defTabSz="457200" rtl="0" eaLnBrk="1" latinLnBrk="0" hangingPunct="1">
-              <a:defRPr sz="1800" kern="1200">
-                <a:solidFill>
-                  <a:schemeClr val="tx1"/>
-                </a:solidFill>
-                <a:latin typeface="+mn-lt"/>
-                <a:ea typeface="+mn-ea"/>
-                <a:cs typeface="+mn-cs"/>
-              </a:defRPr>
-            </a:lvl8pPr>
-            <a:lvl9pPr marL="3657600" algn="l" defTabSz="457200" rtl="0" eaLnBrk="1" latinLnBrk="0" hangingPunct="1">
-              <a:defRPr sz="1800" kern="1200">
-                <a:solidFill>
-                  <a:schemeClr val="tx1"/>
-                </a:solidFill>
-                <a:latin typeface="+mn-lt"/>
-                <a:ea typeface="+mn-ea"/>
-                <a:cs typeface="+mn-cs"/>
-              </a:defRPr>
-            </a:lvl9pPr>
-          </a:lstStyle>
-          <a:p>
-            <a:pPr algn="just"/>
-            <a:r>
-              <a:rPr kumimoji="1" lang="en-US" altLang="ja-JP" sz="1000" b="1" dirty="0" smtClean="0"/>
-              <a:t>Title 8. </a:t>
-            </a:r>
-            <a:endParaRPr kumimoji="1" lang="ja-JP" altLang="en-US" sz="1000" b="1" dirty="0"/>
-          </a:p>
-        </p:txBody>
-      </p:sp>
-      <p:sp>
-        <p:nvSpPr>
-          <p:cNvPr id="110" name="TextBox 55"/>
-          <p:cNvSpPr txBox="1"/>
-          <p:nvPr/>
-        </p:nvSpPr>
-        <p:spPr>
-          <a:xfrm>
-            <a:off x="2780662" y="4821859"/>
-            <a:ext cx="1436924" cy="553998"/>
-          </a:xfrm>
-          <a:prstGeom prst="rect">
-            <a:avLst/>
-          </a:prstGeom>
-          <a:noFill/>
-        </p:spPr>
-        <p:txBody>
-          <a:bodyPr wrap="square" rtlCol="0">
-            <a:spAutoFit/>
-          </a:bodyPr>
-          <a:lstStyle>
-            <a:defPPr>
-              <a:defRPr lang="en-US"/>
-            </a:defPPr>
-            <a:lvl1pPr marL="0" algn="l" defTabSz="457200" rtl="0" eaLnBrk="1" latinLnBrk="0" hangingPunct="1">
-              <a:defRPr sz="1800" kern="1200">
-                <a:solidFill>
-                  <a:schemeClr val="tx1"/>
-                </a:solidFill>
-                <a:latin typeface="+mn-lt"/>
-                <a:ea typeface="+mn-ea"/>
-                <a:cs typeface="+mn-cs"/>
-              </a:defRPr>
-            </a:lvl1pPr>
-            <a:lvl2pPr marL="457200" algn="l" defTabSz="457200" rtl="0" eaLnBrk="1" latinLnBrk="0" hangingPunct="1">
-              <a:defRPr sz="1800" kern="1200">
-                <a:solidFill>
-                  <a:schemeClr val="tx1"/>
-                </a:solidFill>
-                <a:latin typeface="+mn-lt"/>
-                <a:ea typeface="+mn-ea"/>
-                <a:cs typeface="+mn-cs"/>
-              </a:defRPr>
-            </a:lvl2pPr>
-            <a:lvl3pPr marL="914400" algn="l" defTabSz="457200" rtl="0" eaLnBrk="1" latinLnBrk="0" hangingPunct="1">
-              <a:defRPr sz="1800" kern="1200">
-                <a:solidFill>
-                  <a:schemeClr val="tx1"/>
-                </a:solidFill>
-                <a:latin typeface="+mn-lt"/>
-                <a:ea typeface="+mn-ea"/>
-                <a:cs typeface="+mn-cs"/>
-              </a:defRPr>
-            </a:lvl3pPr>
-            <a:lvl4pPr marL="1371600" algn="l" defTabSz="457200" rtl="0" eaLnBrk="1" latinLnBrk="0" hangingPunct="1">
-              <a:defRPr sz="1800" kern="1200">
-                <a:solidFill>
-                  <a:schemeClr val="tx1"/>
-                </a:solidFill>
-                <a:latin typeface="+mn-lt"/>
-                <a:ea typeface="+mn-ea"/>
-                <a:cs typeface="+mn-cs"/>
-              </a:defRPr>
-            </a:lvl4pPr>
-            <a:lvl5pPr marL="1828800" algn="l" defTabSz="457200" rtl="0" eaLnBrk="1" latinLnBrk="0" hangingPunct="1">
-              <a:defRPr sz="1800" kern="1200">
-                <a:solidFill>
-                  <a:schemeClr val="tx1"/>
-                </a:solidFill>
-                <a:latin typeface="+mn-lt"/>
-                <a:ea typeface="+mn-ea"/>
-                <a:cs typeface="+mn-cs"/>
-              </a:defRPr>
-            </a:lvl5pPr>
-            <a:lvl6pPr marL="2286000" algn="l" defTabSz="457200" rtl="0" eaLnBrk="1" latinLnBrk="0" hangingPunct="1">
-              <a:defRPr sz="1800" kern="1200">
-                <a:solidFill>
-                  <a:schemeClr val="tx1"/>
-                </a:solidFill>
-                <a:latin typeface="+mn-lt"/>
-                <a:ea typeface="+mn-ea"/>
-                <a:cs typeface="+mn-cs"/>
-              </a:defRPr>
-            </a:lvl6pPr>
-            <a:lvl7pPr marL="2743200" algn="l" defTabSz="457200" rtl="0" eaLnBrk="1" latinLnBrk="0" hangingPunct="1">
-              <a:defRPr sz="1800" kern="1200">
-                <a:solidFill>
-                  <a:schemeClr val="tx1"/>
-                </a:solidFill>
-                <a:latin typeface="+mn-lt"/>
-                <a:ea typeface="+mn-ea"/>
-                <a:cs typeface="+mn-cs"/>
-              </a:defRPr>
-            </a:lvl7pPr>
-            <a:lvl8pPr marL="3200400" algn="l" defTabSz="457200" rtl="0" eaLnBrk="1" latinLnBrk="0" hangingPunct="1">
-              <a:defRPr sz="1800" kern="1200">
-                <a:solidFill>
-                  <a:schemeClr val="tx1"/>
-                </a:solidFill>
-                <a:latin typeface="+mn-lt"/>
-                <a:ea typeface="+mn-ea"/>
-                <a:cs typeface="+mn-cs"/>
-              </a:defRPr>
-            </a:lvl8pPr>
-            <a:lvl9pPr marL="3657600" algn="l" defTabSz="457200" rtl="0" eaLnBrk="1" latinLnBrk="0" hangingPunct="1">
-              <a:defRPr sz="1800" kern="1200">
-                <a:solidFill>
-                  <a:schemeClr val="tx1"/>
-                </a:solidFill>
-                <a:latin typeface="+mn-lt"/>
-                <a:ea typeface="+mn-ea"/>
-                <a:cs typeface="+mn-cs"/>
-              </a:defRPr>
-            </a:lvl9pPr>
-          </a:lstStyle>
-          <a:p>
-            <a:pPr algn="just"/>
-            <a:r>
-              <a:rPr kumimoji="1" lang="en-US" altLang="ja-JP" sz="1000" dirty="0" smtClean="0"/>
-              <a:t>Author</a:t>
-            </a:r>
-          </a:p>
-          <a:p>
-            <a:pPr algn="just"/>
-            <a:r>
-              <a:rPr kumimoji="1" lang="en-US" altLang="ja-JP" sz="1000" dirty="0" smtClean="0"/>
-              <a:t>Date time created</a:t>
-            </a:r>
-          </a:p>
-          <a:p>
-            <a:pPr algn="just"/>
-            <a:endParaRPr kumimoji="1" lang="ja-JP" altLang="en-US" sz="1000" dirty="0"/>
-          </a:p>
-        </p:txBody>
-      </p:sp>
-      <p:sp>
-        <p:nvSpPr>
           <p:cNvPr id="111" name="Rectangle 110"/>
           <p:cNvSpPr/>
           <p:nvPr/>
@@ -14010,14 +11978,1145 @@
       </p:sp>
       <p:sp>
         <p:nvSpPr>
-          <p:cNvPr id="112" name="TextBox 55"/>
+          <p:cNvPr id="114" name="TextBox 26"/>
           <p:cNvSpPr txBox="1"/>
           <p:nvPr/>
         </p:nvSpPr>
         <p:spPr>
           <a:xfrm>
-            <a:off x="2768796" y="5515122"/>
-            <a:ext cx="2380606" cy="246221"/>
+            <a:off x="4433408" y="575891"/>
+            <a:ext cx="327433" cy="246221"/>
+          </a:xfrm>
+          <a:prstGeom prst="rect">
+            <a:avLst/>
+          </a:prstGeom>
+          <a:noFill/>
+        </p:spPr>
+        <p:txBody>
+          <a:bodyPr wrap="none" rtlCol="0">
+            <a:spAutoFit/>
+          </a:bodyPr>
+          <a:lstStyle>
+            <a:defPPr>
+              <a:defRPr lang="en-US"/>
+            </a:defPPr>
+            <a:lvl1pPr marL="0" algn="l" defTabSz="457200" rtl="0" eaLnBrk="1" latinLnBrk="0" hangingPunct="1">
+              <a:defRPr sz="1800" kern="1200">
+                <a:solidFill>
+                  <a:schemeClr val="tx1"/>
+                </a:solidFill>
+                <a:latin typeface="+mn-lt"/>
+                <a:ea typeface="+mn-ea"/>
+                <a:cs typeface="+mn-cs"/>
+              </a:defRPr>
+            </a:lvl1pPr>
+            <a:lvl2pPr marL="457200" algn="l" defTabSz="457200" rtl="0" eaLnBrk="1" latinLnBrk="0" hangingPunct="1">
+              <a:defRPr sz="1800" kern="1200">
+                <a:solidFill>
+                  <a:schemeClr val="tx1"/>
+                </a:solidFill>
+                <a:latin typeface="+mn-lt"/>
+                <a:ea typeface="+mn-ea"/>
+                <a:cs typeface="+mn-cs"/>
+              </a:defRPr>
+            </a:lvl2pPr>
+            <a:lvl3pPr marL="914400" algn="l" defTabSz="457200" rtl="0" eaLnBrk="1" latinLnBrk="0" hangingPunct="1">
+              <a:defRPr sz="1800" kern="1200">
+                <a:solidFill>
+                  <a:schemeClr val="tx1"/>
+                </a:solidFill>
+                <a:latin typeface="+mn-lt"/>
+                <a:ea typeface="+mn-ea"/>
+                <a:cs typeface="+mn-cs"/>
+              </a:defRPr>
+            </a:lvl3pPr>
+            <a:lvl4pPr marL="1371600" algn="l" defTabSz="457200" rtl="0" eaLnBrk="1" latinLnBrk="0" hangingPunct="1">
+              <a:defRPr sz="1800" kern="1200">
+                <a:solidFill>
+                  <a:schemeClr val="tx1"/>
+                </a:solidFill>
+                <a:latin typeface="+mn-lt"/>
+                <a:ea typeface="+mn-ea"/>
+                <a:cs typeface="+mn-cs"/>
+              </a:defRPr>
+            </a:lvl4pPr>
+            <a:lvl5pPr marL="1828800" algn="l" defTabSz="457200" rtl="0" eaLnBrk="1" latinLnBrk="0" hangingPunct="1">
+              <a:defRPr sz="1800" kern="1200">
+                <a:solidFill>
+                  <a:schemeClr val="tx1"/>
+                </a:solidFill>
+                <a:latin typeface="+mn-lt"/>
+                <a:ea typeface="+mn-ea"/>
+                <a:cs typeface="+mn-cs"/>
+              </a:defRPr>
+            </a:lvl5pPr>
+            <a:lvl6pPr marL="2286000" algn="l" defTabSz="457200" rtl="0" eaLnBrk="1" latinLnBrk="0" hangingPunct="1">
+              <a:defRPr sz="1800" kern="1200">
+                <a:solidFill>
+                  <a:schemeClr val="tx1"/>
+                </a:solidFill>
+                <a:latin typeface="+mn-lt"/>
+                <a:ea typeface="+mn-ea"/>
+                <a:cs typeface="+mn-cs"/>
+              </a:defRPr>
+            </a:lvl6pPr>
+            <a:lvl7pPr marL="2743200" algn="l" defTabSz="457200" rtl="0" eaLnBrk="1" latinLnBrk="0" hangingPunct="1">
+              <a:defRPr sz="1800" kern="1200">
+                <a:solidFill>
+                  <a:schemeClr val="tx1"/>
+                </a:solidFill>
+                <a:latin typeface="+mn-lt"/>
+                <a:ea typeface="+mn-ea"/>
+                <a:cs typeface="+mn-cs"/>
+              </a:defRPr>
+            </a:lvl7pPr>
+            <a:lvl8pPr marL="3200400" algn="l" defTabSz="457200" rtl="0" eaLnBrk="1" latinLnBrk="0" hangingPunct="1">
+              <a:defRPr sz="1800" kern="1200">
+                <a:solidFill>
+                  <a:schemeClr val="tx1"/>
+                </a:solidFill>
+                <a:latin typeface="+mn-lt"/>
+                <a:ea typeface="+mn-ea"/>
+                <a:cs typeface="+mn-cs"/>
+              </a:defRPr>
+            </a:lvl8pPr>
+            <a:lvl9pPr marL="3657600" algn="l" defTabSz="457200" rtl="0" eaLnBrk="1" latinLnBrk="0" hangingPunct="1">
+              <a:defRPr sz="1800" kern="1200">
+                <a:solidFill>
+                  <a:schemeClr val="tx1"/>
+                </a:solidFill>
+                <a:latin typeface="+mn-lt"/>
+                <a:ea typeface="+mn-ea"/>
+                <a:cs typeface="+mn-cs"/>
+              </a:defRPr>
+            </a:lvl9pPr>
+          </a:lstStyle>
+          <a:p>
+            <a:r>
+              <a:rPr kumimoji="1" lang="en-US" altLang="ja-JP" sz="1000" dirty="0">
+                <a:solidFill>
+                  <a:srgbClr val="FF0000"/>
+                </a:solidFill>
+              </a:rPr>
+              <a:t>(1)</a:t>
+            </a:r>
+            <a:endParaRPr kumimoji="1" lang="ja-JP" altLang="en-US" sz="1000" dirty="0">
+              <a:solidFill>
+                <a:srgbClr val="FF0000"/>
+              </a:solidFill>
+            </a:endParaRPr>
+          </a:p>
+        </p:txBody>
+      </p:sp>
+      <p:sp>
+        <p:nvSpPr>
+          <p:cNvPr id="115" name="TextBox 26"/>
+          <p:cNvSpPr txBox="1"/>
+          <p:nvPr/>
+        </p:nvSpPr>
+        <p:spPr>
+          <a:xfrm>
+            <a:off x="4913669" y="565760"/>
+            <a:ext cx="327433" cy="246221"/>
+          </a:xfrm>
+          <a:prstGeom prst="rect">
+            <a:avLst/>
+          </a:prstGeom>
+          <a:noFill/>
+        </p:spPr>
+        <p:txBody>
+          <a:bodyPr wrap="none" rtlCol="0">
+            <a:spAutoFit/>
+          </a:bodyPr>
+          <a:lstStyle>
+            <a:defPPr>
+              <a:defRPr lang="en-US"/>
+            </a:defPPr>
+            <a:lvl1pPr marL="0" algn="l" defTabSz="457200" rtl="0" eaLnBrk="1" latinLnBrk="0" hangingPunct="1">
+              <a:defRPr sz="1800" kern="1200">
+                <a:solidFill>
+                  <a:schemeClr val="tx1"/>
+                </a:solidFill>
+                <a:latin typeface="+mn-lt"/>
+                <a:ea typeface="+mn-ea"/>
+                <a:cs typeface="+mn-cs"/>
+              </a:defRPr>
+            </a:lvl1pPr>
+            <a:lvl2pPr marL="457200" algn="l" defTabSz="457200" rtl="0" eaLnBrk="1" latinLnBrk="0" hangingPunct="1">
+              <a:defRPr sz="1800" kern="1200">
+                <a:solidFill>
+                  <a:schemeClr val="tx1"/>
+                </a:solidFill>
+                <a:latin typeface="+mn-lt"/>
+                <a:ea typeface="+mn-ea"/>
+                <a:cs typeface="+mn-cs"/>
+              </a:defRPr>
+            </a:lvl2pPr>
+            <a:lvl3pPr marL="914400" algn="l" defTabSz="457200" rtl="0" eaLnBrk="1" latinLnBrk="0" hangingPunct="1">
+              <a:defRPr sz="1800" kern="1200">
+                <a:solidFill>
+                  <a:schemeClr val="tx1"/>
+                </a:solidFill>
+                <a:latin typeface="+mn-lt"/>
+                <a:ea typeface="+mn-ea"/>
+                <a:cs typeface="+mn-cs"/>
+              </a:defRPr>
+            </a:lvl3pPr>
+            <a:lvl4pPr marL="1371600" algn="l" defTabSz="457200" rtl="0" eaLnBrk="1" latinLnBrk="0" hangingPunct="1">
+              <a:defRPr sz="1800" kern="1200">
+                <a:solidFill>
+                  <a:schemeClr val="tx1"/>
+                </a:solidFill>
+                <a:latin typeface="+mn-lt"/>
+                <a:ea typeface="+mn-ea"/>
+                <a:cs typeface="+mn-cs"/>
+              </a:defRPr>
+            </a:lvl4pPr>
+            <a:lvl5pPr marL="1828800" algn="l" defTabSz="457200" rtl="0" eaLnBrk="1" latinLnBrk="0" hangingPunct="1">
+              <a:defRPr sz="1800" kern="1200">
+                <a:solidFill>
+                  <a:schemeClr val="tx1"/>
+                </a:solidFill>
+                <a:latin typeface="+mn-lt"/>
+                <a:ea typeface="+mn-ea"/>
+                <a:cs typeface="+mn-cs"/>
+              </a:defRPr>
+            </a:lvl5pPr>
+            <a:lvl6pPr marL="2286000" algn="l" defTabSz="457200" rtl="0" eaLnBrk="1" latinLnBrk="0" hangingPunct="1">
+              <a:defRPr sz="1800" kern="1200">
+                <a:solidFill>
+                  <a:schemeClr val="tx1"/>
+                </a:solidFill>
+                <a:latin typeface="+mn-lt"/>
+                <a:ea typeface="+mn-ea"/>
+                <a:cs typeface="+mn-cs"/>
+              </a:defRPr>
+            </a:lvl6pPr>
+            <a:lvl7pPr marL="2743200" algn="l" defTabSz="457200" rtl="0" eaLnBrk="1" latinLnBrk="0" hangingPunct="1">
+              <a:defRPr sz="1800" kern="1200">
+                <a:solidFill>
+                  <a:schemeClr val="tx1"/>
+                </a:solidFill>
+                <a:latin typeface="+mn-lt"/>
+                <a:ea typeface="+mn-ea"/>
+                <a:cs typeface="+mn-cs"/>
+              </a:defRPr>
+            </a:lvl7pPr>
+            <a:lvl8pPr marL="3200400" algn="l" defTabSz="457200" rtl="0" eaLnBrk="1" latinLnBrk="0" hangingPunct="1">
+              <a:defRPr sz="1800" kern="1200">
+                <a:solidFill>
+                  <a:schemeClr val="tx1"/>
+                </a:solidFill>
+                <a:latin typeface="+mn-lt"/>
+                <a:ea typeface="+mn-ea"/>
+                <a:cs typeface="+mn-cs"/>
+              </a:defRPr>
+            </a:lvl8pPr>
+            <a:lvl9pPr marL="3657600" algn="l" defTabSz="457200" rtl="0" eaLnBrk="1" latinLnBrk="0" hangingPunct="1">
+              <a:defRPr sz="1800" kern="1200">
+                <a:solidFill>
+                  <a:schemeClr val="tx1"/>
+                </a:solidFill>
+                <a:latin typeface="+mn-lt"/>
+                <a:ea typeface="+mn-ea"/>
+                <a:cs typeface="+mn-cs"/>
+              </a:defRPr>
+            </a:lvl9pPr>
+          </a:lstStyle>
+          <a:p>
+            <a:r>
+              <a:rPr kumimoji="1" lang="en-US" altLang="ja-JP" sz="1000" dirty="0" smtClean="0">
+                <a:solidFill>
+                  <a:srgbClr val="FF0000"/>
+                </a:solidFill>
+              </a:rPr>
+              <a:t>(2)</a:t>
+            </a:r>
+            <a:endParaRPr kumimoji="1" lang="ja-JP" altLang="en-US" sz="1000" dirty="0">
+              <a:solidFill>
+                <a:srgbClr val="FF0000"/>
+              </a:solidFill>
+            </a:endParaRPr>
+          </a:p>
+        </p:txBody>
+      </p:sp>
+      <p:sp>
+        <p:nvSpPr>
+          <p:cNvPr id="117" name="TextBox 26"/>
+          <p:cNvSpPr txBox="1"/>
+          <p:nvPr/>
+        </p:nvSpPr>
+        <p:spPr>
+          <a:xfrm>
+            <a:off x="1863263" y="743439"/>
+            <a:ext cx="327334" cy="246221"/>
+          </a:xfrm>
+          <a:prstGeom prst="rect">
+            <a:avLst/>
+          </a:prstGeom>
+          <a:noFill/>
+        </p:spPr>
+        <p:txBody>
+          <a:bodyPr wrap="none" rtlCol="0">
+            <a:spAutoFit/>
+          </a:bodyPr>
+          <a:lstStyle>
+            <a:defPPr>
+              <a:defRPr lang="en-US"/>
+            </a:defPPr>
+            <a:lvl1pPr marL="0" algn="l" defTabSz="457200" rtl="0" eaLnBrk="1" latinLnBrk="0" hangingPunct="1">
+              <a:defRPr sz="1800" kern="1200">
+                <a:solidFill>
+                  <a:schemeClr val="tx1"/>
+                </a:solidFill>
+                <a:latin typeface="+mn-lt"/>
+                <a:ea typeface="+mn-ea"/>
+                <a:cs typeface="+mn-cs"/>
+              </a:defRPr>
+            </a:lvl1pPr>
+            <a:lvl2pPr marL="457200" algn="l" defTabSz="457200" rtl="0" eaLnBrk="1" latinLnBrk="0" hangingPunct="1">
+              <a:defRPr sz="1800" kern="1200">
+                <a:solidFill>
+                  <a:schemeClr val="tx1"/>
+                </a:solidFill>
+                <a:latin typeface="+mn-lt"/>
+                <a:ea typeface="+mn-ea"/>
+                <a:cs typeface="+mn-cs"/>
+              </a:defRPr>
+            </a:lvl2pPr>
+            <a:lvl3pPr marL="914400" algn="l" defTabSz="457200" rtl="0" eaLnBrk="1" latinLnBrk="0" hangingPunct="1">
+              <a:defRPr sz="1800" kern="1200">
+                <a:solidFill>
+                  <a:schemeClr val="tx1"/>
+                </a:solidFill>
+                <a:latin typeface="+mn-lt"/>
+                <a:ea typeface="+mn-ea"/>
+                <a:cs typeface="+mn-cs"/>
+              </a:defRPr>
+            </a:lvl3pPr>
+            <a:lvl4pPr marL="1371600" algn="l" defTabSz="457200" rtl="0" eaLnBrk="1" latinLnBrk="0" hangingPunct="1">
+              <a:defRPr sz="1800" kern="1200">
+                <a:solidFill>
+                  <a:schemeClr val="tx1"/>
+                </a:solidFill>
+                <a:latin typeface="+mn-lt"/>
+                <a:ea typeface="+mn-ea"/>
+                <a:cs typeface="+mn-cs"/>
+              </a:defRPr>
+            </a:lvl4pPr>
+            <a:lvl5pPr marL="1828800" algn="l" defTabSz="457200" rtl="0" eaLnBrk="1" latinLnBrk="0" hangingPunct="1">
+              <a:defRPr sz="1800" kern="1200">
+                <a:solidFill>
+                  <a:schemeClr val="tx1"/>
+                </a:solidFill>
+                <a:latin typeface="+mn-lt"/>
+                <a:ea typeface="+mn-ea"/>
+                <a:cs typeface="+mn-cs"/>
+              </a:defRPr>
+            </a:lvl5pPr>
+            <a:lvl6pPr marL="2286000" algn="l" defTabSz="457200" rtl="0" eaLnBrk="1" latinLnBrk="0" hangingPunct="1">
+              <a:defRPr sz="1800" kern="1200">
+                <a:solidFill>
+                  <a:schemeClr val="tx1"/>
+                </a:solidFill>
+                <a:latin typeface="+mn-lt"/>
+                <a:ea typeface="+mn-ea"/>
+                <a:cs typeface="+mn-cs"/>
+              </a:defRPr>
+            </a:lvl6pPr>
+            <a:lvl7pPr marL="2743200" algn="l" defTabSz="457200" rtl="0" eaLnBrk="1" latinLnBrk="0" hangingPunct="1">
+              <a:defRPr sz="1800" kern="1200">
+                <a:solidFill>
+                  <a:schemeClr val="tx1"/>
+                </a:solidFill>
+                <a:latin typeface="+mn-lt"/>
+                <a:ea typeface="+mn-ea"/>
+                <a:cs typeface="+mn-cs"/>
+              </a:defRPr>
+            </a:lvl7pPr>
+            <a:lvl8pPr marL="3200400" algn="l" defTabSz="457200" rtl="0" eaLnBrk="1" latinLnBrk="0" hangingPunct="1">
+              <a:defRPr sz="1800" kern="1200">
+                <a:solidFill>
+                  <a:schemeClr val="tx1"/>
+                </a:solidFill>
+                <a:latin typeface="+mn-lt"/>
+                <a:ea typeface="+mn-ea"/>
+                <a:cs typeface="+mn-cs"/>
+              </a:defRPr>
+            </a:lvl8pPr>
+            <a:lvl9pPr marL="3657600" algn="l" defTabSz="457200" rtl="0" eaLnBrk="1" latinLnBrk="0" hangingPunct="1">
+              <a:defRPr sz="1800" kern="1200">
+                <a:solidFill>
+                  <a:schemeClr val="tx1"/>
+                </a:solidFill>
+                <a:latin typeface="+mn-lt"/>
+                <a:ea typeface="+mn-ea"/>
+                <a:cs typeface="+mn-cs"/>
+              </a:defRPr>
+            </a:lvl9pPr>
+          </a:lstStyle>
+          <a:p>
+            <a:r>
+              <a:rPr kumimoji="1" lang="en-US" altLang="ja-JP" sz="1000" dirty="0" smtClean="0">
+                <a:solidFill>
+                  <a:srgbClr val="FF0000"/>
+                </a:solidFill>
+              </a:rPr>
+              <a:t>(3)</a:t>
+            </a:r>
+            <a:endParaRPr kumimoji="1" lang="ja-JP" altLang="en-US" sz="1000" dirty="0">
+              <a:solidFill>
+                <a:srgbClr val="FF0000"/>
+              </a:solidFill>
+            </a:endParaRPr>
+          </a:p>
+        </p:txBody>
+      </p:sp>
+      <p:sp>
+        <p:nvSpPr>
+          <p:cNvPr id="118" name="TextBox 26"/>
+          <p:cNvSpPr txBox="1"/>
+          <p:nvPr/>
+        </p:nvSpPr>
+        <p:spPr>
+          <a:xfrm>
+            <a:off x="1026157" y="1552768"/>
+            <a:ext cx="327334" cy="246221"/>
+          </a:xfrm>
+          <a:prstGeom prst="rect">
+            <a:avLst/>
+          </a:prstGeom>
+          <a:noFill/>
+        </p:spPr>
+        <p:txBody>
+          <a:bodyPr wrap="none" rtlCol="0">
+            <a:spAutoFit/>
+          </a:bodyPr>
+          <a:lstStyle>
+            <a:defPPr>
+              <a:defRPr lang="en-US"/>
+            </a:defPPr>
+            <a:lvl1pPr marL="0" algn="l" defTabSz="457200" rtl="0" eaLnBrk="1" latinLnBrk="0" hangingPunct="1">
+              <a:defRPr sz="1800" kern="1200">
+                <a:solidFill>
+                  <a:schemeClr val="tx1"/>
+                </a:solidFill>
+                <a:latin typeface="+mn-lt"/>
+                <a:ea typeface="+mn-ea"/>
+                <a:cs typeface="+mn-cs"/>
+              </a:defRPr>
+            </a:lvl1pPr>
+            <a:lvl2pPr marL="457200" algn="l" defTabSz="457200" rtl="0" eaLnBrk="1" latinLnBrk="0" hangingPunct="1">
+              <a:defRPr sz="1800" kern="1200">
+                <a:solidFill>
+                  <a:schemeClr val="tx1"/>
+                </a:solidFill>
+                <a:latin typeface="+mn-lt"/>
+                <a:ea typeface="+mn-ea"/>
+                <a:cs typeface="+mn-cs"/>
+              </a:defRPr>
+            </a:lvl2pPr>
+            <a:lvl3pPr marL="914400" algn="l" defTabSz="457200" rtl="0" eaLnBrk="1" latinLnBrk="0" hangingPunct="1">
+              <a:defRPr sz="1800" kern="1200">
+                <a:solidFill>
+                  <a:schemeClr val="tx1"/>
+                </a:solidFill>
+                <a:latin typeface="+mn-lt"/>
+                <a:ea typeface="+mn-ea"/>
+                <a:cs typeface="+mn-cs"/>
+              </a:defRPr>
+            </a:lvl3pPr>
+            <a:lvl4pPr marL="1371600" algn="l" defTabSz="457200" rtl="0" eaLnBrk="1" latinLnBrk="0" hangingPunct="1">
+              <a:defRPr sz="1800" kern="1200">
+                <a:solidFill>
+                  <a:schemeClr val="tx1"/>
+                </a:solidFill>
+                <a:latin typeface="+mn-lt"/>
+                <a:ea typeface="+mn-ea"/>
+                <a:cs typeface="+mn-cs"/>
+              </a:defRPr>
+            </a:lvl4pPr>
+            <a:lvl5pPr marL="1828800" algn="l" defTabSz="457200" rtl="0" eaLnBrk="1" latinLnBrk="0" hangingPunct="1">
+              <a:defRPr sz="1800" kern="1200">
+                <a:solidFill>
+                  <a:schemeClr val="tx1"/>
+                </a:solidFill>
+                <a:latin typeface="+mn-lt"/>
+                <a:ea typeface="+mn-ea"/>
+                <a:cs typeface="+mn-cs"/>
+              </a:defRPr>
+            </a:lvl5pPr>
+            <a:lvl6pPr marL="2286000" algn="l" defTabSz="457200" rtl="0" eaLnBrk="1" latinLnBrk="0" hangingPunct="1">
+              <a:defRPr sz="1800" kern="1200">
+                <a:solidFill>
+                  <a:schemeClr val="tx1"/>
+                </a:solidFill>
+                <a:latin typeface="+mn-lt"/>
+                <a:ea typeface="+mn-ea"/>
+                <a:cs typeface="+mn-cs"/>
+              </a:defRPr>
+            </a:lvl6pPr>
+            <a:lvl7pPr marL="2743200" algn="l" defTabSz="457200" rtl="0" eaLnBrk="1" latinLnBrk="0" hangingPunct="1">
+              <a:defRPr sz="1800" kern="1200">
+                <a:solidFill>
+                  <a:schemeClr val="tx1"/>
+                </a:solidFill>
+                <a:latin typeface="+mn-lt"/>
+                <a:ea typeface="+mn-ea"/>
+                <a:cs typeface="+mn-cs"/>
+              </a:defRPr>
+            </a:lvl7pPr>
+            <a:lvl8pPr marL="3200400" algn="l" defTabSz="457200" rtl="0" eaLnBrk="1" latinLnBrk="0" hangingPunct="1">
+              <a:defRPr sz="1800" kern="1200">
+                <a:solidFill>
+                  <a:schemeClr val="tx1"/>
+                </a:solidFill>
+                <a:latin typeface="+mn-lt"/>
+                <a:ea typeface="+mn-ea"/>
+                <a:cs typeface="+mn-cs"/>
+              </a:defRPr>
+            </a:lvl8pPr>
+            <a:lvl9pPr marL="3657600" algn="l" defTabSz="457200" rtl="0" eaLnBrk="1" latinLnBrk="0" hangingPunct="1">
+              <a:defRPr sz="1800" kern="1200">
+                <a:solidFill>
+                  <a:schemeClr val="tx1"/>
+                </a:solidFill>
+                <a:latin typeface="+mn-lt"/>
+                <a:ea typeface="+mn-ea"/>
+                <a:cs typeface="+mn-cs"/>
+              </a:defRPr>
+            </a:lvl9pPr>
+          </a:lstStyle>
+          <a:p>
+            <a:r>
+              <a:rPr kumimoji="1" lang="en-US" altLang="ja-JP" sz="1000" dirty="0" smtClean="0">
+                <a:solidFill>
+                  <a:srgbClr val="FF0000"/>
+                </a:solidFill>
+              </a:rPr>
+              <a:t>(4)</a:t>
+            </a:r>
+            <a:endParaRPr kumimoji="1" lang="ja-JP" altLang="en-US" sz="1000" dirty="0">
+              <a:solidFill>
+                <a:srgbClr val="FF0000"/>
+              </a:solidFill>
+            </a:endParaRPr>
+          </a:p>
+        </p:txBody>
+      </p:sp>
+      <p:sp>
+        <p:nvSpPr>
+          <p:cNvPr id="119" name="TextBox 26"/>
+          <p:cNvSpPr txBox="1"/>
+          <p:nvPr/>
+        </p:nvSpPr>
+        <p:spPr>
+          <a:xfrm>
+            <a:off x="1059740" y="1732235"/>
+            <a:ext cx="327334" cy="246221"/>
+          </a:xfrm>
+          <a:prstGeom prst="rect">
+            <a:avLst/>
+          </a:prstGeom>
+          <a:noFill/>
+        </p:spPr>
+        <p:txBody>
+          <a:bodyPr wrap="none" rtlCol="0">
+            <a:spAutoFit/>
+          </a:bodyPr>
+          <a:lstStyle>
+            <a:defPPr>
+              <a:defRPr lang="en-US"/>
+            </a:defPPr>
+            <a:lvl1pPr marL="0" algn="l" defTabSz="457200" rtl="0" eaLnBrk="1" latinLnBrk="0" hangingPunct="1">
+              <a:defRPr sz="1800" kern="1200">
+                <a:solidFill>
+                  <a:schemeClr val="tx1"/>
+                </a:solidFill>
+                <a:latin typeface="+mn-lt"/>
+                <a:ea typeface="+mn-ea"/>
+                <a:cs typeface="+mn-cs"/>
+              </a:defRPr>
+            </a:lvl1pPr>
+            <a:lvl2pPr marL="457200" algn="l" defTabSz="457200" rtl="0" eaLnBrk="1" latinLnBrk="0" hangingPunct="1">
+              <a:defRPr sz="1800" kern="1200">
+                <a:solidFill>
+                  <a:schemeClr val="tx1"/>
+                </a:solidFill>
+                <a:latin typeface="+mn-lt"/>
+                <a:ea typeface="+mn-ea"/>
+                <a:cs typeface="+mn-cs"/>
+              </a:defRPr>
+            </a:lvl2pPr>
+            <a:lvl3pPr marL="914400" algn="l" defTabSz="457200" rtl="0" eaLnBrk="1" latinLnBrk="0" hangingPunct="1">
+              <a:defRPr sz="1800" kern="1200">
+                <a:solidFill>
+                  <a:schemeClr val="tx1"/>
+                </a:solidFill>
+                <a:latin typeface="+mn-lt"/>
+                <a:ea typeface="+mn-ea"/>
+                <a:cs typeface="+mn-cs"/>
+              </a:defRPr>
+            </a:lvl3pPr>
+            <a:lvl4pPr marL="1371600" algn="l" defTabSz="457200" rtl="0" eaLnBrk="1" latinLnBrk="0" hangingPunct="1">
+              <a:defRPr sz="1800" kern="1200">
+                <a:solidFill>
+                  <a:schemeClr val="tx1"/>
+                </a:solidFill>
+                <a:latin typeface="+mn-lt"/>
+                <a:ea typeface="+mn-ea"/>
+                <a:cs typeface="+mn-cs"/>
+              </a:defRPr>
+            </a:lvl4pPr>
+            <a:lvl5pPr marL="1828800" algn="l" defTabSz="457200" rtl="0" eaLnBrk="1" latinLnBrk="0" hangingPunct="1">
+              <a:defRPr sz="1800" kern="1200">
+                <a:solidFill>
+                  <a:schemeClr val="tx1"/>
+                </a:solidFill>
+                <a:latin typeface="+mn-lt"/>
+                <a:ea typeface="+mn-ea"/>
+                <a:cs typeface="+mn-cs"/>
+              </a:defRPr>
+            </a:lvl5pPr>
+            <a:lvl6pPr marL="2286000" algn="l" defTabSz="457200" rtl="0" eaLnBrk="1" latinLnBrk="0" hangingPunct="1">
+              <a:defRPr sz="1800" kern="1200">
+                <a:solidFill>
+                  <a:schemeClr val="tx1"/>
+                </a:solidFill>
+                <a:latin typeface="+mn-lt"/>
+                <a:ea typeface="+mn-ea"/>
+                <a:cs typeface="+mn-cs"/>
+              </a:defRPr>
+            </a:lvl6pPr>
+            <a:lvl7pPr marL="2743200" algn="l" defTabSz="457200" rtl="0" eaLnBrk="1" latinLnBrk="0" hangingPunct="1">
+              <a:defRPr sz="1800" kern="1200">
+                <a:solidFill>
+                  <a:schemeClr val="tx1"/>
+                </a:solidFill>
+                <a:latin typeface="+mn-lt"/>
+                <a:ea typeface="+mn-ea"/>
+                <a:cs typeface="+mn-cs"/>
+              </a:defRPr>
+            </a:lvl7pPr>
+            <a:lvl8pPr marL="3200400" algn="l" defTabSz="457200" rtl="0" eaLnBrk="1" latinLnBrk="0" hangingPunct="1">
+              <a:defRPr sz="1800" kern="1200">
+                <a:solidFill>
+                  <a:schemeClr val="tx1"/>
+                </a:solidFill>
+                <a:latin typeface="+mn-lt"/>
+                <a:ea typeface="+mn-ea"/>
+                <a:cs typeface="+mn-cs"/>
+              </a:defRPr>
+            </a:lvl8pPr>
+            <a:lvl9pPr marL="3657600" algn="l" defTabSz="457200" rtl="0" eaLnBrk="1" latinLnBrk="0" hangingPunct="1">
+              <a:defRPr sz="1800" kern="1200">
+                <a:solidFill>
+                  <a:schemeClr val="tx1"/>
+                </a:solidFill>
+                <a:latin typeface="+mn-lt"/>
+                <a:ea typeface="+mn-ea"/>
+                <a:cs typeface="+mn-cs"/>
+              </a:defRPr>
+            </a:lvl9pPr>
+          </a:lstStyle>
+          <a:p>
+            <a:r>
+              <a:rPr kumimoji="1" lang="en-US" altLang="ja-JP" sz="1000" dirty="0" smtClean="0">
+                <a:solidFill>
+                  <a:srgbClr val="FF0000"/>
+                </a:solidFill>
+              </a:rPr>
+              <a:t>(5)</a:t>
+            </a:r>
+            <a:endParaRPr kumimoji="1" lang="ja-JP" altLang="en-US" sz="1000" dirty="0">
+              <a:solidFill>
+                <a:srgbClr val="FF0000"/>
+              </a:solidFill>
+            </a:endParaRPr>
+          </a:p>
+        </p:txBody>
+      </p:sp>
+      <p:sp>
+        <p:nvSpPr>
+          <p:cNvPr id="120" name="TextBox 26"/>
+          <p:cNvSpPr txBox="1"/>
+          <p:nvPr/>
+        </p:nvSpPr>
+        <p:spPr>
+          <a:xfrm>
+            <a:off x="1212140" y="1884635"/>
+            <a:ext cx="327334" cy="246221"/>
+          </a:xfrm>
+          <a:prstGeom prst="rect">
+            <a:avLst/>
+          </a:prstGeom>
+          <a:noFill/>
+        </p:spPr>
+        <p:txBody>
+          <a:bodyPr wrap="none" rtlCol="0">
+            <a:spAutoFit/>
+          </a:bodyPr>
+          <a:lstStyle>
+            <a:defPPr>
+              <a:defRPr lang="en-US"/>
+            </a:defPPr>
+            <a:lvl1pPr marL="0" algn="l" defTabSz="457200" rtl="0" eaLnBrk="1" latinLnBrk="0" hangingPunct="1">
+              <a:defRPr sz="1800" kern="1200">
+                <a:solidFill>
+                  <a:schemeClr val="tx1"/>
+                </a:solidFill>
+                <a:latin typeface="+mn-lt"/>
+                <a:ea typeface="+mn-ea"/>
+                <a:cs typeface="+mn-cs"/>
+              </a:defRPr>
+            </a:lvl1pPr>
+            <a:lvl2pPr marL="457200" algn="l" defTabSz="457200" rtl="0" eaLnBrk="1" latinLnBrk="0" hangingPunct="1">
+              <a:defRPr sz="1800" kern="1200">
+                <a:solidFill>
+                  <a:schemeClr val="tx1"/>
+                </a:solidFill>
+                <a:latin typeface="+mn-lt"/>
+                <a:ea typeface="+mn-ea"/>
+                <a:cs typeface="+mn-cs"/>
+              </a:defRPr>
+            </a:lvl2pPr>
+            <a:lvl3pPr marL="914400" algn="l" defTabSz="457200" rtl="0" eaLnBrk="1" latinLnBrk="0" hangingPunct="1">
+              <a:defRPr sz="1800" kern="1200">
+                <a:solidFill>
+                  <a:schemeClr val="tx1"/>
+                </a:solidFill>
+                <a:latin typeface="+mn-lt"/>
+                <a:ea typeface="+mn-ea"/>
+                <a:cs typeface="+mn-cs"/>
+              </a:defRPr>
+            </a:lvl3pPr>
+            <a:lvl4pPr marL="1371600" algn="l" defTabSz="457200" rtl="0" eaLnBrk="1" latinLnBrk="0" hangingPunct="1">
+              <a:defRPr sz="1800" kern="1200">
+                <a:solidFill>
+                  <a:schemeClr val="tx1"/>
+                </a:solidFill>
+                <a:latin typeface="+mn-lt"/>
+                <a:ea typeface="+mn-ea"/>
+                <a:cs typeface="+mn-cs"/>
+              </a:defRPr>
+            </a:lvl4pPr>
+            <a:lvl5pPr marL="1828800" algn="l" defTabSz="457200" rtl="0" eaLnBrk="1" latinLnBrk="0" hangingPunct="1">
+              <a:defRPr sz="1800" kern="1200">
+                <a:solidFill>
+                  <a:schemeClr val="tx1"/>
+                </a:solidFill>
+                <a:latin typeface="+mn-lt"/>
+                <a:ea typeface="+mn-ea"/>
+                <a:cs typeface="+mn-cs"/>
+              </a:defRPr>
+            </a:lvl5pPr>
+            <a:lvl6pPr marL="2286000" algn="l" defTabSz="457200" rtl="0" eaLnBrk="1" latinLnBrk="0" hangingPunct="1">
+              <a:defRPr sz="1800" kern="1200">
+                <a:solidFill>
+                  <a:schemeClr val="tx1"/>
+                </a:solidFill>
+                <a:latin typeface="+mn-lt"/>
+                <a:ea typeface="+mn-ea"/>
+                <a:cs typeface="+mn-cs"/>
+              </a:defRPr>
+            </a:lvl6pPr>
+            <a:lvl7pPr marL="2743200" algn="l" defTabSz="457200" rtl="0" eaLnBrk="1" latinLnBrk="0" hangingPunct="1">
+              <a:defRPr sz="1800" kern="1200">
+                <a:solidFill>
+                  <a:schemeClr val="tx1"/>
+                </a:solidFill>
+                <a:latin typeface="+mn-lt"/>
+                <a:ea typeface="+mn-ea"/>
+                <a:cs typeface="+mn-cs"/>
+              </a:defRPr>
+            </a:lvl7pPr>
+            <a:lvl8pPr marL="3200400" algn="l" defTabSz="457200" rtl="0" eaLnBrk="1" latinLnBrk="0" hangingPunct="1">
+              <a:defRPr sz="1800" kern="1200">
+                <a:solidFill>
+                  <a:schemeClr val="tx1"/>
+                </a:solidFill>
+                <a:latin typeface="+mn-lt"/>
+                <a:ea typeface="+mn-ea"/>
+                <a:cs typeface="+mn-cs"/>
+              </a:defRPr>
+            </a:lvl8pPr>
+            <a:lvl9pPr marL="3657600" algn="l" defTabSz="457200" rtl="0" eaLnBrk="1" latinLnBrk="0" hangingPunct="1">
+              <a:defRPr sz="1800" kern="1200">
+                <a:solidFill>
+                  <a:schemeClr val="tx1"/>
+                </a:solidFill>
+                <a:latin typeface="+mn-lt"/>
+                <a:ea typeface="+mn-ea"/>
+                <a:cs typeface="+mn-cs"/>
+              </a:defRPr>
+            </a:lvl9pPr>
+          </a:lstStyle>
+          <a:p>
+            <a:r>
+              <a:rPr kumimoji="1" lang="en-US" altLang="ja-JP" sz="1000" dirty="0" smtClean="0">
+                <a:solidFill>
+                  <a:srgbClr val="FF0000"/>
+                </a:solidFill>
+              </a:rPr>
+              <a:t>(6)</a:t>
+            </a:r>
+            <a:endParaRPr kumimoji="1" lang="ja-JP" altLang="en-US" sz="1000" dirty="0">
+              <a:solidFill>
+                <a:srgbClr val="FF0000"/>
+              </a:solidFill>
+            </a:endParaRPr>
+          </a:p>
+        </p:txBody>
+      </p:sp>
+      <p:sp>
+        <p:nvSpPr>
+          <p:cNvPr id="123" name="TextBox 122"/>
+          <p:cNvSpPr txBox="1"/>
+          <p:nvPr/>
+        </p:nvSpPr>
+        <p:spPr>
+          <a:xfrm>
+            <a:off x="-16288" y="1050552"/>
+            <a:ext cx="513282" cy="253916"/>
+          </a:xfrm>
+          <a:prstGeom prst="rect">
+            <a:avLst/>
+          </a:prstGeom>
+          <a:noFill/>
+        </p:spPr>
+        <p:txBody>
+          <a:bodyPr wrap="none" rtlCol="0">
+            <a:spAutoFit/>
+          </a:bodyPr>
+          <a:lstStyle/>
+          <a:p>
+            <a:r>
+              <a:rPr kumimoji="1" lang="en-US" altLang="ja-JP" sz="1050" dirty="0" smtClean="0">
+                <a:solidFill>
+                  <a:schemeClr val="tx2">
+                    <a:lumMod val="20000"/>
+                    <a:lumOff val="80000"/>
+                  </a:schemeClr>
+                </a:solidFill>
+              </a:rPr>
+              <a:t>Home</a:t>
+            </a:r>
+            <a:endParaRPr kumimoji="1" lang="ja-JP" altLang="en-US" sz="1050" dirty="0"/>
+          </a:p>
+        </p:txBody>
+      </p:sp>
+      <p:sp>
+        <p:nvSpPr>
+          <p:cNvPr id="124" name="TextBox 26"/>
+          <p:cNvSpPr txBox="1"/>
+          <p:nvPr/>
+        </p:nvSpPr>
+        <p:spPr>
+          <a:xfrm>
+            <a:off x="374530" y="1045409"/>
+            <a:ext cx="327334" cy="246221"/>
+          </a:xfrm>
+          <a:prstGeom prst="rect">
+            <a:avLst/>
+          </a:prstGeom>
+          <a:noFill/>
+        </p:spPr>
+        <p:txBody>
+          <a:bodyPr wrap="none" rtlCol="0">
+            <a:spAutoFit/>
+          </a:bodyPr>
+          <a:lstStyle>
+            <a:defPPr>
+              <a:defRPr lang="en-US"/>
+            </a:defPPr>
+            <a:lvl1pPr marL="0" algn="l" defTabSz="457200" rtl="0" eaLnBrk="1" latinLnBrk="0" hangingPunct="1">
+              <a:defRPr sz="1800" kern="1200">
+                <a:solidFill>
+                  <a:schemeClr val="tx1"/>
+                </a:solidFill>
+                <a:latin typeface="+mn-lt"/>
+                <a:ea typeface="+mn-ea"/>
+                <a:cs typeface="+mn-cs"/>
+              </a:defRPr>
+            </a:lvl1pPr>
+            <a:lvl2pPr marL="457200" algn="l" defTabSz="457200" rtl="0" eaLnBrk="1" latinLnBrk="0" hangingPunct="1">
+              <a:defRPr sz="1800" kern="1200">
+                <a:solidFill>
+                  <a:schemeClr val="tx1"/>
+                </a:solidFill>
+                <a:latin typeface="+mn-lt"/>
+                <a:ea typeface="+mn-ea"/>
+                <a:cs typeface="+mn-cs"/>
+              </a:defRPr>
+            </a:lvl2pPr>
+            <a:lvl3pPr marL="914400" algn="l" defTabSz="457200" rtl="0" eaLnBrk="1" latinLnBrk="0" hangingPunct="1">
+              <a:defRPr sz="1800" kern="1200">
+                <a:solidFill>
+                  <a:schemeClr val="tx1"/>
+                </a:solidFill>
+                <a:latin typeface="+mn-lt"/>
+                <a:ea typeface="+mn-ea"/>
+                <a:cs typeface="+mn-cs"/>
+              </a:defRPr>
+            </a:lvl3pPr>
+            <a:lvl4pPr marL="1371600" algn="l" defTabSz="457200" rtl="0" eaLnBrk="1" latinLnBrk="0" hangingPunct="1">
+              <a:defRPr sz="1800" kern="1200">
+                <a:solidFill>
+                  <a:schemeClr val="tx1"/>
+                </a:solidFill>
+                <a:latin typeface="+mn-lt"/>
+                <a:ea typeface="+mn-ea"/>
+                <a:cs typeface="+mn-cs"/>
+              </a:defRPr>
+            </a:lvl4pPr>
+            <a:lvl5pPr marL="1828800" algn="l" defTabSz="457200" rtl="0" eaLnBrk="1" latinLnBrk="0" hangingPunct="1">
+              <a:defRPr sz="1800" kern="1200">
+                <a:solidFill>
+                  <a:schemeClr val="tx1"/>
+                </a:solidFill>
+                <a:latin typeface="+mn-lt"/>
+                <a:ea typeface="+mn-ea"/>
+                <a:cs typeface="+mn-cs"/>
+              </a:defRPr>
+            </a:lvl5pPr>
+            <a:lvl6pPr marL="2286000" algn="l" defTabSz="457200" rtl="0" eaLnBrk="1" latinLnBrk="0" hangingPunct="1">
+              <a:defRPr sz="1800" kern="1200">
+                <a:solidFill>
+                  <a:schemeClr val="tx1"/>
+                </a:solidFill>
+                <a:latin typeface="+mn-lt"/>
+                <a:ea typeface="+mn-ea"/>
+                <a:cs typeface="+mn-cs"/>
+              </a:defRPr>
+            </a:lvl6pPr>
+            <a:lvl7pPr marL="2743200" algn="l" defTabSz="457200" rtl="0" eaLnBrk="1" latinLnBrk="0" hangingPunct="1">
+              <a:defRPr sz="1800" kern="1200">
+                <a:solidFill>
+                  <a:schemeClr val="tx1"/>
+                </a:solidFill>
+                <a:latin typeface="+mn-lt"/>
+                <a:ea typeface="+mn-ea"/>
+                <a:cs typeface="+mn-cs"/>
+              </a:defRPr>
+            </a:lvl7pPr>
+            <a:lvl8pPr marL="3200400" algn="l" defTabSz="457200" rtl="0" eaLnBrk="1" latinLnBrk="0" hangingPunct="1">
+              <a:defRPr sz="1800" kern="1200">
+                <a:solidFill>
+                  <a:schemeClr val="tx1"/>
+                </a:solidFill>
+                <a:latin typeface="+mn-lt"/>
+                <a:ea typeface="+mn-ea"/>
+                <a:cs typeface="+mn-cs"/>
+              </a:defRPr>
+            </a:lvl8pPr>
+            <a:lvl9pPr marL="3657600" algn="l" defTabSz="457200" rtl="0" eaLnBrk="1" latinLnBrk="0" hangingPunct="1">
+              <a:defRPr sz="1800" kern="1200">
+                <a:solidFill>
+                  <a:schemeClr val="tx1"/>
+                </a:solidFill>
+                <a:latin typeface="+mn-lt"/>
+                <a:ea typeface="+mn-ea"/>
+                <a:cs typeface="+mn-cs"/>
+              </a:defRPr>
+            </a:lvl9pPr>
+          </a:lstStyle>
+          <a:p>
+            <a:r>
+              <a:rPr kumimoji="1" lang="en-US" altLang="ja-JP" sz="1000" dirty="0" smtClean="0">
+                <a:solidFill>
+                  <a:srgbClr val="FF0000"/>
+                </a:solidFill>
+              </a:rPr>
+              <a:t>(7)</a:t>
+            </a:r>
+            <a:endParaRPr kumimoji="1" lang="ja-JP" altLang="en-US" sz="1000" dirty="0">
+              <a:solidFill>
+                <a:srgbClr val="FF0000"/>
+              </a:solidFill>
+            </a:endParaRPr>
+          </a:p>
+        </p:txBody>
+      </p:sp>
+      <p:sp>
+        <p:nvSpPr>
+          <p:cNvPr id="125" name="TextBox 124"/>
+          <p:cNvSpPr txBox="1"/>
+          <p:nvPr/>
+        </p:nvSpPr>
+        <p:spPr>
+          <a:xfrm>
+            <a:off x="25841" y="358799"/>
+            <a:ext cx="1170572" cy="369332"/>
+          </a:xfrm>
+          <a:prstGeom prst="rect">
+            <a:avLst/>
+          </a:prstGeom>
+          <a:noFill/>
+        </p:spPr>
+        <p:txBody>
+          <a:bodyPr wrap="square" rtlCol="0">
+            <a:spAutoFit/>
+          </a:bodyPr>
+          <a:lstStyle/>
+          <a:p>
+            <a:r>
+              <a:rPr lang="en-US" b="1" dirty="0" smtClean="0">
+                <a:solidFill>
+                  <a:schemeClr val="bg1"/>
+                </a:solidFill>
+              </a:rPr>
+              <a:t>Mini blog</a:t>
+            </a:r>
+            <a:endParaRPr lang="en-GB" b="1" dirty="0">
+              <a:solidFill>
+                <a:schemeClr val="bg1"/>
+              </a:solidFill>
+            </a:endParaRPr>
+          </a:p>
+        </p:txBody>
+      </p:sp>
+      <p:sp>
+        <p:nvSpPr>
+          <p:cNvPr id="126" name="TextBox 26"/>
+          <p:cNvSpPr txBox="1"/>
+          <p:nvPr/>
+        </p:nvSpPr>
+        <p:spPr>
+          <a:xfrm>
+            <a:off x="3877897" y="572870"/>
+            <a:ext cx="327433" cy="246221"/>
+          </a:xfrm>
+          <a:prstGeom prst="rect">
+            <a:avLst/>
+          </a:prstGeom>
+          <a:noFill/>
+        </p:spPr>
+        <p:txBody>
+          <a:bodyPr wrap="none" rtlCol="0">
+            <a:spAutoFit/>
+          </a:bodyPr>
+          <a:lstStyle>
+            <a:defPPr>
+              <a:defRPr lang="en-US"/>
+            </a:defPPr>
+            <a:lvl1pPr marL="0" algn="l" defTabSz="457200" rtl="0" eaLnBrk="1" latinLnBrk="0" hangingPunct="1">
+              <a:defRPr sz="1800" kern="1200">
+                <a:solidFill>
+                  <a:schemeClr val="tx1"/>
+                </a:solidFill>
+                <a:latin typeface="+mn-lt"/>
+                <a:ea typeface="+mn-ea"/>
+                <a:cs typeface="+mn-cs"/>
+              </a:defRPr>
+            </a:lvl1pPr>
+            <a:lvl2pPr marL="457200" algn="l" defTabSz="457200" rtl="0" eaLnBrk="1" latinLnBrk="0" hangingPunct="1">
+              <a:defRPr sz="1800" kern="1200">
+                <a:solidFill>
+                  <a:schemeClr val="tx1"/>
+                </a:solidFill>
+                <a:latin typeface="+mn-lt"/>
+                <a:ea typeface="+mn-ea"/>
+                <a:cs typeface="+mn-cs"/>
+              </a:defRPr>
+            </a:lvl2pPr>
+            <a:lvl3pPr marL="914400" algn="l" defTabSz="457200" rtl="0" eaLnBrk="1" latinLnBrk="0" hangingPunct="1">
+              <a:defRPr sz="1800" kern="1200">
+                <a:solidFill>
+                  <a:schemeClr val="tx1"/>
+                </a:solidFill>
+                <a:latin typeface="+mn-lt"/>
+                <a:ea typeface="+mn-ea"/>
+                <a:cs typeface="+mn-cs"/>
+              </a:defRPr>
+            </a:lvl3pPr>
+            <a:lvl4pPr marL="1371600" algn="l" defTabSz="457200" rtl="0" eaLnBrk="1" latinLnBrk="0" hangingPunct="1">
+              <a:defRPr sz="1800" kern="1200">
+                <a:solidFill>
+                  <a:schemeClr val="tx1"/>
+                </a:solidFill>
+                <a:latin typeface="+mn-lt"/>
+                <a:ea typeface="+mn-ea"/>
+                <a:cs typeface="+mn-cs"/>
+              </a:defRPr>
+            </a:lvl4pPr>
+            <a:lvl5pPr marL="1828800" algn="l" defTabSz="457200" rtl="0" eaLnBrk="1" latinLnBrk="0" hangingPunct="1">
+              <a:defRPr sz="1800" kern="1200">
+                <a:solidFill>
+                  <a:schemeClr val="tx1"/>
+                </a:solidFill>
+                <a:latin typeface="+mn-lt"/>
+                <a:ea typeface="+mn-ea"/>
+                <a:cs typeface="+mn-cs"/>
+              </a:defRPr>
+            </a:lvl5pPr>
+            <a:lvl6pPr marL="2286000" algn="l" defTabSz="457200" rtl="0" eaLnBrk="1" latinLnBrk="0" hangingPunct="1">
+              <a:defRPr sz="1800" kern="1200">
+                <a:solidFill>
+                  <a:schemeClr val="tx1"/>
+                </a:solidFill>
+                <a:latin typeface="+mn-lt"/>
+                <a:ea typeface="+mn-ea"/>
+                <a:cs typeface="+mn-cs"/>
+              </a:defRPr>
+            </a:lvl6pPr>
+            <a:lvl7pPr marL="2743200" algn="l" defTabSz="457200" rtl="0" eaLnBrk="1" latinLnBrk="0" hangingPunct="1">
+              <a:defRPr sz="1800" kern="1200">
+                <a:solidFill>
+                  <a:schemeClr val="tx1"/>
+                </a:solidFill>
+                <a:latin typeface="+mn-lt"/>
+                <a:ea typeface="+mn-ea"/>
+                <a:cs typeface="+mn-cs"/>
+              </a:defRPr>
+            </a:lvl7pPr>
+            <a:lvl8pPr marL="3200400" algn="l" defTabSz="457200" rtl="0" eaLnBrk="1" latinLnBrk="0" hangingPunct="1">
+              <a:defRPr sz="1800" kern="1200">
+                <a:solidFill>
+                  <a:schemeClr val="tx1"/>
+                </a:solidFill>
+                <a:latin typeface="+mn-lt"/>
+                <a:ea typeface="+mn-ea"/>
+                <a:cs typeface="+mn-cs"/>
+              </a:defRPr>
+            </a:lvl8pPr>
+            <a:lvl9pPr marL="3657600" algn="l" defTabSz="457200" rtl="0" eaLnBrk="1" latinLnBrk="0" hangingPunct="1">
+              <a:defRPr sz="1800" kern="1200">
+                <a:solidFill>
+                  <a:schemeClr val="tx1"/>
+                </a:solidFill>
+                <a:latin typeface="+mn-lt"/>
+                <a:ea typeface="+mn-ea"/>
+                <a:cs typeface="+mn-cs"/>
+              </a:defRPr>
+            </a:lvl9pPr>
+          </a:lstStyle>
+          <a:p>
+            <a:r>
+              <a:rPr kumimoji="1" lang="en-US" altLang="ja-JP" sz="1000" dirty="0" smtClean="0">
+                <a:solidFill>
+                  <a:srgbClr val="FF0000"/>
+                </a:solidFill>
+              </a:rPr>
+              <a:t>(8)</a:t>
+            </a:r>
+            <a:endParaRPr kumimoji="1" lang="ja-JP" altLang="en-US" sz="1000" dirty="0">
+              <a:solidFill>
+                <a:srgbClr val="FF0000"/>
+              </a:solidFill>
+            </a:endParaRPr>
+          </a:p>
+        </p:txBody>
+      </p:sp>
+      <p:sp>
+        <p:nvSpPr>
+          <p:cNvPr id="51" name="TextBox 55"/>
+          <p:cNvSpPr txBox="1"/>
+          <p:nvPr/>
+        </p:nvSpPr>
+        <p:spPr>
+          <a:xfrm>
+            <a:off x="2792526" y="1409949"/>
+            <a:ext cx="2380606" cy="400110"/>
           </a:xfrm>
           <a:prstGeom prst="rect">
             <a:avLst/>
@@ -14126,22 +13225,26 @@
           <a:p>
             <a:pPr algn="just"/>
             <a:r>
-              <a:rPr kumimoji="1" lang="en-US" altLang="ja-JP" sz="1000" b="1" dirty="0" smtClean="0"/>
-              <a:t>Title 10. </a:t>
-            </a:r>
-            <a:endParaRPr kumimoji="1" lang="ja-JP" altLang="en-US" sz="1000" b="1" dirty="0"/>
-          </a:p>
-        </p:txBody>
-      </p:sp>
-      <p:sp>
-        <p:nvSpPr>
-          <p:cNvPr id="113" name="TextBox 55"/>
+              <a:rPr kumimoji="1" lang="en-US" altLang="ja-JP" sz="1000" b="1" dirty="0"/>
+              <a:t>Lorem Ipsum is simply dummy text of the print </a:t>
+            </a:r>
+            <a:r>
+              <a:rPr kumimoji="1" lang="en-US" altLang="ja-JP" sz="1000" dirty="0"/>
+              <a:t>… </a:t>
+            </a:r>
+            <a:endParaRPr kumimoji="1" lang="ja-JP" altLang="en-US" sz="1000" dirty="0"/>
+          </a:p>
+        </p:txBody>
+      </p:sp>
+      <p:sp>
+        <p:nvSpPr>
+          <p:cNvPr id="52" name="TextBox 55"/>
           <p:cNvSpPr txBox="1"/>
           <p:nvPr/>
         </p:nvSpPr>
         <p:spPr>
           <a:xfrm>
-            <a:off x="2768797" y="5849767"/>
+            <a:off x="2792527" y="1744594"/>
             <a:ext cx="1436924" cy="553998"/>
           </a:xfrm>
           <a:prstGeom prst="rect">
@@ -14252,15 +13355,17 @@
             <a:pPr algn="just"/>
             <a:r>
               <a:rPr kumimoji="1" lang="en-US" altLang="ja-JP" sz="1000" dirty="0" smtClean="0"/>
-              <a:t>Author</a:t>
-            </a:r>
+              <a:t>Post by : Lam Vy</a:t>
+            </a:r>
+            <a:endParaRPr kumimoji="1" lang="en-US" altLang="ja-JP" sz="1000" dirty="0" smtClean="0"/>
           </a:p>
           <a:p>
             <a:pPr algn="just"/>
             <a:r>
               <a:rPr kumimoji="1" lang="en-US" altLang="ja-JP" sz="1000" dirty="0" smtClean="0"/>
-              <a:t>Date time created</a:t>
-            </a:r>
+              <a:t>Post date : 2014-01-08</a:t>
+            </a:r>
+            <a:endParaRPr kumimoji="1" lang="en-US" altLang="ja-JP" sz="1000" dirty="0" smtClean="0"/>
           </a:p>
           <a:p>
             <a:pPr algn="just"/>
@@ -14270,14 +13375,14 @@
       </p:sp>
       <p:sp>
         <p:nvSpPr>
-          <p:cNvPr id="114" name="TextBox 26"/>
+          <p:cNvPr id="53" name="TextBox 55"/>
           <p:cNvSpPr txBox="1"/>
           <p:nvPr/>
         </p:nvSpPr>
         <p:spPr>
           <a:xfrm>
-            <a:off x="4433408" y="575891"/>
-            <a:ext cx="327433" cy="246221"/>
+            <a:off x="2812145" y="2378178"/>
+            <a:ext cx="2380606" cy="400110"/>
           </a:xfrm>
           <a:prstGeom prst="rect">
             <a:avLst/>
@@ -14285,7 +13390,7 @@
           <a:noFill/>
         </p:spPr>
         <p:txBody>
-          <a:bodyPr wrap="none" rtlCol="0">
+          <a:bodyPr wrap="square" rtlCol="0">
             <a:spAutoFit/>
           </a:bodyPr>
           <a:lstStyle>
@@ -14384,32 +13489,29 @@
             </a:lvl9pPr>
           </a:lstStyle>
           <a:p>
-            <a:r>
-              <a:rPr kumimoji="1" lang="en-US" altLang="ja-JP" sz="1000" dirty="0">
-                <a:solidFill>
-                  <a:srgbClr val="FF0000"/>
-                </a:solidFill>
-              </a:rPr>
-              <a:t>(1)</a:t>
-            </a:r>
-            <a:endParaRPr kumimoji="1" lang="ja-JP" altLang="en-US" sz="1000" dirty="0">
-              <a:solidFill>
-                <a:srgbClr val="FF0000"/>
-              </a:solidFill>
-            </a:endParaRPr>
-          </a:p>
-        </p:txBody>
-      </p:sp>
-      <p:sp>
-        <p:nvSpPr>
-          <p:cNvPr id="115" name="TextBox 26"/>
+            <a:pPr algn="just"/>
+            <a:r>
+              <a:rPr kumimoji="1" lang="en-US" altLang="ja-JP" sz="1000" b="1" dirty="0"/>
+              <a:t>Lorem Ipsum is simply dummy text of the print </a:t>
+            </a:r>
+            <a:r>
+              <a:rPr kumimoji="1" lang="en-US" altLang="ja-JP" sz="1000" dirty="0"/>
+              <a:t>… </a:t>
+            </a:r>
+            <a:endParaRPr kumimoji="1" lang="ja-JP" altLang="en-US" sz="1000" dirty="0"/>
+          </a:p>
+        </p:txBody>
+      </p:sp>
+      <p:sp>
+        <p:nvSpPr>
+          <p:cNvPr id="54" name="TextBox 55"/>
           <p:cNvSpPr txBox="1"/>
           <p:nvPr/>
         </p:nvSpPr>
         <p:spPr>
           <a:xfrm>
-            <a:off x="4913669" y="565760"/>
-            <a:ext cx="327433" cy="246221"/>
+            <a:off x="2812146" y="2712823"/>
+            <a:ext cx="1436924" cy="553998"/>
           </a:xfrm>
           <a:prstGeom prst="rect">
             <a:avLst/>
@@ -14417,7 +13519,7 @@
           <a:noFill/>
         </p:spPr>
         <p:txBody>
-          <a:bodyPr wrap="none" rtlCol="0">
+          <a:bodyPr wrap="square" rtlCol="0">
             <a:spAutoFit/>
           </a:bodyPr>
           <a:lstStyle>
@@ -14516,32 +13618,37 @@
             </a:lvl9pPr>
           </a:lstStyle>
           <a:p>
-            <a:r>
-              <a:rPr kumimoji="1" lang="en-US" altLang="ja-JP" sz="1000" dirty="0" smtClean="0">
-                <a:solidFill>
-                  <a:srgbClr val="FF0000"/>
-                </a:solidFill>
-              </a:rPr>
-              <a:t>(2)</a:t>
-            </a:r>
-            <a:endParaRPr kumimoji="1" lang="ja-JP" altLang="en-US" sz="1000" dirty="0">
-              <a:solidFill>
-                <a:srgbClr val="FF0000"/>
-              </a:solidFill>
-            </a:endParaRPr>
-          </a:p>
-        </p:txBody>
-      </p:sp>
-      <p:sp>
-        <p:nvSpPr>
-          <p:cNvPr id="117" name="TextBox 26"/>
+            <a:pPr algn="just"/>
+            <a:r>
+              <a:rPr kumimoji="1" lang="en-US" altLang="ja-JP" sz="1000" dirty="0" smtClean="0"/>
+              <a:t>Post by : Lam Vy</a:t>
+            </a:r>
+            <a:endParaRPr kumimoji="1" lang="en-US" altLang="ja-JP" sz="1000" dirty="0" smtClean="0"/>
+          </a:p>
+          <a:p>
+            <a:pPr algn="just"/>
+            <a:r>
+              <a:rPr kumimoji="1" lang="en-US" altLang="ja-JP" sz="1000" dirty="0" smtClean="0"/>
+              <a:t>Post date : 2014-01-08</a:t>
+            </a:r>
+            <a:endParaRPr kumimoji="1" lang="en-US" altLang="ja-JP" sz="1000" dirty="0" smtClean="0"/>
+          </a:p>
+          <a:p>
+            <a:pPr algn="just"/>
+            <a:endParaRPr kumimoji="1" lang="ja-JP" altLang="en-US" sz="1000" dirty="0"/>
+          </a:p>
+        </p:txBody>
+      </p:sp>
+      <p:sp>
+        <p:nvSpPr>
+          <p:cNvPr id="55" name="TextBox 55"/>
           <p:cNvSpPr txBox="1"/>
           <p:nvPr/>
         </p:nvSpPr>
         <p:spPr>
           <a:xfrm>
-            <a:off x="1863263" y="743439"/>
-            <a:ext cx="327334" cy="246221"/>
+            <a:off x="2792527" y="3437561"/>
+            <a:ext cx="2380606" cy="400110"/>
           </a:xfrm>
           <a:prstGeom prst="rect">
             <a:avLst/>
@@ -14549,7 +13656,7 @@
           <a:noFill/>
         </p:spPr>
         <p:txBody>
-          <a:bodyPr wrap="none" rtlCol="0">
+          <a:bodyPr wrap="square" rtlCol="0">
             <a:spAutoFit/>
           </a:bodyPr>
           <a:lstStyle>
@@ -14648,32 +13755,29 @@
             </a:lvl9pPr>
           </a:lstStyle>
           <a:p>
-            <a:r>
-              <a:rPr kumimoji="1" lang="en-US" altLang="ja-JP" sz="1000" dirty="0" smtClean="0">
-                <a:solidFill>
-                  <a:srgbClr val="FF0000"/>
-                </a:solidFill>
-              </a:rPr>
-              <a:t>(3)</a:t>
-            </a:r>
-            <a:endParaRPr kumimoji="1" lang="ja-JP" altLang="en-US" sz="1000" dirty="0">
-              <a:solidFill>
-                <a:srgbClr val="FF0000"/>
-              </a:solidFill>
-            </a:endParaRPr>
-          </a:p>
-        </p:txBody>
-      </p:sp>
-      <p:sp>
-        <p:nvSpPr>
-          <p:cNvPr id="118" name="TextBox 26"/>
+            <a:pPr algn="just"/>
+            <a:r>
+              <a:rPr kumimoji="1" lang="en-US" altLang="ja-JP" sz="1000" b="1" dirty="0"/>
+              <a:t>Lorem Ipsum is simply dummy text of the print </a:t>
+            </a:r>
+            <a:r>
+              <a:rPr kumimoji="1" lang="en-US" altLang="ja-JP" sz="1000" dirty="0"/>
+              <a:t>… </a:t>
+            </a:r>
+            <a:endParaRPr kumimoji="1" lang="ja-JP" altLang="en-US" sz="1000" dirty="0"/>
+          </a:p>
+        </p:txBody>
+      </p:sp>
+      <p:sp>
+        <p:nvSpPr>
+          <p:cNvPr id="56" name="TextBox 55"/>
           <p:cNvSpPr txBox="1"/>
           <p:nvPr/>
         </p:nvSpPr>
         <p:spPr>
           <a:xfrm>
-            <a:off x="1026157" y="1552768"/>
-            <a:ext cx="327334" cy="246221"/>
+            <a:off x="2792528" y="3772206"/>
+            <a:ext cx="1436924" cy="553998"/>
           </a:xfrm>
           <a:prstGeom prst="rect">
             <a:avLst/>
@@ -14681,7 +13785,7 @@
           <a:noFill/>
         </p:spPr>
         <p:txBody>
-          <a:bodyPr wrap="none" rtlCol="0">
+          <a:bodyPr wrap="square" rtlCol="0">
             <a:spAutoFit/>
           </a:bodyPr>
           <a:lstStyle>
@@ -14780,32 +13884,37 @@
             </a:lvl9pPr>
           </a:lstStyle>
           <a:p>
-            <a:r>
-              <a:rPr kumimoji="1" lang="en-US" altLang="ja-JP" sz="1000" dirty="0" smtClean="0">
-                <a:solidFill>
-                  <a:srgbClr val="FF0000"/>
-                </a:solidFill>
-              </a:rPr>
-              <a:t>(4)</a:t>
-            </a:r>
-            <a:endParaRPr kumimoji="1" lang="ja-JP" altLang="en-US" sz="1000" dirty="0">
-              <a:solidFill>
-                <a:srgbClr val="FF0000"/>
-              </a:solidFill>
-            </a:endParaRPr>
-          </a:p>
-        </p:txBody>
-      </p:sp>
-      <p:sp>
-        <p:nvSpPr>
-          <p:cNvPr id="119" name="TextBox 26"/>
+            <a:pPr algn="just"/>
+            <a:r>
+              <a:rPr kumimoji="1" lang="en-US" altLang="ja-JP" sz="1000" dirty="0" smtClean="0"/>
+              <a:t>Post by : Lam Vy</a:t>
+            </a:r>
+            <a:endParaRPr kumimoji="1" lang="en-US" altLang="ja-JP" sz="1000" dirty="0" smtClean="0"/>
+          </a:p>
+          <a:p>
+            <a:pPr algn="just"/>
+            <a:r>
+              <a:rPr kumimoji="1" lang="en-US" altLang="ja-JP" sz="1000" dirty="0" smtClean="0"/>
+              <a:t>Post date : 2014-01-08</a:t>
+            </a:r>
+            <a:endParaRPr kumimoji="1" lang="en-US" altLang="ja-JP" sz="1000" dirty="0" smtClean="0"/>
+          </a:p>
+          <a:p>
+            <a:pPr algn="just"/>
+            <a:endParaRPr kumimoji="1" lang="ja-JP" altLang="en-US" sz="1000" dirty="0"/>
+          </a:p>
+        </p:txBody>
+      </p:sp>
+      <p:sp>
+        <p:nvSpPr>
+          <p:cNvPr id="57" name="TextBox 55"/>
           <p:cNvSpPr txBox="1"/>
           <p:nvPr/>
         </p:nvSpPr>
         <p:spPr>
           <a:xfrm>
-            <a:off x="1059740" y="1732235"/>
-            <a:ext cx="327334" cy="246221"/>
+            <a:off x="2792527" y="4482600"/>
+            <a:ext cx="2380606" cy="400110"/>
           </a:xfrm>
           <a:prstGeom prst="rect">
             <a:avLst/>
@@ -14813,7 +13922,7 @@
           <a:noFill/>
         </p:spPr>
         <p:txBody>
-          <a:bodyPr wrap="none" rtlCol="0">
+          <a:bodyPr wrap="square" rtlCol="0">
             <a:spAutoFit/>
           </a:bodyPr>
           <a:lstStyle>
@@ -14912,32 +14021,29 @@
             </a:lvl9pPr>
           </a:lstStyle>
           <a:p>
-            <a:r>
-              <a:rPr kumimoji="1" lang="en-US" altLang="ja-JP" sz="1000" dirty="0" smtClean="0">
-                <a:solidFill>
-                  <a:srgbClr val="FF0000"/>
-                </a:solidFill>
-              </a:rPr>
-              <a:t>(5)</a:t>
-            </a:r>
-            <a:endParaRPr kumimoji="1" lang="ja-JP" altLang="en-US" sz="1000" dirty="0">
-              <a:solidFill>
-                <a:srgbClr val="FF0000"/>
-              </a:solidFill>
-            </a:endParaRPr>
-          </a:p>
-        </p:txBody>
-      </p:sp>
-      <p:sp>
-        <p:nvSpPr>
-          <p:cNvPr id="120" name="TextBox 26"/>
+            <a:pPr algn="just"/>
+            <a:r>
+              <a:rPr kumimoji="1" lang="en-US" altLang="ja-JP" sz="1000" b="1" dirty="0"/>
+              <a:t>Lorem Ipsum is simply dummy text of the print </a:t>
+            </a:r>
+            <a:r>
+              <a:rPr kumimoji="1" lang="en-US" altLang="ja-JP" sz="1000" dirty="0"/>
+              <a:t>… </a:t>
+            </a:r>
+            <a:endParaRPr kumimoji="1" lang="ja-JP" altLang="en-US" sz="1000" dirty="0"/>
+          </a:p>
+        </p:txBody>
+      </p:sp>
+      <p:sp>
+        <p:nvSpPr>
+          <p:cNvPr id="58" name="TextBox 57"/>
           <p:cNvSpPr txBox="1"/>
           <p:nvPr/>
         </p:nvSpPr>
         <p:spPr>
           <a:xfrm>
-            <a:off x="1212140" y="1884635"/>
-            <a:ext cx="327334" cy="246221"/>
+            <a:off x="2792528" y="4817245"/>
+            <a:ext cx="1436924" cy="553998"/>
           </a:xfrm>
           <a:prstGeom prst="rect">
             <a:avLst/>
@@ -14945,7 +14051,7 @@
           <a:noFill/>
         </p:spPr>
         <p:txBody>
-          <a:bodyPr wrap="none" rtlCol="0">
+          <a:bodyPr wrap="square" rtlCol="0">
             <a:spAutoFit/>
           </a:bodyPr>
           <a:lstStyle>
@@ -15044,32 +14150,37 @@
             </a:lvl9pPr>
           </a:lstStyle>
           <a:p>
-            <a:r>
-              <a:rPr kumimoji="1" lang="en-US" altLang="ja-JP" sz="1000" dirty="0" smtClean="0">
-                <a:solidFill>
-                  <a:srgbClr val="FF0000"/>
-                </a:solidFill>
-              </a:rPr>
-              <a:t>(6)</a:t>
-            </a:r>
-            <a:endParaRPr kumimoji="1" lang="ja-JP" altLang="en-US" sz="1000" dirty="0">
-              <a:solidFill>
-                <a:srgbClr val="FF0000"/>
-              </a:solidFill>
-            </a:endParaRPr>
-          </a:p>
-        </p:txBody>
-      </p:sp>
-      <p:sp>
-        <p:nvSpPr>
-          <p:cNvPr id="123" name="TextBox 122"/>
+            <a:pPr algn="just"/>
+            <a:r>
+              <a:rPr kumimoji="1" lang="en-US" altLang="ja-JP" sz="1000" dirty="0" smtClean="0"/>
+              <a:t>Post by : Lam Vy</a:t>
+            </a:r>
+            <a:endParaRPr kumimoji="1" lang="en-US" altLang="ja-JP" sz="1000" dirty="0" smtClean="0"/>
+          </a:p>
+          <a:p>
+            <a:pPr algn="just"/>
+            <a:r>
+              <a:rPr kumimoji="1" lang="en-US" altLang="ja-JP" sz="1000" dirty="0" smtClean="0"/>
+              <a:t>Post date : 2014-01-08</a:t>
+            </a:r>
+            <a:endParaRPr kumimoji="1" lang="en-US" altLang="ja-JP" sz="1000" dirty="0" smtClean="0"/>
+          </a:p>
+          <a:p>
+            <a:pPr algn="just"/>
+            <a:endParaRPr kumimoji="1" lang="ja-JP" altLang="en-US" sz="1000" dirty="0"/>
+          </a:p>
+        </p:txBody>
+      </p:sp>
+      <p:sp>
+        <p:nvSpPr>
+          <p:cNvPr id="59" name="TextBox 55"/>
           <p:cNvSpPr txBox="1"/>
           <p:nvPr/>
         </p:nvSpPr>
         <p:spPr>
           <a:xfrm>
-            <a:off x="-16288" y="1050552"/>
-            <a:ext cx="513282" cy="253916"/>
+            <a:off x="2830231" y="5498139"/>
+            <a:ext cx="2380606" cy="400110"/>
           </a:xfrm>
           <a:prstGeom prst="rect">
             <a:avLst/>
@@ -15077,44 +14188,7 @@
           <a:noFill/>
         </p:spPr>
         <p:txBody>
-          <a:bodyPr wrap="none" rtlCol="0">
-            <a:spAutoFit/>
-          </a:bodyPr>
-          <a:lstStyle/>
-          <a:p>
-            <a:r>
-              <a:rPr kumimoji="1" lang="en-US" altLang="ja-JP" sz="1050" dirty="0" smtClean="0">
-                <a:solidFill>
-                  <a:schemeClr val="tx2">
-                    <a:lumMod val="20000"/>
-                    <a:lumOff val="80000"/>
-                  </a:schemeClr>
-                </a:solidFill>
-              </a:rPr>
-              <a:t>Home</a:t>
-            </a:r>
-            <a:endParaRPr kumimoji="1" lang="ja-JP" altLang="en-US" sz="1050" dirty="0"/>
-          </a:p>
-        </p:txBody>
-      </p:sp>
-      <p:sp>
-        <p:nvSpPr>
-          <p:cNvPr id="124" name="TextBox 26"/>
-          <p:cNvSpPr txBox="1"/>
-          <p:nvPr/>
-        </p:nvSpPr>
-        <p:spPr>
-          <a:xfrm>
-            <a:off x="374530" y="1045409"/>
-            <a:ext cx="327334" cy="246221"/>
-          </a:xfrm>
-          <a:prstGeom prst="rect">
-            <a:avLst/>
-          </a:prstGeom>
-          <a:noFill/>
-        </p:spPr>
-        <p:txBody>
-          <a:bodyPr wrap="none" rtlCol="0">
+          <a:bodyPr wrap="square" rtlCol="0">
             <a:spAutoFit/>
           </a:bodyPr>
           <a:lstStyle>
@@ -15213,32 +14287,29 @@
             </a:lvl9pPr>
           </a:lstStyle>
           <a:p>
-            <a:r>
-              <a:rPr kumimoji="1" lang="en-US" altLang="ja-JP" sz="1000" dirty="0" smtClean="0">
-                <a:solidFill>
-                  <a:srgbClr val="FF0000"/>
-                </a:solidFill>
-              </a:rPr>
-              <a:t>(7)</a:t>
-            </a:r>
-            <a:endParaRPr kumimoji="1" lang="ja-JP" altLang="en-US" sz="1000" dirty="0">
-              <a:solidFill>
-                <a:srgbClr val="FF0000"/>
-              </a:solidFill>
-            </a:endParaRPr>
-          </a:p>
-        </p:txBody>
-      </p:sp>
-      <p:sp>
-        <p:nvSpPr>
-          <p:cNvPr id="125" name="TextBox 124"/>
+            <a:pPr algn="just"/>
+            <a:r>
+              <a:rPr kumimoji="1" lang="en-US" altLang="ja-JP" sz="1000" b="1" dirty="0"/>
+              <a:t>Lorem Ipsum is simply dummy text of the print </a:t>
+            </a:r>
+            <a:r>
+              <a:rPr kumimoji="1" lang="en-US" altLang="ja-JP" sz="1000" dirty="0"/>
+              <a:t>… </a:t>
+            </a:r>
+            <a:endParaRPr kumimoji="1" lang="ja-JP" altLang="en-US" sz="1000" dirty="0"/>
+          </a:p>
+        </p:txBody>
+      </p:sp>
+      <p:sp>
+        <p:nvSpPr>
+          <p:cNvPr id="60" name="TextBox 59"/>
           <p:cNvSpPr txBox="1"/>
           <p:nvPr/>
         </p:nvSpPr>
         <p:spPr>
           <a:xfrm>
-            <a:off x="25841" y="358799"/>
-            <a:ext cx="1170572" cy="369332"/>
+            <a:off x="2830232" y="5832784"/>
+            <a:ext cx="1436924" cy="553998"/>
           </a:xfrm>
           <a:prstGeom prst="rect">
             <a:avLst/>
@@ -15247,44 +14318,6 @@
         </p:spPr>
         <p:txBody>
           <a:bodyPr wrap="square" rtlCol="0">
-            <a:spAutoFit/>
-          </a:bodyPr>
-          <a:lstStyle/>
-          <a:p>
-            <a:r>
-              <a:rPr lang="en-US" b="1" dirty="0" smtClean="0">
-                <a:solidFill>
-                  <a:schemeClr val="bg1"/>
-                </a:solidFill>
-              </a:rPr>
-              <a:t>Mini blog</a:t>
-            </a:r>
-            <a:endParaRPr lang="en-GB" b="1" dirty="0">
-              <a:solidFill>
-                <a:schemeClr val="bg1"/>
-              </a:solidFill>
-            </a:endParaRPr>
-          </a:p>
-        </p:txBody>
-      </p:sp>
-      <p:sp>
-        <p:nvSpPr>
-          <p:cNvPr id="126" name="TextBox 26"/>
-          <p:cNvSpPr txBox="1"/>
-          <p:nvPr/>
-        </p:nvSpPr>
-        <p:spPr>
-          <a:xfrm>
-            <a:off x="3877897" y="572870"/>
-            <a:ext cx="327433" cy="246221"/>
-          </a:xfrm>
-          <a:prstGeom prst="rect">
-            <a:avLst/>
-          </a:prstGeom>
-          <a:noFill/>
-        </p:spPr>
-        <p:txBody>
-          <a:bodyPr wrap="none" rtlCol="0">
             <a:spAutoFit/>
           </a:bodyPr>
           <a:lstStyle>
@@ -15383,19 +14416,1088 @@
             </a:lvl9pPr>
           </a:lstStyle>
           <a:p>
-            <a:r>
-              <a:rPr kumimoji="1" lang="en-US" altLang="ja-JP" sz="1000" dirty="0" smtClean="0">
-                <a:solidFill>
-                  <a:srgbClr val="FF0000"/>
-                </a:solidFill>
-              </a:rPr>
-              <a:t>(8)</a:t>
-            </a:r>
-            <a:endParaRPr kumimoji="1" lang="ja-JP" altLang="en-US" sz="1000" dirty="0">
-              <a:solidFill>
-                <a:srgbClr val="FF0000"/>
-              </a:solidFill>
-            </a:endParaRPr>
+            <a:pPr algn="just"/>
+            <a:r>
+              <a:rPr kumimoji="1" lang="en-US" altLang="ja-JP" sz="1000" dirty="0" smtClean="0"/>
+              <a:t>Post by : Lam Vy</a:t>
+            </a:r>
+            <a:endParaRPr kumimoji="1" lang="en-US" altLang="ja-JP" sz="1000" dirty="0" smtClean="0"/>
+          </a:p>
+          <a:p>
+            <a:pPr algn="just"/>
+            <a:r>
+              <a:rPr kumimoji="1" lang="en-US" altLang="ja-JP" sz="1000" dirty="0" smtClean="0"/>
+              <a:t>Post date : 2014-01-08</a:t>
+            </a:r>
+            <a:endParaRPr kumimoji="1" lang="en-US" altLang="ja-JP" sz="1000" dirty="0" smtClean="0"/>
+          </a:p>
+          <a:p>
+            <a:pPr algn="just"/>
+            <a:endParaRPr kumimoji="1" lang="ja-JP" altLang="en-US" sz="1000" dirty="0"/>
+          </a:p>
+        </p:txBody>
+      </p:sp>
+      <p:sp>
+        <p:nvSpPr>
+          <p:cNvPr id="61" name="TextBox 55"/>
+          <p:cNvSpPr txBox="1"/>
+          <p:nvPr/>
+        </p:nvSpPr>
+        <p:spPr>
+          <a:xfrm>
+            <a:off x="146481" y="5542301"/>
+            <a:ext cx="2380606" cy="400110"/>
+          </a:xfrm>
+          <a:prstGeom prst="rect">
+            <a:avLst/>
+          </a:prstGeom>
+          <a:noFill/>
+        </p:spPr>
+        <p:txBody>
+          <a:bodyPr wrap="square" rtlCol="0">
+            <a:spAutoFit/>
+          </a:bodyPr>
+          <a:lstStyle>
+            <a:defPPr>
+              <a:defRPr lang="en-US"/>
+            </a:defPPr>
+            <a:lvl1pPr marL="0" algn="l" defTabSz="457200" rtl="0" eaLnBrk="1" latinLnBrk="0" hangingPunct="1">
+              <a:defRPr sz="1800" kern="1200">
+                <a:solidFill>
+                  <a:schemeClr val="tx1"/>
+                </a:solidFill>
+                <a:latin typeface="+mn-lt"/>
+                <a:ea typeface="+mn-ea"/>
+                <a:cs typeface="+mn-cs"/>
+              </a:defRPr>
+            </a:lvl1pPr>
+            <a:lvl2pPr marL="457200" algn="l" defTabSz="457200" rtl="0" eaLnBrk="1" latinLnBrk="0" hangingPunct="1">
+              <a:defRPr sz="1800" kern="1200">
+                <a:solidFill>
+                  <a:schemeClr val="tx1"/>
+                </a:solidFill>
+                <a:latin typeface="+mn-lt"/>
+                <a:ea typeface="+mn-ea"/>
+                <a:cs typeface="+mn-cs"/>
+              </a:defRPr>
+            </a:lvl2pPr>
+            <a:lvl3pPr marL="914400" algn="l" defTabSz="457200" rtl="0" eaLnBrk="1" latinLnBrk="0" hangingPunct="1">
+              <a:defRPr sz="1800" kern="1200">
+                <a:solidFill>
+                  <a:schemeClr val="tx1"/>
+                </a:solidFill>
+                <a:latin typeface="+mn-lt"/>
+                <a:ea typeface="+mn-ea"/>
+                <a:cs typeface="+mn-cs"/>
+              </a:defRPr>
+            </a:lvl3pPr>
+            <a:lvl4pPr marL="1371600" algn="l" defTabSz="457200" rtl="0" eaLnBrk="1" latinLnBrk="0" hangingPunct="1">
+              <a:defRPr sz="1800" kern="1200">
+                <a:solidFill>
+                  <a:schemeClr val="tx1"/>
+                </a:solidFill>
+                <a:latin typeface="+mn-lt"/>
+                <a:ea typeface="+mn-ea"/>
+                <a:cs typeface="+mn-cs"/>
+              </a:defRPr>
+            </a:lvl4pPr>
+            <a:lvl5pPr marL="1828800" algn="l" defTabSz="457200" rtl="0" eaLnBrk="1" latinLnBrk="0" hangingPunct="1">
+              <a:defRPr sz="1800" kern="1200">
+                <a:solidFill>
+                  <a:schemeClr val="tx1"/>
+                </a:solidFill>
+                <a:latin typeface="+mn-lt"/>
+                <a:ea typeface="+mn-ea"/>
+                <a:cs typeface="+mn-cs"/>
+              </a:defRPr>
+            </a:lvl5pPr>
+            <a:lvl6pPr marL="2286000" algn="l" defTabSz="457200" rtl="0" eaLnBrk="1" latinLnBrk="0" hangingPunct="1">
+              <a:defRPr sz="1800" kern="1200">
+                <a:solidFill>
+                  <a:schemeClr val="tx1"/>
+                </a:solidFill>
+                <a:latin typeface="+mn-lt"/>
+                <a:ea typeface="+mn-ea"/>
+                <a:cs typeface="+mn-cs"/>
+              </a:defRPr>
+            </a:lvl6pPr>
+            <a:lvl7pPr marL="2743200" algn="l" defTabSz="457200" rtl="0" eaLnBrk="1" latinLnBrk="0" hangingPunct="1">
+              <a:defRPr sz="1800" kern="1200">
+                <a:solidFill>
+                  <a:schemeClr val="tx1"/>
+                </a:solidFill>
+                <a:latin typeface="+mn-lt"/>
+                <a:ea typeface="+mn-ea"/>
+                <a:cs typeface="+mn-cs"/>
+              </a:defRPr>
+            </a:lvl7pPr>
+            <a:lvl8pPr marL="3200400" algn="l" defTabSz="457200" rtl="0" eaLnBrk="1" latinLnBrk="0" hangingPunct="1">
+              <a:defRPr sz="1800" kern="1200">
+                <a:solidFill>
+                  <a:schemeClr val="tx1"/>
+                </a:solidFill>
+                <a:latin typeface="+mn-lt"/>
+                <a:ea typeface="+mn-ea"/>
+                <a:cs typeface="+mn-cs"/>
+              </a:defRPr>
+            </a:lvl8pPr>
+            <a:lvl9pPr marL="3657600" algn="l" defTabSz="457200" rtl="0" eaLnBrk="1" latinLnBrk="0" hangingPunct="1">
+              <a:defRPr sz="1800" kern="1200">
+                <a:solidFill>
+                  <a:schemeClr val="tx1"/>
+                </a:solidFill>
+                <a:latin typeface="+mn-lt"/>
+                <a:ea typeface="+mn-ea"/>
+                <a:cs typeface="+mn-cs"/>
+              </a:defRPr>
+            </a:lvl9pPr>
+          </a:lstStyle>
+          <a:p>
+            <a:pPr algn="just"/>
+            <a:r>
+              <a:rPr kumimoji="1" lang="en-US" altLang="ja-JP" sz="1000" b="1" dirty="0"/>
+              <a:t>Lorem Ipsum is simply dummy text of the print </a:t>
+            </a:r>
+            <a:r>
+              <a:rPr kumimoji="1" lang="en-US" altLang="ja-JP" sz="1000" dirty="0"/>
+              <a:t>… </a:t>
+            </a:r>
+            <a:endParaRPr kumimoji="1" lang="ja-JP" altLang="en-US" sz="1000" dirty="0"/>
+          </a:p>
+        </p:txBody>
+      </p:sp>
+      <p:sp>
+        <p:nvSpPr>
+          <p:cNvPr id="62" name="TextBox 61"/>
+          <p:cNvSpPr txBox="1"/>
+          <p:nvPr/>
+        </p:nvSpPr>
+        <p:spPr>
+          <a:xfrm>
+            <a:off x="146482" y="5876946"/>
+            <a:ext cx="1436924" cy="553998"/>
+          </a:xfrm>
+          <a:prstGeom prst="rect">
+            <a:avLst/>
+          </a:prstGeom>
+          <a:noFill/>
+        </p:spPr>
+        <p:txBody>
+          <a:bodyPr wrap="square" rtlCol="0">
+            <a:spAutoFit/>
+          </a:bodyPr>
+          <a:lstStyle>
+            <a:defPPr>
+              <a:defRPr lang="en-US"/>
+            </a:defPPr>
+            <a:lvl1pPr marL="0" algn="l" defTabSz="457200" rtl="0" eaLnBrk="1" latinLnBrk="0" hangingPunct="1">
+              <a:defRPr sz="1800" kern="1200">
+                <a:solidFill>
+                  <a:schemeClr val="tx1"/>
+                </a:solidFill>
+                <a:latin typeface="+mn-lt"/>
+                <a:ea typeface="+mn-ea"/>
+                <a:cs typeface="+mn-cs"/>
+              </a:defRPr>
+            </a:lvl1pPr>
+            <a:lvl2pPr marL="457200" algn="l" defTabSz="457200" rtl="0" eaLnBrk="1" latinLnBrk="0" hangingPunct="1">
+              <a:defRPr sz="1800" kern="1200">
+                <a:solidFill>
+                  <a:schemeClr val="tx1"/>
+                </a:solidFill>
+                <a:latin typeface="+mn-lt"/>
+                <a:ea typeface="+mn-ea"/>
+                <a:cs typeface="+mn-cs"/>
+              </a:defRPr>
+            </a:lvl2pPr>
+            <a:lvl3pPr marL="914400" algn="l" defTabSz="457200" rtl="0" eaLnBrk="1" latinLnBrk="0" hangingPunct="1">
+              <a:defRPr sz="1800" kern="1200">
+                <a:solidFill>
+                  <a:schemeClr val="tx1"/>
+                </a:solidFill>
+                <a:latin typeface="+mn-lt"/>
+                <a:ea typeface="+mn-ea"/>
+                <a:cs typeface="+mn-cs"/>
+              </a:defRPr>
+            </a:lvl3pPr>
+            <a:lvl4pPr marL="1371600" algn="l" defTabSz="457200" rtl="0" eaLnBrk="1" latinLnBrk="0" hangingPunct="1">
+              <a:defRPr sz="1800" kern="1200">
+                <a:solidFill>
+                  <a:schemeClr val="tx1"/>
+                </a:solidFill>
+                <a:latin typeface="+mn-lt"/>
+                <a:ea typeface="+mn-ea"/>
+                <a:cs typeface="+mn-cs"/>
+              </a:defRPr>
+            </a:lvl4pPr>
+            <a:lvl5pPr marL="1828800" algn="l" defTabSz="457200" rtl="0" eaLnBrk="1" latinLnBrk="0" hangingPunct="1">
+              <a:defRPr sz="1800" kern="1200">
+                <a:solidFill>
+                  <a:schemeClr val="tx1"/>
+                </a:solidFill>
+                <a:latin typeface="+mn-lt"/>
+                <a:ea typeface="+mn-ea"/>
+                <a:cs typeface="+mn-cs"/>
+              </a:defRPr>
+            </a:lvl5pPr>
+            <a:lvl6pPr marL="2286000" algn="l" defTabSz="457200" rtl="0" eaLnBrk="1" latinLnBrk="0" hangingPunct="1">
+              <a:defRPr sz="1800" kern="1200">
+                <a:solidFill>
+                  <a:schemeClr val="tx1"/>
+                </a:solidFill>
+                <a:latin typeface="+mn-lt"/>
+                <a:ea typeface="+mn-ea"/>
+                <a:cs typeface="+mn-cs"/>
+              </a:defRPr>
+            </a:lvl6pPr>
+            <a:lvl7pPr marL="2743200" algn="l" defTabSz="457200" rtl="0" eaLnBrk="1" latinLnBrk="0" hangingPunct="1">
+              <a:defRPr sz="1800" kern="1200">
+                <a:solidFill>
+                  <a:schemeClr val="tx1"/>
+                </a:solidFill>
+                <a:latin typeface="+mn-lt"/>
+                <a:ea typeface="+mn-ea"/>
+                <a:cs typeface="+mn-cs"/>
+              </a:defRPr>
+            </a:lvl7pPr>
+            <a:lvl8pPr marL="3200400" algn="l" defTabSz="457200" rtl="0" eaLnBrk="1" latinLnBrk="0" hangingPunct="1">
+              <a:defRPr sz="1800" kern="1200">
+                <a:solidFill>
+                  <a:schemeClr val="tx1"/>
+                </a:solidFill>
+                <a:latin typeface="+mn-lt"/>
+                <a:ea typeface="+mn-ea"/>
+                <a:cs typeface="+mn-cs"/>
+              </a:defRPr>
+            </a:lvl8pPr>
+            <a:lvl9pPr marL="3657600" algn="l" defTabSz="457200" rtl="0" eaLnBrk="1" latinLnBrk="0" hangingPunct="1">
+              <a:defRPr sz="1800" kern="1200">
+                <a:solidFill>
+                  <a:schemeClr val="tx1"/>
+                </a:solidFill>
+                <a:latin typeface="+mn-lt"/>
+                <a:ea typeface="+mn-ea"/>
+                <a:cs typeface="+mn-cs"/>
+              </a:defRPr>
+            </a:lvl9pPr>
+          </a:lstStyle>
+          <a:p>
+            <a:pPr algn="just"/>
+            <a:r>
+              <a:rPr kumimoji="1" lang="en-US" altLang="ja-JP" sz="1000" dirty="0" smtClean="0"/>
+              <a:t>Post by : Lam Vy</a:t>
+            </a:r>
+            <a:endParaRPr kumimoji="1" lang="en-US" altLang="ja-JP" sz="1000" dirty="0" smtClean="0"/>
+          </a:p>
+          <a:p>
+            <a:pPr algn="just"/>
+            <a:r>
+              <a:rPr kumimoji="1" lang="en-US" altLang="ja-JP" sz="1000" dirty="0" smtClean="0"/>
+              <a:t>Post date : 2014-01-08</a:t>
+            </a:r>
+            <a:endParaRPr kumimoji="1" lang="en-US" altLang="ja-JP" sz="1000" dirty="0" smtClean="0"/>
+          </a:p>
+          <a:p>
+            <a:pPr algn="just"/>
+            <a:endParaRPr kumimoji="1" lang="ja-JP" altLang="en-US" sz="1000" dirty="0"/>
+          </a:p>
+        </p:txBody>
+      </p:sp>
+      <p:sp>
+        <p:nvSpPr>
+          <p:cNvPr id="63" name="TextBox 55"/>
+          <p:cNvSpPr txBox="1"/>
+          <p:nvPr/>
+        </p:nvSpPr>
+        <p:spPr>
+          <a:xfrm>
+            <a:off x="159366" y="4449405"/>
+            <a:ext cx="2380606" cy="400110"/>
+          </a:xfrm>
+          <a:prstGeom prst="rect">
+            <a:avLst/>
+          </a:prstGeom>
+          <a:noFill/>
+        </p:spPr>
+        <p:txBody>
+          <a:bodyPr wrap="square" rtlCol="0">
+            <a:spAutoFit/>
+          </a:bodyPr>
+          <a:lstStyle>
+            <a:defPPr>
+              <a:defRPr lang="en-US"/>
+            </a:defPPr>
+            <a:lvl1pPr marL="0" algn="l" defTabSz="457200" rtl="0" eaLnBrk="1" latinLnBrk="0" hangingPunct="1">
+              <a:defRPr sz="1800" kern="1200">
+                <a:solidFill>
+                  <a:schemeClr val="tx1"/>
+                </a:solidFill>
+                <a:latin typeface="+mn-lt"/>
+                <a:ea typeface="+mn-ea"/>
+                <a:cs typeface="+mn-cs"/>
+              </a:defRPr>
+            </a:lvl1pPr>
+            <a:lvl2pPr marL="457200" algn="l" defTabSz="457200" rtl="0" eaLnBrk="1" latinLnBrk="0" hangingPunct="1">
+              <a:defRPr sz="1800" kern="1200">
+                <a:solidFill>
+                  <a:schemeClr val="tx1"/>
+                </a:solidFill>
+                <a:latin typeface="+mn-lt"/>
+                <a:ea typeface="+mn-ea"/>
+                <a:cs typeface="+mn-cs"/>
+              </a:defRPr>
+            </a:lvl2pPr>
+            <a:lvl3pPr marL="914400" algn="l" defTabSz="457200" rtl="0" eaLnBrk="1" latinLnBrk="0" hangingPunct="1">
+              <a:defRPr sz="1800" kern="1200">
+                <a:solidFill>
+                  <a:schemeClr val="tx1"/>
+                </a:solidFill>
+                <a:latin typeface="+mn-lt"/>
+                <a:ea typeface="+mn-ea"/>
+                <a:cs typeface="+mn-cs"/>
+              </a:defRPr>
+            </a:lvl3pPr>
+            <a:lvl4pPr marL="1371600" algn="l" defTabSz="457200" rtl="0" eaLnBrk="1" latinLnBrk="0" hangingPunct="1">
+              <a:defRPr sz="1800" kern="1200">
+                <a:solidFill>
+                  <a:schemeClr val="tx1"/>
+                </a:solidFill>
+                <a:latin typeface="+mn-lt"/>
+                <a:ea typeface="+mn-ea"/>
+                <a:cs typeface="+mn-cs"/>
+              </a:defRPr>
+            </a:lvl4pPr>
+            <a:lvl5pPr marL="1828800" algn="l" defTabSz="457200" rtl="0" eaLnBrk="1" latinLnBrk="0" hangingPunct="1">
+              <a:defRPr sz="1800" kern="1200">
+                <a:solidFill>
+                  <a:schemeClr val="tx1"/>
+                </a:solidFill>
+                <a:latin typeface="+mn-lt"/>
+                <a:ea typeface="+mn-ea"/>
+                <a:cs typeface="+mn-cs"/>
+              </a:defRPr>
+            </a:lvl5pPr>
+            <a:lvl6pPr marL="2286000" algn="l" defTabSz="457200" rtl="0" eaLnBrk="1" latinLnBrk="0" hangingPunct="1">
+              <a:defRPr sz="1800" kern="1200">
+                <a:solidFill>
+                  <a:schemeClr val="tx1"/>
+                </a:solidFill>
+                <a:latin typeface="+mn-lt"/>
+                <a:ea typeface="+mn-ea"/>
+                <a:cs typeface="+mn-cs"/>
+              </a:defRPr>
+            </a:lvl6pPr>
+            <a:lvl7pPr marL="2743200" algn="l" defTabSz="457200" rtl="0" eaLnBrk="1" latinLnBrk="0" hangingPunct="1">
+              <a:defRPr sz="1800" kern="1200">
+                <a:solidFill>
+                  <a:schemeClr val="tx1"/>
+                </a:solidFill>
+                <a:latin typeface="+mn-lt"/>
+                <a:ea typeface="+mn-ea"/>
+                <a:cs typeface="+mn-cs"/>
+              </a:defRPr>
+            </a:lvl7pPr>
+            <a:lvl8pPr marL="3200400" algn="l" defTabSz="457200" rtl="0" eaLnBrk="1" latinLnBrk="0" hangingPunct="1">
+              <a:defRPr sz="1800" kern="1200">
+                <a:solidFill>
+                  <a:schemeClr val="tx1"/>
+                </a:solidFill>
+                <a:latin typeface="+mn-lt"/>
+                <a:ea typeface="+mn-ea"/>
+                <a:cs typeface="+mn-cs"/>
+              </a:defRPr>
+            </a:lvl8pPr>
+            <a:lvl9pPr marL="3657600" algn="l" defTabSz="457200" rtl="0" eaLnBrk="1" latinLnBrk="0" hangingPunct="1">
+              <a:defRPr sz="1800" kern="1200">
+                <a:solidFill>
+                  <a:schemeClr val="tx1"/>
+                </a:solidFill>
+                <a:latin typeface="+mn-lt"/>
+                <a:ea typeface="+mn-ea"/>
+                <a:cs typeface="+mn-cs"/>
+              </a:defRPr>
+            </a:lvl9pPr>
+          </a:lstStyle>
+          <a:p>
+            <a:pPr algn="just"/>
+            <a:r>
+              <a:rPr kumimoji="1" lang="en-US" altLang="ja-JP" sz="1000" b="1" dirty="0"/>
+              <a:t>Lorem Ipsum is simply dummy text of the print </a:t>
+            </a:r>
+            <a:r>
+              <a:rPr kumimoji="1" lang="en-US" altLang="ja-JP" sz="1000" dirty="0"/>
+              <a:t>… </a:t>
+            </a:r>
+            <a:endParaRPr kumimoji="1" lang="ja-JP" altLang="en-US" sz="1000" dirty="0"/>
+          </a:p>
+        </p:txBody>
+      </p:sp>
+      <p:sp>
+        <p:nvSpPr>
+          <p:cNvPr id="64" name="TextBox 63"/>
+          <p:cNvSpPr txBox="1"/>
+          <p:nvPr/>
+        </p:nvSpPr>
+        <p:spPr>
+          <a:xfrm>
+            <a:off x="159367" y="4784050"/>
+            <a:ext cx="1436924" cy="553998"/>
+          </a:xfrm>
+          <a:prstGeom prst="rect">
+            <a:avLst/>
+          </a:prstGeom>
+          <a:noFill/>
+        </p:spPr>
+        <p:txBody>
+          <a:bodyPr wrap="square" rtlCol="0">
+            <a:spAutoFit/>
+          </a:bodyPr>
+          <a:lstStyle>
+            <a:defPPr>
+              <a:defRPr lang="en-US"/>
+            </a:defPPr>
+            <a:lvl1pPr marL="0" algn="l" defTabSz="457200" rtl="0" eaLnBrk="1" latinLnBrk="0" hangingPunct="1">
+              <a:defRPr sz="1800" kern="1200">
+                <a:solidFill>
+                  <a:schemeClr val="tx1"/>
+                </a:solidFill>
+                <a:latin typeface="+mn-lt"/>
+                <a:ea typeface="+mn-ea"/>
+                <a:cs typeface="+mn-cs"/>
+              </a:defRPr>
+            </a:lvl1pPr>
+            <a:lvl2pPr marL="457200" algn="l" defTabSz="457200" rtl="0" eaLnBrk="1" latinLnBrk="0" hangingPunct="1">
+              <a:defRPr sz="1800" kern="1200">
+                <a:solidFill>
+                  <a:schemeClr val="tx1"/>
+                </a:solidFill>
+                <a:latin typeface="+mn-lt"/>
+                <a:ea typeface="+mn-ea"/>
+                <a:cs typeface="+mn-cs"/>
+              </a:defRPr>
+            </a:lvl2pPr>
+            <a:lvl3pPr marL="914400" algn="l" defTabSz="457200" rtl="0" eaLnBrk="1" latinLnBrk="0" hangingPunct="1">
+              <a:defRPr sz="1800" kern="1200">
+                <a:solidFill>
+                  <a:schemeClr val="tx1"/>
+                </a:solidFill>
+                <a:latin typeface="+mn-lt"/>
+                <a:ea typeface="+mn-ea"/>
+                <a:cs typeface="+mn-cs"/>
+              </a:defRPr>
+            </a:lvl3pPr>
+            <a:lvl4pPr marL="1371600" algn="l" defTabSz="457200" rtl="0" eaLnBrk="1" latinLnBrk="0" hangingPunct="1">
+              <a:defRPr sz="1800" kern="1200">
+                <a:solidFill>
+                  <a:schemeClr val="tx1"/>
+                </a:solidFill>
+                <a:latin typeface="+mn-lt"/>
+                <a:ea typeface="+mn-ea"/>
+                <a:cs typeface="+mn-cs"/>
+              </a:defRPr>
+            </a:lvl4pPr>
+            <a:lvl5pPr marL="1828800" algn="l" defTabSz="457200" rtl="0" eaLnBrk="1" latinLnBrk="0" hangingPunct="1">
+              <a:defRPr sz="1800" kern="1200">
+                <a:solidFill>
+                  <a:schemeClr val="tx1"/>
+                </a:solidFill>
+                <a:latin typeface="+mn-lt"/>
+                <a:ea typeface="+mn-ea"/>
+                <a:cs typeface="+mn-cs"/>
+              </a:defRPr>
+            </a:lvl5pPr>
+            <a:lvl6pPr marL="2286000" algn="l" defTabSz="457200" rtl="0" eaLnBrk="1" latinLnBrk="0" hangingPunct="1">
+              <a:defRPr sz="1800" kern="1200">
+                <a:solidFill>
+                  <a:schemeClr val="tx1"/>
+                </a:solidFill>
+                <a:latin typeface="+mn-lt"/>
+                <a:ea typeface="+mn-ea"/>
+                <a:cs typeface="+mn-cs"/>
+              </a:defRPr>
+            </a:lvl6pPr>
+            <a:lvl7pPr marL="2743200" algn="l" defTabSz="457200" rtl="0" eaLnBrk="1" latinLnBrk="0" hangingPunct="1">
+              <a:defRPr sz="1800" kern="1200">
+                <a:solidFill>
+                  <a:schemeClr val="tx1"/>
+                </a:solidFill>
+                <a:latin typeface="+mn-lt"/>
+                <a:ea typeface="+mn-ea"/>
+                <a:cs typeface="+mn-cs"/>
+              </a:defRPr>
+            </a:lvl7pPr>
+            <a:lvl8pPr marL="3200400" algn="l" defTabSz="457200" rtl="0" eaLnBrk="1" latinLnBrk="0" hangingPunct="1">
+              <a:defRPr sz="1800" kern="1200">
+                <a:solidFill>
+                  <a:schemeClr val="tx1"/>
+                </a:solidFill>
+                <a:latin typeface="+mn-lt"/>
+                <a:ea typeface="+mn-ea"/>
+                <a:cs typeface="+mn-cs"/>
+              </a:defRPr>
+            </a:lvl8pPr>
+            <a:lvl9pPr marL="3657600" algn="l" defTabSz="457200" rtl="0" eaLnBrk="1" latinLnBrk="0" hangingPunct="1">
+              <a:defRPr sz="1800" kern="1200">
+                <a:solidFill>
+                  <a:schemeClr val="tx1"/>
+                </a:solidFill>
+                <a:latin typeface="+mn-lt"/>
+                <a:ea typeface="+mn-ea"/>
+                <a:cs typeface="+mn-cs"/>
+              </a:defRPr>
+            </a:lvl9pPr>
+          </a:lstStyle>
+          <a:p>
+            <a:pPr algn="just"/>
+            <a:r>
+              <a:rPr kumimoji="1" lang="en-US" altLang="ja-JP" sz="1000" dirty="0" smtClean="0"/>
+              <a:t>Post by : Lam Vy</a:t>
+            </a:r>
+            <a:endParaRPr kumimoji="1" lang="en-US" altLang="ja-JP" sz="1000" dirty="0" smtClean="0"/>
+          </a:p>
+          <a:p>
+            <a:pPr algn="just"/>
+            <a:r>
+              <a:rPr kumimoji="1" lang="en-US" altLang="ja-JP" sz="1000" dirty="0" smtClean="0"/>
+              <a:t>Post date : 2014-01-08</a:t>
+            </a:r>
+            <a:endParaRPr kumimoji="1" lang="en-US" altLang="ja-JP" sz="1000" dirty="0" smtClean="0"/>
+          </a:p>
+          <a:p>
+            <a:pPr algn="just"/>
+            <a:endParaRPr kumimoji="1" lang="ja-JP" altLang="en-US" sz="1000" dirty="0"/>
+          </a:p>
+        </p:txBody>
+      </p:sp>
+      <p:sp>
+        <p:nvSpPr>
+          <p:cNvPr id="67" name="TextBox 55"/>
+          <p:cNvSpPr txBox="1"/>
+          <p:nvPr/>
+        </p:nvSpPr>
+        <p:spPr>
+          <a:xfrm>
+            <a:off x="122657" y="3445548"/>
+            <a:ext cx="2380606" cy="400110"/>
+          </a:xfrm>
+          <a:prstGeom prst="rect">
+            <a:avLst/>
+          </a:prstGeom>
+          <a:noFill/>
+        </p:spPr>
+        <p:txBody>
+          <a:bodyPr wrap="square" rtlCol="0">
+            <a:spAutoFit/>
+          </a:bodyPr>
+          <a:lstStyle>
+            <a:defPPr>
+              <a:defRPr lang="en-US"/>
+            </a:defPPr>
+            <a:lvl1pPr marL="0" algn="l" defTabSz="457200" rtl="0" eaLnBrk="1" latinLnBrk="0" hangingPunct="1">
+              <a:defRPr sz="1800" kern="1200">
+                <a:solidFill>
+                  <a:schemeClr val="tx1"/>
+                </a:solidFill>
+                <a:latin typeface="+mn-lt"/>
+                <a:ea typeface="+mn-ea"/>
+                <a:cs typeface="+mn-cs"/>
+              </a:defRPr>
+            </a:lvl1pPr>
+            <a:lvl2pPr marL="457200" algn="l" defTabSz="457200" rtl="0" eaLnBrk="1" latinLnBrk="0" hangingPunct="1">
+              <a:defRPr sz="1800" kern="1200">
+                <a:solidFill>
+                  <a:schemeClr val="tx1"/>
+                </a:solidFill>
+                <a:latin typeface="+mn-lt"/>
+                <a:ea typeface="+mn-ea"/>
+                <a:cs typeface="+mn-cs"/>
+              </a:defRPr>
+            </a:lvl2pPr>
+            <a:lvl3pPr marL="914400" algn="l" defTabSz="457200" rtl="0" eaLnBrk="1" latinLnBrk="0" hangingPunct="1">
+              <a:defRPr sz="1800" kern="1200">
+                <a:solidFill>
+                  <a:schemeClr val="tx1"/>
+                </a:solidFill>
+                <a:latin typeface="+mn-lt"/>
+                <a:ea typeface="+mn-ea"/>
+                <a:cs typeface="+mn-cs"/>
+              </a:defRPr>
+            </a:lvl3pPr>
+            <a:lvl4pPr marL="1371600" algn="l" defTabSz="457200" rtl="0" eaLnBrk="1" latinLnBrk="0" hangingPunct="1">
+              <a:defRPr sz="1800" kern="1200">
+                <a:solidFill>
+                  <a:schemeClr val="tx1"/>
+                </a:solidFill>
+                <a:latin typeface="+mn-lt"/>
+                <a:ea typeface="+mn-ea"/>
+                <a:cs typeface="+mn-cs"/>
+              </a:defRPr>
+            </a:lvl4pPr>
+            <a:lvl5pPr marL="1828800" algn="l" defTabSz="457200" rtl="0" eaLnBrk="1" latinLnBrk="0" hangingPunct="1">
+              <a:defRPr sz="1800" kern="1200">
+                <a:solidFill>
+                  <a:schemeClr val="tx1"/>
+                </a:solidFill>
+                <a:latin typeface="+mn-lt"/>
+                <a:ea typeface="+mn-ea"/>
+                <a:cs typeface="+mn-cs"/>
+              </a:defRPr>
+            </a:lvl5pPr>
+            <a:lvl6pPr marL="2286000" algn="l" defTabSz="457200" rtl="0" eaLnBrk="1" latinLnBrk="0" hangingPunct="1">
+              <a:defRPr sz="1800" kern="1200">
+                <a:solidFill>
+                  <a:schemeClr val="tx1"/>
+                </a:solidFill>
+                <a:latin typeface="+mn-lt"/>
+                <a:ea typeface="+mn-ea"/>
+                <a:cs typeface="+mn-cs"/>
+              </a:defRPr>
+            </a:lvl6pPr>
+            <a:lvl7pPr marL="2743200" algn="l" defTabSz="457200" rtl="0" eaLnBrk="1" latinLnBrk="0" hangingPunct="1">
+              <a:defRPr sz="1800" kern="1200">
+                <a:solidFill>
+                  <a:schemeClr val="tx1"/>
+                </a:solidFill>
+                <a:latin typeface="+mn-lt"/>
+                <a:ea typeface="+mn-ea"/>
+                <a:cs typeface="+mn-cs"/>
+              </a:defRPr>
+            </a:lvl7pPr>
+            <a:lvl8pPr marL="3200400" algn="l" defTabSz="457200" rtl="0" eaLnBrk="1" latinLnBrk="0" hangingPunct="1">
+              <a:defRPr sz="1800" kern="1200">
+                <a:solidFill>
+                  <a:schemeClr val="tx1"/>
+                </a:solidFill>
+                <a:latin typeface="+mn-lt"/>
+                <a:ea typeface="+mn-ea"/>
+                <a:cs typeface="+mn-cs"/>
+              </a:defRPr>
+            </a:lvl8pPr>
+            <a:lvl9pPr marL="3657600" algn="l" defTabSz="457200" rtl="0" eaLnBrk="1" latinLnBrk="0" hangingPunct="1">
+              <a:defRPr sz="1800" kern="1200">
+                <a:solidFill>
+                  <a:schemeClr val="tx1"/>
+                </a:solidFill>
+                <a:latin typeface="+mn-lt"/>
+                <a:ea typeface="+mn-ea"/>
+                <a:cs typeface="+mn-cs"/>
+              </a:defRPr>
+            </a:lvl9pPr>
+          </a:lstStyle>
+          <a:p>
+            <a:pPr algn="just"/>
+            <a:r>
+              <a:rPr kumimoji="1" lang="en-US" altLang="ja-JP" sz="1000" b="1" dirty="0"/>
+              <a:t>Lorem Ipsum is simply dummy text of the print </a:t>
+            </a:r>
+            <a:r>
+              <a:rPr kumimoji="1" lang="en-US" altLang="ja-JP" sz="1000" dirty="0"/>
+              <a:t>… </a:t>
+            </a:r>
+            <a:endParaRPr kumimoji="1" lang="ja-JP" altLang="en-US" sz="1000" dirty="0"/>
+          </a:p>
+        </p:txBody>
+      </p:sp>
+      <p:sp>
+        <p:nvSpPr>
+          <p:cNvPr id="68" name="TextBox 67"/>
+          <p:cNvSpPr txBox="1"/>
+          <p:nvPr/>
+        </p:nvSpPr>
+        <p:spPr>
+          <a:xfrm>
+            <a:off x="122658" y="3780193"/>
+            <a:ext cx="1436924" cy="553998"/>
+          </a:xfrm>
+          <a:prstGeom prst="rect">
+            <a:avLst/>
+          </a:prstGeom>
+          <a:noFill/>
+        </p:spPr>
+        <p:txBody>
+          <a:bodyPr wrap="square" rtlCol="0">
+            <a:spAutoFit/>
+          </a:bodyPr>
+          <a:lstStyle>
+            <a:defPPr>
+              <a:defRPr lang="en-US"/>
+            </a:defPPr>
+            <a:lvl1pPr marL="0" algn="l" defTabSz="457200" rtl="0" eaLnBrk="1" latinLnBrk="0" hangingPunct="1">
+              <a:defRPr sz="1800" kern="1200">
+                <a:solidFill>
+                  <a:schemeClr val="tx1"/>
+                </a:solidFill>
+                <a:latin typeface="+mn-lt"/>
+                <a:ea typeface="+mn-ea"/>
+                <a:cs typeface="+mn-cs"/>
+              </a:defRPr>
+            </a:lvl1pPr>
+            <a:lvl2pPr marL="457200" algn="l" defTabSz="457200" rtl="0" eaLnBrk="1" latinLnBrk="0" hangingPunct="1">
+              <a:defRPr sz="1800" kern="1200">
+                <a:solidFill>
+                  <a:schemeClr val="tx1"/>
+                </a:solidFill>
+                <a:latin typeface="+mn-lt"/>
+                <a:ea typeface="+mn-ea"/>
+                <a:cs typeface="+mn-cs"/>
+              </a:defRPr>
+            </a:lvl2pPr>
+            <a:lvl3pPr marL="914400" algn="l" defTabSz="457200" rtl="0" eaLnBrk="1" latinLnBrk="0" hangingPunct="1">
+              <a:defRPr sz="1800" kern="1200">
+                <a:solidFill>
+                  <a:schemeClr val="tx1"/>
+                </a:solidFill>
+                <a:latin typeface="+mn-lt"/>
+                <a:ea typeface="+mn-ea"/>
+                <a:cs typeface="+mn-cs"/>
+              </a:defRPr>
+            </a:lvl3pPr>
+            <a:lvl4pPr marL="1371600" algn="l" defTabSz="457200" rtl="0" eaLnBrk="1" latinLnBrk="0" hangingPunct="1">
+              <a:defRPr sz="1800" kern="1200">
+                <a:solidFill>
+                  <a:schemeClr val="tx1"/>
+                </a:solidFill>
+                <a:latin typeface="+mn-lt"/>
+                <a:ea typeface="+mn-ea"/>
+                <a:cs typeface="+mn-cs"/>
+              </a:defRPr>
+            </a:lvl4pPr>
+            <a:lvl5pPr marL="1828800" algn="l" defTabSz="457200" rtl="0" eaLnBrk="1" latinLnBrk="0" hangingPunct="1">
+              <a:defRPr sz="1800" kern="1200">
+                <a:solidFill>
+                  <a:schemeClr val="tx1"/>
+                </a:solidFill>
+                <a:latin typeface="+mn-lt"/>
+                <a:ea typeface="+mn-ea"/>
+                <a:cs typeface="+mn-cs"/>
+              </a:defRPr>
+            </a:lvl5pPr>
+            <a:lvl6pPr marL="2286000" algn="l" defTabSz="457200" rtl="0" eaLnBrk="1" latinLnBrk="0" hangingPunct="1">
+              <a:defRPr sz="1800" kern="1200">
+                <a:solidFill>
+                  <a:schemeClr val="tx1"/>
+                </a:solidFill>
+                <a:latin typeface="+mn-lt"/>
+                <a:ea typeface="+mn-ea"/>
+                <a:cs typeface="+mn-cs"/>
+              </a:defRPr>
+            </a:lvl6pPr>
+            <a:lvl7pPr marL="2743200" algn="l" defTabSz="457200" rtl="0" eaLnBrk="1" latinLnBrk="0" hangingPunct="1">
+              <a:defRPr sz="1800" kern="1200">
+                <a:solidFill>
+                  <a:schemeClr val="tx1"/>
+                </a:solidFill>
+                <a:latin typeface="+mn-lt"/>
+                <a:ea typeface="+mn-ea"/>
+                <a:cs typeface="+mn-cs"/>
+              </a:defRPr>
+            </a:lvl7pPr>
+            <a:lvl8pPr marL="3200400" algn="l" defTabSz="457200" rtl="0" eaLnBrk="1" latinLnBrk="0" hangingPunct="1">
+              <a:defRPr sz="1800" kern="1200">
+                <a:solidFill>
+                  <a:schemeClr val="tx1"/>
+                </a:solidFill>
+                <a:latin typeface="+mn-lt"/>
+                <a:ea typeface="+mn-ea"/>
+                <a:cs typeface="+mn-cs"/>
+              </a:defRPr>
+            </a:lvl8pPr>
+            <a:lvl9pPr marL="3657600" algn="l" defTabSz="457200" rtl="0" eaLnBrk="1" latinLnBrk="0" hangingPunct="1">
+              <a:defRPr sz="1800" kern="1200">
+                <a:solidFill>
+                  <a:schemeClr val="tx1"/>
+                </a:solidFill>
+                <a:latin typeface="+mn-lt"/>
+                <a:ea typeface="+mn-ea"/>
+                <a:cs typeface="+mn-cs"/>
+              </a:defRPr>
+            </a:lvl9pPr>
+          </a:lstStyle>
+          <a:p>
+            <a:pPr algn="just"/>
+            <a:r>
+              <a:rPr kumimoji="1" lang="en-US" altLang="ja-JP" sz="1000" dirty="0" smtClean="0"/>
+              <a:t>Post by : Lam Vy</a:t>
+            </a:r>
+            <a:endParaRPr kumimoji="1" lang="en-US" altLang="ja-JP" sz="1000" dirty="0" smtClean="0"/>
+          </a:p>
+          <a:p>
+            <a:pPr algn="just"/>
+            <a:r>
+              <a:rPr kumimoji="1" lang="en-US" altLang="ja-JP" sz="1000" dirty="0" smtClean="0"/>
+              <a:t>Post date : 2014-01-08</a:t>
+            </a:r>
+            <a:endParaRPr kumimoji="1" lang="en-US" altLang="ja-JP" sz="1000" dirty="0" smtClean="0"/>
+          </a:p>
+          <a:p>
+            <a:pPr algn="just"/>
+            <a:endParaRPr kumimoji="1" lang="ja-JP" altLang="en-US" sz="1000" dirty="0"/>
+          </a:p>
+        </p:txBody>
+      </p:sp>
+      <p:sp>
+        <p:nvSpPr>
+          <p:cNvPr id="69" name="TextBox 55"/>
+          <p:cNvSpPr txBox="1"/>
+          <p:nvPr/>
+        </p:nvSpPr>
+        <p:spPr>
+          <a:xfrm>
+            <a:off x="108787" y="2402977"/>
+            <a:ext cx="2380606" cy="400110"/>
+          </a:xfrm>
+          <a:prstGeom prst="rect">
+            <a:avLst/>
+          </a:prstGeom>
+          <a:noFill/>
+        </p:spPr>
+        <p:txBody>
+          <a:bodyPr wrap="square" rtlCol="0">
+            <a:spAutoFit/>
+          </a:bodyPr>
+          <a:lstStyle>
+            <a:defPPr>
+              <a:defRPr lang="en-US"/>
+            </a:defPPr>
+            <a:lvl1pPr marL="0" algn="l" defTabSz="457200" rtl="0" eaLnBrk="1" latinLnBrk="0" hangingPunct="1">
+              <a:defRPr sz="1800" kern="1200">
+                <a:solidFill>
+                  <a:schemeClr val="tx1"/>
+                </a:solidFill>
+                <a:latin typeface="+mn-lt"/>
+                <a:ea typeface="+mn-ea"/>
+                <a:cs typeface="+mn-cs"/>
+              </a:defRPr>
+            </a:lvl1pPr>
+            <a:lvl2pPr marL="457200" algn="l" defTabSz="457200" rtl="0" eaLnBrk="1" latinLnBrk="0" hangingPunct="1">
+              <a:defRPr sz="1800" kern="1200">
+                <a:solidFill>
+                  <a:schemeClr val="tx1"/>
+                </a:solidFill>
+                <a:latin typeface="+mn-lt"/>
+                <a:ea typeface="+mn-ea"/>
+                <a:cs typeface="+mn-cs"/>
+              </a:defRPr>
+            </a:lvl2pPr>
+            <a:lvl3pPr marL="914400" algn="l" defTabSz="457200" rtl="0" eaLnBrk="1" latinLnBrk="0" hangingPunct="1">
+              <a:defRPr sz="1800" kern="1200">
+                <a:solidFill>
+                  <a:schemeClr val="tx1"/>
+                </a:solidFill>
+                <a:latin typeface="+mn-lt"/>
+                <a:ea typeface="+mn-ea"/>
+                <a:cs typeface="+mn-cs"/>
+              </a:defRPr>
+            </a:lvl3pPr>
+            <a:lvl4pPr marL="1371600" algn="l" defTabSz="457200" rtl="0" eaLnBrk="1" latinLnBrk="0" hangingPunct="1">
+              <a:defRPr sz="1800" kern="1200">
+                <a:solidFill>
+                  <a:schemeClr val="tx1"/>
+                </a:solidFill>
+                <a:latin typeface="+mn-lt"/>
+                <a:ea typeface="+mn-ea"/>
+                <a:cs typeface="+mn-cs"/>
+              </a:defRPr>
+            </a:lvl4pPr>
+            <a:lvl5pPr marL="1828800" algn="l" defTabSz="457200" rtl="0" eaLnBrk="1" latinLnBrk="0" hangingPunct="1">
+              <a:defRPr sz="1800" kern="1200">
+                <a:solidFill>
+                  <a:schemeClr val="tx1"/>
+                </a:solidFill>
+                <a:latin typeface="+mn-lt"/>
+                <a:ea typeface="+mn-ea"/>
+                <a:cs typeface="+mn-cs"/>
+              </a:defRPr>
+            </a:lvl5pPr>
+            <a:lvl6pPr marL="2286000" algn="l" defTabSz="457200" rtl="0" eaLnBrk="1" latinLnBrk="0" hangingPunct="1">
+              <a:defRPr sz="1800" kern="1200">
+                <a:solidFill>
+                  <a:schemeClr val="tx1"/>
+                </a:solidFill>
+                <a:latin typeface="+mn-lt"/>
+                <a:ea typeface="+mn-ea"/>
+                <a:cs typeface="+mn-cs"/>
+              </a:defRPr>
+            </a:lvl6pPr>
+            <a:lvl7pPr marL="2743200" algn="l" defTabSz="457200" rtl="0" eaLnBrk="1" latinLnBrk="0" hangingPunct="1">
+              <a:defRPr sz="1800" kern="1200">
+                <a:solidFill>
+                  <a:schemeClr val="tx1"/>
+                </a:solidFill>
+                <a:latin typeface="+mn-lt"/>
+                <a:ea typeface="+mn-ea"/>
+                <a:cs typeface="+mn-cs"/>
+              </a:defRPr>
+            </a:lvl7pPr>
+            <a:lvl8pPr marL="3200400" algn="l" defTabSz="457200" rtl="0" eaLnBrk="1" latinLnBrk="0" hangingPunct="1">
+              <a:defRPr sz="1800" kern="1200">
+                <a:solidFill>
+                  <a:schemeClr val="tx1"/>
+                </a:solidFill>
+                <a:latin typeface="+mn-lt"/>
+                <a:ea typeface="+mn-ea"/>
+                <a:cs typeface="+mn-cs"/>
+              </a:defRPr>
+            </a:lvl8pPr>
+            <a:lvl9pPr marL="3657600" algn="l" defTabSz="457200" rtl="0" eaLnBrk="1" latinLnBrk="0" hangingPunct="1">
+              <a:defRPr sz="1800" kern="1200">
+                <a:solidFill>
+                  <a:schemeClr val="tx1"/>
+                </a:solidFill>
+                <a:latin typeface="+mn-lt"/>
+                <a:ea typeface="+mn-ea"/>
+                <a:cs typeface="+mn-cs"/>
+              </a:defRPr>
+            </a:lvl9pPr>
+          </a:lstStyle>
+          <a:p>
+            <a:pPr algn="just"/>
+            <a:r>
+              <a:rPr kumimoji="1" lang="en-US" altLang="ja-JP" sz="1000" b="1" dirty="0"/>
+              <a:t>Lorem Ipsum is simply dummy text of the print </a:t>
+            </a:r>
+            <a:r>
+              <a:rPr kumimoji="1" lang="en-US" altLang="ja-JP" sz="1000" dirty="0"/>
+              <a:t>… </a:t>
+            </a:r>
+            <a:endParaRPr kumimoji="1" lang="ja-JP" altLang="en-US" sz="1000" dirty="0"/>
+          </a:p>
+        </p:txBody>
+      </p:sp>
+      <p:sp>
+        <p:nvSpPr>
+          <p:cNvPr id="70" name="TextBox 69"/>
+          <p:cNvSpPr txBox="1"/>
+          <p:nvPr/>
+        </p:nvSpPr>
+        <p:spPr>
+          <a:xfrm>
+            <a:off x="108788" y="2737622"/>
+            <a:ext cx="1436924" cy="553998"/>
+          </a:xfrm>
+          <a:prstGeom prst="rect">
+            <a:avLst/>
+          </a:prstGeom>
+          <a:noFill/>
+        </p:spPr>
+        <p:txBody>
+          <a:bodyPr wrap="square" rtlCol="0">
+            <a:spAutoFit/>
+          </a:bodyPr>
+          <a:lstStyle>
+            <a:defPPr>
+              <a:defRPr lang="en-US"/>
+            </a:defPPr>
+            <a:lvl1pPr marL="0" algn="l" defTabSz="457200" rtl="0" eaLnBrk="1" latinLnBrk="0" hangingPunct="1">
+              <a:defRPr sz="1800" kern="1200">
+                <a:solidFill>
+                  <a:schemeClr val="tx1"/>
+                </a:solidFill>
+                <a:latin typeface="+mn-lt"/>
+                <a:ea typeface="+mn-ea"/>
+                <a:cs typeface="+mn-cs"/>
+              </a:defRPr>
+            </a:lvl1pPr>
+            <a:lvl2pPr marL="457200" algn="l" defTabSz="457200" rtl="0" eaLnBrk="1" latinLnBrk="0" hangingPunct="1">
+              <a:defRPr sz="1800" kern="1200">
+                <a:solidFill>
+                  <a:schemeClr val="tx1"/>
+                </a:solidFill>
+                <a:latin typeface="+mn-lt"/>
+                <a:ea typeface="+mn-ea"/>
+                <a:cs typeface="+mn-cs"/>
+              </a:defRPr>
+            </a:lvl2pPr>
+            <a:lvl3pPr marL="914400" algn="l" defTabSz="457200" rtl="0" eaLnBrk="1" latinLnBrk="0" hangingPunct="1">
+              <a:defRPr sz="1800" kern="1200">
+                <a:solidFill>
+                  <a:schemeClr val="tx1"/>
+                </a:solidFill>
+                <a:latin typeface="+mn-lt"/>
+                <a:ea typeface="+mn-ea"/>
+                <a:cs typeface="+mn-cs"/>
+              </a:defRPr>
+            </a:lvl3pPr>
+            <a:lvl4pPr marL="1371600" algn="l" defTabSz="457200" rtl="0" eaLnBrk="1" latinLnBrk="0" hangingPunct="1">
+              <a:defRPr sz="1800" kern="1200">
+                <a:solidFill>
+                  <a:schemeClr val="tx1"/>
+                </a:solidFill>
+                <a:latin typeface="+mn-lt"/>
+                <a:ea typeface="+mn-ea"/>
+                <a:cs typeface="+mn-cs"/>
+              </a:defRPr>
+            </a:lvl4pPr>
+            <a:lvl5pPr marL="1828800" algn="l" defTabSz="457200" rtl="0" eaLnBrk="1" latinLnBrk="0" hangingPunct="1">
+              <a:defRPr sz="1800" kern="1200">
+                <a:solidFill>
+                  <a:schemeClr val="tx1"/>
+                </a:solidFill>
+                <a:latin typeface="+mn-lt"/>
+                <a:ea typeface="+mn-ea"/>
+                <a:cs typeface="+mn-cs"/>
+              </a:defRPr>
+            </a:lvl5pPr>
+            <a:lvl6pPr marL="2286000" algn="l" defTabSz="457200" rtl="0" eaLnBrk="1" latinLnBrk="0" hangingPunct="1">
+              <a:defRPr sz="1800" kern="1200">
+                <a:solidFill>
+                  <a:schemeClr val="tx1"/>
+                </a:solidFill>
+                <a:latin typeface="+mn-lt"/>
+                <a:ea typeface="+mn-ea"/>
+                <a:cs typeface="+mn-cs"/>
+              </a:defRPr>
+            </a:lvl6pPr>
+            <a:lvl7pPr marL="2743200" algn="l" defTabSz="457200" rtl="0" eaLnBrk="1" latinLnBrk="0" hangingPunct="1">
+              <a:defRPr sz="1800" kern="1200">
+                <a:solidFill>
+                  <a:schemeClr val="tx1"/>
+                </a:solidFill>
+                <a:latin typeface="+mn-lt"/>
+                <a:ea typeface="+mn-ea"/>
+                <a:cs typeface="+mn-cs"/>
+              </a:defRPr>
+            </a:lvl7pPr>
+            <a:lvl8pPr marL="3200400" algn="l" defTabSz="457200" rtl="0" eaLnBrk="1" latinLnBrk="0" hangingPunct="1">
+              <a:defRPr sz="1800" kern="1200">
+                <a:solidFill>
+                  <a:schemeClr val="tx1"/>
+                </a:solidFill>
+                <a:latin typeface="+mn-lt"/>
+                <a:ea typeface="+mn-ea"/>
+                <a:cs typeface="+mn-cs"/>
+              </a:defRPr>
+            </a:lvl8pPr>
+            <a:lvl9pPr marL="3657600" algn="l" defTabSz="457200" rtl="0" eaLnBrk="1" latinLnBrk="0" hangingPunct="1">
+              <a:defRPr sz="1800" kern="1200">
+                <a:solidFill>
+                  <a:schemeClr val="tx1"/>
+                </a:solidFill>
+                <a:latin typeface="+mn-lt"/>
+                <a:ea typeface="+mn-ea"/>
+                <a:cs typeface="+mn-cs"/>
+              </a:defRPr>
+            </a:lvl9pPr>
+          </a:lstStyle>
+          <a:p>
+            <a:pPr algn="just"/>
+            <a:r>
+              <a:rPr kumimoji="1" lang="en-US" altLang="ja-JP" sz="1000" dirty="0" smtClean="0"/>
+              <a:t>Post by : Lam Vy</a:t>
+            </a:r>
+            <a:endParaRPr kumimoji="1" lang="en-US" altLang="ja-JP" sz="1000" dirty="0" smtClean="0"/>
+          </a:p>
+          <a:p>
+            <a:pPr algn="just"/>
+            <a:r>
+              <a:rPr kumimoji="1" lang="en-US" altLang="ja-JP" sz="1000" dirty="0" smtClean="0"/>
+              <a:t>Post date : 2014-01-08</a:t>
+            </a:r>
+            <a:endParaRPr kumimoji="1" lang="en-US" altLang="ja-JP" sz="1000" dirty="0" smtClean="0"/>
+          </a:p>
+          <a:p>
+            <a:pPr algn="just"/>
+            <a:endParaRPr kumimoji="1" lang="ja-JP" altLang="en-US" sz="1000" dirty="0"/>
           </a:p>
         </p:txBody>
       </p:sp>
@@ -17025,8 +17127,8 @@
         </p:nvSpPr>
         <p:spPr>
           <a:xfrm>
-            <a:off x="469996" y="1347419"/>
-            <a:ext cx="1358804" cy="131743"/>
+            <a:off x="415151" y="1336664"/>
+            <a:ext cx="1640869" cy="167309"/>
           </a:xfrm>
           <a:prstGeom prst="rect">
             <a:avLst/>
@@ -17054,10 +17156,68 @@
           <a:lstStyle/>
           <a:p>
             <a:pPr algn="r"/>
-            <a:endParaRPr kumimoji="1" lang="ja-JP" altLang="en-US" sz="1000" dirty="0">
+            <a:r>
+              <a:rPr kumimoji="1" lang="en-US" altLang="ja-JP" sz="800" dirty="0" smtClean="0">
+                <a:solidFill>
+                  <a:schemeClr val="bg1">
+                    <a:lumMod val="65000"/>
+                  </a:schemeClr>
+                </a:solidFill>
+                <a:latin typeface="+mj-lt"/>
+              </a:rPr>
+              <a:t>Username, </a:t>
+            </a:r>
+            <a:r>
+              <a:rPr kumimoji="1" lang="en-US" altLang="ja-JP" sz="800" dirty="0" err="1" smtClean="0">
+                <a:solidFill>
+                  <a:schemeClr val="bg1">
+                    <a:lumMod val="65000"/>
+                  </a:schemeClr>
+                </a:solidFill>
+                <a:latin typeface="+mj-lt"/>
+              </a:rPr>
+              <a:t>firstname</a:t>
+            </a:r>
+            <a:r>
+              <a:rPr kumimoji="1" lang="en-US" altLang="ja-JP" sz="800" dirty="0" smtClean="0">
+                <a:solidFill>
+                  <a:schemeClr val="bg1">
+                    <a:lumMod val="65000"/>
+                  </a:schemeClr>
+                </a:solidFill>
+                <a:latin typeface="+mj-lt"/>
+              </a:rPr>
+              <a:t>, </a:t>
+            </a:r>
+            <a:r>
+              <a:rPr kumimoji="1" lang="en-US" altLang="ja-JP" sz="800" dirty="0" err="1" smtClean="0">
+                <a:solidFill>
+                  <a:schemeClr val="bg1">
+                    <a:lumMod val="65000"/>
+                  </a:schemeClr>
+                </a:solidFill>
+                <a:latin typeface="+mj-lt"/>
+              </a:rPr>
+              <a:t>lastname</a:t>
+            </a:r>
+            <a:endParaRPr kumimoji="1" lang="ja-JP" altLang="en-US" sz="800" dirty="0">
               <a:solidFill>
-                <a:srgbClr val="FF0000"/>
+                <a:schemeClr val="bg1">
+                  <a:lumMod val="65000"/>
+                </a:schemeClr>
               </a:solidFill>
+              <a:latin typeface="+mj-lt"/>
+            </a:endParaRPr>
+          </a:p>
+          <a:p>
+            <a:pPr algn="r"/>
+            <a:endParaRPr kumimoji="1" lang="ja-JP" altLang="en-US" sz="800" dirty="0">
+              <a:solidFill>
+                <a:schemeClr val="bg1">
+                  <a:lumMod val="65000"/>
+                </a:schemeClr>
+              </a:solidFill>
+              <a:latin typeface="+mj-lt"/>
             </a:endParaRPr>
           </a:p>
         </p:txBody>
@@ -17108,7 +17268,7 @@
         </p:nvSpPr>
         <p:spPr>
           <a:xfrm>
-            <a:off x="1764125" y="1308722"/>
+            <a:off x="2373067" y="1373520"/>
             <a:ext cx="327433" cy="246221"/>
           </a:xfrm>
           <a:prstGeom prst="rect">
@@ -19086,8 +19246,8 @@
         </p:nvSpPr>
         <p:spPr>
           <a:xfrm>
-            <a:off x="469996" y="1347419"/>
-            <a:ext cx="1358804" cy="131743"/>
+            <a:off x="469995" y="1347419"/>
+            <a:ext cx="1586025" cy="149626"/>
           </a:xfrm>
           <a:prstGeom prst="rect">
             <a:avLst/>
@@ -19115,9 +19275,51 @@
           <a:lstStyle/>
           <a:p>
             <a:pPr algn="r"/>
-            <a:endParaRPr kumimoji="1" lang="ja-JP" altLang="en-US" sz="1000" dirty="0">
+            <a:r>
+              <a:rPr kumimoji="1" lang="en-US" altLang="ja-JP" sz="800" dirty="0" smtClean="0">
+                <a:solidFill>
+                  <a:schemeClr val="bg1">
+                    <a:lumMod val="85000"/>
+                  </a:schemeClr>
+                </a:solidFill>
+              </a:rPr>
+              <a:t>Username, </a:t>
+            </a:r>
+            <a:r>
+              <a:rPr kumimoji="1" lang="en-US" altLang="ja-JP" sz="800" dirty="0" err="1" smtClean="0">
+                <a:solidFill>
+                  <a:schemeClr val="bg1">
+                    <a:lumMod val="85000"/>
+                  </a:schemeClr>
+                </a:solidFill>
+              </a:rPr>
+              <a:t>lastname</a:t>
+            </a:r>
+            <a:r>
+              <a:rPr kumimoji="1" lang="en-US" altLang="ja-JP" sz="800" dirty="0" smtClean="0">
+                <a:solidFill>
+                  <a:schemeClr val="bg1">
+                    <a:lumMod val="85000"/>
+                  </a:schemeClr>
+                </a:solidFill>
+              </a:rPr>
+              <a:t>, </a:t>
+            </a:r>
+            <a:r>
+              <a:rPr kumimoji="1" lang="en-US" altLang="ja-JP" sz="800" dirty="0" err="1" smtClean="0">
+                <a:solidFill>
+                  <a:schemeClr val="bg1">
+                    <a:lumMod val="85000"/>
+                  </a:schemeClr>
+                </a:solidFill>
+              </a:rPr>
+              <a:t>firstname</a:t>
+            </a:r>
+            <a:endParaRPr kumimoji="1" lang="ja-JP" altLang="en-US" sz="800" dirty="0">
               <a:solidFill>
-                <a:srgbClr val="FF0000"/>
+                <a:schemeClr val="bg1">
+                  <a:lumMod val="85000"/>
+                </a:schemeClr>
               </a:solidFill>
             </a:endParaRPr>
           </a:p>
@@ -19169,7 +19371,7 @@
         </p:nvSpPr>
         <p:spPr>
           <a:xfrm>
-            <a:off x="2007724" y="1448448"/>
+            <a:off x="2313271" y="1425645"/>
             <a:ext cx="327433" cy="246221"/>
           </a:xfrm>
           <a:prstGeom prst="rect">
@@ -20718,7 +20920,7 @@
                     <a:lstStyle/>
                     <a:p>
                       <a:r>
-                        <a:rPr kumimoji="1" lang="en-US" altLang="ja-JP" sz="1000" smtClean="0">
+                        <a:rPr kumimoji="1" lang="en-US" altLang="ja-JP" sz="1000" dirty="0" smtClean="0">
                           <a:latin typeface="Calibri"/>
                           <a:cs typeface="Calibri"/>
                         </a:rPr>
@@ -20921,8 +21123,8 @@
         </p:nvSpPr>
         <p:spPr>
           <a:xfrm>
-            <a:off x="469996" y="1347419"/>
-            <a:ext cx="1358804" cy="131743"/>
+            <a:off x="469995" y="1347419"/>
+            <a:ext cx="1603503" cy="131743"/>
           </a:xfrm>
           <a:prstGeom prst="rect">
             <a:avLst/>
@@ -20950,9 +21152,51 @@
           <a:lstStyle/>
           <a:p>
             <a:pPr algn="r"/>
-            <a:endParaRPr kumimoji="1" lang="ja-JP" altLang="en-US" sz="1000" dirty="0">
+            <a:r>
+              <a:rPr kumimoji="1" lang="en-US" altLang="ja-JP" sz="800" dirty="0" smtClean="0">
+                <a:solidFill>
+                  <a:schemeClr val="bg1">
+                    <a:lumMod val="85000"/>
+                  </a:schemeClr>
+                </a:solidFill>
+              </a:rPr>
+              <a:t>Username, </a:t>
+            </a:r>
+            <a:r>
+              <a:rPr kumimoji="1" lang="en-US" altLang="ja-JP" sz="800" dirty="0" err="1" smtClean="0">
+                <a:solidFill>
+                  <a:schemeClr val="bg1">
+                    <a:lumMod val="85000"/>
+                  </a:schemeClr>
+                </a:solidFill>
+              </a:rPr>
+              <a:t>lastname</a:t>
+            </a:r>
+            <a:r>
+              <a:rPr kumimoji="1" lang="en-US" altLang="ja-JP" sz="800" dirty="0" smtClean="0">
+                <a:solidFill>
+                  <a:schemeClr val="bg1">
+                    <a:lumMod val="85000"/>
+                  </a:schemeClr>
+                </a:solidFill>
+              </a:rPr>
+              <a:t>, </a:t>
+            </a:r>
+            <a:r>
+              <a:rPr kumimoji="1" lang="en-US" altLang="ja-JP" sz="800" dirty="0" err="1" smtClean="0">
+                <a:solidFill>
+                  <a:schemeClr val="bg1">
+                    <a:lumMod val="85000"/>
+                  </a:schemeClr>
+                </a:solidFill>
+              </a:rPr>
+              <a:t>firstname</a:t>
+            </a:r>
+            <a:endParaRPr kumimoji="1" lang="ja-JP" altLang="en-US" sz="800" dirty="0">
               <a:solidFill>
-                <a:srgbClr val="FF0000"/>
+                <a:schemeClr val="bg1">
+                  <a:lumMod val="85000"/>
+                </a:schemeClr>
               </a:solidFill>
             </a:endParaRPr>
           </a:p>
@@ -21004,7 +21248,7 @@
         </p:nvSpPr>
         <p:spPr>
           <a:xfrm>
-            <a:off x="1795334" y="1320759"/>
+            <a:off x="2451386" y="1320759"/>
             <a:ext cx="327433" cy="246221"/>
           </a:xfrm>
           <a:prstGeom prst="rect">

--- a/doc/frontend/wireframe/TRN-MiniBlog_WireframeDesign_LAMVY.pptx
+++ b/doc/frontend/wireframe/TRN-MiniBlog_WireframeDesign_LAMVY.pptx
@@ -215,7 +215,7 @@
           </a:lstStyle>
           <a:p>
             <a:fld id="{0B14D75D-3A88-044C-B530-B9A2A8B351DB}" type="datetimeFigureOut">
-              <a:t>1/8/2015</a:t>
+              <a:t>1/9/2015</a:t>
             </a:fld>
             <a:endParaRPr kumimoji="1" lang="ja-JP" altLang="en-US"/>
           </a:p>
@@ -672,7 +672,7 @@
                 <a:ea typeface="ＭＳ Ｐゴシック"/>
               </a:rPr>
               <a:pPr/>
-              <a:t>2015/1/8</a:t>
+              <a:t>2015/1/9</a:t>
             </a:fld>
             <a:endParaRPr lang="ja-JP" altLang="en-US">
               <a:solidFill>
@@ -916,7 +916,7 @@
                 <a:ea typeface="ＭＳ Ｐゴシック"/>
               </a:rPr>
               <a:pPr/>
-              <a:t>2015/1/8</a:t>
+              <a:t>2015/1/9</a:t>
             </a:fld>
             <a:endParaRPr lang="ja-JP" altLang="en-US">
               <a:solidFill>
@@ -1170,7 +1170,7 @@
                 <a:ea typeface="ＭＳ Ｐゴシック"/>
               </a:rPr>
               <a:pPr/>
-              <a:t>2015/1/8</a:t>
+              <a:t>2015/1/9</a:t>
             </a:fld>
             <a:endParaRPr lang="ja-JP" altLang="en-US">
               <a:solidFill>
@@ -1307,7 +1307,7 @@
                 <a:ea typeface="ＭＳ Ｐゴシック"/>
               </a:rPr>
               <a:pPr/>
-              <a:t>2015/1/8</a:t>
+              <a:t>2015/1/9</a:t>
             </a:fld>
             <a:endParaRPr lang="ja-JP" altLang="en-US">
               <a:solidFill>
@@ -1416,12 +1416,12 @@
           <a:effectLst/>
           <a:extLst>
             <a:ext uri="{909E8E84-426E-40dd-AFC4-6F175D3DCCD1}">
-              <a14:hiddenFill xmlns="" xmlns:a14="http://schemas.microsoft.com/office/drawing/2010/main">
+              <a14:hiddenFill xmlns:a14="http://schemas.microsoft.com/office/drawing/2010/main" xmlns="">
                 <a:noFill/>
               </a14:hiddenFill>
             </a:ext>
             <a:ext uri="{AF507438-7753-43e0-B8FC-AC1667EBCBE1}">
-              <a14:hiddenEffects xmlns="" xmlns:a14="http://schemas.microsoft.com/office/drawing/2010/main">
+              <a14:hiddenEffects xmlns:a14="http://schemas.microsoft.com/office/drawing/2010/main" xmlns="">
                 <a:effectLst>
                   <a:outerShdw blurRad="63500" dist="38099" dir="2700000" algn="ctr" rotWithShape="0">
                     <a:schemeClr val="bg2">
@@ -1475,12 +1475,12 @@
           <a:effectLst/>
           <a:extLst>
             <a:ext uri="{909E8E84-426E-40dd-AFC4-6F175D3DCCD1}">
-              <a14:hiddenFill xmlns="" xmlns:a14="http://schemas.microsoft.com/office/drawing/2010/main">
+              <a14:hiddenFill xmlns:a14="http://schemas.microsoft.com/office/drawing/2010/main" xmlns="">
                 <a:noFill/>
               </a14:hiddenFill>
             </a:ext>
             <a:ext uri="{AF507438-7753-43e0-B8FC-AC1667EBCBE1}">
-              <a14:hiddenEffects xmlns="" xmlns:a14="http://schemas.microsoft.com/office/drawing/2010/main">
+              <a14:hiddenEffects xmlns:a14="http://schemas.microsoft.com/office/drawing/2010/main" xmlns="">
                 <a:effectLst>
                   <a:outerShdw blurRad="63500" dist="38099" dir="2700000" algn="ctr" rotWithShape="0">
                     <a:schemeClr val="bg2">
@@ -1538,7 +1538,7 @@
           <a:effectLst/>
           <a:extLst>
             <a:ext uri="{AF507438-7753-43e0-B8FC-AC1667EBCBE1}">
-              <a14:hiddenEffects xmlns="" xmlns:a14="http://schemas.microsoft.com/office/drawing/2010/main">
+              <a14:hiddenEffects xmlns:a14="http://schemas.microsoft.com/office/drawing/2010/main" xmlns="">
                 <a:effectLst>
                   <a:outerShdw blurRad="63500" dist="38099" dir="2700000" algn="ctr" rotWithShape="0">
                     <a:schemeClr val="bg2">
@@ -1594,7 +1594,7 @@
           <a:effectLst/>
           <a:extLst>
             <a:ext uri="{AF507438-7753-43e0-B8FC-AC1667EBCBE1}">
-              <a14:hiddenEffects xmlns="" xmlns:a14="http://schemas.microsoft.com/office/drawing/2010/main">
+              <a14:hiddenEffects xmlns:a14="http://schemas.microsoft.com/office/drawing/2010/main" xmlns="">
                 <a:effectLst>
                   <a:outerShdw blurRad="63500" dist="38099" dir="2700000" algn="ctr" rotWithShape="0">
                     <a:schemeClr val="bg2">
@@ -1647,14 +1647,14 @@
           <a:effectLst/>
           <a:extLst>
             <a:ext uri="{909E8E84-426E-40dd-AFC4-6F175D3DCCD1}">
-              <a14:hiddenFill xmlns="" xmlns:a14="http://schemas.microsoft.com/office/drawing/2010/main">
+              <a14:hiddenFill xmlns:a14="http://schemas.microsoft.com/office/drawing/2010/main" xmlns="">
                 <a:solidFill>
                   <a:schemeClr val="accent1"/>
                 </a:solidFill>
               </a14:hiddenFill>
             </a:ext>
             <a:ext uri="{91240B29-F687-4f45-9708-019B960494DF}">
-              <a14:hiddenLine xmlns="" xmlns:a14="http://schemas.microsoft.com/office/drawing/2010/main" w="9525">
+              <a14:hiddenLine xmlns:a14="http://schemas.microsoft.com/office/drawing/2010/main" xmlns="" w="9525">
                 <a:solidFill>
                   <a:schemeClr val="tx1"/>
                 </a:solidFill>
@@ -1664,7 +1664,7 @@
               </a14:hiddenLine>
             </a:ext>
             <a:ext uri="{AF507438-7753-43e0-B8FC-AC1667EBCBE1}">
-              <a14:hiddenEffects xmlns="" xmlns:a14="http://schemas.microsoft.com/office/drawing/2010/main">
+              <a14:hiddenEffects xmlns:a14="http://schemas.microsoft.com/office/drawing/2010/main" xmlns="">
                 <a:effectLst>
                   <a:outerShdw blurRad="63500" dist="38099" dir="2700000" algn="ctr" rotWithShape="0">
                     <a:schemeClr val="bg2">
@@ -1675,7 +1675,7 @@
               </a14:hiddenEffects>
             </a:ext>
             <a:ext uri="{FAA26D3D-D897-4be2-8F04-BA451C77F1D7}">
-              <ma14:placeholderFlag xmlns="" xmlns:ma14="http://schemas.microsoft.com/office/mac/drawingml/2011/main" val="1"/>
+              <ma14:placeholderFlag xmlns:ma14="http://schemas.microsoft.com/office/mac/drawingml/2011/main" xmlns="" val="1"/>
             </a:ext>
           </a:extLst>
         </p:spPr>
@@ -1827,7 +1827,7 @@
           <a:noFill/>
           <a:extLst>
             <a:ext uri="{909E8E84-426E-40dd-AFC4-6F175D3DCCD1}">
-              <a14:hiddenFill xmlns="" xmlns:a14="http://schemas.microsoft.com/office/drawing/2010/main">
+              <a14:hiddenFill xmlns:a14="http://schemas.microsoft.com/office/drawing/2010/main" xmlns="">
                 <a:solidFill>
                   <a:srgbClr val="FFFFFF"/>
                 </a:solidFill>
@@ -1859,14 +1859,14 @@
           <a:effectLst/>
           <a:extLst>
             <a:ext uri="{909E8E84-426E-40dd-AFC4-6F175D3DCCD1}">
-              <a14:hiddenFill xmlns="" xmlns:a14="http://schemas.microsoft.com/office/drawing/2010/main">
+              <a14:hiddenFill xmlns:a14="http://schemas.microsoft.com/office/drawing/2010/main" xmlns="">
                 <a:solidFill>
                   <a:schemeClr val="accent1"/>
                 </a:solidFill>
               </a14:hiddenFill>
             </a:ext>
             <a:ext uri="{91240B29-F687-4f45-9708-019B960494DF}">
-              <a14:hiddenLine xmlns="" xmlns:a14="http://schemas.microsoft.com/office/drawing/2010/main" w="9525">
+              <a14:hiddenLine xmlns:a14="http://schemas.microsoft.com/office/drawing/2010/main" xmlns="" w="9525">
                 <a:solidFill>
                   <a:schemeClr val="tx1"/>
                 </a:solidFill>
@@ -1876,7 +1876,7 @@
               </a14:hiddenLine>
             </a:ext>
             <a:ext uri="{AF507438-7753-43e0-B8FC-AC1667EBCBE1}">
-              <a14:hiddenEffects xmlns="" xmlns:a14="http://schemas.microsoft.com/office/drawing/2010/main">
+              <a14:hiddenEffects xmlns:a14="http://schemas.microsoft.com/office/drawing/2010/main" xmlns="">
                 <a:effectLst>
                   <a:outerShdw blurRad="63500" dist="38099" dir="2700000" algn="ctr" rotWithShape="0">
                     <a:schemeClr val="bg2">
@@ -1978,7 +1978,7 @@
                 <a:ea typeface="ＭＳ Ｐゴシック"/>
               </a:rPr>
               <a:pPr/>
-              <a:t>2015/1/8</a:t>
+              <a:t>2015/1/9</a:t>
             </a:fld>
             <a:endParaRPr lang="ja-JP" altLang="en-US">
               <a:solidFill>
@@ -2087,12 +2087,12 @@
           <a:effectLst/>
           <a:extLst>
             <a:ext uri="{909E8E84-426E-40dd-AFC4-6F175D3DCCD1}">
-              <a14:hiddenFill xmlns="" xmlns:a14="http://schemas.microsoft.com/office/drawing/2010/main">
+              <a14:hiddenFill xmlns:a14="http://schemas.microsoft.com/office/drawing/2010/main" xmlns="">
                 <a:noFill/>
               </a14:hiddenFill>
             </a:ext>
             <a:ext uri="{AF507438-7753-43e0-B8FC-AC1667EBCBE1}">
-              <a14:hiddenEffects xmlns="" xmlns:a14="http://schemas.microsoft.com/office/drawing/2010/main">
+              <a14:hiddenEffects xmlns:a14="http://schemas.microsoft.com/office/drawing/2010/main" xmlns="">
                 <a:effectLst>
                   <a:outerShdw blurRad="63500" dist="38099" dir="2700000" algn="ctr" rotWithShape="0">
                     <a:schemeClr val="bg2">
@@ -2146,12 +2146,12 @@
           <a:effectLst/>
           <a:extLst>
             <a:ext uri="{909E8E84-426E-40dd-AFC4-6F175D3DCCD1}">
-              <a14:hiddenFill xmlns="" xmlns:a14="http://schemas.microsoft.com/office/drawing/2010/main">
+              <a14:hiddenFill xmlns:a14="http://schemas.microsoft.com/office/drawing/2010/main" xmlns="">
                 <a:noFill/>
               </a14:hiddenFill>
             </a:ext>
             <a:ext uri="{AF507438-7753-43e0-B8FC-AC1667EBCBE1}">
-              <a14:hiddenEffects xmlns="" xmlns:a14="http://schemas.microsoft.com/office/drawing/2010/main">
+              <a14:hiddenEffects xmlns:a14="http://schemas.microsoft.com/office/drawing/2010/main" xmlns="">
                 <a:effectLst>
                   <a:outerShdw blurRad="63500" dist="38099" dir="2700000" algn="ctr" rotWithShape="0">
                     <a:schemeClr val="bg2">
@@ -2209,7 +2209,7 @@
           <a:effectLst/>
           <a:extLst>
             <a:ext uri="{AF507438-7753-43e0-B8FC-AC1667EBCBE1}">
-              <a14:hiddenEffects xmlns="" xmlns:a14="http://schemas.microsoft.com/office/drawing/2010/main">
+              <a14:hiddenEffects xmlns:a14="http://schemas.microsoft.com/office/drawing/2010/main" xmlns="">
                 <a:effectLst>
                   <a:outerShdw blurRad="63500" dist="38099" dir="2700000" algn="ctr" rotWithShape="0">
                     <a:schemeClr val="bg2">
@@ -2265,7 +2265,7 @@
           <a:effectLst/>
           <a:extLst>
             <a:ext uri="{AF507438-7753-43e0-B8FC-AC1667EBCBE1}">
-              <a14:hiddenEffects xmlns="" xmlns:a14="http://schemas.microsoft.com/office/drawing/2010/main">
+              <a14:hiddenEffects xmlns:a14="http://schemas.microsoft.com/office/drawing/2010/main" xmlns="">
                 <a:effectLst>
                   <a:outerShdw blurRad="63500" dist="38099" dir="2700000" algn="ctr" rotWithShape="0">
                     <a:schemeClr val="bg2">
@@ -2318,14 +2318,14 @@
           <a:effectLst/>
           <a:extLst>
             <a:ext uri="{909E8E84-426E-40dd-AFC4-6F175D3DCCD1}">
-              <a14:hiddenFill xmlns="" xmlns:a14="http://schemas.microsoft.com/office/drawing/2010/main">
+              <a14:hiddenFill xmlns:a14="http://schemas.microsoft.com/office/drawing/2010/main" xmlns="">
                 <a:solidFill>
                   <a:schemeClr val="accent1"/>
                 </a:solidFill>
               </a14:hiddenFill>
             </a:ext>
             <a:ext uri="{91240B29-F687-4f45-9708-019B960494DF}">
-              <a14:hiddenLine xmlns="" xmlns:a14="http://schemas.microsoft.com/office/drawing/2010/main" w="9525">
+              <a14:hiddenLine xmlns:a14="http://schemas.microsoft.com/office/drawing/2010/main" xmlns="" w="9525">
                 <a:solidFill>
                   <a:schemeClr val="tx1"/>
                 </a:solidFill>
@@ -2335,7 +2335,7 @@
               </a14:hiddenLine>
             </a:ext>
             <a:ext uri="{AF507438-7753-43e0-B8FC-AC1667EBCBE1}">
-              <a14:hiddenEffects xmlns="" xmlns:a14="http://schemas.microsoft.com/office/drawing/2010/main">
+              <a14:hiddenEffects xmlns:a14="http://schemas.microsoft.com/office/drawing/2010/main" xmlns="">
                 <a:effectLst>
                   <a:outerShdw blurRad="63500" dist="38099" dir="2700000" algn="ctr" rotWithShape="0">
                     <a:schemeClr val="bg2">
@@ -2346,7 +2346,7 @@
               </a14:hiddenEffects>
             </a:ext>
             <a:ext uri="{FAA26D3D-D897-4be2-8F04-BA451C77F1D7}">
-              <ma14:placeholderFlag xmlns="" xmlns:ma14="http://schemas.microsoft.com/office/mac/drawingml/2011/main" val="1"/>
+              <ma14:placeholderFlag xmlns:ma14="http://schemas.microsoft.com/office/mac/drawingml/2011/main" xmlns="" val="1"/>
             </a:ext>
           </a:extLst>
         </p:spPr>
@@ -2498,7 +2498,7 @@
           <a:noFill/>
           <a:extLst>
             <a:ext uri="{909E8E84-426E-40dd-AFC4-6F175D3DCCD1}">
-              <a14:hiddenFill xmlns="" xmlns:a14="http://schemas.microsoft.com/office/drawing/2010/main">
+              <a14:hiddenFill xmlns:a14="http://schemas.microsoft.com/office/drawing/2010/main" xmlns="">
                 <a:solidFill>
                   <a:srgbClr val="FFFFFF"/>
                 </a:solidFill>
@@ -2530,14 +2530,14 @@
           <a:effectLst/>
           <a:extLst>
             <a:ext uri="{909E8E84-426E-40dd-AFC4-6F175D3DCCD1}">
-              <a14:hiddenFill xmlns="" xmlns:a14="http://schemas.microsoft.com/office/drawing/2010/main">
+              <a14:hiddenFill xmlns:a14="http://schemas.microsoft.com/office/drawing/2010/main" xmlns="">
                 <a:solidFill>
                   <a:schemeClr val="accent1"/>
                 </a:solidFill>
               </a14:hiddenFill>
             </a:ext>
             <a:ext uri="{91240B29-F687-4f45-9708-019B960494DF}">
-              <a14:hiddenLine xmlns="" xmlns:a14="http://schemas.microsoft.com/office/drawing/2010/main" w="9525">
+              <a14:hiddenLine xmlns:a14="http://schemas.microsoft.com/office/drawing/2010/main" xmlns="" w="9525">
                 <a:solidFill>
                   <a:schemeClr val="tx1"/>
                 </a:solidFill>
@@ -2547,7 +2547,7 @@
               </a14:hiddenLine>
             </a:ext>
             <a:ext uri="{AF507438-7753-43e0-B8FC-AC1667EBCBE1}">
-              <a14:hiddenEffects xmlns="" xmlns:a14="http://schemas.microsoft.com/office/drawing/2010/main">
+              <a14:hiddenEffects xmlns:a14="http://schemas.microsoft.com/office/drawing/2010/main" xmlns="">
                 <a:effectLst>
                   <a:outerShdw blurRad="63500" dist="38099" dir="2700000" algn="ctr" rotWithShape="0">
                     <a:schemeClr val="bg2">
@@ -2649,7 +2649,7 @@
                 <a:ea typeface="ＭＳ Ｐゴシック"/>
               </a:rPr>
               <a:pPr/>
-              <a:t>2015/1/8</a:t>
+              <a:t>2015/1/9</a:t>
             </a:fld>
             <a:endParaRPr lang="ja-JP" altLang="en-US">
               <a:solidFill>
@@ -2758,12 +2758,12 @@
           <a:effectLst/>
           <a:extLst>
             <a:ext uri="{909E8E84-426E-40dd-AFC4-6F175D3DCCD1}">
-              <a14:hiddenFill xmlns="" xmlns:a14="http://schemas.microsoft.com/office/drawing/2010/main">
+              <a14:hiddenFill xmlns:a14="http://schemas.microsoft.com/office/drawing/2010/main" xmlns="">
                 <a:noFill/>
               </a14:hiddenFill>
             </a:ext>
             <a:ext uri="{AF507438-7753-43e0-B8FC-AC1667EBCBE1}">
-              <a14:hiddenEffects xmlns="" xmlns:a14="http://schemas.microsoft.com/office/drawing/2010/main">
+              <a14:hiddenEffects xmlns:a14="http://schemas.microsoft.com/office/drawing/2010/main" xmlns="">
                 <a:effectLst>
                   <a:outerShdw blurRad="63500" dist="38099" dir="2700000" algn="ctr" rotWithShape="0">
                     <a:schemeClr val="bg2">
@@ -2817,12 +2817,12 @@
           <a:effectLst/>
           <a:extLst>
             <a:ext uri="{909E8E84-426E-40dd-AFC4-6F175D3DCCD1}">
-              <a14:hiddenFill xmlns="" xmlns:a14="http://schemas.microsoft.com/office/drawing/2010/main">
+              <a14:hiddenFill xmlns:a14="http://schemas.microsoft.com/office/drawing/2010/main" xmlns="">
                 <a:noFill/>
               </a14:hiddenFill>
             </a:ext>
             <a:ext uri="{AF507438-7753-43e0-B8FC-AC1667EBCBE1}">
-              <a14:hiddenEffects xmlns="" xmlns:a14="http://schemas.microsoft.com/office/drawing/2010/main">
+              <a14:hiddenEffects xmlns:a14="http://schemas.microsoft.com/office/drawing/2010/main" xmlns="">
                 <a:effectLst>
                   <a:outerShdw blurRad="63500" dist="38099" dir="2700000" algn="ctr" rotWithShape="0">
                     <a:schemeClr val="bg2">
@@ -2880,7 +2880,7 @@
           <a:effectLst/>
           <a:extLst>
             <a:ext uri="{AF507438-7753-43e0-B8FC-AC1667EBCBE1}">
-              <a14:hiddenEffects xmlns="" xmlns:a14="http://schemas.microsoft.com/office/drawing/2010/main">
+              <a14:hiddenEffects xmlns:a14="http://schemas.microsoft.com/office/drawing/2010/main" xmlns="">
                 <a:effectLst>
                   <a:outerShdw blurRad="63500" dist="38099" dir="2700000" algn="ctr" rotWithShape="0">
                     <a:schemeClr val="bg2">
@@ -2936,7 +2936,7 @@
           <a:effectLst/>
           <a:extLst>
             <a:ext uri="{AF507438-7753-43e0-B8FC-AC1667EBCBE1}">
-              <a14:hiddenEffects xmlns="" xmlns:a14="http://schemas.microsoft.com/office/drawing/2010/main">
+              <a14:hiddenEffects xmlns:a14="http://schemas.microsoft.com/office/drawing/2010/main" xmlns="">
                 <a:effectLst>
                   <a:outerShdw blurRad="63500" dist="38099" dir="2700000" algn="ctr" rotWithShape="0">
                     <a:schemeClr val="bg2">
@@ -2989,14 +2989,14 @@
           <a:effectLst/>
           <a:extLst>
             <a:ext uri="{909E8E84-426E-40dd-AFC4-6F175D3DCCD1}">
-              <a14:hiddenFill xmlns="" xmlns:a14="http://schemas.microsoft.com/office/drawing/2010/main">
+              <a14:hiddenFill xmlns:a14="http://schemas.microsoft.com/office/drawing/2010/main" xmlns="">
                 <a:solidFill>
                   <a:schemeClr val="accent1"/>
                 </a:solidFill>
               </a14:hiddenFill>
             </a:ext>
             <a:ext uri="{91240B29-F687-4f45-9708-019B960494DF}">
-              <a14:hiddenLine xmlns="" xmlns:a14="http://schemas.microsoft.com/office/drawing/2010/main" w="9525">
+              <a14:hiddenLine xmlns:a14="http://schemas.microsoft.com/office/drawing/2010/main" xmlns="" w="9525">
                 <a:solidFill>
                   <a:schemeClr val="tx1"/>
                 </a:solidFill>
@@ -3006,7 +3006,7 @@
               </a14:hiddenLine>
             </a:ext>
             <a:ext uri="{AF507438-7753-43e0-B8FC-AC1667EBCBE1}">
-              <a14:hiddenEffects xmlns="" xmlns:a14="http://schemas.microsoft.com/office/drawing/2010/main">
+              <a14:hiddenEffects xmlns:a14="http://schemas.microsoft.com/office/drawing/2010/main" xmlns="">
                 <a:effectLst>
                   <a:outerShdw blurRad="63500" dist="38099" dir="2700000" algn="ctr" rotWithShape="0">
                     <a:schemeClr val="bg2">
@@ -3017,7 +3017,7 @@
               </a14:hiddenEffects>
             </a:ext>
             <a:ext uri="{FAA26D3D-D897-4be2-8F04-BA451C77F1D7}">
-              <ma14:placeholderFlag xmlns="" xmlns:ma14="http://schemas.microsoft.com/office/mac/drawingml/2011/main" val="1"/>
+              <ma14:placeholderFlag xmlns:ma14="http://schemas.microsoft.com/office/mac/drawingml/2011/main" xmlns="" val="1"/>
             </a:ext>
           </a:extLst>
         </p:spPr>
@@ -3169,7 +3169,7 @@
           <a:noFill/>
           <a:extLst>
             <a:ext uri="{909E8E84-426E-40dd-AFC4-6F175D3DCCD1}">
-              <a14:hiddenFill xmlns="" xmlns:a14="http://schemas.microsoft.com/office/drawing/2010/main">
+              <a14:hiddenFill xmlns:a14="http://schemas.microsoft.com/office/drawing/2010/main" xmlns="">
                 <a:solidFill>
                   <a:srgbClr val="FFFFFF"/>
                 </a:solidFill>
@@ -3201,14 +3201,14 @@
           <a:effectLst/>
           <a:extLst>
             <a:ext uri="{909E8E84-426E-40dd-AFC4-6F175D3DCCD1}">
-              <a14:hiddenFill xmlns="" xmlns:a14="http://schemas.microsoft.com/office/drawing/2010/main">
+              <a14:hiddenFill xmlns:a14="http://schemas.microsoft.com/office/drawing/2010/main" xmlns="">
                 <a:solidFill>
                   <a:schemeClr val="accent1"/>
                 </a:solidFill>
               </a14:hiddenFill>
             </a:ext>
             <a:ext uri="{91240B29-F687-4f45-9708-019B960494DF}">
-              <a14:hiddenLine xmlns="" xmlns:a14="http://schemas.microsoft.com/office/drawing/2010/main" w="9525">
+              <a14:hiddenLine xmlns:a14="http://schemas.microsoft.com/office/drawing/2010/main" xmlns="" w="9525">
                 <a:solidFill>
                   <a:schemeClr val="tx1"/>
                 </a:solidFill>
@@ -3218,7 +3218,7 @@
               </a14:hiddenLine>
             </a:ext>
             <a:ext uri="{AF507438-7753-43e0-B8FC-AC1667EBCBE1}">
-              <a14:hiddenEffects xmlns="" xmlns:a14="http://schemas.microsoft.com/office/drawing/2010/main">
+              <a14:hiddenEffects xmlns:a14="http://schemas.microsoft.com/office/drawing/2010/main" xmlns="">
                 <a:effectLst>
                   <a:outerShdw blurRad="63500" dist="38099" dir="2700000" algn="ctr" rotWithShape="0">
                     <a:schemeClr val="bg2">
@@ -3427,7 +3427,7 @@
                 <a:ea typeface="ＭＳ Ｐゴシック"/>
               </a:rPr>
               <a:pPr/>
-              <a:t>2015/1/8</a:t>
+              <a:t>2015/1/9</a:t>
             </a:fld>
             <a:endParaRPr lang="ja-JP" altLang="en-US">
               <a:solidFill>
@@ -3535,7 +3535,7 @@
           <a:effectLst/>
           <a:extLst>
             <a:ext uri="{91240B29-F687-4f45-9708-019B960494DF}">
-              <a14:hiddenLine xmlns="" xmlns:a14="http://schemas.microsoft.com/office/drawing/2010/main" w="9525">
+              <a14:hiddenLine xmlns:a14="http://schemas.microsoft.com/office/drawing/2010/main" xmlns="" w="9525">
                 <a:solidFill>
                   <a:schemeClr val="tx1"/>
                 </a:solidFill>
@@ -3545,7 +3545,7 @@
               </a14:hiddenLine>
             </a:ext>
             <a:ext uri="{AF507438-7753-43e0-B8FC-AC1667EBCBE1}">
-              <a14:hiddenEffects xmlns="" xmlns:a14="http://schemas.microsoft.com/office/drawing/2010/main">
+              <a14:hiddenEffects xmlns:a14="http://schemas.microsoft.com/office/drawing/2010/main" xmlns="">
                 <a:effectLst>
                   <a:outerShdw blurRad="63500" dist="38099" dir="2700000" algn="ctr" rotWithShape="0">
                     <a:schemeClr val="bg2">
@@ -3601,7 +3601,7 @@
           <a:effectLst/>
           <a:extLst>
             <a:ext uri="{AF507438-7753-43e0-B8FC-AC1667EBCBE1}">
-              <a14:hiddenEffects xmlns="" xmlns:a14="http://schemas.microsoft.com/office/drawing/2010/main">
+              <a14:hiddenEffects xmlns:a14="http://schemas.microsoft.com/office/drawing/2010/main" xmlns="">
                 <a:effectLst>
                   <a:outerShdw blurRad="63500" dist="38099" dir="2700000" algn="ctr" rotWithShape="0">
                     <a:schemeClr val="bg2">
@@ -3654,14 +3654,14 @@
           <a:effectLst/>
           <a:extLst>
             <a:ext uri="{909E8E84-426E-40dd-AFC4-6F175D3DCCD1}">
-              <a14:hiddenFill xmlns="" xmlns:a14="http://schemas.microsoft.com/office/drawing/2010/main">
+              <a14:hiddenFill xmlns:a14="http://schemas.microsoft.com/office/drawing/2010/main" xmlns="">
                 <a:solidFill>
                   <a:schemeClr val="accent1"/>
                 </a:solidFill>
               </a14:hiddenFill>
             </a:ext>
             <a:ext uri="{91240B29-F687-4f45-9708-019B960494DF}">
-              <a14:hiddenLine xmlns="" xmlns:a14="http://schemas.microsoft.com/office/drawing/2010/main" w="9525">
+              <a14:hiddenLine xmlns:a14="http://schemas.microsoft.com/office/drawing/2010/main" xmlns="" w="9525">
                 <a:solidFill>
                   <a:schemeClr val="tx1"/>
                 </a:solidFill>
@@ -3671,7 +3671,7 @@
               </a14:hiddenLine>
             </a:ext>
             <a:ext uri="{AF507438-7753-43e0-B8FC-AC1667EBCBE1}">
-              <a14:hiddenEffects xmlns="" xmlns:a14="http://schemas.microsoft.com/office/drawing/2010/main">
+              <a14:hiddenEffects xmlns:a14="http://schemas.microsoft.com/office/drawing/2010/main" xmlns="">
                 <a:effectLst>
                   <a:outerShdw blurRad="63500" dist="38099" dir="2700000" algn="ctr" rotWithShape="0">
                     <a:schemeClr val="bg2">
@@ -3749,7 +3749,7 @@
           <a:noFill/>
           <a:extLst>
             <a:ext uri="{909E8E84-426E-40dd-AFC4-6F175D3DCCD1}">
-              <a14:hiddenFill xmlns="" xmlns:a14="http://schemas.microsoft.com/office/drawing/2010/main">
+              <a14:hiddenFill xmlns:a14="http://schemas.microsoft.com/office/drawing/2010/main" xmlns="">
                 <a:solidFill>
                   <a:srgbClr val="FFFFFF"/>
                 </a:solidFill>
@@ -3965,7 +3965,7 @@
                 <a:ea typeface="ＭＳ Ｐゴシック"/>
               </a:rPr>
               <a:pPr/>
-              <a:t>2015/1/8</a:t>
+              <a:t>2015/1/9</a:t>
             </a:fld>
             <a:endParaRPr lang="ja-JP" altLang="en-US">
               <a:solidFill>
@@ -4359,7 +4359,7 @@
                 <a:ea typeface="ＭＳ Ｐゴシック"/>
               </a:rPr>
               <a:pPr/>
-              <a:t>2015/1/8</a:t>
+              <a:t>2015/1/9</a:t>
             </a:fld>
             <a:endParaRPr lang="ja-JP" altLang="en-US">
               <a:solidFill>
@@ -4468,12 +4468,12 @@
           <a:effectLst/>
           <a:extLst>
             <a:ext uri="{909E8E84-426E-40dd-AFC4-6F175D3DCCD1}">
-              <a14:hiddenFill xmlns="" xmlns:a14="http://schemas.microsoft.com/office/drawing/2010/main">
+              <a14:hiddenFill xmlns:a14="http://schemas.microsoft.com/office/drawing/2010/main" xmlns="">
                 <a:noFill/>
               </a14:hiddenFill>
             </a:ext>
             <a:ext uri="{AF507438-7753-43e0-B8FC-AC1667EBCBE1}">
-              <a14:hiddenEffects xmlns="" xmlns:a14="http://schemas.microsoft.com/office/drawing/2010/main">
+              <a14:hiddenEffects xmlns:a14="http://schemas.microsoft.com/office/drawing/2010/main" xmlns="">
                 <a:effectLst>
                   <a:outerShdw blurRad="63500" dist="38099" dir="2700000" algn="ctr" rotWithShape="0">
                     <a:schemeClr val="bg2">
@@ -4527,12 +4527,12 @@
           <a:effectLst/>
           <a:extLst>
             <a:ext uri="{909E8E84-426E-40dd-AFC4-6F175D3DCCD1}">
-              <a14:hiddenFill xmlns="" xmlns:a14="http://schemas.microsoft.com/office/drawing/2010/main">
+              <a14:hiddenFill xmlns:a14="http://schemas.microsoft.com/office/drawing/2010/main" xmlns="">
                 <a:noFill/>
               </a14:hiddenFill>
             </a:ext>
             <a:ext uri="{AF507438-7753-43e0-B8FC-AC1667EBCBE1}">
-              <a14:hiddenEffects xmlns="" xmlns:a14="http://schemas.microsoft.com/office/drawing/2010/main">
+              <a14:hiddenEffects xmlns:a14="http://schemas.microsoft.com/office/drawing/2010/main" xmlns="">
                 <a:effectLst>
                   <a:outerShdw blurRad="63500" dist="38099" dir="2700000" algn="ctr" rotWithShape="0">
                     <a:schemeClr val="bg2">
@@ -4590,7 +4590,7 @@
           <a:effectLst/>
           <a:extLst>
             <a:ext uri="{AF507438-7753-43e0-B8FC-AC1667EBCBE1}">
-              <a14:hiddenEffects xmlns="" xmlns:a14="http://schemas.microsoft.com/office/drawing/2010/main">
+              <a14:hiddenEffects xmlns:a14="http://schemas.microsoft.com/office/drawing/2010/main" xmlns="">
                 <a:effectLst>
                   <a:outerShdw blurRad="63500" dist="38099" dir="2700000" algn="ctr" rotWithShape="0">
                     <a:schemeClr val="bg2">
@@ -4646,7 +4646,7 @@
           <a:effectLst/>
           <a:extLst>
             <a:ext uri="{AF507438-7753-43e0-B8FC-AC1667EBCBE1}">
-              <a14:hiddenEffects xmlns="" xmlns:a14="http://schemas.microsoft.com/office/drawing/2010/main">
+              <a14:hiddenEffects xmlns:a14="http://schemas.microsoft.com/office/drawing/2010/main" xmlns="">
                 <a:effectLst>
                   <a:outerShdw blurRad="63500" dist="38099" dir="2700000" algn="ctr" rotWithShape="0">
                     <a:schemeClr val="bg2">
@@ -4708,7 +4708,7 @@
           <a:noFill/>
           <a:extLst>
             <a:ext uri="{909E8E84-426E-40dd-AFC4-6F175D3DCCD1}">
-              <a14:hiddenFill xmlns="" xmlns:a14="http://schemas.microsoft.com/office/drawing/2010/main">
+              <a14:hiddenFill xmlns:a14="http://schemas.microsoft.com/office/drawing/2010/main" xmlns="">
                 <a:solidFill>
                   <a:srgbClr val="FFFFFF"/>
                 </a:solidFill>
@@ -4740,14 +4740,14 @@
           <a:effectLst/>
           <a:extLst>
             <a:ext uri="{909E8E84-426E-40dd-AFC4-6F175D3DCCD1}">
-              <a14:hiddenFill xmlns="" xmlns:a14="http://schemas.microsoft.com/office/drawing/2010/main">
+              <a14:hiddenFill xmlns:a14="http://schemas.microsoft.com/office/drawing/2010/main" xmlns="">
                 <a:solidFill>
                   <a:schemeClr val="accent1"/>
                 </a:solidFill>
               </a14:hiddenFill>
             </a:ext>
             <a:ext uri="{91240B29-F687-4f45-9708-019B960494DF}">
-              <a14:hiddenLine xmlns="" xmlns:a14="http://schemas.microsoft.com/office/drawing/2010/main" w="9525">
+              <a14:hiddenLine xmlns:a14="http://schemas.microsoft.com/office/drawing/2010/main" xmlns="" w="9525">
                 <a:solidFill>
                   <a:schemeClr val="tx1"/>
                 </a:solidFill>
@@ -4757,7 +4757,7 @@
               </a14:hiddenLine>
             </a:ext>
             <a:ext uri="{AF507438-7753-43e0-B8FC-AC1667EBCBE1}">
-              <a14:hiddenEffects xmlns="" xmlns:a14="http://schemas.microsoft.com/office/drawing/2010/main">
+              <a14:hiddenEffects xmlns:a14="http://schemas.microsoft.com/office/drawing/2010/main" xmlns="">
                 <a:effectLst>
                   <a:outerShdw blurRad="63500" dist="38099" dir="2700000" algn="ctr" rotWithShape="0">
                     <a:schemeClr val="bg2">
@@ -5250,7 +5250,7 @@
                 <a:ea typeface="ＭＳ Ｐゴシック"/>
               </a:rPr>
               <a:pPr/>
-              <a:t>2015/1/8</a:t>
+              <a:t>2015/1/9</a:t>
             </a:fld>
             <a:endParaRPr lang="ja-JP" altLang="en-US">
               <a:solidFill>
@@ -5410,7 +5410,7 @@
                 <a:ea typeface="ＭＳ Ｐゴシック"/>
               </a:rPr>
               <a:pPr/>
-              <a:t>2015/1/8</a:t>
+              <a:t>2015/1/9</a:t>
             </a:fld>
             <a:endParaRPr lang="ja-JP" altLang="en-US">
               <a:solidFill>
@@ -5547,7 +5547,7 @@
                 <a:ea typeface="ＭＳ Ｐゴシック"/>
               </a:rPr>
               <a:pPr/>
-              <a:t>2015/1/8</a:t>
+              <a:t>2015/1/9</a:t>
             </a:fld>
             <a:endParaRPr lang="ja-JP" altLang="en-US">
               <a:solidFill>
@@ -5898,7 +5898,7 @@
                 <a:ea typeface="ＭＳ Ｐゴシック"/>
               </a:rPr>
               <a:pPr/>
-              <a:t>2015/1/8</a:t>
+              <a:t>2015/1/9</a:t>
             </a:fld>
             <a:endParaRPr lang="ja-JP" altLang="en-US">
               <a:solidFill>
@@ -6193,7 +6193,7 @@
                 <a:ea typeface="ＭＳ Ｐゴシック"/>
               </a:rPr>
               <a:pPr/>
-              <a:t>2015/1/8</a:t>
+              <a:t>2015/1/9</a:t>
             </a:fld>
             <a:endParaRPr lang="ja-JP" altLang="en-US">
               <a:solidFill>
@@ -6480,7 +6480,7 @@
                 <a:ea typeface="ＭＳ Ｐゴシック"/>
               </a:rPr>
               <a:pPr/>
-              <a:t>2015/1/8</a:t>
+              <a:t>2015/1/9</a:t>
             </a:fld>
             <a:endParaRPr kumimoji="1" lang="ja-JP" altLang="en-US">
               <a:solidFill>
@@ -8739,7 +8739,7 @@
         <p:spPr>
           <a:xfrm>
             <a:off x="1721481" y="4445242"/>
-            <a:ext cx="489236" cy="246221"/>
+            <a:ext cx="745717" cy="246221"/>
           </a:xfrm>
           <a:prstGeom prst="rect">
             <a:avLst/>
@@ -8754,7 +8754,7 @@
           <a:p>
             <a:r>
               <a:rPr kumimoji="1" lang="en-US" altLang="ja-JP" sz="1000" dirty="0" smtClean="0"/>
-              <a:t>Detail</a:t>
+              <a:t>Blog Detail</a:t>
             </a:r>
             <a:endParaRPr kumimoji="1" lang="ja-JP" altLang="en-US" sz="1000" dirty="0"/>
           </a:p>
@@ -9890,11 +9890,7 @@
           <a:p>
             <a:r>
               <a:rPr kumimoji="1" lang="en-US" altLang="ja-JP" sz="1000" dirty="0" smtClean="0"/>
-              <a:t>View </a:t>
-            </a:r>
-            <a:r>
-              <a:rPr kumimoji="1" lang="en-US" altLang="ja-JP" sz="1000" dirty="0" smtClean="0"/>
-              <a:t>user’s blog</a:t>
+              <a:t>View user’s blog</a:t>
             </a:r>
             <a:endParaRPr kumimoji="1" lang="ja-JP" altLang="en-US" sz="1000" dirty="0"/>
           </a:p>
@@ -11362,7 +11358,6 @@
               <a:rPr kumimoji="1" lang="en-US" altLang="ja-JP" sz="1000" dirty="0" smtClean="0"/>
               <a:t>Post by : Lam Vy</a:t>
             </a:r>
-            <a:endParaRPr kumimoji="1" lang="en-US" altLang="ja-JP" sz="1000" dirty="0" smtClean="0"/>
           </a:p>
           <a:p>
             <a:pPr algn="just"/>
@@ -11370,7 +11365,6 @@
               <a:rPr kumimoji="1" lang="en-US" altLang="ja-JP" sz="1000" dirty="0" smtClean="0"/>
               <a:t>Post date : 2014-01-08</a:t>
             </a:r>
-            <a:endParaRPr kumimoji="1" lang="en-US" altLang="ja-JP" sz="1000" dirty="0" smtClean="0"/>
           </a:p>
           <a:p>
             <a:pPr algn="just"/>
@@ -13371,7 +13365,6 @@
               <a:rPr kumimoji="1" lang="en-US" altLang="ja-JP" sz="1000" dirty="0" smtClean="0"/>
               <a:t>Post by : Lam Vy</a:t>
             </a:r>
-            <a:endParaRPr kumimoji="1" lang="en-US" altLang="ja-JP" sz="1000" dirty="0" smtClean="0"/>
           </a:p>
           <a:p>
             <a:pPr algn="just"/>
@@ -13379,7 +13372,6 @@
               <a:rPr kumimoji="1" lang="en-US" altLang="ja-JP" sz="1000" dirty="0" smtClean="0"/>
               <a:t>Post date : 2014-01-08</a:t>
             </a:r>
-            <a:endParaRPr kumimoji="1" lang="en-US" altLang="ja-JP" sz="1000" dirty="0" smtClean="0"/>
           </a:p>
           <a:p>
             <a:pPr algn="just"/>
@@ -13637,7 +13629,6 @@
               <a:rPr kumimoji="1" lang="en-US" altLang="ja-JP" sz="1000" dirty="0" smtClean="0"/>
               <a:t>Post by : Lam Vy</a:t>
             </a:r>
-            <a:endParaRPr kumimoji="1" lang="en-US" altLang="ja-JP" sz="1000" dirty="0" smtClean="0"/>
           </a:p>
           <a:p>
             <a:pPr algn="just"/>
@@ -13645,7 +13636,6 @@
               <a:rPr kumimoji="1" lang="en-US" altLang="ja-JP" sz="1000" dirty="0" smtClean="0"/>
               <a:t>Post date : 2014-01-08</a:t>
             </a:r>
-            <a:endParaRPr kumimoji="1" lang="en-US" altLang="ja-JP" sz="1000" dirty="0" smtClean="0"/>
           </a:p>
           <a:p>
             <a:pPr algn="just"/>
@@ -13903,7 +13893,6 @@
               <a:rPr kumimoji="1" lang="en-US" altLang="ja-JP" sz="1000" dirty="0" smtClean="0"/>
               <a:t>Post by : Lam Vy</a:t>
             </a:r>
-            <a:endParaRPr kumimoji="1" lang="en-US" altLang="ja-JP" sz="1000" dirty="0" smtClean="0"/>
           </a:p>
           <a:p>
             <a:pPr algn="just"/>
@@ -13911,7 +13900,6 @@
               <a:rPr kumimoji="1" lang="en-US" altLang="ja-JP" sz="1000" dirty="0" smtClean="0"/>
               <a:t>Post date : 2014-01-08</a:t>
             </a:r>
-            <a:endParaRPr kumimoji="1" lang="en-US" altLang="ja-JP" sz="1000" dirty="0" smtClean="0"/>
           </a:p>
           <a:p>
             <a:pPr algn="just"/>
@@ -14169,7 +14157,6 @@
               <a:rPr kumimoji="1" lang="en-US" altLang="ja-JP" sz="1000" dirty="0" smtClean="0"/>
               <a:t>Post by : Lam Vy</a:t>
             </a:r>
-            <a:endParaRPr kumimoji="1" lang="en-US" altLang="ja-JP" sz="1000" dirty="0" smtClean="0"/>
           </a:p>
           <a:p>
             <a:pPr algn="just"/>
@@ -14177,7 +14164,6 @@
               <a:rPr kumimoji="1" lang="en-US" altLang="ja-JP" sz="1000" dirty="0" smtClean="0"/>
               <a:t>Post date : 2014-01-08</a:t>
             </a:r>
-            <a:endParaRPr kumimoji="1" lang="en-US" altLang="ja-JP" sz="1000" dirty="0" smtClean="0"/>
           </a:p>
           <a:p>
             <a:pPr algn="just"/>
@@ -14435,7 +14421,6 @@
               <a:rPr kumimoji="1" lang="en-US" altLang="ja-JP" sz="1000" dirty="0" smtClean="0"/>
               <a:t>Post by : Lam Vy</a:t>
             </a:r>
-            <a:endParaRPr kumimoji="1" lang="en-US" altLang="ja-JP" sz="1000" dirty="0" smtClean="0"/>
           </a:p>
           <a:p>
             <a:pPr algn="just"/>
@@ -14443,7 +14428,6 @@
               <a:rPr kumimoji="1" lang="en-US" altLang="ja-JP" sz="1000" dirty="0" smtClean="0"/>
               <a:t>Post date : 2014-01-08</a:t>
             </a:r>
-            <a:endParaRPr kumimoji="1" lang="en-US" altLang="ja-JP" sz="1000" dirty="0" smtClean="0"/>
           </a:p>
           <a:p>
             <a:pPr algn="just"/>
@@ -14701,7 +14685,6 @@
               <a:rPr kumimoji="1" lang="en-US" altLang="ja-JP" sz="1000" dirty="0" smtClean="0"/>
               <a:t>Post by : Lam Vy</a:t>
             </a:r>
-            <a:endParaRPr kumimoji="1" lang="en-US" altLang="ja-JP" sz="1000" dirty="0" smtClean="0"/>
           </a:p>
           <a:p>
             <a:pPr algn="just"/>
@@ -14709,7 +14692,6 @@
               <a:rPr kumimoji="1" lang="en-US" altLang="ja-JP" sz="1000" dirty="0" smtClean="0"/>
               <a:t>Post date : 2014-01-08</a:t>
             </a:r>
-            <a:endParaRPr kumimoji="1" lang="en-US" altLang="ja-JP" sz="1000" dirty="0" smtClean="0"/>
           </a:p>
           <a:p>
             <a:pPr algn="just"/>
@@ -14967,7 +14949,6 @@
               <a:rPr kumimoji="1" lang="en-US" altLang="ja-JP" sz="1000" dirty="0" smtClean="0"/>
               <a:t>Post by : Lam Vy</a:t>
             </a:r>
-            <a:endParaRPr kumimoji="1" lang="en-US" altLang="ja-JP" sz="1000" dirty="0" smtClean="0"/>
           </a:p>
           <a:p>
             <a:pPr algn="just"/>
@@ -14975,7 +14956,6 @@
               <a:rPr kumimoji="1" lang="en-US" altLang="ja-JP" sz="1000" dirty="0" smtClean="0"/>
               <a:t>Post date : 2014-01-08</a:t>
             </a:r>
-            <a:endParaRPr kumimoji="1" lang="en-US" altLang="ja-JP" sz="1000" dirty="0" smtClean="0"/>
           </a:p>
           <a:p>
             <a:pPr algn="just"/>
@@ -15233,7 +15213,6 @@
               <a:rPr kumimoji="1" lang="en-US" altLang="ja-JP" sz="1000" dirty="0" smtClean="0"/>
               <a:t>Post by : Lam Vy</a:t>
             </a:r>
-            <a:endParaRPr kumimoji="1" lang="en-US" altLang="ja-JP" sz="1000" dirty="0" smtClean="0"/>
           </a:p>
           <a:p>
             <a:pPr algn="just"/>
@@ -15241,7 +15220,6 @@
               <a:rPr kumimoji="1" lang="en-US" altLang="ja-JP" sz="1000" dirty="0" smtClean="0"/>
               <a:t>Post date : 2014-01-08</a:t>
             </a:r>
-            <a:endParaRPr kumimoji="1" lang="en-US" altLang="ja-JP" sz="1000" dirty="0" smtClean="0"/>
           </a:p>
           <a:p>
             <a:pPr algn="just"/>
@@ -15499,7 +15477,6 @@
               <a:rPr kumimoji="1" lang="en-US" altLang="ja-JP" sz="1000" dirty="0" smtClean="0"/>
               <a:t>Post by : Lam Vy</a:t>
             </a:r>
-            <a:endParaRPr kumimoji="1" lang="en-US" altLang="ja-JP" sz="1000" dirty="0" smtClean="0"/>
           </a:p>
           <a:p>
             <a:pPr algn="just"/>
@@ -15507,7 +15484,6 @@
               <a:rPr kumimoji="1" lang="en-US" altLang="ja-JP" sz="1000" dirty="0" smtClean="0"/>
               <a:t>Post date : 2014-01-08</a:t>
             </a:r>
-            <a:endParaRPr kumimoji="1" lang="en-US" altLang="ja-JP" sz="1000" dirty="0" smtClean="0"/>
           </a:p>
           <a:p>
             <a:pPr algn="just"/>
@@ -20917,11 +20893,7 @@
                     <a:p>
                       <a:r>
                         <a:rPr kumimoji="1" lang="en-US" altLang="ja-JP" sz="1000" dirty="0" smtClean="0"/>
-                        <a:t>Current </a:t>
-                      </a:r>
-                      <a:r>
-                        <a:rPr kumimoji="1" lang="en-US" altLang="ja-JP" sz="1000" dirty="0" smtClean="0"/>
-                        <a:t>page. Click =&gt; logout. Return home page</a:t>
+                        <a:t>Current page. Click =&gt; logout. Return home page</a:t>
                       </a:r>
                       <a:endParaRPr kumimoji="1" lang="ja-JP" altLang="en-US" sz="1000" dirty="0"/>
                     </a:p>
@@ -25502,7 +25474,7 @@
         </p:nvSpPr>
         <p:spPr>
           <a:xfrm>
-            <a:off x="387048" y="1300879"/>
+            <a:off x="439030" y="1274119"/>
             <a:ext cx="2464520" cy="271223"/>
           </a:xfrm>
           <a:prstGeom prst="rect">
@@ -25623,7 +25595,7 @@
         </p:nvSpPr>
         <p:spPr>
           <a:xfrm>
-            <a:off x="387049" y="680151"/>
+            <a:off x="411843" y="783904"/>
             <a:ext cx="1170572" cy="369332"/>
           </a:xfrm>
           <a:prstGeom prst="rect">
@@ -26140,8 +26112,8 @@
           </p:nvSpPr>
           <p:spPr>
             <a:xfrm>
-              <a:off x="77158" y="1591398"/>
-              <a:ext cx="2380606" cy="553998"/>
+              <a:off x="86662" y="1488681"/>
+              <a:ext cx="2380606" cy="707886"/>
             </a:xfrm>
             <a:prstGeom prst="rect">
               <a:avLst/>
@@ -26266,8 +26238,16 @@
               </a:r>
               <a:r>
                 <a:rPr kumimoji="1" lang="en-US" altLang="ja-JP" sz="1000" dirty="0" smtClean="0"/>
-                <a:t> : Vy</a:t>
+                <a:t> : </a:t>
               </a:r>
+              <a:r>
+                <a:rPr kumimoji="1" lang="en-US" altLang="ja-JP" sz="1000" dirty="0" smtClean="0"/>
+                <a:t>Vy</a:t>
+              </a:r>
+            </a:p>
+            <a:p>
+              <a:pPr algn="just"/>
+              <a:endParaRPr kumimoji="1" lang="en-US" altLang="ja-JP" sz="1000" dirty="0" smtClean="0"/>
             </a:p>
             <a:p>
               <a:pPr algn="just"/>
@@ -26311,9 +26291,9 @@
         <p:grpSpPr>
           <a:xfrm>
             <a:off x="2898846" y="2188418"/>
-            <a:ext cx="2438110" cy="888643"/>
+            <a:ext cx="2438110" cy="889558"/>
             <a:chOff x="67655" y="1331212"/>
-            <a:chExt cx="2480533" cy="888643"/>
+            <a:chExt cx="2480533" cy="889558"/>
           </a:xfrm>
         </p:grpSpPr>
         <p:sp>
@@ -26561,8 +26541,8 @@
           </p:nvSpPr>
           <p:spPr>
             <a:xfrm>
-              <a:off x="77158" y="1591398"/>
-              <a:ext cx="2380606" cy="553998"/>
+              <a:off x="90667" y="1512884"/>
+              <a:ext cx="2380606" cy="707886"/>
             </a:xfrm>
             <a:prstGeom prst="rect">
               <a:avLst/>
@@ -26687,8 +26667,16 @@
               </a:r>
               <a:r>
                 <a:rPr kumimoji="1" lang="en-US" altLang="ja-JP" sz="1000" dirty="0" smtClean="0"/>
-                <a:t> : Vy</a:t>
+                <a:t> : </a:t>
               </a:r>
+              <a:r>
+                <a:rPr kumimoji="1" lang="en-US" altLang="ja-JP" sz="1000" dirty="0" smtClean="0"/>
+                <a:t>Vy</a:t>
+              </a:r>
+            </a:p>
+            <a:p>
+              <a:pPr algn="just"/>
+              <a:endParaRPr kumimoji="1" lang="en-US" altLang="ja-JP" sz="1000" dirty="0" smtClean="0"/>
             </a:p>
             <a:p>
               <a:pPr algn="just"/>
@@ -26732,9 +26720,9 @@
         <p:grpSpPr>
           <a:xfrm>
             <a:off x="383028" y="3155187"/>
-            <a:ext cx="2507081" cy="888643"/>
+            <a:ext cx="2507081" cy="889946"/>
             <a:chOff x="67655" y="1331212"/>
-            <a:chExt cx="2480533" cy="888643"/>
+            <a:chExt cx="2480533" cy="889946"/>
           </a:xfrm>
         </p:grpSpPr>
         <p:sp>
@@ -26982,8 +26970,8 @@
           </p:nvSpPr>
           <p:spPr>
             <a:xfrm>
-              <a:off x="77158" y="1591398"/>
-              <a:ext cx="2380606" cy="553998"/>
+              <a:off x="77158" y="1513272"/>
+              <a:ext cx="2380606" cy="707886"/>
             </a:xfrm>
             <a:prstGeom prst="rect">
               <a:avLst/>
@@ -27108,8 +27096,16 @@
               </a:r>
               <a:r>
                 <a:rPr kumimoji="1" lang="en-US" altLang="ja-JP" sz="1000" dirty="0" smtClean="0"/>
-                <a:t> : Vy</a:t>
+                <a:t> : </a:t>
               </a:r>
+              <a:r>
+                <a:rPr kumimoji="1" lang="en-US" altLang="ja-JP" sz="1000" dirty="0" smtClean="0"/>
+                <a:t>Vy</a:t>
+              </a:r>
+            </a:p>
+            <a:p>
+              <a:pPr algn="just"/>
+              <a:endParaRPr kumimoji="1" lang="en-US" altLang="ja-JP" sz="1000" dirty="0" smtClean="0"/>
             </a:p>
             <a:p>
               <a:pPr algn="just"/>
@@ -27152,10 +27148,10 @@
         </p:nvGrpSpPr>
         <p:grpSpPr>
           <a:xfrm>
-            <a:off x="392633" y="4137794"/>
-            <a:ext cx="2507081" cy="888643"/>
-            <a:chOff x="67655" y="1331212"/>
-            <a:chExt cx="2480533" cy="888643"/>
+            <a:off x="392632" y="4137794"/>
+            <a:ext cx="2507082" cy="888643"/>
+            <a:chOff x="67654" y="1331212"/>
+            <a:chExt cx="2480534" cy="888643"/>
           </a:xfrm>
         </p:grpSpPr>
         <p:sp>
@@ -27403,8 +27399,8 @@
           </p:nvSpPr>
           <p:spPr>
             <a:xfrm>
-              <a:off x="77158" y="1591398"/>
-              <a:ext cx="2380606" cy="553998"/>
+              <a:off x="67654" y="1490291"/>
+              <a:ext cx="2380606" cy="707886"/>
             </a:xfrm>
             <a:prstGeom prst="rect">
               <a:avLst/>
@@ -27529,8 +27525,16 @@
               </a:r>
               <a:r>
                 <a:rPr kumimoji="1" lang="en-US" altLang="ja-JP" sz="1000" dirty="0" smtClean="0"/>
-                <a:t> : Vy</a:t>
+                <a:t> : </a:t>
               </a:r>
+              <a:r>
+                <a:rPr kumimoji="1" lang="en-US" altLang="ja-JP" sz="1000" dirty="0" smtClean="0"/>
+                <a:t>Vy</a:t>
+              </a:r>
+            </a:p>
+            <a:p>
+              <a:pPr algn="just"/>
+              <a:endParaRPr kumimoji="1" lang="en-US" altLang="ja-JP" sz="1000" dirty="0" smtClean="0"/>
             </a:p>
             <a:p>
               <a:pPr algn="just"/>
@@ -27574,9 +27578,9 @@
         <p:grpSpPr>
           <a:xfrm>
             <a:off x="402238" y="5120401"/>
-            <a:ext cx="2507081" cy="888643"/>
+            <a:ext cx="2507081" cy="903582"/>
             <a:chOff x="67655" y="1331212"/>
-            <a:chExt cx="2480533" cy="888643"/>
+            <a:chExt cx="2480533" cy="903582"/>
           </a:xfrm>
         </p:grpSpPr>
         <p:sp>
@@ -27824,8 +27828,8 @@
           </p:nvSpPr>
           <p:spPr>
             <a:xfrm>
-              <a:off x="77158" y="1591398"/>
-              <a:ext cx="2380606" cy="553998"/>
+              <a:off x="90758" y="1526908"/>
+              <a:ext cx="2380606" cy="707886"/>
             </a:xfrm>
             <a:prstGeom prst="rect">
               <a:avLst/>
@@ -27950,8 +27954,16 @@
               </a:r>
               <a:r>
                 <a:rPr kumimoji="1" lang="en-US" altLang="ja-JP" sz="1000" dirty="0" smtClean="0"/>
-                <a:t> : Vy</a:t>
+                <a:t> : </a:t>
               </a:r>
+              <a:r>
+                <a:rPr kumimoji="1" lang="en-US" altLang="ja-JP" sz="1000" dirty="0" smtClean="0"/>
+                <a:t>Vy</a:t>
+              </a:r>
+            </a:p>
+            <a:p>
+              <a:pPr algn="just"/>
+              <a:endParaRPr kumimoji="1" lang="en-US" altLang="ja-JP" sz="1000" dirty="0" smtClean="0"/>
             </a:p>
             <a:p>
               <a:pPr algn="just"/>
@@ -27994,10 +28006,10 @@
         </p:nvGrpSpPr>
         <p:grpSpPr>
           <a:xfrm>
-            <a:off x="2899895" y="3155186"/>
-            <a:ext cx="2438110" cy="888643"/>
-            <a:chOff x="67655" y="1331212"/>
-            <a:chExt cx="2480533" cy="888643"/>
+            <a:off x="2896250" y="3155186"/>
+            <a:ext cx="2441755" cy="889947"/>
+            <a:chOff x="63947" y="1331212"/>
+            <a:chExt cx="2484241" cy="889947"/>
           </a:xfrm>
         </p:grpSpPr>
         <p:sp>
@@ -28245,8 +28257,8 @@
           </p:nvSpPr>
           <p:spPr>
             <a:xfrm>
-              <a:off x="77158" y="1591398"/>
-              <a:ext cx="2380606" cy="553998"/>
+              <a:off x="63947" y="1513273"/>
+              <a:ext cx="2380606" cy="707886"/>
             </a:xfrm>
             <a:prstGeom prst="rect">
               <a:avLst/>
@@ -28371,8 +28383,16 @@
               </a:r>
               <a:r>
                 <a:rPr kumimoji="1" lang="en-US" altLang="ja-JP" sz="1000" dirty="0" smtClean="0"/>
-                <a:t> : Vy</a:t>
+                <a:t> : </a:t>
               </a:r>
+              <a:r>
+                <a:rPr kumimoji="1" lang="en-US" altLang="ja-JP" sz="1000" dirty="0" smtClean="0"/>
+                <a:t>Vy</a:t>
+              </a:r>
+            </a:p>
+            <a:p>
+              <a:pPr algn="just"/>
+              <a:endParaRPr kumimoji="1" lang="en-US" altLang="ja-JP" sz="1000" dirty="0" smtClean="0"/>
             </a:p>
             <a:p>
               <a:pPr algn="just"/>
@@ -28415,10 +28435,10 @@
         </p:nvGrpSpPr>
         <p:grpSpPr>
           <a:xfrm>
-            <a:off x="2903550" y="4133912"/>
-            <a:ext cx="2438110" cy="888643"/>
-            <a:chOff x="67655" y="1331212"/>
-            <a:chExt cx="2480533" cy="888643"/>
+            <a:off x="2899895" y="4133912"/>
+            <a:ext cx="2441765" cy="902198"/>
+            <a:chOff x="63936" y="1331212"/>
+            <a:chExt cx="2484252" cy="902198"/>
           </a:xfrm>
         </p:grpSpPr>
         <p:sp>
@@ -28666,8 +28686,8 @@
           </p:nvSpPr>
           <p:spPr>
             <a:xfrm>
-              <a:off x="77158" y="1591398"/>
-              <a:ext cx="2380606" cy="553998"/>
+              <a:off x="63936" y="1525524"/>
+              <a:ext cx="2380606" cy="707886"/>
             </a:xfrm>
             <a:prstGeom prst="rect">
               <a:avLst/>
@@ -28792,8 +28812,16 @@
               </a:r>
               <a:r>
                 <a:rPr kumimoji="1" lang="en-US" altLang="ja-JP" sz="1000" dirty="0" smtClean="0"/>
-                <a:t> : Vy</a:t>
+                <a:t> : </a:t>
               </a:r>
+              <a:r>
+                <a:rPr kumimoji="1" lang="en-US" altLang="ja-JP" sz="1000" dirty="0" smtClean="0"/>
+                <a:t>Vy</a:t>
+              </a:r>
+            </a:p>
+            <a:p>
+              <a:pPr algn="just"/>
+              <a:endParaRPr kumimoji="1" lang="en-US" altLang="ja-JP" sz="1000" dirty="0" smtClean="0"/>
             </a:p>
             <a:p>
               <a:pPr algn="just"/>
@@ -29087,8 +29115,8 @@
           </p:nvSpPr>
           <p:spPr>
             <a:xfrm>
-              <a:off x="77158" y="1591398"/>
-              <a:ext cx="2380606" cy="553998"/>
+              <a:off x="77158" y="1487585"/>
+              <a:ext cx="2380606" cy="707886"/>
             </a:xfrm>
             <a:prstGeom prst="rect">
               <a:avLst/>
@@ -29213,8 +29241,16 @@
               </a:r>
               <a:r>
                 <a:rPr kumimoji="1" lang="en-US" altLang="ja-JP" sz="1000" dirty="0" smtClean="0"/>
-                <a:t> : Vy</a:t>
+                <a:t> : </a:t>
               </a:r>
+              <a:r>
+                <a:rPr kumimoji="1" lang="en-US" altLang="ja-JP" sz="1000" dirty="0" smtClean="0"/>
+                <a:t>Vy</a:t>
+              </a:r>
+            </a:p>
+            <a:p>
+              <a:pPr algn="just"/>
+              <a:endParaRPr kumimoji="1" lang="en-US" altLang="ja-JP" sz="1000" dirty="0" smtClean="0"/>
             </a:p>
             <a:p>
               <a:pPr algn="just"/>
@@ -29517,14 +29553,14 @@
           <p:nvPr>
             <p:extLst>
               <p:ext uri="{D42A27DB-BD31-4B8C-83A1-F6EECF244321}">
-                <p14:modId xmlns:p14="http://schemas.microsoft.com/office/powerpoint/2010/main" val="2942688539"/>
+                <p14:modId xmlns:p14="http://schemas.microsoft.com/office/powerpoint/2010/main" val="3309887828"/>
               </p:ext>
             </p:extLst>
           </p:nvPr>
         </p:nvGraphicFramePr>
         <p:xfrm>
           <a:off x="4651196" y="876073"/>
-          <a:ext cx="4289605" cy="5193372"/>
+          <a:ext cx="4289605" cy="5589612"/>
         </p:xfrm>
         <a:graphic>
           <a:graphicData uri="http://schemas.openxmlformats.org/drawingml/2006/table">
@@ -29534,8 +29570,8 @@
               </a:tblPr>
               <a:tblGrid>
                 <a:gridCol w="390705"/>
-                <a:gridCol w="1009318"/>
-                <a:gridCol w="1173740"/>
+                <a:gridCol w="1410414"/>
+                <a:gridCol w="772644"/>
                 <a:gridCol w="1211182"/>
                 <a:gridCol w="504660"/>
               </a:tblGrid>
@@ -30426,6 +30462,73 @@
                       <a:r>
                         <a:rPr kumimoji="1" lang="en-US" altLang="ja-JP" sz="1000" dirty="0" smtClean="0"/>
                         <a:t>12</a:t>
+                      </a:r>
+                      <a:endParaRPr kumimoji="1" lang="ja-JP" altLang="en-US" sz="1000" dirty="0"/>
+                    </a:p>
+                  </a:txBody>
+                  <a:tcPr/>
+                </a:tc>
+                <a:tc>
+                  <a:txBody>
+                    <a:bodyPr/>
+                    <a:lstStyle/>
+                    <a:p>
+                      <a:r>
+                        <a:rPr kumimoji="1" lang="en-US" altLang="ja-JP" sz="1000" dirty="0" smtClean="0"/>
+                        <a:t>Retype password</a:t>
+                      </a:r>
+                      <a:endParaRPr kumimoji="1" lang="ja-JP" altLang="en-US" sz="1000" dirty="0"/>
+                    </a:p>
+                  </a:txBody>
+                  <a:tcPr/>
+                </a:tc>
+                <a:tc>
+                  <a:txBody>
+                    <a:bodyPr/>
+                    <a:lstStyle/>
+                    <a:p>
+                      <a:endParaRPr kumimoji="1" lang="ja-JP" altLang="en-US" sz="1000" dirty="0"/>
+                    </a:p>
+                  </a:txBody>
+                  <a:tcPr/>
+                </a:tc>
+                <a:tc>
+                  <a:txBody>
+                    <a:bodyPr/>
+                    <a:lstStyle/>
+                    <a:p>
+                      <a:r>
+                        <a:rPr kumimoji="1" lang="en-US" altLang="ja-JP" sz="1000" dirty="0" smtClean="0"/>
+                        <a:t>Input new password again</a:t>
+                      </a:r>
+                      <a:endParaRPr kumimoji="1" lang="ja-JP" altLang="en-US" sz="1000" dirty="0"/>
+                    </a:p>
+                  </a:txBody>
+                  <a:tcPr/>
+                </a:tc>
+                <a:tc>
+                  <a:txBody>
+                    <a:bodyPr/>
+                    <a:lstStyle/>
+                    <a:p>
+                      <a:endParaRPr kumimoji="1" lang="ja-JP" altLang="en-US" sz="1000" dirty="0">
+                        <a:latin typeface="Calibri"/>
+                        <a:cs typeface="Calibri"/>
+                      </a:endParaRPr>
+                    </a:p>
+                  </a:txBody>
+                  <a:tcPr/>
+                </a:tc>
+              </a:tr>
+              <a:tr h="327082">
+                <a:tc>
+                  <a:txBody>
+                    <a:bodyPr/>
+                    <a:lstStyle/>
+                    <a:p>
+                      <a:r>
+                        <a:rPr kumimoji="1" lang="en-US" altLang="ja-JP" sz="1000" dirty="0" smtClean="0"/>
+                        <a:t>13</a:t>
                       </a:r>
                       <a:endParaRPr kumimoji="1" lang="ja-JP" altLang="en-US" sz="1000" dirty="0"/>
                     </a:p>
@@ -30580,9 +30683,9 @@
         <p:grpSpPr>
           <a:xfrm>
             <a:off x="325129" y="2155572"/>
-            <a:ext cx="2810555" cy="1178875"/>
+            <a:ext cx="2810555" cy="1269191"/>
             <a:chOff x="298163" y="2680453"/>
-            <a:chExt cx="2810555" cy="1178875"/>
+            <a:chExt cx="2810555" cy="1269191"/>
           </a:xfrm>
         </p:grpSpPr>
         <p:sp>
@@ -30593,7 +30696,7 @@
           </p:nvSpPr>
           <p:spPr>
             <a:xfrm>
-              <a:off x="1263430" y="3458879"/>
+              <a:off x="1263430" y="3677781"/>
               <a:ext cx="763361" cy="203049"/>
             </a:xfrm>
             <a:prstGeom prst="rect">
@@ -30950,7 +31053,157 @@
           </p:nvSpPr>
           <p:spPr>
             <a:xfrm>
-              <a:off x="1900010" y="3613107"/>
+              <a:off x="2012935" y="3703423"/>
+              <a:ext cx="393056" cy="246221"/>
+            </a:xfrm>
+            <a:prstGeom prst="rect">
+              <a:avLst/>
+            </a:prstGeom>
+            <a:noFill/>
+          </p:spPr>
+          <p:txBody>
+            <a:bodyPr wrap="none" rtlCol="0">
+              <a:spAutoFit/>
+            </a:bodyPr>
+            <a:lstStyle/>
+            <a:p>
+              <a:r>
+                <a:rPr kumimoji="1" lang="en-US" altLang="ja-JP" sz="1000" dirty="0" smtClean="0">
+                  <a:solidFill>
+                    <a:srgbClr val="FF0000"/>
+                  </a:solidFill>
+                </a:rPr>
+                <a:t>(13)</a:t>
+              </a:r>
+              <a:endParaRPr kumimoji="1" lang="ja-JP" altLang="en-US" sz="1000" dirty="0">
+                <a:solidFill>
+                  <a:srgbClr val="FF0000"/>
+                </a:solidFill>
+              </a:endParaRPr>
+            </a:p>
+          </p:txBody>
+        </p:sp>
+        <p:sp>
+          <p:nvSpPr>
+            <p:cNvPr id="38" name="Rectangle 37"/>
+            <p:cNvSpPr/>
+            <p:nvPr/>
+          </p:nvSpPr>
+          <p:spPr>
+            <a:xfrm>
+              <a:off x="1263430" y="3324871"/>
+              <a:ext cx="1384300" cy="192975"/>
+            </a:xfrm>
+            <a:prstGeom prst="rect">
+              <a:avLst/>
+            </a:prstGeom>
+            <a:gradFill flip="none" rotWithShape="1">
+              <a:gsLst>
+                <a:gs pos="0">
+                  <a:schemeClr val="accent3">
+                    <a:lumMod val="67000"/>
+                  </a:schemeClr>
+                </a:gs>
+                <a:gs pos="48000">
+                  <a:schemeClr val="accent3">
+                    <a:lumMod val="97000"/>
+                    <a:lumOff val="3000"/>
+                  </a:schemeClr>
+                </a:gs>
+                <a:gs pos="100000">
+                  <a:schemeClr val="accent3">
+                    <a:lumMod val="60000"/>
+                    <a:lumOff val="40000"/>
+                  </a:schemeClr>
+                </a:gs>
+              </a:gsLst>
+              <a:lin ang="16200000" scaled="1"/>
+              <a:tileRect/>
+            </a:gradFill>
+            <a:ln>
+              <a:solidFill>
+                <a:schemeClr val="tx1"/>
+              </a:solidFill>
+            </a:ln>
+            <a:effectLst/>
+          </p:spPr>
+          <p:style>
+            <a:lnRef idx="1">
+              <a:schemeClr val="accent1"/>
+            </a:lnRef>
+            <a:fillRef idx="3">
+              <a:schemeClr val="accent1"/>
+            </a:fillRef>
+            <a:effectRef idx="2">
+              <a:schemeClr val="accent1"/>
+            </a:effectRef>
+            <a:fontRef idx="minor">
+              <a:schemeClr val="lt1"/>
+            </a:fontRef>
+          </p:style>
+          <p:txBody>
+            <a:bodyPr rtlCol="0" anchor="ctr"/>
+            <a:lstStyle/>
+            <a:p>
+              <a:r>
+                <a:rPr kumimoji="1" lang="en-US" altLang="ja-JP" sz="800" i="1" dirty="0" smtClean="0">
+                  <a:solidFill>
+                    <a:schemeClr val="bg1"/>
+                  </a:solidFill>
+                </a:rPr>
+                <a:t>Retype password</a:t>
+              </a:r>
+              <a:endParaRPr kumimoji="1" lang="ja-JP" altLang="en-US" sz="800" i="1" dirty="0">
+                <a:solidFill>
+                  <a:schemeClr val="bg1"/>
+                </a:solidFill>
+              </a:endParaRPr>
+            </a:p>
+          </p:txBody>
+        </p:sp>
+        <p:sp>
+          <p:nvSpPr>
+            <p:cNvPr id="39" name="TextBox 38"/>
+            <p:cNvSpPr txBox="1"/>
+            <p:nvPr/>
+          </p:nvSpPr>
+          <p:spPr>
+            <a:xfrm>
+              <a:off x="298163" y="3312926"/>
+              <a:ext cx="1111202" cy="246221"/>
+            </a:xfrm>
+            <a:prstGeom prst="rect">
+              <a:avLst/>
+            </a:prstGeom>
+            <a:noFill/>
+          </p:spPr>
+          <p:txBody>
+            <a:bodyPr wrap="none" rtlCol="0">
+              <a:spAutoFit/>
+            </a:bodyPr>
+            <a:lstStyle/>
+            <a:p>
+              <a:r>
+                <a:rPr kumimoji="1" lang="en-US" altLang="ja-JP" sz="1000" dirty="0" smtClean="0"/>
+                <a:t>Retype password</a:t>
+              </a:r>
+              <a:r>
+                <a:rPr kumimoji="1" lang="en-US" altLang="ja-JP" sz="1000" dirty="0" smtClean="0"/>
+                <a:t>:</a:t>
+              </a:r>
+              <a:endParaRPr kumimoji="1" lang="ja-JP" altLang="en-US" sz="1000" dirty="0"/>
+            </a:p>
+          </p:txBody>
+        </p:sp>
+        <p:sp>
+          <p:nvSpPr>
+            <p:cNvPr id="40" name="TextBox 39"/>
+            <p:cNvSpPr txBox="1"/>
+            <p:nvPr/>
+          </p:nvSpPr>
+          <p:spPr>
+            <a:xfrm>
+              <a:off x="2715662" y="3268682"/>
               <a:ext cx="393056" cy="246221"/>
             </a:xfrm>
             <a:prstGeom prst="rect">
@@ -31133,11 +31386,7 @@
               </a:r>
               <a:r>
                 <a:rPr kumimoji="1" lang="en-US" altLang="ja-JP" sz="1050" dirty="0" smtClean="0"/>
-                <a:t>/users/ </a:t>
-              </a:r>
-              <a:r>
-                <a:rPr kumimoji="1" lang="en-US" altLang="ja-JP" sz="1050" dirty="0" smtClean="0"/>
-                <a:t>password</a:t>
+                <a:t>/users/ password</a:t>
               </a:r>
               <a:endParaRPr kumimoji="1" lang="ja-JP" altLang="en-US" sz="1050" dirty="0"/>
             </a:p>

--- a/doc/frontend/wireframe/TRN-MiniBlog_WireframeDesign_LAMVY.pptx
+++ b/doc/frontend/wireframe/TRN-MiniBlog_WireframeDesign_LAMVY.pptx
@@ -10001,7 +10001,7 @@
         </p:nvSpPr>
         <p:spPr>
           <a:xfrm>
-            <a:off x="25841" y="443065"/>
+            <a:off x="25841" y="419758"/>
             <a:ext cx="5173132" cy="6332453"/>
           </a:xfrm>
           <a:prstGeom prst="rect">
@@ -10045,14 +10045,14 @@
           <p:nvPr>
             <p:extLst>
               <p:ext uri="{D42A27DB-BD31-4B8C-83A1-F6EECF244321}">
-                <p14:modId xmlns:p14="http://schemas.microsoft.com/office/powerpoint/2010/main" val="138976936"/>
+                <p14:modId xmlns:p14="http://schemas.microsoft.com/office/powerpoint/2010/main" val="2230112488"/>
               </p:ext>
             </p:extLst>
           </p:nvPr>
         </p:nvGraphicFramePr>
         <p:xfrm>
           <a:off x="5280338" y="876073"/>
-          <a:ext cx="3795931" cy="3580244"/>
+          <a:ext cx="3795931" cy="4768964"/>
         </p:xfrm>
         <a:graphic>
           <a:graphicData uri="http://schemas.openxmlformats.org/drawingml/2006/table">
@@ -10783,7 +10783,11 @@
                     <a:p>
                       <a:r>
                         <a:rPr kumimoji="1" lang="en-US" altLang="ja-JP" sz="1000" dirty="0" smtClean="0"/>
-                        <a:t>Click =&gt; go to home page</a:t>
+                        <a:t>Click =&gt; go to home </a:t>
+                      </a:r>
+                      <a:r>
+                        <a:rPr kumimoji="1" lang="en-US" altLang="ja-JP" sz="1000" dirty="0" smtClean="0"/>
+                        <a:t>page</a:t>
                       </a:r>
                       <a:endParaRPr kumimoji="1" lang="ja-JP" altLang="en-US" sz="1000" dirty="0"/>
                     </a:p>
@@ -10798,6 +10802,232 @@
                       <a:r>
                         <a:rPr kumimoji="1" lang="en-US" altLang="ja-JP" sz="1000" dirty="0" smtClean="0">
                           <a:latin typeface="Calibri"/>
+                          <a:cs typeface="Calibri"/>
+                        </a:rPr>
+                        <a:t>S-1-1</a:t>
+                      </a:r>
+                      <a:endParaRPr kumimoji="1" lang="ja-JP" altLang="en-US" sz="1000" dirty="0">
+                        <a:latin typeface="Calibri"/>
+                        <a:cs typeface="Calibri"/>
+                      </a:endParaRPr>
+                    </a:p>
+                  </a:txBody>
+                  <a:tcPr/>
+                </a:tc>
+              </a:tr>
+              <a:tr h="327082">
+                <a:tc>
+                  <a:txBody>
+                    <a:bodyPr/>
+                    <a:lstStyle/>
+                    <a:p>
+                      <a:r>
+                        <a:rPr kumimoji="1" lang="en-US" altLang="ja-JP" sz="1000" dirty="0" smtClean="0"/>
+                        <a:t>9</a:t>
+                      </a:r>
+                      <a:endParaRPr kumimoji="1" lang="ja-JP" altLang="en-US" sz="1000" dirty="0"/>
+                    </a:p>
+                  </a:txBody>
+                  <a:tcPr/>
+                </a:tc>
+                <a:tc>
+                  <a:txBody>
+                    <a:bodyPr/>
+                    <a:lstStyle/>
+                    <a:p>
+                      <a:r>
+                        <a:rPr kumimoji="1" lang="en-US" altLang="ja-JP" sz="1000" dirty="0" smtClean="0"/>
+                        <a:t>Page</a:t>
+                      </a:r>
+                      <a:endParaRPr kumimoji="1" lang="ja-JP" altLang="en-US" sz="1000" dirty="0"/>
+                    </a:p>
+                  </a:txBody>
+                  <a:tcPr/>
+                </a:tc>
+                <a:tc>
+                  <a:txBody>
+                    <a:bodyPr/>
+                    <a:lstStyle/>
+                    <a:p>
+                      <a:endParaRPr kumimoji="1" lang="ja-JP" altLang="en-US" sz="1000" dirty="0"/>
+                    </a:p>
+                  </a:txBody>
+                  <a:tcPr/>
+                </a:tc>
+                <a:tc>
+                  <a:txBody>
+                    <a:bodyPr/>
+                    <a:lstStyle/>
+                    <a:p>
+                      <a:r>
+                        <a:rPr kumimoji="1" lang="en-US" altLang="ja-JP" sz="1000" dirty="0" smtClean="0"/>
+                        <a:t>Click go to index</a:t>
+                      </a:r>
+                      <a:r>
+                        <a:rPr kumimoji="1" lang="en-US" altLang="ja-JP" sz="1000" baseline="0" dirty="0" smtClean="0"/>
+                        <a:t> page</a:t>
+                      </a:r>
+                      <a:endParaRPr kumimoji="1" lang="ja-JP" altLang="en-US" sz="1000" dirty="0"/>
+                    </a:p>
+                  </a:txBody>
+                  <a:tcPr/>
+                </a:tc>
+                <a:tc>
+                  <a:txBody>
+                    <a:bodyPr/>
+                    <a:lstStyle/>
+                    <a:p>
+                      <a:r>
+                        <a:rPr kumimoji="1" lang="en-US" altLang="ja-JP" sz="1000" dirty="0" smtClean="0">
+                          <a:latin typeface="+mn-lt"/>
+                          <a:cs typeface="Calibri"/>
+                        </a:rPr>
+                        <a:t>S-1-1</a:t>
+                      </a:r>
+                      <a:endParaRPr kumimoji="1" lang="ja-JP" altLang="en-US" sz="1000" dirty="0">
+                        <a:latin typeface="Calibri"/>
+                        <a:cs typeface="Calibri"/>
+                      </a:endParaRPr>
+                    </a:p>
+                  </a:txBody>
+                  <a:tcPr/>
+                </a:tc>
+              </a:tr>
+              <a:tr h="327082">
+                <a:tc>
+                  <a:txBody>
+                    <a:bodyPr/>
+                    <a:lstStyle/>
+                    <a:p>
+                      <a:r>
+                        <a:rPr kumimoji="1" lang="en-US" altLang="ja-JP" sz="1000" dirty="0" smtClean="0"/>
+                        <a:t>10</a:t>
+                      </a:r>
+                      <a:endParaRPr kumimoji="1" lang="ja-JP" altLang="en-US" sz="1000" dirty="0"/>
+                    </a:p>
+                  </a:txBody>
+                  <a:tcPr/>
+                </a:tc>
+                <a:tc>
+                  <a:txBody>
+                    <a:bodyPr/>
+                    <a:lstStyle/>
+                    <a:p>
+                      <a:r>
+                        <a:rPr kumimoji="1" lang="en-US" altLang="ja-JP" sz="1000" dirty="0" smtClean="0"/>
+                        <a:t>Pre page</a:t>
+                      </a:r>
+                      <a:endParaRPr kumimoji="1" lang="ja-JP" altLang="en-US" sz="1000" dirty="0"/>
+                    </a:p>
+                  </a:txBody>
+                  <a:tcPr/>
+                </a:tc>
+                <a:tc>
+                  <a:txBody>
+                    <a:bodyPr/>
+                    <a:lstStyle/>
+                    <a:p>
+                      <a:endParaRPr kumimoji="1" lang="ja-JP" altLang="en-US" sz="1000" dirty="0"/>
+                    </a:p>
+                  </a:txBody>
+                  <a:tcPr/>
+                </a:tc>
+                <a:tc>
+                  <a:txBody>
+                    <a:bodyPr/>
+                    <a:lstStyle/>
+                    <a:p>
+                      <a:r>
+                        <a:rPr kumimoji="1" lang="en-US" altLang="ja-JP" sz="1000" dirty="0" smtClean="0"/>
+                        <a:t>Click go to pre page result</a:t>
+                      </a:r>
+                      <a:endParaRPr kumimoji="1" lang="ja-JP" altLang="en-US" sz="1000" dirty="0"/>
+                    </a:p>
+                  </a:txBody>
+                  <a:tcPr/>
+                </a:tc>
+                <a:tc>
+                  <a:txBody>
+                    <a:bodyPr/>
+                    <a:lstStyle/>
+                    <a:p>
+                      <a:r>
+                        <a:rPr kumimoji="1" lang="en-US" altLang="ja-JP" sz="1000" dirty="0" smtClean="0">
+                          <a:latin typeface="+mn-lt"/>
+                          <a:cs typeface="Calibri"/>
+                        </a:rPr>
+                        <a:t>S-1-1</a:t>
+                      </a:r>
+                      <a:endParaRPr kumimoji="1" lang="ja-JP" altLang="en-US" sz="1000" dirty="0">
+                        <a:latin typeface="Calibri"/>
+                        <a:cs typeface="Calibri"/>
+                      </a:endParaRPr>
+                    </a:p>
+                  </a:txBody>
+                  <a:tcPr/>
+                </a:tc>
+              </a:tr>
+              <a:tr h="327082">
+                <a:tc>
+                  <a:txBody>
+                    <a:bodyPr/>
+                    <a:lstStyle/>
+                    <a:p>
+                      <a:r>
+                        <a:rPr kumimoji="1" lang="en-US" altLang="ja-JP" sz="1000" dirty="0" smtClean="0"/>
+                        <a:t>11</a:t>
+                      </a:r>
+                      <a:endParaRPr kumimoji="1" lang="ja-JP" altLang="en-US" sz="1000" dirty="0"/>
+                    </a:p>
+                  </a:txBody>
+                  <a:tcPr/>
+                </a:tc>
+                <a:tc>
+                  <a:txBody>
+                    <a:bodyPr/>
+                    <a:lstStyle/>
+                    <a:p>
+                      <a:r>
+                        <a:rPr kumimoji="1" lang="en-US" altLang="ja-JP" sz="1000" dirty="0" smtClean="0"/>
+                        <a:t>Next page</a:t>
+                      </a:r>
+                      <a:endParaRPr kumimoji="1" lang="ja-JP" altLang="en-US" sz="1000" dirty="0"/>
+                    </a:p>
+                  </a:txBody>
+                  <a:tcPr/>
+                </a:tc>
+                <a:tc>
+                  <a:txBody>
+                    <a:bodyPr/>
+                    <a:lstStyle/>
+                    <a:p>
+                      <a:endParaRPr kumimoji="1" lang="ja-JP" altLang="en-US" sz="1000" dirty="0"/>
+                    </a:p>
+                  </a:txBody>
+                  <a:tcPr/>
+                </a:tc>
+                <a:tc>
+                  <a:txBody>
+                    <a:bodyPr/>
+                    <a:lstStyle/>
+                    <a:p>
+                      <a:r>
+                        <a:rPr kumimoji="1" lang="en-US" altLang="ja-JP" sz="1000" dirty="0" smtClean="0"/>
+                        <a:t>Click go to next page result</a:t>
+                      </a:r>
+                      <a:endParaRPr kumimoji="1" lang="ja-JP" altLang="en-US" sz="1000" dirty="0"/>
+                    </a:p>
+                  </a:txBody>
+                  <a:tcPr/>
+                </a:tc>
+                <a:tc>
+                  <a:txBody>
+                    <a:bodyPr/>
+                    <a:lstStyle/>
+                    <a:p>
+                      <a:r>
+                        <a:rPr kumimoji="1" lang="en-US" altLang="ja-JP" sz="1000" dirty="0" smtClean="0">
+                          <a:latin typeface="+mn-lt"/>
                           <a:cs typeface="Calibri"/>
                         </a:rPr>
                         <a:t>S-1-1</a:t>
@@ -15488,6 +15718,908 @@
           <a:p>
             <a:pPr algn="just"/>
             <a:endParaRPr kumimoji="1" lang="ja-JP" altLang="en-US" sz="1000" dirty="0"/>
+          </a:p>
+        </p:txBody>
+      </p:sp>
+      <p:grpSp>
+        <p:nvGrpSpPr>
+          <p:cNvPr id="3" name="Group 2"/>
+          <p:cNvGrpSpPr/>
+          <p:nvPr/>
+        </p:nvGrpSpPr>
+        <p:grpSpPr>
+          <a:xfrm>
+            <a:off x="1475781" y="6361823"/>
+            <a:ext cx="2364289" cy="280948"/>
+            <a:chOff x="1699251" y="6375119"/>
+            <a:chExt cx="2364289" cy="280948"/>
+          </a:xfrm>
+        </p:grpSpPr>
+        <p:sp>
+          <p:nvSpPr>
+            <p:cNvPr id="49" name="Rectangle 48"/>
+            <p:cNvSpPr/>
+            <p:nvPr/>
+          </p:nvSpPr>
+          <p:spPr>
+            <a:xfrm>
+              <a:off x="1699251" y="6385446"/>
+              <a:ext cx="267638" cy="270621"/>
+            </a:xfrm>
+            <a:prstGeom prst="rect">
+              <a:avLst/>
+            </a:prstGeom>
+            <a:gradFill flip="none" rotWithShape="1">
+              <a:gsLst>
+                <a:gs pos="0">
+                  <a:schemeClr val="accent3">
+                    <a:lumMod val="67000"/>
+                  </a:schemeClr>
+                </a:gs>
+                <a:gs pos="48000">
+                  <a:schemeClr val="accent3">
+                    <a:lumMod val="97000"/>
+                    <a:lumOff val="3000"/>
+                  </a:schemeClr>
+                </a:gs>
+                <a:gs pos="100000">
+                  <a:schemeClr val="accent3">
+                    <a:lumMod val="60000"/>
+                    <a:lumOff val="40000"/>
+                  </a:schemeClr>
+                </a:gs>
+              </a:gsLst>
+              <a:lin ang="16200000" scaled="1"/>
+              <a:tileRect/>
+            </a:gradFill>
+          </p:spPr>
+          <p:style>
+            <a:lnRef idx="1">
+              <a:schemeClr val="dk1"/>
+            </a:lnRef>
+            <a:fillRef idx="3">
+              <a:schemeClr val="dk1"/>
+            </a:fillRef>
+            <a:effectRef idx="2">
+              <a:schemeClr val="dk1"/>
+            </a:effectRef>
+            <a:fontRef idx="minor">
+              <a:schemeClr val="lt1"/>
+            </a:fontRef>
+          </p:style>
+          <p:txBody>
+            <a:bodyPr rtlCol="0" anchor="ctr"/>
+            <a:lstStyle/>
+            <a:p>
+              <a:pPr algn="r"/>
+              <a:r>
+                <a:rPr kumimoji="1" lang="en-US" altLang="ja-JP" sz="800" baseline="-25000" dirty="0" smtClean="0"/>
+                <a:t>&lt;&lt;</a:t>
+              </a:r>
+              <a:endParaRPr kumimoji="1" lang="ja-JP" altLang="en-US" sz="800" baseline="-25000" dirty="0">
+                <a:solidFill>
+                  <a:srgbClr val="FF0000"/>
+                </a:solidFill>
+              </a:endParaRPr>
+            </a:p>
+          </p:txBody>
+        </p:sp>
+        <p:sp>
+          <p:nvSpPr>
+            <p:cNvPr id="71" name="Rectangle 70"/>
+            <p:cNvSpPr/>
+            <p:nvPr/>
+          </p:nvSpPr>
+          <p:spPr>
+            <a:xfrm>
+              <a:off x="2051759" y="6385446"/>
+              <a:ext cx="267638" cy="270621"/>
+            </a:xfrm>
+            <a:prstGeom prst="rect">
+              <a:avLst/>
+            </a:prstGeom>
+            <a:gradFill flip="none" rotWithShape="1">
+              <a:gsLst>
+                <a:gs pos="0">
+                  <a:schemeClr val="bg1">
+                    <a:lumMod val="95000"/>
+                  </a:schemeClr>
+                </a:gs>
+                <a:gs pos="48000">
+                  <a:schemeClr val="bg1">
+                    <a:lumMod val="95000"/>
+                  </a:schemeClr>
+                </a:gs>
+                <a:gs pos="100000">
+                  <a:schemeClr val="bg1">
+                    <a:lumMod val="85000"/>
+                  </a:schemeClr>
+                </a:gs>
+              </a:gsLst>
+              <a:lin ang="16200000" scaled="1"/>
+              <a:tileRect/>
+            </a:gradFill>
+          </p:spPr>
+          <p:style>
+            <a:lnRef idx="1">
+              <a:schemeClr val="dk1"/>
+            </a:lnRef>
+            <a:fillRef idx="3">
+              <a:schemeClr val="dk1"/>
+            </a:fillRef>
+            <a:effectRef idx="2">
+              <a:schemeClr val="dk1"/>
+            </a:effectRef>
+            <a:fontRef idx="minor">
+              <a:schemeClr val="lt1"/>
+            </a:fontRef>
+          </p:style>
+          <p:txBody>
+            <a:bodyPr rtlCol="0" anchor="ctr"/>
+            <a:lstStyle/>
+            <a:p>
+              <a:pPr algn="r"/>
+              <a:r>
+                <a:rPr kumimoji="1" lang="en-US" altLang="ja-JP" sz="1000" baseline="-25000" dirty="0" smtClean="0">
+                  <a:solidFill>
+                    <a:schemeClr val="tx1">
+                      <a:lumMod val="95000"/>
+                      <a:lumOff val="5000"/>
+                    </a:schemeClr>
+                  </a:solidFill>
+                </a:rPr>
+                <a:t>1</a:t>
+              </a:r>
+              <a:endParaRPr kumimoji="1" lang="ja-JP" altLang="en-US" sz="1000" baseline="-25000" dirty="0">
+                <a:solidFill>
+                  <a:schemeClr val="tx1">
+                    <a:lumMod val="95000"/>
+                    <a:lumOff val="5000"/>
+                  </a:schemeClr>
+                </a:solidFill>
+              </a:endParaRPr>
+            </a:p>
+          </p:txBody>
+        </p:sp>
+        <p:sp>
+          <p:nvSpPr>
+            <p:cNvPr id="78" name="Rectangle 77"/>
+            <p:cNvSpPr/>
+            <p:nvPr/>
+          </p:nvSpPr>
+          <p:spPr>
+            <a:xfrm>
+              <a:off x="2416361" y="6385446"/>
+              <a:ext cx="267638" cy="270621"/>
+            </a:xfrm>
+            <a:prstGeom prst="rect">
+              <a:avLst/>
+            </a:prstGeom>
+            <a:gradFill flip="none" rotWithShape="1">
+              <a:gsLst>
+                <a:gs pos="0">
+                  <a:schemeClr val="accent3">
+                    <a:lumMod val="67000"/>
+                  </a:schemeClr>
+                </a:gs>
+                <a:gs pos="48000">
+                  <a:schemeClr val="accent3">
+                    <a:lumMod val="97000"/>
+                    <a:lumOff val="3000"/>
+                  </a:schemeClr>
+                </a:gs>
+                <a:gs pos="100000">
+                  <a:schemeClr val="accent3">
+                    <a:lumMod val="60000"/>
+                    <a:lumOff val="40000"/>
+                  </a:schemeClr>
+                </a:gs>
+              </a:gsLst>
+              <a:lin ang="16200000" scaled="1"/>
+              <a:tileRect/>
+            </a:gradFill>
+          </p:spPr>
+          <p:style>
+            <a:lnRef idx="1">
+              <a:schemeClr val="dk1"/>
+            </a:lnRef>
+            <a:fillRef idx="3">
+              <a:schemeClr val="dk1"/>
+            </a:fillRef>
+            <a:effectRef idx="2">
+              <a:schemeClr val="dk1"/>
+            </a:effectRef>
+            <a:fontRef idx="minor">
+              <a:schemeClr val="lt1"/>
+            </a:fontRef>
+          </p:style>
+          <p:txBody>
+            <a:bodyPr rtlCol="0" anchor="ctr"/>
+            <a:lstStyle/>
+            <a:p>
+              <a:pPr algn="r"/>
+              <a:r>
+                <a:rPr kumimoji="1" lang="en-US" altLang="ja-JP" sz="1000" baseline="-25000" dirty="0" smtClean="0"/>
+                <a:t>2</a:t>
+              </a:r>
+              <a:endParaRPr kumimoji="1" lang="ja-JP" altLang="en-US" sz="1000" baseline="-25000" dirty="0">
+                <a:solidFill>
+                  <a:srgbClr val="FF0000"/>
+                </a:solidFill>
+              </a:endParaRPr>
+            </a:p>
+          </p:txBody>
+        </p:sp>
+        <p:sp>
+          <p:nvSpPr>
+            <p:cNvPr id="79" name="Rectangle 78"/>
+            <p:cNvSpPr/>
+            <p:nvPr/>
+          </p:nvSpPr>
+          <p:spPr>
+            <a:xfrm>
+              <a:off x="2760974" y="6383017"/>
+              <a:ext cx="267638" cy="270621"/>
+            </a:xfrm>
+            <a:prstGeom prst="rect">
+              <a:avLst/>
+            </a:prstGeom>
+            <a:gradFill flip="none" rotWithShape="1">
+              <a:gsLst>
+                <a:gs pos="0">
+                  <a:schemeClr val="accent3">
+                    <a:lumMod val="67000"/>
+                  </a:schemeClr>
+                </a:gs>
+                <a:gs pos="48000">
+                  <a:schemeClr val="accent3">
+                    <a:lumMod val="97000"/>
+                    <a:lumOff val="3000"/>
+                  </a:schemeClr>
+                </a:gs>
+                <a:gs pos="100000">
+                  <a:schemeClr val="accent3">
+                    <a:lumMod val="60000"/>
+                    <a:lumOff val="40000"/>
+                  </a:schemeClr>
+                </a:gs>
+              </a:gsLst>
+              <a:lin ang="16200000" scaled="1"/>
+              <a:tileRect/>
+            </a:gradFill>
+          </p:spPr>
+          <p:style>
+            <a:lnRef idx="1">
+              <a:schemeClr val="dk1"/>
+            </a:lnRef>
+            <a:fillRef idx="3">
+              <a:schemeClr val="dk1"/>
+            </a:fillRef>
+            <a:effectRef idx="2">
+              <a:schemeClr val="dk1"/>
+            </a:effectRef>
+            <a:fontRef idx="minor">
+              <a:schemeClr val="lt1"/>
+            </a:fontRef>
+          </p:style>
+          <p:txBody>
+            <a:bodyPr rtlCol="0" anchor="ctr"/>
+            <a:lstStyle/>
+            <a:p>
+              <a:pPr algn="r"/>
+              <a:r>
+                <a:rPr kumimoji="1" lang="en-US" altLang="ja-JP" sz="1000" baseline="-25000" dirty="0" smtClean="0"/>
+                <a:t>3</a:t>
+              </a:r>
+              <a:endParaRPr kumimoji="1" lang="ja-JP" altLang="en-US" sz="1000" baseline="-25000" dirty="0">
+                <a:solidFill>
+                  <a:srgbClr val="FF0000"/>
+                </a:solidFill>
+              </a:endParaRPr>
+            </a:p>
+          </p:txBody>
+        </p:sp>
+        <p:sp>
+          <p:nvSpPr>
+            <p:cNvPr id="80" name="Rectangle 79"/>
+            <p:cNvSpPr/>
+            <p:nvPr/>
+          </p:nvSpPr>
+          <p:spPr>
+            <a:xfrm>
+              <a:off x="3105587" y="6380588"/>
+              <a:ext cx="267638" cy="270621"/>
+            </a:xfrm>
+            <a:prstGeom prst="rect">
+              <a:avLst/>
+            </a:prstGeom>
+            <a:gradFill flip="none" rotWithShape="1">
+              <a:gsLst>
+                <a:gs pos="0">
+                  <a:schemeClr val="accent3">
+                    <a:lumMod val="67000"/>
+                  </a:schemeClr>
+                </a:gs>
+                <a:gs pos="48000">
+                  <a:schemeClr val="accent3">
+                    <a:lumMod val="97000"/>
+                    <a:lumOff val="3000"/>
+                  </a:schemeClr>
+                </a:gs>
+                <a:gs pos="100000">
+                  <a:schemeClr val="accent3">
+                    <a:lumMod val="60000"/>
+                    <a:lumOff val="40000"/>
+                  </a:schemeClr>
+                </a:gs>
+              </a:gsLst>
+              <a:lin ang="16200000" scaled="1"/>
+              <a:tileRect/>
+            </a:gradFill>
+          </p:spPr>
+          <p:style>
+            <a:lnRef idx="1">
+              <a:schemeClr val="dk1"/>
+            </a:lnRef>
+            <a:fillRef idx="3">
+              <a:schemeClr val="dk1"/>
+            </a:fillRef>
+            <a:effectRef idx="2">
+              <a:schemeClr val="dk1"/>
+            </a:effectRef>
+            <a:fontRef idx="minor">
+              <a:schemeClr val="lt1"/>
+            </a:fontRef>
+          </p:style>
+          <p:txBody>
+            <a:bodyPr rtlCol="0" anchor="ctr"/>
+            <a:lstStyle/>
+            <a:p>
+              <a:pPr algn="r"/>
+              <a:r>
+                <a:rPr kumimoji="1" lang="en-US" altLang="ja-JP" sz="1000" baseline="-25000" dirty="0" smtClean="0"/>
+                <a:t>4</a:t>
+              </a:r>
+              <a:endParaRPr kumimoji="1" lang="ja-JP" altLang="en-US" sz="1000" baseline="-25000" dirty="0">
+                <a:solidFill>
+                  <a:srgbClr val="FF0000"/>
+                </a:solidFill>
+              </a:endParaRPr>
+            </a:p>
+          </p:txBody>
+        </p:sp>
+        <p:sp>
+          <p:nvSpPr>
+            <p:cNvPr id="81" name="Rectangle 80"/>
+            <p:cNvSpPr/>
+            <p:nvPr/>
+          </p:nvSpPr>
+          <p:spPr>
+            <a:xfrm>
+              <a:off x="3450200" y="6378159"/>
+              <a:ext cx="267638" cy="270621"/>
+            </a:xfrm>
+            <a:prstGeom prst="rect">
+              <a:avLst/>
+            </a:prstGeom>
+            <a:gradFill flip="none" rotWithShape="1">
+              <a:gsLst>
+                <a:gs pos="0">
+                  <a:schemeClr val="accent3">
+                    <a:lumMod val="67000"/>
+                  </a:schemeClr>
+                </a:gs>
+                <a:gs pos="48000">
+                  <a:schemeClr val="accent3">
+                    <a:lumMod val="97000"/>
+                    <a:lumOff val="3000"/>
+                  </a:schemeClr>
+                </a:gs>
+                <a:gs pos="100000">
+                  <a:schemeClr val="accent3">
+                    <a:lumMod val="60000"/>
+                    <a:lumOff val="40000"/>
+                  </a:schemeClr>
+                </a:gs>
+              </a:gsLst>
+              <a:lin ang="16200000" scaled="1"/>
+              <a:tileRect/>
+            </a:gradFill>
+          </p:spPr>
+          <p:style>
+            <a:lnRef idx="1">
+              <a:schemeClr val="dk1"/>
+            </a:lnRef>
+            <a:fillRef idx="3">
+              <a:schemeClr val="dk1"/>
+            </a:fillRef>
+            <a:effectRef idx="2">
+              <a:schemeClr val="dk1"/>
+            </a:effectRef>
+            <a:fontRef idx="minor">
+              <a:schemeClr val="lt1"/>
+            </a:fontRef>
+          </p:style>
+          <p:txBody>
+            <a:bodyPr rtlCol="0" anchor="ctr"/>
+            <a:lstStyle/>
+            <a:p>
+              <a:pPr algn="r"/>
+              <a:r>
+                <a:rPr kumimoji="1" lang="en-US" altLang="ja-JP" sz="800" baseline="-25000" dirty="0" smtClean="0"/>
+                <a:t>5</a:t>
+              </a:r>
+              <a:endParaRPr kumimoji="1" lang="ja-JP" altLang="en-US" sz="800" baseline="-25000" dirty="0">
+                <a:solidFill>
+                  <a:srgbClr val="FF0000"/>
+                </a:solidFill>
+              </a:endParaRPr>
+            </a:p>
+          </p:txBody>
+        </p:sp>
+        <p:sp>
+          <p:nvSpPr>
+            <p:cNvPr id="83" name="Rectangle 82"/>
+            <p:cNvSpPr/>
+            <p:nvPr/>
+          </p:nvSpPr>
+          <p:spPr>
+            <a:xfrm>
+              <a:off x="3795902" y="6375119"/>
+              <a:ext cx="267638" cy="270621"/>
+            </a:xfrm>
+            <a:prstGeom prst="rect">
+              <a:avLst/>
+            </a:prstGeom>
+            <a:gradFill flip="none" rotWithShape="1">
+              <a:gsLst>
+                <a:gs pos="0">
+                  <a:schemeClr val="accent3">
+                    <a:lumMod val="67000"/>
+                  </a:schemeClr>
+                </a:gs>
+                <a:gs pos="48000">
+                  <a:schemeClr val="accent3">
+                    <a:lumMod val="97000"/>
+                    <a:lumOff val="3000"/>
+                  </a:schemeClr>
+                </a:gs>
+                <a:gs pos="100000">
+                  <a:schemeClr val="accent3">
+                    <a:lumMod val="60000"/>
+                    <a:lumOff val="40000"/>
+                  </a:schemeClr>
+                </a:gs>
+              </a:gsLst>
+              <a:lin ang="16200000" scaled="1"/>
+              <a:tileRect/>
+            </a:gradFill>
+          </p:spPr>
+          <p:style>
+            <a:lnRef idx="1">
+              <a:schemeClr val="dk1"/>
+            </a:lnRef>
+            <a:fillRef idx="3">
+              <a:schemeClr val="dk1"/>
+            </a:fillRef>
+            <a:effectRef idx="2">
+              <a:schemeClr val="dk1"/>
+            </a:effectRef>
+            <a:fontRef idx="minor">
+              <a:schemeClr val="lt1"/>
+            </a:fontRef>
+          </p:style>
+          <p:txBody>
+            <a:bodyPr rtlCol="0" anchor="ctr"/>
+            <a:lstStyle/>
+            <a:p>
+              <a:pPr algn="r"/>
+              <a:r>
+                <a:rPr kumimoji="1" lang="en-US" altLang="ja-JP" sz="800" baseline="-25000" dirty="0" smtClean="0"/>
+                <a:t>&gt;&gt;</a:t>
+              </a:r>
+              <a:endParaRPr kumimoji="1" lang="ja-JP" altLang="en-US" sz="800" baseline="-25000" dirty="0">
+                <a:solidFill>
+                  <a:srgbClr val="FF0000"/>
+                </a:solidFill>
+              </a:endParaRPr>
+            </a:p>
+          </p:txBody>
+        </p:sp>
+      </p:grpSp>
+      <p:sp>
+        <p:nvSpPr>
+          <p:cNvPr id="96" name="TextBox 26"/>
+          <p:cNvSpPr txBox="1"/>
+          <p:nvPr/>
+        </p:nvSpPr>
+        <p:spPr>
+          <a:xfrm>
+            <a:off x="2793202" y="6531831"/>
+            <a:ext cx="327334" cy="246221"/>
+          </a:xfrm>
+          <a:prstGeom prst="rect">
+            <a:avLst/>
+          </a:prstGeom>
+          <a:noFill/>
+        </p:spPr>
+        <p:txBody>
+          <a:bodyPr wrap="none" rtlCol="0">
+            <a:spAutoFit/>
+          </a:bodyPr>
+          <a:lstStyle>
+            <a:defPPr>
+              <a:defRPr lang="en-US"/>
+            </a:defPPr>
+            <a:lvl1pPr marL="0" algn="l" defTabSz="457200" rtl="0" eaLnBrk="1" latinLnBrk="0" hangingPunct="1">
+              <a:defRPr sz="1800" kern="1200">
+                <a:solidFill>
+                  <a:schemeClr val="tx1"/>
+                </a:solidFill>
+                <a:latin typeface="+mn-lt"/>
+                <a:ea typeface="+mn-ea"/>
+                <a:cs typeface="+mn-cs"/>
+              </a:defRPr>
+            </a:lvl1pPr>
+            <a:lvl2pPr marL="457200" algn="l" defTabSz="457200" rtl="0" eaLnBrk="1" latinLnBrk="0" hangingPunct="1">
+              <a:defRPr sz="1800" kern="1200">
+                <a:solidFill>
+                  <a:schemeClr val="tx1"/>
+                </a:solidFill>
+                <a:latin typeface="+mn-lt"/>
+                <a:ea typeface="+mn-ea"/>
+                <a:cs typeface="+mn-cs"/>
+              </a:defRPr>
+            </a:lvl2pPr>
+            <a:lvl3pPr marL="914400" algn="l" defTabSz="457200" rtl="0" eaLnBrk="1" latinLnBrk="0" hangingPunct="1">
+              <a:defRPr sz="1800" kern="1200">
+                <a:solidFill>
+                  <a:schemeClr val="tx1"/>
+                </a:solidFill>
+                <a:latin typeface="+mn-lt"/>
+                <a:ea typeface="+mn-ea"/>
+                <a:cs typeface="+mn-cs"/>
+              </a:defRPr>
+            </a:lvl3pPr>
+            <a:lvl4pPr marL="1371600" algn="l" defTabSz="457200" rtl="0" eaLnBrk="1" latinLnBrk="0" hangingPunct="1">
+              <a:defRPr sz="1800" kern="1200">
+                <a:solidFill>
+                  <a:schemeClr val="tx1"/>
+                </a:solidFill>
+                <a:latin typeface="+mn-lt"/>
+                <a:ea typeface="+mn-ea"/>
+                <a:cs typeface="+mn-cs"/>
+              </a:defRPr>
+            </a:lvl4pPr>
+            <a:lvl5pPr marL="1828800" algn="l" defTabSz="457200" rtl="0" eaLnBrk="1" latinLnBrk="0" hangingPunct="1">
+              <a:defRPr sz="1800" kern="1200">
+                <a:solidFill>
+                  <a:schemeClr val="tx1"/>
+                </a:solidFill>
+                <a:latin typeface="+mn-lt"/>
+                <a:ea typeface="+mn-ea"/>
+                <a:cs typeface="+mn-cs"/>
+              </a:defRPr>
+            </a:lvl5pPr>
+            <a:lvl6pPr marL="2286000" algn="l" defTabSz="457200" rtl="0" eaLnBrk="1" latinLnBrk="0" hangingPunct="1">
+              <a:defRPr sz="1800" kern="1200">
+                <a:solidFill>
+                  <a:schemeClr val="tx1"/>
+                </a:solidFill>
+                <a:latin typeface="+mn-lt"/>
+                <a:ea typeface="+mn-ea"/>
+                <a:cs typeface="+mn-cs"/>
+              </a:defRPr>
+            </a:lvl6pPr>
+            <a:lvl7pPr marL="2743200" algn="l" defTabSz="457200" rtl="0" eaLnBrk="1" latinLnBrk="0" hangingPunct="1">
+              <a:defRPr sz="1800" kern="1200">
+                <a:solidFill>
+                  <a:schemeClr val="tx1"/>
+                </a:solidFill>
+                <a:latin typeface="+mn-lt"/>
+                <a:ea typeface="+mn-ea"/>
+                <a:cs typeface="+mn-cs"/>
+              </a:defRPr>
+            </a:lvl7pPr>
+            <a:lvl8pPr marL="3200400" algn="l" defTabSz="457200" rtl="0" eaLnBrk="1" latinLnBrk="0" hangingPunct="1">
+              <a:defRPr sz="1800" kern="1200">
+                <a:solidFill>
+                  <a:schemeClr val="tx1"/>
+                </a:solidFill>
+                <a:latin typeface="+mn-lt"/>
+                <a:ea typeface="+mn-ea"/>
+                <a:cs typeface="+mn-cs"/>
+              </a:defRPr>
+            </a:lvl8pPr>
+            <a:lvl9pPr marL="3657600" algn="l" defTabSz="457200" rtl="0" eaLnBrk="1" latinLnBrk="0" hangingPunct="1">
+              <a:defRPr sz="1800" kern="1200">
+                <a:solidFill>
+                  <a:schemeClr val="tx1"/>
+                </a:solidFill>
+                <a:latin typeface="+mn-lt"/>
+                <a:ea typeface="+mn-ea"/>
+                <a:cs typeface="+mn-cs"/>
+              </a:defRPr>
+            </a:lvl9pPr>
+          </a:lstStyle>
+          <a:p>
+            <a:r>
+              <a:rPr kumimoji="1" lang="en-US" altLang="ja-JP" sz="1000" dirty="0" smtClean="0">
+                <a:solidFill>
+                  <a:srgbClr val="FF0000"/>
+                </a:solidFill>
+              </a:rPr>
+              <a:t>(9)</a:t>
+            </a:r>
+            <a:endParaRPr kumimoji="1" lang="ja-JP" altLang="en-US" sz="1000" dirty="0">
+              <a:solidFill>
+                <a:srgbClr val="FF0000"/>
+              </a:solidFill>
+            </a:endParaRPr>
+          </a:p>
+        </p:txBody>
+      </p:sp>
+      <p:sp>
+        <p:nvSpPr>
+          <p:cNvPr id="97" name="TextBox 26"/>
+          <p:cNvSpPr txBox="1"/>
+          <p:nvPr/>
+        </p:nvSpPr>
+        <p:spPr>
+          <a:xfrm>
+            <a:off x="3856867" y="6374022"/>
+            <a:ext cx="393056" cy="246221"/>
+          </a:xfrm>
+          <a:prstGeom prst="rect">
+            <a:avLst/>
+          </a:prstGeom>
+          <a:noFill/>
+        </p:spPr>
+        <p:txBody>
+          <a:bodyPr wrap="none" rtlCol="0">
+            <a:spAutoFit/>
+          </a:bodyPr>
+          <a:lstStyle>
+            <a:defPPr>
+              <a:defRPr lang="en-US"/>
+            </a:defPPr>
+            <a:lvl1pPr marL="0" algn="l" defTabSz="457200" rtl="0" eaLnBrk="1" latinLnBrk="0" hangingPunct="1">
+              <a:defRPr sz="1800" kern="1200">
+                <a:solidFill>
+                  <a:schemeClr val="tx1"/>
+                </a:solidFill>
+                <a:latin typeface="+mn-lt"/>
+                <a:ea typeface="+mn-ea"/>
+                <a:cs typeface="+mn-cs"/>
+              </a:defRPr>
+            </a:lvl1pPr>
+            <a:lvl2pPr marL="457200" algn="l" defTabSz="457200" rtl="0" eaLnBrk="1" latinLnBrk="0" hangingPunct="1">
+              <a:defRPr sz="1800" kern="1200">
+                <a:solidFill>
+                  <a:schemeClr val="tx1"/>
+                </a:solidFill>
+                <a:latin typeface="+mn-lt"/>
+                <a:ea typeface="+mn-ea"/>
+                <a:cs typeface="+mn-cs"/>
+              </a:defRPr>
+            </a:lvl2pPr>
+            <a:lvl3pPr marL="914400" algn="l" defTabSz="457200" rtl="0" eaLnBrk="1" latinLnBrk="0" hangingPunct="1">
+              <a:defRPr sz="1800" kern="1200">
+                <a:solidFill>
+                  <a:schemeClr val="tx1"/>
+                </a:solidFill>
+                <a:latin typeface="+mn-lt"/>
+                <a:ea typeface="+mn-ea"/>
+                <a:cs typeface="+mn-cs"/>
+              </a:defRPr>
+            </a:lvl3pPr>
+            <a:lvl4pPr marL="1371600" algn="l" defTabSz="457200" rtl="0" eaLnBrk="1" latinLnBrk="0" hangingPunct="1">
+              <a:defRPr sz="1800" kern="1200">
+                <a:solidFill>
+                  <a:schemeClr val="tx1"/>
+                </a:solidFill>
+                <a:latin typeface="+mn-lt"/>
+                <a:ea typeface="+mn-ea"/>
+                <a:cs typeface="+mn-cs"/>
+              </a:defRPr>
+            </a:lvl4pPr>
+            <a:lvl5pPr marL="1828800" algn="l" defTabSz="457200" rtl="0" eaLnBrk="1" latinLnBrk="0" hangingPunct="1">
+              <a:defRPr sz="1800" kern="1200">
+                <a:solidFill>
+                  <a:schemeClr val="tx1"/>
+                </a:solidFill>
+                <a:latin typeface="+mn-lt"/>
+                <a:ea typeface="+mn-ea"/>
+                <a:cs typeface="+mn-cs"/>
+              </a:defRPr>
+            </a:lvl5pPr>
+            <a:lvl6pPr marL="2286000" algn="l" defTabSz="457200" rtl="0" eaLnBrk="1" latinLnBrk="0" hangingPunct="1">
+              <a:defRPr sz="1800" kern="1200">
+                <a:solidFill>
+                  <a:schemeClr val="tx1"/>
+                </a:solidFill>
+                <a:latin typeface="+mn-lt"/>
+                <a:ea typeface="+mn-ea"/>
+                <a:cs typeface="+mn-cs"/>
+              </a:defRPr>
+            </a:lvl6pPr>
+            <a:lvl7pPr marL="2743200" algn="l" defTabSz="457200" rtl="0" eaLnBrk="1" latinLnBrk="0" hangingPunct="1">
+              <a:defRPr sz="1800" kern="1200">
+                <a:solidFill>
+                  <a:schemeClr val="tx1"/>
+                </a:solidFill>
+                <a:latin typeface="+mn-lt"/>
+                <a:ea typeface="+mn-ea"/>
+                <a:cs typeface="+mn-cs"/>
+              </a:defRPr>
+            </a:lvl7pPr>
+            <a:lvl8pPr marL="3200400" algn="l" defTabSz="457200" rtl="0" eaLnBrk="1" latinLnBrk="0" hangingPunct="1">
+              <a:defRPr sz="1800" kern="1200">
+                <a:solidFill>
+                  <a:schemeClr val="tx1"/>
+                </a:solidFill>
+                <a:latin typeface="+mn-lt"/>
+                <a:ea typeface="+mn-ea"/>
+                <a:cs typeface="+mn-cs"/>
+              </a:defRPr>
+            </a:lvl8pPr>
+            <a:lvl9pPr marL="3657600" algn="l" defTabSz="457200" rtl="0" eaLnBrk="1" latinLnBrk="0" hangingPunct="1">
+              <a:defRPr sz="1800" kern="1200">
+                <a:solidFill>
+                  <a:schemeClr val="tx1"/>
+                </a:solidFill>
+                <a:latin typeface="+mn-lt"/>
+                <a:ea typeface="+mn-ea"/>
+                <a:cs typeface="+mn-cs"/>
+              </a:defRPr>
+            </a:lvl9pPr>
+          </a:lstStyle>
+          <a:p>
+            <a:r>
+              <a:rPr kumimoji="1" lang="en-US" altLang="ja-JP" sz="1000" dirty="0" smtClean="0">
+                <a:solidFill>
+                  <a:srgbClr val="FF0000"/>
+                </a:solidFill>
+              </a:rPr>
+              <a:t>(11)</a:t>
+            </a:r>
+            <a:endParaRPr kumimoji="1" lang="ja-JP" altLang="en-US" sz="1000" dirty="0">
+              <a:solidFill>
+                <a:srgbClr val="FF0000"/>
+              </a:solidFill>
+            </a:endParaRPr>
+          </a:p>
+        </p:txBody>
+      </p:sp>
+      <p:sp>
+        <p:nvSpPr>
+          <p:cNvPr id="99" name="TextBox 26"/>
+          <p:cNvSpPr txBox="1"/>
+          <p:nvPr/>
+        </p:nvSpPr>
+        <p:spPr>
+          <a:xfrm>
+            <a:off x="1185561" y="6383927"/>
+            <a:ext cx="393056" cy="246221"/>
+          </a:xfrm>
+          <a:prstGeom prst="rect">
+            <a:avLst/>
+          </a:prstGeom>
+          <a:noFill/>
+        </p:spPr>
+        <p:txBody>
+          <a:bodyPr wrap="none" rtlCol="0">
+            <a:spAutoFit/>
+          </a:bodyPr>
+          <a:lstStyle>
+            <a:defPPr>
+              <a:defRPr lang="en-US"/>
+            </a:defPPr>
+            <a:lvl1pPr marL="0" algn="l" defTabSz="457200" rtl="0" eaLnBrk="1" latinLnBrk="0" hangingPunct="1">
+              <a:defRPr sz="1800" kern="1200">
+                <a:solidFill>
+                  <a:schemeClr val="tx1"/>
+                </a:solidFill>
+                <a:latin typeface="+mn-lt"/>
+                <a:ea typeface="+mn-ea"/>
+                <a:cs typeface="+mn-cs"/>
+              </a:defRPr>
+            </a:lvl1pPr>
+            <a:lvl2pPr marL="457200" algn="l" defTabSz="457200" rtl="0" eaLnBrk="1" latinLnBrk="0" hangingPunct="1">
+              <a:defRPr sz="1800" kern="1200">
+                <a:solidFill>
+                  <a:schemeClr val="tx1"/>
+                </a:solidFill>
+                <a:latin typeface="+mn-lt"/>
+                <a:ea typeface="+mn-ea"/>
+                <a:cs typeface="+mn-cs"/>
+              </a:defRPr>
+            </a:lvl2pPr>
+            <a:lvl3pPr marL="914400" algn="l" defTabSz="457200" rtl="0" eaLnBrk="1" latinLnBrk="0" hangingPunct="1">
+              <a:defRPr sz="1800" kern="1200">
+                <a:solidFill>
+                  <a:schemeClr val="tx1"/>
+                </a:solidFill>
+                <a:latin typeface="+mn-lt"/>
+                <a:ea typeface="+mn-ea"/>
+                <a:cs typeface="+mn-cs"/>
+              </a:defRPr>
+            </a:lvl3pPr>
+            <a:lvl4pPr marL="1371600" algn="l" defTabSz="457200" rtl="0" eaLnBrk="1" latinLnBrk="0" hangingPunct="1">
+              <a:defRPr sz="1800" kern="1200">
+                <a:solidFill>
+                  <a:schemeClr val="tx1"/>
+                </a:solidFill>
+                <a:latin typeface="+mn-lt"/>
+                <a:ea typeface="+mn-ea"/>
+                <a:cs typeface="+mn-cs"/>
+              </a:defRPr>
+            </a:lvl4pPr>
+            <a:lvl5pPr marL="1828800" algn="l" defTabSz="457200" rtl="0" eaLnBrk="1" latinLnBrk="0" hangingPunct="1">
+              <a:defRPr sz="1800" kern="1200">
+                <a:solidFill>
+                  <a:schemeClr val="tx1"/>
+                </a:solidFill>
+                <a:latin typeface="+mn-lt"/>
+                <a:ea typeface="+mn-ea"/>
+                <a:cs typeface="+mn-cs"/>
+              </a:defRPr>
+            </a:lvl5pPr>
+            <a:lvl6pPr marL="2286000" algn="l" defTabSz="457200" rtl="0" eaLnBrk="1" latinLnBrk="0" hangingPunct="1">
+              <a:defRPr sz="1800" kern="1200">
+                <a:solidFill>
+                  <a:schemeClr val="tx1"/>
+                </a:solidFill>
+                <a:latin typeface="+mn-lt"/>
+                <a:ea typeface="+mn-ea"/>
+                <a:cs typeface="+mn-cs"/>
+              </a:defRPr>
+            </a:lvl6pPr>
+            <a:lvl7pPr marL="2743200" algn="l" defTabSz="457200" rtl="0" eaLnBrk="1" latinLnBrk="0" hangingPunct="1">
+              <a:defRPr sz="1800" kern="1200">
+                <a:solidFill>
+                  <a:schemeClr val="tx1"/>
+                </a:solidFill>
+                <a:latin typeface="+mn-lt"/>
+                <a:ea typeface="+mn-ea"/>
+                <a:cs typeface="+mn-cs"/>
+              </a:defRPr>
+            </a:lvl7pPr>
+            <a:lvl8pPr marL="3200400" algn="l" defTabSz="457200" rtl="0" eaLnBrk="1" latinLnBrk="0" hangingPunct="1">
+              <a:defRPr sz="1800" kern="1200">
+                <a:solidFill>
+                  <a:schemeClr val="tx1"/>
+                </a:solidFill>
+                <a:latin typeface="+mn-lt"/>
+                <a:ea typeface="+mn-ea"/>
+                <a:cs typeface="+mn-cs"/>
+              </a:defRPr>
+            </a:lvl8pPr>
+            <a:lvl9pPr marL="3657600" algn="l" defTabSz="457200" rtl="0" eaLnBrk="1" latinLnBrk="0" hangingPunct="1">
+              <a:defRPr sz="1800" kern="1200">
+                <a:solidFill>
+                  <a:schemeClr val="tx1"/>
+                </a:solidFill>
+                <a:latin typeface="+mn-lt"/>
+                <a:ea typeface="+mn-ea"/>
+                <a:cs typeface="+mn-cs"/>
+              </a:defRPr>
+            </a:lvl9pPr>
+          </a:lstStyle>
+          <a:p>
+            <a:r>
+              <a:rPr kumimoji="1" lang="en-US" altLang="ja-JP" sz="1000" dirty="0" smtClean="0">
+                <a:solidFill>
+                  <a:srgbClr val="FF0000"/>
+                </a:solidFill>
+              </a:rPr>
+              <a:t>(10)</a:t>
+            </a:r>
+            <a:endParaRPr kumimoji="1" lang="ja-JP" altLang="en-US" sz="1000" dirty="0">
+              <a:solidFill>
+                <a:srgbClr val="FF0000"/>
+              </a:solidFill>
+            </a:endParaRPr>
           </a:p>
         </p:txBody>
       </p:sp>
@@ -24428,7 +25560,7 @@
         <p:spPr>
           <a:xfrm>
             <a:off x="426586" y="776596"/>
-            <a:ext cx="4958268" cy="5355465"/>
+            <a:ext cx="4910370" cy="5971934"/>
           </a:xfrm>
           <a:prstGeom prst="rect">
             <a:avLst/>
@@ -24563,14 +25695,14 @@
           <p:nvPr>
             <p:extLst>
               <p:ext uri="{D42A27DB-BD31-4B8C-83A1-F6EECF244321}">
-                <p14:modId xmlns:p14="http://schemas.microsoft.com/office/powerpoint/2010/main" val="842718125"/>
+                <p14:modId xmlns:p14="http://schemas.microsoft.com/office/powerpoint/2010/main" val="3153911734"/>
               </p:ext>
             </p:extLst>
           </p:nvPr>
         </p:nvGraphicFramePr>
         <p:xfrm>
           <a:off x="5409126" y="762000"/>
-          <a:ext cx="3734873" cy="4350442"/>
+          <a:ext cx="3734873" cy="5539162"/>
         </p:xfrm>
         <a:graphic>
           <a:graphicData uri="http://schemas.openxmlformats.org/drawingml/2006/table">
@@ -25312,6 +26444,232 @@
                         <a:t>S-6-4</a:t>
                       </a:r>
                       <a:endParaRPr kumimoji="1" lang="ja-JP" altLang="en-US" sz="1000" dirty="0"/>
+                    </a:p>
+                  </a:txBody>
+                  <a:tcPr/>
+                </a:tc>
+              </a:tr>
+              <a:tr h="327082">
+                <a:tc>
+                  <a:txBody>
+                    <a:bodyPr/>
+                    <a:lstStyle/>
+                    <a:p>
+                      <a:r>
+                        <a:rPr kumimoji="1" lang="en-US" altLang="ja-JP" sz="1000" dirty="0" smtClean="0"/>
+                        <a:t>10</a:t>
+                      </a:r>
+                      <a:endParaRPr kumimoji="1" lang="ja-JP" altLang="en-US" sz="1000" dirty="0"/>
+                    </a:p>
+                  </a:txBody>
+                  <a:tcPr/>
+                </a:tc>
+                <a:tc>
+                  <a:txBody>
+                    <a:bodyPr/>
+                    <a:lstStyle/>
+                    <a:p>
+                      <a:r>
+                        <a:rPr kumimoji="1" lang="en-US" altLang="ja-JP" sz="1000" dirty="0" smtClean="0"/>
+                        <a:t>Page</a:t>
+                      </a:r>
+                      <a:endParaRPr kumimoji="1" lang="ja-JP" altLang="en-US" sz="1000" dirty="0"/>
+                    </a:p>
+                  </a:txBody>
+                  <a:tcPr/>
+                </a:tc>
+                <a:tc>
+                  <a:txBody>
+                    <a:bodyPr/>
+                    <a:lstStyle/>
+                    <a:p>
+                      <a:endParaRPr kumimoji="1" lang="ja-JP" altLang="en-US" sz="1000" dirty="0"/>
+                    </a:p>
+                  </a:txBody>
+                  <a:tcPr/>
+                </a:tc>
+                <a:tc>
+                  <a:txBody>
+                    <a:bodyPr/>
+                    <a:lstStyle/>
+                    <a:p>
+                      <a:r>
+                        <a:rPr kumimoji="1" lang="en-US" altLang="ja-JP" sz="1000" dirty="0" smtClean="0"/>
+                        <a:t>Click go to index</a:t>
+                      </a:r>
+                      <a:r>
+                        <a:rPr kumimoji="1" lang="en-US" altLang="ja-JP" sz="1000" baseline="0" dirty="0" smtClean="0"/>
+                        <a:t> page</a:t>
+                      </a:r>
+                      <a:endParaRPr kumimoji="1" lang="ja-JP" altLang="en-US" sz="1000" dirty="0"/>
+                    </a:p>
+                  </a:txBody>
+                  <a:tcPr/>
+                </a:tc>
+                <a:tc>
+                  <a:txBody>
+                    <a:bodyPr/>
+                    <a:lstStyle/>
+                    <a:p>
+                      <a:r>
+                        <a:rPr kumimoji="1" lang="en-US" altLang="ja-JP" sz="1000" dirty="0" smtClean="0">
+                          <a:latin typeface="+mn-lt"/>
+                          <a:cs typeface="Calibri"/>
+                        </a:rPr>
+                        <a:t>S-1-1</a:t>
+                      </a:r>
+                      <a:endParaRPr kumimoji="1" lang="ja-JP" altLang="en-US" sz="1000" dirty="0">
+                        <a:latin typeface="Calibri"/>
+                        <a:cs typeface="Calibri"/>
+                      </a:endParaRPr>
+                    </a:p>
+                  </a:txBody>
+                  <a:tcPr/>
+                </a:tc>
+              </a:tr>
+              <a:tr h="327082">
+                <a:tc>
+                  <a:txBody>
+                    <a:bodyPr/>
+                    <a:lstStyle/>
+                    <a:p>
+                      <a:r>
+                        <a:rPr kumimoji="1" lang="en-US" altLang="ja-JP" sz="1000" dirty="0" smtClean="0"/>
+                        <a:t>11</a:t>
+                      </a:r>
+                      <a:endParaRPr kumimoji="1" lang="ja-JP" altLang="en-US" sz="1000" dirty="0"/>
+                    </a:p>
+                  </a:txBody>
+                  <a:tcPr/>
+                </a:tc>
+                <a:tc>
+                  <a:txBody>
+                    <a:bodyPr/>
+                    <a:lstStyle/>
+                    <a:p>
+                      <a:r>
+                        <a:rPr kumimoji="1" lang="en-US" altLang="ja-JP" sz="1000" dirty="0" smtClean="0"/>
+                        <a:t>Pre page</a:t>
+                      </a:r>
+                      <a:endParaRPr kumimoji="1" lang="ja-JP" altLang="en-US" sz="1000" dirty="0"/>
+                    </a:p>
+                  </a:txBody>
+                  <a:tcPr/>
+                </a:tc>
+                <a:tc>
+                  <a:txBody>
+                    <a:bodyPr/>
+                    <a:lstStyle/>
+                    <a:p>
+                      <a:endParaRPr kumimoji="1" lang="ja-JP" altLang="en-US" sz="1000" dirty="0"/>
+                    </a:p>
+                  </a:txBody>
+                  <a:tcPr/>
+                </a:tc>
+                <a:tc>
+                  <a:txBody>
+                    <a:bodyPr/>
+                    <a:lstStyle/>
+                    <a:p>
+                      <a:r>
+                        <a:rPr kumimoji="1" lang="en-US" altLang="ja-JP" sz="1000" dirty="0" smtClean="0"/>
+                        <a:t>Click go to pre page result</a:t>
+                      </a:r>
+                      <a:endParaRPr kumimoji="1" lang="ja-JP" altLang="en-US" sz="1000" dirty="0"/>
+                    </a:p>
+                  </a:txBody>
+                  <a:tcPr/>
+                </a:tc>
+                <a:tc>
+                  <a:txBody>
+                    <a:bodyPr/>
+                    <a:lstStyle/>
+                    <a:p>
+                      <a:r>
+                        <a:rPr kumimoji="1" lang="en-US" altLang="ja-JP" sz="1000" dirty="0" smtClean="0">
+                          <a:latin typeface="+mn-lt"/>
+                          <a:cs typeface="Calibri"/>
+                        </a:rPr>
+                        <a:t>S-1-1</a:t>
+                      </a:r>
+                      <a:endParaRPr kumimoji="1" lang="ja-JP" altLang="en-US" sz="1000" dirty="0">
+                        <a:latin typeface="Calibri"/>
+                        <a:cs typeface="Calibri"/>
+                      </a:endParaRPr>
+                    </a:p>
+                  </a:txBody>
+                  <a:tcPr/>
+                </a:tc>
+              </a:tr>
+              <a:tr h="327082">
+                <a:tc>
+                  <a:txBody>
+                    <a:bodyPr/>
+                    <a:lstStyle/>
+                    <a:p>
+                      <a:r>
+                        <a:rPr kumimoji="1" lang="en-US" altLang="ja-JP" sz="1000" dirty="0" smtClean="0"/>
+                        <a:t>12</a:t>
+                      </a:r>
+                      <a:endParaRPr kumimoji="1" lang="ja-JP" altLang="en-US" sz="1000" dirty="0"/>
+                    </a:p>
+                  </a:txBody>
+                  <a:tcPr/>
+                </a:tc>
+                <a:tc>
+                  <a:txBody>
+                    <a:bodyPr/>
+                    <a:lstStyle/>
+                    <a:p>
+                      <a:r>
+                        <a:rPr kumimoji="1" lang="en-US" altLang="ja-JP" sz="1000" dirty="0" smtClean="0"/>
+                        <a:t>Next page</a:t>
+                      </a:r>
+                      <a:endParaRPr kumimoji="1" lang="ja-JP" altLang="en-US" sz="1000" dirty="0"/>
+                    </a:p>
+                  </a:txBody>
+                  <a:tcPr/>
+                </a:tc>
+                <a:tc>
+                  <a:txBody>
+                    <a:bodyPr/>
+                    <a:lstStyle/>
+                    <a:p>
+                      <a:endParaRPr kumimoji="1" lang="ja-JP" altLang="en-US" sz="1000" dirty="0"/>
+                    </a:p>
+                  </a:txBody>
+                  <a:tcPr/>
+                </a:tc>
+                <a:tc>
+                  <a:txBody>
+                    <a:bodyPr/>
+                    <a:lstStyle/>
+                    <a:p>
+                      <a:r>
+                        <a:rPr kumimoji="1" lang="en-US" altLang="ja-JP" sz="1000" dirty="0" smtClean="0"/>
+                        <a:t>Click go to next page result</a:t>
+                      </a:r>
+                      <a:endParaRPr kumimoji="1" lang="ja-JP" altLang="en-US" sz="1000" dirty="0"/>
+                    </a:p>
+                  </a:txBody>
+                  <a:tcPr/>
+                </a:tc>
+                <a:tc>
+                  <a:txBody>
+                    <a:bodyPr/>
+                    <a:lstStyle/>
+                    <a:p>
+                      <a:r>
+                        <a:rPr kumimoji="1" lang="en-US" altLang="ja-JP" sz="1000" dirty="0" smtClean="0">
+                          <a:latin typeface="+mn-lt"/>
+                          <a:cs typeface="Calibri"/>
+                        </a:rPr>
+                        <a:t>S-1-1</a:t>
+                      </a:r>
+                      <a:endParaRPr kumimoji="1" lang="ja-JP" altLang="en-US" sz="1000" dirty="0">
+                        <a:latin typeface="Calibri"/>
+                        <a:cs typeface="Calibri"/>
+                      </a:endParaRPr>
                     </a:p>
                   </a:txBody>
                   <a:tcPr/>
@@ -29390,6 +30748,626 @@
                 </a:solidFill>
               </a:rPr>
               <a:t>(9)</a:t>
+            </a:r>
+            <a:endParaRPr kumimoji="1" lang="ja-JP" altLang="en-US" sz="1000" dirty="0">
+              <a:solidFill>
+                <a:srgbClr val="FF0000"/>
+              </a:solidFill>
+            </a:endParaRPr>
+          </a:p>
+        </p:txBody>
+      </p:sp>
+      <p:grpSp>
+        <p:nvGrpSpPr>
+          <p:cNvPr id="55" name="Group 54"/>
+          <p:cNvGrpSpPr/>
+          <p:nvPr/>
+        </p:nvGrpSpPr>
+        <p:grpSpPr>
+          <a:xfrm>
+            <a:off x="1746048" y="6156415"/>
+            <a:ext cx="2364289" cy="280948"/>
+            <a:chOff x="1699251" y="6375119"/>
+            <a:chExt cx="2364289" cy="280948"/>
+          </a:xfrm>
+        </p:grpSpPr>
+        <p:sp>
+          <p:nvSpPr>
+            <p:cNvPr id="56" name="Rectangle 55"/>
+            <p:cNvSpPr/>
+            <p:nvPr/>
+          </p:nvSpPr>
+          <p:spPr>
+            <a:xfrm>
+              <a:off x="1699251" y="6385446"/>
+              <a:ext cx="267638" cy="270621"/>
+            </a:xfrm>
+            <a:prstGeom prst="rect">
+              <a:avLst/>
+            </a:prstGeom>
+            <a:gradFill flip="none" rotWithShape="1">
+              <a:gsLst>
+                <a:gs pos="0">
+                  <a:schemeClr val="accent3">
+                    <a:lumMod val="67000"/>
+                  </a:schemeClr>
+                </a:gs>
+                <a:gs pos="48000">
+                  <a:schemeClr val="accent3">
+                    <a:lumMod val="97000"/>
+                    <a:lumOff val="3000"/>
+                  </a:schemeClr>
+                </a:gs>
+                <a:gs pos="100000">
+                  <a:schemeClr val="accent3">
+                    <a:lumMod val="60000"/>
+                    <a:lumOff val="40000"/>
+                  </a:schemeClr>
+                </a:gs>
+              </a:gsLst>
+              <a:lin ang="16200000" scaled="1"/>
+              <a:tileRect/>
+            </a:gradFill>
+          </p:spPr>
+          <p:style>
+            <a:lnRef idx="1">
+              <a:schemeClr val="dk1"/>
+            </a:lnRef>
+            <a:fillRef idx="3">
+              <a:schemeClr val="dk1"/>
+            </a:fillRef>
+            <a:effectRef idx="2">
+              <a:schemeClr val="dk1"/>
+            </a:effectRef>
+            <a:fontRef idx="minor">
+              <a:schemeClr val="lt1"/>
+            </a:fontRef>
+          </p:style>
+          <p:txBody>
+            <a:bodyPr rtlCol="0" anchor="ctr"/>
+            <a:lstStyle/>
+            <a:p>
+              <a:pPr algn="r"/>
+              <a:r>
+                <a:rPr kumimoji="1" lang="en-US" altLang="ja-JP" sz="800" baseline="-25000" dirty="0" smtClean="0"/>
+                <a:t>&lt;&lt;</a:t>
+              </a:r>
+              <a:endParaRPr kumimoji="1" lang="ja-JP" altLang="en-US" sz="800" baseline="-25000" dirty="0">
+                <a:solidFill>
+                  <a:srgbClr val="FF0000"/>
+                </a:solidFill>
+              </a:endParaRPr>
+            </a:p>
+          </p:txBody>
+        </p:sp>
+        <p:sp>
+          <p:nvSpPr>
+            <p:cNvPr id="59" name="Rectangle 58"/>
+            <p:cNvSpPr/>
+            <p:nvPr/>
+          </p:nvSpPr>
+          <p:spPr>
+            <a:xfrm>
+              <a:off x="2051759" y="6385446"/>
+              <a:ext cx="267638" cy="270621"/>
+            </a:xfrm>
+            <a:prstGeom prst="rect">
+              <a:avLst/>
+            </a:prstGeom>
+            <a:gradFill flip="none" rotWithShape="1">
+              <a:gsLst>
+                <a:gs pos="0">
+                  <a:schemeClr val="bg1">
+                    <a:lumMod val="95000"/>
+                  </a:schemeClr>
+                </a:gs>
+                <a:gs pos="48000">
+                  <a:schemeClr val="bg1">
+                    <a:lumMod val="95000"/>
+                  </a:schemeClr>
+                </a:gs>
+                <a:gs pos="100000">
+                  <a:schemeClr val="bg1">
+                    <a:lumMod val="85000"/>
+                  </a:schemeClr>
+                </a:gs>
+              </a:gsLst>
+              <a:lin ang="16200000" scaled="1"/>
+              <a:tileRect/>
+            </a:gradFill>
+          </p:spPr>
+          <p:style>
+            <a:lnRef idx="1">
+              <a:schemeClr val="dk1"/>
+            </a:lnRef>
+            <a:fillRef idx="3">
+              <a:schemeClr val="dk1"/>
+            </a:fillRef>
+            <a:effectRef idx="2">
+              <a:schemeClr val="dk1"/>
+            </a:effectRef>
+            <a:fontRef idx="minor">
+              <a:schemeClr val="lt1"/>
+            </a:fontRef>
+          </p:style>
+          <p:txBody>
+            <a:bodyPr rtlCol="0" anchor="ctr"/>
+            <a:lstStyle/>
+            <a:p>
+              <a:pPr algn="r"/>
+              <a:r>
+                <a:rPr kumimoji="1" lang="en-US" altLang="ja-JP" sz="1000" baseline="-25000" dirty="0" smtClean="0">
+                  <a:solidFill>
+                    <a:schemeClr val="tx1">
+                      <a:lumMod val="95000"/>
+                      <a:lumOff val="5000"/>
+                    </a:schemeClr>
+                  </a:solidFill>
+                </a:rPr>
+                <a:t>1</a:t>
+              </a:r>
+              <a:endParaRPr kumimoji="1" lang="ja-JP" altLang="en-US" sz="1000" baseline="-25000" dirty="0">
+                <a:solidFill>
+                  <a:schemeClr val="tx1">
+                    <a:lumMod val="95000"/>
+                    <a:lumOff val="5000"/>
+                  </a:schemeClr>
+                </a:solidFill>
+              </a:endParaRPr>
+            </a:p>
+          </p:txBody>
+        </p:sp>
+        <p:sp>
+          <p:nvSpPr>
+            <p:cNvPr id="60" name="Rectangle 59"/>
+            <p:cNvSpPr/>
+            <p:nvPr/>
+          </p:nvSpPr>
+          <p:spPr>
+            <a:xfrm>
+              <a:off x="2416361" y="6385446"/>
+              <a:ext cx="267638" cy="270621"/>
+            </a:xfrm>
+            <a:prstGeom prst="rect">
+              <a:avLst/>
+            </a:prstGeom>
+            <a:gradFill flip="none" rotWithShape="1">
+              <a:gsLst>
+                <a:gs pos="0">
+                  <a:schemeClr val="accent3">
+                    <a:lumMod val="67000"/>
+                  </a:schemeClr>
+                </a:gs>
+                <a:gs pos="48000">
+                  <a:schemeClr val="accent3">
+                    <a:lumMod val="97000"/>
+                    <a:lumOff val="3000"/>
+                  </a:schemeClr>
+                </a:gs>
+                <a:gs pos="100000">
+                  <a:schemeClr val="accent3">
+                    <a:lumMod val="60000"/>
+                    <a:lumOff val="40000"/>
+                  </a:schemeClr>
+                </a:gs>
+              </a:gsLst>
+              <a:lin ang="16200000" scaled="1"/>
+              <a:tileRect/>
+            </a:gradFill>
+          </p:spPr>
+          <p:style>
+            <a:lnRef idx="1">
+              <a:schemeClr val="dk1"/>
+            </a:lnRef>
+            <a:fillRef idx="3">
+              <a:schemeClr val="dk1"/>
+            </a:fillRef>
+            <a:effectRef idx="2">
+              <a:schemeClr val="dk1"/>
+            </a:effectRef>
+            <a:fontRef idx="minor">
+              <a:schemeClr val="lt1"/>
+            </a:fontRef>
+          </p:style>
+          <p:txBody>
+            <a:bodyPr rtlCol="0" anchor="ctr"/>
+            <a:lstStyle/>
+            <a:p>
+              <a:pPr algn="r"/>
+              <a:r>
+                <a:rPr kumimoji="1" lang="en-US" altLang="ja-JP" sz="1000" baseline="-25000" dirty="0" smtClean="0"/>
+                <a:t>2</a:t>
+              </a:r>
+              <a:endParaRPr kumimoji="1" lang="ja-JP" altLang="en-US" sz="1000" baseline="-25000" dirty="0">
+                <a:solidFill>
+                  <a:srgbClr val="FF0000"/>
+                </a:solidFill>
+              </a:endParaRPr>
+            </a:p>
+          </p:txBody>
+        </p:sp>
+        <p:sp>
+          <p:nvSpPr>
+            <p:cNvPr id="61" name="Rectangle 60"/>
+            <p:cNvSpPr/>
+            <p:nvPr/>
+          </p:nvSpPr>
+          <p:spPr>
+            <a:xfrm>
+              <a:off x="2760974" y="6383017"/>
+              <a:ext cx="267638" cy="270621"/>
+            </a:xfrm>
+            <a:prstGeom prst="rect">
+              <a:avLst/>
+            </a:prstGeom>
+            <a:gradFill flip="none" rotWithShape="1">
+              <a:gsLst>
+                <a:gs pos="0">
+                  <a:schemeClr val="accent3">
+                    <a:lumMod val="67000"/>
+                  </a:schemeClr>
+                </a:gs>
+                <a:gs pos="48000">
+                  <a:schemeClr val="accent3">
+                    <a:lumMod val="97000"/>
+                    <a:lumOff val="3000"/>
+                  </a:schemeClr>
+                </a:gs>
+                <a:gs pos="100000">
+                  <a:schemeClr val="accent3">
+                    <a:lumMod val="60000"/>
+                    <a:lumOff val="40000"/>
+                  </a:schemeClr>
+                </a:gs>
+              </a:gsLst>
+              <a:lin ang="16200000" scaled="1"/>
+              <a:tileRect/>
+            </a:gradFill>
+          </p:spPr>
+          <p:style>
+            <a:lnRef idx="1">
+              <a:schemeClr val="dk1"/>
+            </a:lnRef>
+            <a:fillRef idx="3">
+              <a:schemeClr val="dk1"/>
+            </a:fillRef>
+            <a:effectRef idx="2">
+              <a:schemeClr val="dk1"/>
+            </a:effectRef>
+            <a:fontRef idx="minor">
+              <a:schemeClr val="lt1"/>
+            </a:fontRef>
+          </p:style>
+          <p:txBody>
+            <a:bodyPr rtlCol="0" anchor="ctr"/>
+            <a:lstStyle/>
+            <a:p>
+              <a:pPr algn="r"/>
+              <a:r>
+                <a:rPr kumimoji="1" lang="en-US" altLang="ja-JP" sz="1000" baseline="-25000" dirty="0" smtClean="0"/>
+                <a:t>3</a:t>
+              </a:r>
+              <a:endParaRPr kumimoji="1" lang="ja-JP" altLang="en-US" sz="1000" baseline="-25000" dirty="0">
+                <a:solidFill>
+                  <a:srgbClr val="FF0000"/>
+                </a:solidFill>
+              </a:endParaRPr>
+            </a:p>
+          </p:txBody>
+        </p:sp>
+        <p:sp>
+          <p:nvSpPr>
+            <p:cNvPr id="62" name="Rectangle 61"/>
+            <p:cNvSpPr/>
+            <p:nvPr/>
+          </p:nvSpPr>
+          <p:spPr>
+            <a:xfrm>
+              <a:off x="3105587" y="6380588"/>
+              <a:ext cx="267638" cy="270621"/>
+            </a:xfrm>
+            <a:prstGeom prst="rect">
+              <a:avLst/>
+            </a:prstGeom>
+            <a:gradFill flip="none" rotWithShape="1">
+              <a:gsLst>
+                <a:gs pos="0">
+                  <a:schemeClr val="accent3">
+                    <a:lumMod val="67000"/>
+                  </a:schemeClr>
+                </a:gs>
+                <a:gs pos="48000">
+                  <a:schemeClr val="accent3">
+                    <a:lumMod val="97000"/>
+                    <a:lumOff val="3000"/>
+                  </a:schemeClr>
+                </a:gs>
+                <a:gs pos="100000">
+                  <a:schemeClr val="accent3">
+                    <a:lumMod val="60000"/>
+                    <a:lumOff val="40000"/>
+                  </a:schemeClr>
+                </a:gs>
+              </a:gsLst>
+              <a:lin ang="16200000" scaled="1"/>
+              <a:tileRect/>
+            </a:gradFill>
+          </p:spPr>
+          <p:style>
+            <a:lnRef idx="1">
+              <a:schemeClr val="dk1"/>
+            </a:lnRef>
+            <a:fillRef idx="3">
+              <a:schemeClr val="dk1"/>
+            </a:fillRef>
+            <a:effectRef idx="2">
+              <a:schemeClr val="dk1"/>
+            </a:effectRef>
+            <a:fontRef idx="minor">
+              <a:schemeClr val="lt1"/>
+            </a:fontRef>
+          </p:style>
+          <p:txBody>
+            <a:bodyPr rtlCol="0" anchor="ctr"/>
+            <a:lstStyle/>
+            <a:p>
+              <a:pPr algn="r"/>
+              <a:r>
+                <a:rPr kumimoji="1" lang="en-US" altLang="ja-JP" sz="1000" baseline="-25000" dirty="0" smtClean="0"/>
+                <a:t>4</a:t>
+              </a:r>
+              <a:endParaRPr kumimoji="1" lang="ja-JP" altLang="en-US" sz="1000" baseline="-25000" dirty="0">
+                <a:solidFill>
+                  <a:srgbClr val="FF0000"/>
+                </a:solidFill>
+              </a:endParaRPr>
+            </a:p>
+          </p:txBody>
+        </p:sp>
+        <p:sp>
+          <p:nvSpPr>
+            <p:cNvPr id="77" name="Rectangle 76"/>
+            <p:cNvSpPr/>
+            <p:nvPr/>
+          </p:nvSpPr>
+          <p:spPr>
+            <a:xfrm>
+              <a:off x="3450200" y="6378159"/>
+              <a:ext cx="267638" cy="270621"/>
+            </a:xfrm>
+            <a:prstGeom prst="rect">
+              <a:avLst/>
+            </a:prstGeom>
+            <a:gradFill flip="none" rotWithShape="1">
+              <a:gsLst>
+                <a:gs pos="0">
+                  <a:schemeClr val="accent3">
+                    <a:lumMod val="67000"/>
+                  </a:schemeClr>
+                </a:gs>
+                <a:gs pos="48000">
+                  <a:schemeClr val="accent3">
+                    <a:lumMod val="97000"/>
+                    <a:lumOff val="3000"/>
+                  </a:schemeClr>
+                </a:gs>
+                <a:gs pos="100000">
+                  <a:schemeClr val="accent3">
+                    <a:lumMod val="60000"/>
+                    <a:lumOff val="40000"/>
+                  </a:schemeClr>
+                </a:gs>
+              </a:gsLst>
+              <a:lin ang="16200000" scaled="1"/>
+              <a:tileRect/>
+            </a:gradFill>
+          </p:spPr>
+          <p:style>
+            <a:lnRef idx="1">
+              <a:schemeClr val="dk1"/>
+            </a:lnRef>
+            <a:fillRef idx="3">
+              <a:schemeClr val="dk1"/>
+            </a:fillRef>
+            <a:effectRef idx="2">
+              <a:schemeClr val="dk1"/>
+            </a:effectRef>
+            <a:fontRef idx="minor">
+              <a:schemeClr val="lt1"/>
+            </a:fontRef>
+          </p:style>
+          <p:txBody>
+            <a:bodyPr rtlCol="0" anchor="ctr"/>
+            <a:lstStyle/>
+            <a:p>
+              <a:pPr algn="r"/>
+              <a:r>
+                <a:rPr kumimoji="1" lang="en-US" altLang="ja-JP" sz="800" baseline="-25000" dirty="0" smtClean="0"/>
+                <a:t>5</a:t>
+              </a:r>
+              <a:endParaRPr kumimoji="1" lang="ja-JP" altLang="en-US" sz="800" baseline="-25000" dirty="0">
+                <a:solidFill>
+                  <a:srgbClr val="FF0000"/>
+                </a:solidFill>
+              </a:endParaRPr>
+            </a:p>
+          </p:txBody>
+        </p:sp>
+        <p:sp>
+          <p:nvSpPr>
+            <p:cNvPr id="78" name="Rectangle 77"/>
+            <p:cNvSpPr/>
+            <p:nvPr/>
+          </p:nvSpPr>
+          <p:spPr>
+            <a:xfrm>
+              <a:off x="3795902" y="6375119"/>
+              <a:ext cx="267638" cy="270621"/>
+            </a:xfrm>
+            <a:prstGeom prst="rect">
+              <a:avLst/>
+            </a:prstGeom>
+            <a:gradFill flip="none" rotWithShape="1">
+              <a:gsLst>
+                <a:gs pos="0">
+                  <a:schemeClr val="accent3">
+                    <a:lumMod val="67000"/>
+                  </a:schemeClr>
+                </a:gs>
+                <a:gs pos="48000">
+                  <a:schemeClr val="accent3">
+                    <a:lumMod val="97000"/>
+                    <a:lumOff val="3000"/>
+                  </a:schemeClr>
+                </a:gs>
+                <a:gs pos="100000">
+                  <a:schemeClr val="accent3">
+                    <a:lumMod val="60000"/>
+                    <a:lumOff val="40000"/>
+                  </a:schemeClr>
+                </a:gs>
+              </a:gsLst>
+              <a:lin ang="16200000" scaled="1"/>
+              <a:tileRect/>
+            </a:gradFill>
+          </p:spPr>
+          <p:style>
+            <a:lnRef idx="1">
+              <a:schemeClr val="dk1"/>
+            </a:lnRef>
+            <a:fillRef idx="3">
+              <a:schemeClr val="dk1"/>
+            </a:fillRef>
+            <a:effectRef idx="2">
+              <a:schemeClr val="dk1"/>
+            </a:effectRef>
+            <a:fontRef idx="minor">
+              <a:schemeClr val="lt1"/>
+            </a:fontRef>
+          </p:style>
+          <p:txBody>
+            <a:bodyPr rtlCol="0" anchor="ctr"/>
+            <a:lstStyle/>
+            <a:p>
+              <a:pPr algn="r"/>
+              <a:r>
+                <a:rPr kumimoji="1" lang="en-US" altLang="ja-JP" sz="800" baseline="-25000" dirty="0" smtClean="0"/>
+                <a:t>&gt;&gt;</a:t>
+              </a:r>
+              <a:endParaRPr kumimoji="1" lang="ja-JP" altLang="en-US" sz="800" baseline="-25000" dirty="0">
+                <a:solidFill>
+                  <a:srgbClr val="FF0000"/>
+                </a:solidFill>
+              </a:endParaRPr>
+            </a:p>
+          </p:txBody>
+        </p:sp>
+      </p:grpSp>
+      <p:sp>
+        <p:nvSpPr>
+          <p:cNvPr id="80" name="TextBox 79"/>
+          <p:cNvSpPr txBox="1"/>
+          <p:nvPr/>
+        </p:nvSpPr>
+        <p:spPr>
+          <a:xfrm>
+            <a:off x="1500369" y="6191142"/>
+            <a:ext cx="499869" cy="246221"/>
+          </a:xfrm>
+          <a:prstGeom prst="rect">
+            <a:avLst/>
+          </a:prstGeom>
+          <a:noFill/>
+        </p:spPr>
+        <p:txBody>
+          <a:bodyPr wrap="square" rtlCol="0">
+            <a:spAutoFit/>
+          </a:bodyPr>
+          <a:lstStyle/>
+          <a:p>
+            <a:r>
+              <a:rPr kumimoji="1" lang="en-US" altLang="ja-JP" sz="1000" dirty="0" smtClean="0">
+                <a:solidFill>
+                  <a:srgbClr val="FF0000"/>
+                </a:solidFill>
+              </a:rPr>
+              <a:t>(11)</a:t>
+            </a:r>
+            <a:endParaRPr kumimoji="1" lang="ja-JP" altLang="en-US" sz="1000" dirty="0">
+              <a:solidFill>
+                <a:srgbClr val="FF0000"/>
+              </a:solidFill>
+            </a:endParaRPr>
+          </a:p>
+        </p:txBody>
+      </p:sp>
+      <p:sp>
+        <p:nvSpPr>
+          <p:cNvPr id="81" name="TextBox 80"/>
+          <p:cNvSpPr txBox="1"/>
+          <p:nvPr/>
+        </p:nvSpPr>
+        <p:spPr>
+          <a:xfrm>
+            <a:off x="3985569" y="6163311"/>
+            <a:ext cx="409302" cy="246221"/>
+          </a:xfrm>
+          <a:prstGeom prst="rect">
+            <a:avLst/>
+          </a:prstGeom>
+          <a:noFill/>
+        </p:spPr>
+        <p:txBody>
+          <a:bodyPr wrap="square" rtlCol="0">
+            <a:spAutoFit/>
+          </a:bodyPr>
+          <a:lstStyle/>
+          <a:p>
+            <a:r>
+              <a:rPr kumimoji="1" lang="en-US" altLang="ja-JP" sz="1000" smtClean="0">
+                <a:solidFill>
+                  <a:srgbClr val="FF0000"/>
+                </a:solidFill>
+              </a:rPr>
+              <a:t>(12)</a:t>
+            </a:r>
+            <a:endParaRPr kumimoji="1" lang="ja-JP" altLang="en-US" sz="1000" dirty="0">
+              <a:solidFill>
+                <a:srgbClr val="FF0000"/>
+              </a:solidFill>
+            </a:endParaRPr>
+          </a:p>
+        </p:txBody>
+      </p:sp>
+      <p:sp>
+        <p:nvSpPr>
+          <p:cNvPr id="82" name="TextBox 81"/>
+          <p:cNvSpPr txBox="1"/>
+          <p:nvPr/>
+        </p:nvSpPr>
+        <p:spPr>
+          <a:xfrm>
+            <a:off x="2770335" y="6368240"/>
+            <a:ext cx="442128" cy="246221"/>
+          </a:xfrm>
+          <a:prstGeom prst="rect">
+            <a:avLst/>
+          </a:prstGeom>
+          <a:noFill/>
+        </p:spPr>
+        <p:txBody>
+          <a:bodyPr wrap="square" rtlCol="0">
+            <a:spAutoFit/>
+          </a:bodyPr>
+          <a:lstStyle/>
+          <a:p>
+            <a:r>
+              <a:rPr kumimoji="1" lang="en-US" altLang="ja-JP" sz="1000" dirty="0" smtClean="0">
+                <a:solidFill>
+                  <a:srgbClr val="FF0000"/>
+                </a:solidFill>
+              </a:rPr>
+              <a:t>(10)</a:t>
             </a:r>
             <a:endParaRPr kumimoji="1" lang="ja-JP" altLang="en-US" sz="1000" dirty="0">
               <a:solidFill>
